--- a/04/04.pptx
+++ b/04/04.pptx
@@ -6,10 +6,10 @@
     <p:sldMasterId id="2147483684" r:id="rId2"/>
   </p:sldMasterIdLst>
   <p:notesMasterIdLst>
-    <p:notesMasterId r:id="rId16"/>
+    <p:notesMasterId r:id="rId15"/>
   </p:notesMasterIdLst>
   <p:handoutMasterIdLst>
-    <p:handoutMasterId r:id="rId17"/>
+    <p:handoutMasterId r:id="rId16"/>
   </p:handoutMasterIdLst>
   <p:sldIdLst>
     <p:sldId id="444" r:id="rId3"/>
@@ -24,7 +24,6 @@
     <p:sldId id="492" r:id="rId12"/>
     <p:sldId id="493" r:id="rId13"/>
     <p:sldId id="484" r:id="rId14"/>
-    <p:sldId id="494" r:id="rId15"/>
   </p:sldIdLst>
   <p:sldSz cx="9144000" cy="5143500" type="screen16x9"/>
   <p:notesSz cx="6858000" cy="9144000"/>
@@ -140,7 +139,6 @@
             <p14:sldId id="492"/>
             <p14:sldId id="493"/>
             <p14:sldId id="484"/>
-            <p14:sldId id="494"/>
           </p14:sldIdLst>
         </p14:section>
       </p14:sectionLst>
@@ -269,7 +267,7 @@
           <a:p>
             <a:fld id="{B5389E1E-C654-E943-9883-792E99AD7287}" type="datetimeFigureOut">
               <a:rPr lang="en-US" smtClean="0"/>
-              <a:t>11/3/2016</a:t>
+              <a:t>2/13/2017</a:t>
             </a:fld>
             <a:endParaRPr lang="en-US"/>
           </a:p>
@@ -435,7 +433,7 @@
           <a:p>
             <a:fld id="{9920D99B-2862-464A-984E-65BFC5FC0BBC}" type="datetimeFigureOut">
               <a:rPr lang="en-US" smtClean="0"/>
-              <a:t>11/3/2016</a:t>
+              <a:t>2/13/2017</a:t>
             </a:fld>
             <a:endParaRPr lang="en-US"/>
           </a:p>
@@ -1877,339 +1875,6 @@
 
 <file path=ppt/slideLayouts/slideLayout10.xml><?xml version="1.0" encoding="utf-8"?>
 <p:sldLayout xmlns:a="http://schemas.openxmlformats.org/drawingml/2006/main" xmlns:r="http://schemas.openxmlformats.org/officeDocument/2006/relationships" xmlns:p="http://schemas.openxmlformats.org/presentationml/2006/main" preserve="1" userDrawn="1">
-  <p:cSld name="1_Demo, Video etc. &quot;special&quot; slides">
-    <p:bg>
-      <p:bgPr>
-        <a:gradFill>
-          <a:gsLst>
-            <a:gs pos="0">
-              <a:schemeClr val="tx1"/>
-            </a:gs>
-            <a:gs pos="50000">
-              <a:srgbClr val="0070C0"/>
-            </a:gs>
-            <a:gs pos="100000">
-              <a:srgbClr val="7030A0"/>
-            </a:gs>
-          </a:gsLst>
-          <a:lin ang="2700000" scaled="0"/>
-        </a:gradFill>
-        <a:effectLst/>
-      </p:bgPr>
-    </p:bg>
-    <p:spTree>
-      <p:nvGrpSpPr>
-        <p:cNvPr id="1" name=""/>
-        <p:cNvGrpSpPr/>
-        <p:nvPr/>
-      </p:nvGrpSpPr>
-      <p:grpSpPr>
-        <a:xfrm>
-          <a:off x="0" y="0"/>
-          <a:ext cx="0" cy="0"/>
-          <a:chOff x="0" y="0"/>
-          <a:chExt cx="0" cy="0"/>
-        </a:xfrm>
-      </p:grpSpPr>
-      <p:sp>
-        <p:nvSpPr>
-          <p:cNvPr id="2" name="Title 1"/>
-          <p:cNvSpPr>
-            <a:spLocks noGrp="1"/>
-          </p:cNvSpPr>
-          <p:nvPr>
-            <p:ph type="ctrTitle"/>
-          </p:nvPr>
-        </p:nvSpPr>
-        <p:spPr>
-          <a:xfrm>
-            <a:off x="838200" y="1428750"/>
-            <a:ext cx="7043208" cy="1142621"/>
-          </a:xfrm>
-        </p:spPr>
-        <p:txBody>
-          <a:bodyPr anchor="t" anchorCtr="0">
-            <a:noAutofit/>
-          </a:bodyPr>
-          <a:lstStyle>
-            <a:lvl1pPr algn="l" defTabSz="685772" rtl="0" eaLnBrk="1" latinLnBrk="0" hangingPunct="1">
-              <a:lnSpc>
-                <a:spcPct val="90000"/>
-              </a:lnSpc>
-              <a:spcBef>
-                <a:spcPct val="0"/>
-              </a:spcBef>
-              <a:buNone/>
-              <a:defRPr lang="en-US" sz="4050" b="0" kern="1200" cap="none" spc="-113" dirty="0">
-                <a:ln w="3175">
-                  <a:noFill/>
-                </a:ln>
-                <a:gradFill flip="none" rotWithShape="1">
-                  <a:gsLst>
-                    <a:gs pos="0">
-                      <a:schemeClr val="tx1"/>
-                    </a:gs>
-                    <a:gs pos="86000">
-                      <a:schemeClr val="tx1"/>
-                    </a:gs>
-                  </a:gsLst>
-                  <a:lin ang="5400000" scaled="0"/>
-                  <a:tileRect/>
-                </a:gradFill>
-                <a:effectLst/>
-                <a:latin typeface="+mj-lt"/>
-                <a:ea typeface="+mn-ea"/>
-                <a:cs typeface="Arial" charset="0"/>
-              </a:defRPr>
-            </a:lvl1pPr>
-          </a:lstStyle>
-          <a:p>
-            <a:r>
-              <a:rPr lang="en-US"/>
-              <a:t>Click to edit Master title style</a:t>
-            </a:r>
-            <a:endParaRPr lang="en-US" dirty="0"/>
-          </a:p>
-        </p:txBody>
-      </p:sp>
-      <p:sp>
-        <p:nvSpPr>
-          <p:cNvPr id="3" name="Subtitle 2"/>
-          <p:cNvSpPr>
-            <a:spLocks noGrp="1"/>
-          </p:cNvSpPr>
-          <p:nvPr>
-            <p:ph type="subTitle" idx="1"/>
-          </p:nvPr>
-        </p:nvSpPr>
-        <p:spPr>
-          <a:xfrm>
-            <a:off x="838200" y="3257550"/>
-            <a:ext cx="3429000" cy="346249"/>
-          </a:xfrm>
-        </p:spPr>
-        <p:txBody>
-          <a:bodyPr>
-            <a:noAutofit/>
-          </a:bodyPr>
-          <a:lstStyle>
-            <a:lvl1pPr marL="0" indent="0" algn="l" defTabSz="685772" rtl="0" eaLnBrk="1" latinLnBrk="0" hangingPunct="1">
-              <a:lnSpc>
-                <a:spcPct val="90000"/>
-              </a:lnSpc>
-              <a:spcBef>
-                <a:spcPts val="0"/>
-              </a:spcBef>
-              <a:buSzPct val="85000"/>
-              <a:buFontTx/>
-              <a:buNone/>
-              <a:defRPr lang="en-US" sz="2400" kern="1200" dirty="0">
-                <a:gradFill>
-                  <a:gsLst>
-                    <a:gs pos="0">
-                      <a:schemeClr val="accent1">
-                        <a:lumMod val="40000"/>
-                        <a:lumOff val="60000"/>
-                      </a:schemeClr>
-                    </a:gs>
-                    <a:gs pos="86000">
-                      <a:schemeClr val="accent1">
-                        <a:lumMod val="40000"/>
-                        <a:lumOff val="60000"/>
-                      </a:schemeClr>
-                    </a:gs>
-                  </a:gsLst>
-                  <a:lin ang="5400000" scaled="0"/>
-                </a:gradFill>
-                <a:latin typeface="+mn-lt"/>
-                <a:ea typeface="+mn-ea"/>
-                <a:cs typeface="+mn-cs"/>
-              </a:defRPr>
-            </a:lvl1pPr>
-            <a:lvl2pPr marL="342887" indent="0" algn="ctr">
-              <a:buNone/>
-              <a:defRPr>
-                <a:solidFill>
-                  <a:schemeClr val="tx1">
-                    <a:tint val="75000"/>
-                  </a:schemeClr>
-                </a:solidFill>
-              </a:defRPr>
-            </a:lvl2pPr>
-            <a:lvl3pPr marL="685772" indent="0" algn="ctr">
-              <a:buNone/>
-              <a:defRPr>
-                <a:solidFill>
-                  <a:schemeClr val="tx1">
-                    <a:tint val="75000"/>
-                  </a:schemeClr>
-                </a:solidFill>
-              </a:defRPr>
-            </a:lvl3pPr>
-            <a:lvl4pPr marL="1028659" indent="0" algn="ctr">
-              <a:buNone/>
-              <a:defRPr>
-                <a:solidFill>
-                  <a:schemeClr val="tx1">
-                    <a:tint val="75000"/>
-                  </a:schemeClr>
-                </a:solidFill>
-              </a:defRPr>
-            </a:lvl4pPr>
-            <a:lvl5pPr marL="1371545" indent="0" algn="ctr">
-              <a:buNone/>
-              <a:defRPr>
-                <a:solidFill>
-                  <a:schemeClr val="tx1">
-                    <a:tint val="75000"/>
-                  </a:schemeClr>
-                </a:solidFill>
-              </a:defRPr>
-            </a:lvl5pPr>
-            <a:lvl6pPr marL="1714432" indent="0" algn="ctr">
-              <a:buNone/>
-              <a:defRPr>
-                <a:solidFill>
-                  <a:schemeClr val="tx1">
-                    <a:tint val="75000"/>
-                  </a:schemeClr>
-                </a:solidFill>
-              </a:defRPr>
-            </a:lvl6pPr>
-            <a:lvl7pPr marL="2057318" indent="0" algn="ctr">
-              <a:buNone/>
-              <a:defRPr>
-                <a:solidFill>
-                  <a:schemeClr val="tx1">
-                    <a:tint val="75000"/>
-                  </a:schemeClr>
-                </a:solidFill>
-              </a:defRPr>
-            </a:lvl7pPr>
-            <a:lvl8pPr marL="2400204" indent="0" algn="ctr">
-              <a:buNone/>
-              <a:defRPr>
-                <a:solidFill>
-                  <a:schemeClr val="tx1">
-                    <a:tint val="75000"/>
-                  </a:schemeClr>
-                </a:solidFill>
-              </a:defRPr>
-            </a:lvl8pPr>
-            <a:lvl9pPr marL="2743091" indent="0" algn="ctr">
-              <a:buNone/>
-              <a:defRPr>
-                <a:solidFill>
-                  <a:schemeClr val="tx1">
-                    <a:tint val="75000"/>
-                  </a:schemeClr>
-                </a:solidFill>
-              </a:defRPr>
-            </a:lvl9pPr>
-          </a:lstStyle>
-          <a:p>
-            <a:r>
-              <a:rPr lang="en-US"/>
-              <a:t>Click to edit Master subtitle style</a:t>
-            </a:r>
-            <a:endParaRPr lang="en-US" dirty="0"/>
-          </a:p>
-        </p:txBody>
-      </p:sp>
-      <p:sp>
-        <p:nvSpPr>
-          <p:cNvPr id="7" name="Text Placeholder 6"/>
-          <p:cNvSpPr>
-            <a:spLocks noGrp="1"/>
-          </p:cNvSpPr>
-          <p:nvPr>
-            <p:ph type="body" sz="quarter" idx="10" hasCustomPrompt="1"/>
-          </p:nvPr>
-        </p:nvSpPr>
-        <p:spPr>
-          <a:xfrm>
-            <a:off x="1072886" y="171450"/>
-            <a:ext cx="7690114" cy="1038746"/>
-          </a:xfrm>
-        </p:spPr>
-        <p:txBody>
-          <a:bodyPr anchor="t" anchorCtr="0">
-            <a:noAutofit/>
-            <a:scene3d>
-              <a:camera prst="orthographicFront"/>
-              <a:lightRig rig="flat" dir="t"/>
-            </a:scene3d>
-            <a:sp3d>
-              <a:contourClr>
-                <a:schemeClr val="tx2"/>
-              </a:contourClr>
-            </a:sp3d>
-          </a:bodyPr>
-          <a:lstStyle>
-            <a:lvl1pPr marL="0" indent="0" algn="r">
-              <a:buFont typeface="Arial" pitchFamily="34" charset="0"/>
-              <a:buNone/>
-              <a:defRPr kumimoji="0" lang="en-US" sz="8250" b="1" i="1" u="none" strike="noStrike" kern="1200" cap="none" spc="-482" normalizeH="0" baseline="0" noProof="0" dirty="0" smtClean="0">
-                <a:ln w="11430"/>
-                <a:gradFill>
-                  <a:gsLst>
-                    <a:gs pos="0">
-                      <a:schemeClr val="tx1"/>
-                    </a:gs>
-                    <a:gs pos="88000">
-                      <a:schemeClr val="tx1">
-                        <a:alpha val="50000"/>
-                      </a:schemeClr>
-                    </a:gs>
-                  </a:gsLst>
-                  <a:lin ang="5400000"/>
-                </a:gradFill>
-                <a:effectLst/>
-                <a:uLnTx/>
-                <a:uFillTx/>
-                <a:latin typeface="Segoe UI" pitchFamily="34" charset="0"/>
-                <a:ea typeface="+mn-ea"/>
-                <a:cs typeface="+mn-cs"/>
-              </a:defRPr>
-            </a:lvl1pPr>
-          </a:lstStyle>
-          <a:p>
-            <a:pPr marL="0" lvl="0" indent="0" algn="r" defTabSz="685772" rtl="0" eaLnBrk="1" latinLnBrk="0" hangingPunct="1">
-              <a:lnSpc>
-                <a:spcPct val="90000"/>
-              </a:lnSpc>
-              <a:spcBef>
-                <a:spcPct val="20000"/>
-              </a:spcBef>
-              <a:buSzPct val="85000"/>
-              <a:buFont typeface="Arial" pitchFamily="34" charset="0"/>
-              <a:buNone/>
-            </a:pPr>
-            <a:r>
-              <a:rPr lang="en-US" dirty="0"/>
-              <a:t>click to…</a:t>
-            </a:r>
-          </a:p>
-        </p:txBody>
-      </p:sp>
-    </p:spTree>
-    <p:extLst>
-      <p:ext uri="{BB962C8B-B14F-4D97-AF65-F5344CB8AC3E}">
-        <p14:creationId xmlns:p14="http://schemas.microsoft.com/office/powerpoint/2010/main" val="1728899118"/>
-      </p:ext>
-    </p:extLst>
-  </p:cSld>
-  <p:clrMapOvr>
-    <a:masterClrMapping/>
-  </p:clrMapOvr>
-  <p:transition>
-    <p:fade/>
-  </p:transition>
-</p:sldLayout>
-</file>
-
-<file path=ppt/slideLayouts/slideLayout11.xml><?xml version="1.0" encoding="utf-8"?>
-<p:sldLayout xmlns:a="http://schemas.openxmlformats.org/drawingml/2006/main" xmlns:r="http://schemas.openxmlformats.org/officeDocument/2006/relationships" xmlns:p="http://schemas.openxmlformats.org/presentationml/2006/main" preserve="1" userDrawn="1">
   <p:cSld name="1_Title and Content">
     <p:spTree>
       <p:nvGrpSpPr>
@@ -2326,7 +1991,7 @@
 </p:sldLayout>
 </file>
 
-<file path=ppt/slideLayouts/slideLayout12.xml><?xml version="1.0" encoding="utf-8"?>
+<file path=ppt/slideLayouts/slideLayout11.xml><?xml version="1.0" encoding="utf-8"?>
 <p:sldLayout xmlns:a="http://schemas.openxmlformats.org/drawingml/2006/main" xmlns:r="http://schemas.openxmlformats.org/officeDocument/2006/relationships" xmlns:p="http://schemas.openxmlformats.org/presentationml/2006/main" type="obj" preserve="1">
   <p:cSld name="Title and Content">
     <p:spTree>
@@ -2493,7 +2158,7 @@
 </p:sldLayout>
 </file>
 
-<file path=ppt/slideLayouts/slideLayout13.xml><?xml version="1.0" encoding="utf-8"?>
+<file path=ppt/slideLayouts/slideLayout12.xml><?xml version="1.0" encoding="utf-8"?>
 <p:sldLayout xmlns:a="http://schemas.openxmlformats.org/drawingml/2006/main" xmlns:r="http://schemas.openxmlformats.org/officeDocument/2006/relationships" xmlns:p="http://schemas.openxmlformats.org/presentationml/2006/main" type="twoObj" preserve="1">
   <p:cSld name="Two Content">
     <p:spTree>
@@ -2748,7 +2413,7 @@
 </p:sldLayout>
 </file>
 
-<file path=ppt/slideLayouts/slideLayout14.xml><?xml version="1.0" encoding="utf-8"?>
+<file path=ppt/slideLayouts/slideLayout13.xml><?xml version="1.0" encoding="utf-8"?>
 <p:sldLayout xmlns:a="http://schemas.openxmlformats.org/drawingml/2006/main" xmlns:r="http://schemas.openxmlformats.org/officeDocument/2006/relationships" xmlns:p="http://schemas.openxmlformats.org/presentationml/2006/main" type="twoTxTwoObj" preserve="1">
   <p:cSld name="Comparison">
     <p:spTree>
@@ -3120,7 +2785,7 @@
 </p:sldLayout>
 </file>
 
-<file path=ppt/slideLayouts/slideLayout15.xml><?xml version="1.0" encoding="utf-8"?>
+<file path=ppt/slideLayouts/slideLayout14.xml><?xml version="1.0" encoding="utf-8"?>
 <p:sldLayout xmlns:a="http://schemas.openxmlformats.org/drawingml/2006/main" xmlns:r="http://schemas.openxmlformats.org/officeDocument/2006/relationships" xmlns:p="http://schemas.openxmlformats.org/presentationml/2006/main" type="titleOnly" preserve="1">
   <p:cSld name="Title Only">
     <p:spTree>
@@ -3176,7 +2841,7 @@
 </p:sldLayout>
 </file>
 
-<file path=ppt/slideLayouts/slideLayout16.xml><?xml version="1.0" encoding="utf-8"?>
+<file path=ppt/slideLayouts/slideLayout15.xml><?xml version="1.0" encoding="utf-8"?>
 <p:sldLayout xmlns:a="http://schemas.openxmlformats.org/drawingml/2006/main" xmlns:r="http://schemas.openxmlformats.org/officeDocument/2006/relationships" xmlns:p="http://schemas.openxmlformats.org/presentationml/2006/main" type="blank" preserve="1">
   <p:cSld name="Blank">
     <p:spTree>
@@ -3209,7 +2874,7 @@
 </p:sldLayout>
 </file>
 
-<file path=ppt/slideLayouts/slideLayout17.xml><?xml version="1.0" encoding="utf-8"?>
+<file path=ppt/slideLayouts/slideLayout16.xml><?xml version="1.0" encoding="utf-8"?>
 <p:sldLayout xmlns:a="http://schemas.openxmlformats.org/drawingml/2006/main" xmlns:r="http://schemas.openxmlformats.org/officeDocument/2006/relationships" xmlns:p="http://schemas.openxmlformats.org/presentationml/2006/main" preserve="1" userDrawn="1">
   <p:cSld name="WALKIN - Prints in GRAYSCALE">
     <p:bg bwMode="ltGray">
@@ -3261,7 +2926,7 @@
 </p:sldLayout>
 </file>
 
-<file path=ppt/slideLayouts/slideLayout18.xml><?xml version="1.0" encoding="utf-8"?>
+<file path=ppt/slideLayouts/slideLayout17.xml><?xml version="1.0" encoding="utf-8"?>
 <p:sldLayout xmlns:a="http://schemas.openxmlformats.org/drawingml/2006/main" xmlns:r="http://schemas.openxmlformats.org/officeDocument/2006/relationships" xmlns:p="http://schemas.openxmlformats.org/presentationml/2006/main" preserve="1" userDrawn="1">
   <p:cSld name="No Camera Layout">
     <p:spTree>
@@ -3731,7 +3396,7 @@
 </p:sldLayout>
 </file>
 
-<file path=ppt/slideLayouts/slideLayout19.xml><?xml version="1.0" encoding="utf-8"?>
+<file path=ppt/slideLayouts/slideLayout18.xml><?xml version="1.0" encoding="utf-8"?>
 <p:sldLayout xmlns:a="http://schemas.openxmlformats.org/drawingml/2006/main" xmlns:r="http://schemas.openxmlformats.org/officeDocument/2006/relationships" xmlns:p="http://schemas.openxmlformats.org/presentationml/2006/main">
   <p:cSld name="3_Title and Content">
     <p:bg bwMode="black">
@@ -3942,6 +3607,150 @@
     <p:extLst>
       <p:ext uri="{BB962C8B-B14F-4D97-AF65-F5344CB8AC3E}">
         <p14:creationId xmlns:p14="http://schemas.microsoft.com/office/powerpoint/2010/main" val="170738095"/>
+      </p:ext>
+    </p:extLst>
+  </p:cSld>
+  <p:clrMapOvr>
+    <a:masterClrMapping/>
+  </p:clrMapOvr>
+  <p:transition>
+    <p:fade/>
+  </p:transition>
+</p:sldLayout>
+</file>
+
+<file path=ppt/slideLayouts/slideLayout19.xml><?xml version="1.0" encoding="utf-8"?>
+<p:sldLayout xmlns:a="http://schemas.openxmlformats.org/drawingml/2006/main" xmlns:r="http://schemas.openxmlformats.org/officeDocument/2006/relationships" xmlns:p="http://schemas.openxmlformats.org/presentationml/2006/main">
+  <p:cSld name="Use for slides with Software Code">
+    <p:spTree>
+      <p:nvGrpSpPr>
+        <p:cNvPr id="1" name=""/>
+        <p:cNvGrpSpPr/>
+        <p:nvPr/>
+      </p:nvGrpSpPr>
+      <p:grpSpPr>
+        <a:xfrm>
+          <a:off x="0" y="0"/>
+          <a:ext cx="0" cy="0"/>
+          <a:chOff x="0" y="0"/>
+          <a:chExt cx="0" cy="0"/>
+        </a:xfrm>
+      </p:grpSpPr>
+      <p:sp>
+        <p:nvSpPr>
+          <p:cNvPr id="2" name="Title 1"/>
+          <p:cNvSpPr>
+            <a:spLocks noGrp="1"/>
+          </p:cNvSpPr>
+          <p:nvPr>
+            <p:ph type="title"/>
+          </p:nvPr>
+        </p:nvSpPr>
+        <p:spPr/>
+        <p:txBody>
+          <a:bodyPr/>
+          <a:lstStyle/>
+          <a:p>
+            <a:r>
+              <a:rPr lang="en-US"/>
+              <a:t>Click to edit Master title style</a:t>
+            </a:r>
+            <a:endParaRPr lang="en-US" dirty="0"/>
+          </a:p>
+        </p:txBody>
+      </p:sp>
+      <p:sp>
+        <p:nvSpPr>
+          <p:cNvPr id="6" name="Text Placeholder 5"/>
+          <p:cNvSpPr>
+            <a:spLocks noGrp="1"/>
+          </p:cNvSpPr>
+          <p:nvPr>
+            <p:ph type="body" sz="quarter" idx="10"/>
+          </p:nvPr>
+        </p:nvSpPr>
+        <p:spPr>
+          <a:xfrm>
+            <a:off x="722313" y="1428750"/>
+            <a:ext cx="8040688" cy="1500411"/>
+          </a:xfrm>
+        </p:spPr>
+        <p:txBody>
+          <a:bodyPr/>
+          <a:lstStyle>
+            <a:lvl1pPr>
+              <a:lnSpc>
+                <a:spcPct val="90000"/>
+              </a:lnSpc>
+              <a:defRPr/>
+            </a:lvl1pPr>
+            <a:lvl2pPr>
+              <a:lnSpc>
+                <a:spcPct val="90000"/>
+              </a:lnSpc>
+              <a:defRPr/>
+            </a:lvl2pPr>
+            <a:lvl3pPr>
+              <a:lnSpc>
+                <a:spcPct val="90000"/>
+              </a:lnSpc>
+              <a:defRPr/>
+            </a:lvl3pPr>
+            <a:lvl4pPr>
+              <a:lnSpc>
+                <a:spcPct val="90000"/>
+              </a:lnSpc>
+              <a:defRPr/>
+            </a:lvl4pPr>
+            <a:lvl5pPr>
+              <a:lnSpc>
+                <a:spcPct val="90000"/>
+              </a:lnSpc>
+              <a:defRPr/>
+            </a:lvl5pPr>
+          </a:lstStyle>
+          <a:p>
+            <a:pPr lvl="0"/>
+            <a:r>
+              <a:rPr lang="en-US"/>
+              <a:t>Click to edit Master text styles</a:t>
+            </a:r>
+          </a:p>
+          <a:p>
+            <a:pPr lvl="1"/>
+            <a:r>
+              <a:rPr lang="en-US"/>
+              <a:t>Second level</a:t>
+            </a:r>
+          </a:p>
+          <a:p>
+            <a:pPr lvl="2"/>
+            <a:r>
+              <a:rPr lang="en-US"/>
+              <a:t>Third level</a:t>
+            </a:r>
+          </a:p>
+          <a:p>
+            <a:pPr lvl="3"/>
+            <a:r>
+              <a:rPr lang="en-US"/>
+              <a:t>Fourth level</a:t>
+            </a:r>
+          </a:p>
+          <a:p>
+            <a:pPr lvl="4"/>
+            <a:r>
+              <a:rPr lang="en-US"/>
+              <a:t>Fifth level</a:t>
+            </a:r>
+            <a:endParaRPr lang="en-US" dirty="0"/>
+          </a:p>
+        </p:txBody>
+      </p:sp>
+    </p:spTree>
+    <p:extLst>
+      <p:ext uri="{BB962C8B-B14F-4D97-AF65-F5344CB8AC3E}">
+        <p14:creationId xmlns:p14="http://schemas.microsoft.com/office/powerpoint/2010/main" val="1553819463"/>
       </p:ext>
     </p:extLst>
   </p:cSld>
@@ -4410,150 +4219,6 @@
   <p:clrMapOvr>
     <a:masterClrMapping/>
   </p:clrMapOvr>
-</p:sldLayout>
-</file>
-
-<file path=ppt/slideLayouts/slideLayout20.xml><?xml version="1.0" encoding="utf-8"?>
-<p:sldLayout xmlns:a="http://schemas.openxmlformats.org/drawingml/2006/main" xmlns:r="http://schemas.openxmlformats.org/officeDocument/2006/relationships" xmlns:p="http://schemas.openxmlformats.org/presentationml/2006/main">
-  <p:cSld name="Use for slides with Software Code">
-    <p:spTree>
-      <p:nvGrpSpPr>
-        <p:cNvPr id="1" name=""/>
-        <p:cNvGrpSpPr/>
-        <p:nvPr/>
-      </p:nvGrpSpPr>
-      <p:grpSpPr>
-        <a:xfrm>
-          <a:off x="0" y="0"/>
-          <a:ext cx="0" cy="0"/>
-          <a:chOff x="0" y="0"/>
-          <a:chExt cx="0" cy="0"/>
-        </a:xfrm>
-      </p:grpSpPr>
-      <p:sp>
-        <p:nvSpPr>
-          <p:cNvPr id="2" name="Title 1"/>
-          <p:cNvSpPr>
-            <a:spLocks noGrp="1"/>
-          </p:cNvSpPr>
-          <p:nvPr>
-            <p:ph type="title"/>
-          </p:nvPr>
-        </p:nvSpPr>
-        <p:spPr/>
-        <p:txBody>
-          <a:bodyPr/>
-          <a:lstStyle/>
-          <a:p>
-            <a:r>
-              <a:rPr lang="en-US"/>
-              <a:t>Click to edit Master title style</a:t>
-            </a:r>
-            <a:endParaRPr lang="en-US" dirty="0"/>
-          </a:p>
-        </p:txBody>
-      </p:sp>
-      <p:sp>
-        <p:nvSpPr>
-          <p:cNvPr id="6" name="Text Placeholder 5"/>
-          <p:cNvSpPr>
-            <a:spLocks noGrp="1"/>
-          </p:cNvSpPr>
-          <p:nvPr>
-            <p:ph type="body" sz="quarter" idx="10"/>
-          </p:nvPr>
-        </p:nvSpPr>
-        <p:spPr>
-          <a:xfrm>
-            <a:off x="722313" y="1428750"/>
-            <a:ext cx="8040688" cy="1500411"/>
-          </a:xfrm>
-        </p:spPr>
-        <p:txBody>
-          <a:bodyPr/>
-          <a:lstStyle>
-            <a:lvl1pPr>
-              <a:lnSpc>
-                <a:spcPct val="90000"/>
-              </a:lnSpc>
-              <a:defRPr/>
-            </a:lvl1pPr>
-            <a:lvl2pPr>
-              <a:lnSpc>
-                <a:spcPct val="90000"/>
-              </a:lnSpc>
-              <a:defRPr/>
-            </a:lvl2pPr>
-            <a:lvl3pPr>
-              <a:lnSpc>
-                <a:spcPct val="90000"/>
-              </a:lnSpc>
-              <a:defRPr/>
-            </a:lvl3pPr>
-            <a:lvl4pPr>
-              <a:lnSpc>
-                <a:spcPct val="90000"/>
-              </a:lnSpc>
-              <a:defRPr/>
-            </a:lvl4pPr>
-            <a:lvl5pPr>
-              <a:lnSpc>
-                <a:spcPct val="90000"/>
-              </a:lnSpc>
-              <a:defRPr/>
-            </a:lvl5pPr>
-          </a:lstStyle>
-          <a:p>
-            <a:pPr lvl="0"/>
-            <a:r>
-              <a:rPr lang="en-US"/>
-              <a:t>Click to edit Master text styles</a:t>
-            </a:r>
-          </a:p>
-          <a:p>
-            <a:pPr lvl="1"/>
-            <a:r>
-              <a:rPr lang="en-US"/>
-              <a:t>Second level</a:t>
-            </a:r>
-          </a:p>
-          <a:p>
-            <a:pPr lvl="2"/>
-            <a:r>
-              <a:rPr lang="en-US"/>
-              <a:t>Third level</a:t>
-            </a:r>
-          </a:p>
-          <a:p>
-            <a:pPr lvl="3"/>
-            <a:r>
-              <a:rPr lang="en-US"/>
-              <a:t>Fourth level</a:t>
-            </a:r>
-          </a:p>
-          <a:p>
-            <a:pPr lvl="4"/>
-            <a:r>
-              <a:rPr lang="en-US"/>
-              <a:t>Fifth level</a:t>
-            </a:r>
-            <a:endParaRPr lang="en-US" dirty="0"/>
-          </a:p>
-        </p:txBody>
-      </p:sp>
-    </p:spTree>
-    <p:extLst>
-      <p:ext uri="{BB962C8B-B14F-4D97-AF65-F5344CB8AC3E}">
-        <p14:creationId xmlns:p14="http://schemas.microsoft.com/office/powerpoint/2010/main" val="1553819463"/>
-      </p:ext>
-    </p:extLst>
-  </p:cSld>
-  <p:clrMapOvr>
-    <a:masterClrMapping/>
-  </p:clrMapOvr>
-  <p:transition>
-    <p:fade/>
-  </p:transition>
 </p:sldLayout>
 </file>
 
@@ -6172,260 +5837,6 @@
 </file>
 
 <file path=ppt/slideLayouts/slideLayout8.xml><?xml version="1.0" encoding="utf-8"?>
-<p:sldLayout xmlns:a="http://schemas.openxmlformats.org/drawingml/2006/main" xmlns:r="http://schemas.openxmlformats.org/officeDocument/2006/relationships" xmlns:p="http://schemas.openxmlformats.org/presentationml/2006/main" userDrawn="1">
-  <p:cSld name="1_Blank">
-    <p:spTree>
-      <p:nvGrpSpPr>
-        <p:cNvPr id="1" name=""/>
-        <p:cNvGrpSpPr/>
-        <p:nvPr/>
-      </p:nvGrpSpPr>
-      <p:grpSpPr>
-        <a:xfrm>
-          <a:off x="0" y="0"/>
-          <a:ext cx="0" cy="0"/>
-          <a:chOff x="0" y="0"/>
-          <a:chExt cx="0" cy="0"/>
-        </a:xfrm>
-      </p:grpSpPr>
-      <p:sp>
-        <p:nvSpPr>
-          <p:cNvPr id="4" name="Slide Number Placeholder 3"/>
-          <p:cNvSpPr>
-            <a:spLocks noGrp="1"/>
-          </p:cNvSpPr>
-          <p:nvPr>
-            <p:ph type="sldNum" sz="quarter" idx="12"/>
-          </p:nvPr>
-        </p:nvSpPr>
-        <p:spPr/>
-        <p:txBody>
-          <a:bodyPr/>
-          <a:lstStyle/>
-          <a:p>
-            <a:fld id="{45AFAF25-1148-2B40-A455-FDDA161F44AC}" type="slidenum">
-              <a:rPr lang="en-US" smtClean="0"/>
-              <a:t>‹#›</a:t>
-            </a:fld>
-            <a:endParaRPr lang="en-US"/>
-          </a:p>
-        </p:txBody>
-      </p:sp>
-      <p:sp>
-        <p:nvSpPr>
-          <p:cNvPr id="7" name="Title 1"/>
-          <p:cNvSpPr>
-            <a:spLocks noGrp="1"/>
-          </p:cNvSpPr>
-          <p:nvPr>
-            <p:ph type="ctrTitle"/>
-          </p:nvPr>
-        </p:nvSpPr>
-        <p:spPr>
-          <a:xfrm>
-            <a:off x="2152433" y="842772"/>
-            <a:ext cx="4968955" cy="1790700"/>
-          </a:xfrm>
-          <a:prstGeom prst="rect">
-            <a:avLst/>
-          </a:prstGeom>
-        </p:spPr>
-        <p:txBody>
-          <a:bodyPr anchor="b"/>
-          <a:lstStyle>
-            <a:lvl1pPr algn="ctr">
-              <a:defRPr sz="3000" b="1">
-                <a:latin typeface="Corbel" charset="0"/>
-                <a:ea typeface="Corbel" charset="0"/>
-                <a:cs typeface="Corbel" charset="0"/>
-              </a:defRPr>
-            </a:lvl1pPr>
-          </a:lstStyle>
-          <a:p>
-            <a:r>
-              <a:rPr lang="en-US" dirty="0"/>
-              <a:t>Click to edit Master title style</a:t>
-            </a:r>
-          </a:p>
-        </p:txBody>
-      </p:sp>
-      <p:sp>
-        <p:nvSpPr>
-          <p:cNvPr id="8" name="Subtitle 2"/>
-          <p:cNvSpPr>
-            <a:spLocks noGrp="1"/>
-          </p:cNvSpPr>
-          <p:nvPr>
-            <p:ph type="subTitle" idx="1"/>
-          </p:nvPr>
-        </p:nvSpPr>
-        <p:spPr>
-          <a:xfrm>
-            <a:off x="2152433" y="2662577"/>
-            <a:ext cx="4968955" cy="1241822"/>
-          </a:xfrm>
-          <a:prstGeom prst="rect">
-            <a:avLst/>
-          </a:prstGeom>
-        </p:spPr>
-        <p:txBody>
-          <a:bodyPr/>
-          <a:lstStyle>
-            <a:lvl1pPr marL="0" indent="0" algn="ctr">
-              <a:buNone/>
-              <a:defRPr sz="1800">
-                <a:latin typeface="Corbel" charset="0"/>
-                <a:ea typeface="Corbel" charset="0"/>
-                <a:cs typeface="Corbel" charset="0"/>
-              </a:defRPr>
-            </a:lvl1pPr>
-            <a:lvl2pPr marL="342900" indent="0" algn="ctr">
-              <a:buNone/>
-              <a:defRPr sz="1500"/>
-            </a:lvl2pPr>
-            <a:lvl3pPr marL="685800" indent="0" algn="ctr">
-              <a:buNone/>
-              <a:defRPr sz="1350"/>
-            </a:lvl3pPr>
-            <a:lvl4pPr marL="1028700" indent="0" algn="ctr">
-              <a:buNone/>
-              <a:defRPr sz="1200"/>
-            </a:lvl4pPr>
-            <a:lvl5pPr marL="1371600" indent="0" algn="ctr">
-              <a:buNone/>
-              <a:defRPr sz="1200"/>
-            </a:lvl5pPr>
-            <a:lvl6pPr marL="1714500" indent="0" algn="ctr">
-              <a:buNone/>
-              <a:defRPr sz="1200"/>
-            </a:lvl6pPr>
-            <a:lvl7pPr marL="2057400" indent="0" algn="ctr">
-              <a:buNone/>
-              <a:defRPr sz="1200"/>
-            </a:lvl7pPr>
-            <a:lvl8pPr marL="2400300" indent="0" algn="ctr">
-              <a:buNone/>
-              <a:defRPr sz="1200"/>
-            </a:lvl8pPr>
-            <a:lvl9pPr marL="2743200" indent="0" algn="ctr">
-              <a:buNone/>
-              <a:defRPr sz="1200"/>
-            </a:lvl9pPr>
-          </a:lstStyle>
-          <a:p>
-            <a:r>
-              <a:rPr lang="en-US" dirty="0"/>
-              <a:t>Click to edit Master subtitle style</a:t>
-            </a:r>
-          </a:p>
-        </p:txBody>
-      </p:sp>
-      <p:sp>
-        <p:nvSpPr>
-          <p:cNvPr id="6" name="Rectangle 5"/>
-          <p:cNvSpPr/>
-          <p:nvPr userDrawn="1"/>
-        </p:nvSpPr>
-        <p:spPr>
-          <a:xfrm rot="16200000" flipV="1">
-            <a:off x="-2476500" y="2476500"/>
-            <a:ext cx="5143500" cy="190500"/>
-          </a:xfrm>
-          <a:prstGeom prst="rect">
-            <a:avLst/>
-          </a:prstGeom>
-          <a:gradFill>
-            <a:gsLst>
-              <a:gs pos="0">
-                <a:srgbClr val="00ACE0">
-                  <a:alpha val="30000"/>
-                </a:srgbClr>
-              </a:gs>
-              <a:gs pos="35000">
-                <a:srgbClr val="FF931E">
-                  <a:alpha val="30000"/>
-                </a:srgbClr>
-              </a:gs>
-              <a:gs pos="69000">
-                <a:srgbClr val="FF7BAC">
-                  <a:alpha val="30000"/>
-                </a:srgbClr>
-              </a:gs>
-              <a:gs pos="100000">
-                <a:srgbClr val="FF1D25">
-                  <a:alpha val="30000"/>
-                </a:srgbClr>
-              </a:gs>
-            </a:gsLst>
-            <a:lin ang="0" scaled="0"/>
-          </a:gradFill>
-          <a:ln>
-            <a:noFill/>
-          </a:ln>
-        </p:spPr>
-        <p:style>
-          <a:lnRef idx="2">
-            <a:schemeClr val="accent1">
-              <a:shade val="50000"/>
-            </a:schemeClr>
-          </a:lnRef>
-          <a:fillRef idx="1">
-            <a:schemeClr val="accent1"/>
-          </a:fillRef>
-          <a:effectRef idx="0">
-            <a:schemeClr val="accent1"/>
-          </a:effectRef>
-          <a:fontRef idx="minor">
-            <a:schemeClr val="lt1"/>
-          </a:fontRef>
-        </p:style>
-        <p:txBody>
-          <a:bodyPr rtlCol="0" anchor="ctr"/>
-          <a:lstStyle/>
-          <a:p>
-            <a:pPr algn="ctr"/>
-            <a:endParaRPr lang="en-US" sz="1350"/>
-          </a:p>
-        </p:txBody>
-      </p:sp>
-      <p:pic>
-        <p:nvPicPr>
-          <p:cNvPr id="9" name="Picture 8"/>
-          <p:cNvPicPr>
-            <a:picLocks noChangeAspect="1"/>
-          </p:cNvPicPr>
-          <p:nvPr userDrawn="1"/>
-        </p:nvPicPr>
-        <p:blipFill>
-          <a:blip r:embed="rId2"/>
-          <a:stretch>
-            <a:fillRect/>
-          </a:stretch>
-        </p:blipFill>
-        <p:spPr>
-          <a:xfrm>
-            <a:off x="609110" y="2353967"/>
-            <a:ext cx="493776" cy="493776"/>
-          </a:xfrm>
-          <a:prstGeom prst="rect">
-            <a:avLst/>
-          </a:prstGeom>
-        </p:spPr>
-      </p:pic>
-    </p:spTree>
-    <p:extLst>
-      <p:ext uri="{BB962C8B-B14F-4D97-AF65-F5344CB8AC3E}">
-        <p14:creationId xmlns:p14="http://schemas.microsoft.com/office/powerpoint/2010/main" val="4284930596"/>
-      </p:ext>
-    </p:extLst>
-  </p:cSld>
-  <p:clrMapOvr>
-    <a:masterClrMapping/>
-  </p:clrMapOvr>
-</p:sldLayout>
-</file>
-
-<file path=ppt/slideLayouts/slideLayout9.xml><?xml version="1.0" encoding="utf-8"?>
 <p:sldLayout xmlns:a="http://schemas.openxmlformats.org/drawingml/2006/main" xmlns:r="http://schemas.openxmlformats.org/officeDocument/2006/relationships" xmlns:p="http://schemas.openxmlformats.org/presentationml/2006/main" preserve="1" userDrawn="1">
   <p:cSld name="Title Slide">
     <p:bg>
@@ -6616,6 +6027,339 @@
 </p:sldLayout>
 </file>
 
+<file path=ppt/slideLayouts/slideLayout9.xml><?xml version="1.0" encoding="utf-8"?>
+<p:sldLayout xmlns:a="http://schemas.openxmlformats.org/drawingml/2006/main" xmlns:r="http://schemas.openxmlformats.org/officeDocument/2006/relationships" xmlns:p="http://schemas.openxmlformats.org/presentationml/2006/main" preserve="1" userDrawn="1">
+  <p:cSld name="1_Demo, Video etc. &quot;special&quot; slides">
+    <p:bg>
+      <p:bgPr>
+        <a:gradFill>
+          <a:gsLst>
+            <a:gs pos="0">
+              <a:schemeClr val="tx1"/>
+            </a:gs>
+            <a:gs pos="50000">
+              <a:srgbClr val="0070C0"/>
+            </a:gs>
+            <a:gs pos="100000">
+              <a:srgbClr val="7030A0"/>
+            </a:gs>
+          </a:gsLst>
+          <a:lin ang="2700000" scaled="0"/>
+        </a:gradFill>
+        <a:effectLst/>
+      </p:bgPr>
+    </p:bg>
+    <p:spTree>
+      <p:nvGrpSpPr>
+        <p:cNvPr id="1" name=""/>
+        <p:cNvGrpSpPr/>
+        <p:nvPr/>
+      </p:nvGrpSpPr>
+      <p:grpSpPr>
+        <a:xfrm>
+          <a:off x="0" y="0"/>
+          <a:ext cx="0" cy="0"/>
+          <a:chOff x="0" y="0"/>
+          <a:chExt cx="0" cy="0"/>
+        </a:xfrm>
+      </p:grpSpPr>
+      <p:sp>
+        <p:nvSpPr>
+          <p:cNvPr id="2" name="Title 1"/>
+          <p:cNvSpPr>
+            <a:spLocks noGrp="1"/>
+          </p:cNvSpPr>
+          <p:nvPr>
+            <p:ph type="ctrTitle"/>
+          </p:nvPr>
+        </p:nvSpPr>
+        <p:spPr>
+          <a:xfrm>
+            <a:off x="838200" y="1428750"/>
+            <a:ext cx="7043208" cy="1142621"/>
+          </a:xfrm>
+        </p:spPr>
+        <p:txBody>
+          <a:bodyPr anchor="t" anchorCtr="0">
+            <a:noAutofit/>
+          </a:bodyPr>
+          <a:lstStyle>
+            <a:lvl1pPr algn="l" defTabSz="685772" rtl="0" eaLnBrk="1" latinLnBrk="0" hangingPunct="1">
+              <a:lnSpc>
+                <a:spcPct val="90000"/>
+              </a:lnSpc>
+              <a:spcBef>
+                <a:spcPct val="0"/>
+              </a:spcBef>
+              <a:buNone/>
+              <a:defRPr lang="en-US" sz="4050" b="0" kern="1200" cap="none" spc="-113" dirty="0">
+                <a:ln w="3175">
+                  <a:noFill/>
+                </a:ln>
+                <a:gradFill flip="none" rotWithShape="1">
+                  <a:gsLst>
+                    <a:gs pos="0">
+                      <a:schemeClr val="tx1"/>
+                    </a:gs>
+                    <a:gs pos="86000">
+                      <a:schemeClr val="tx1"/>
+                    </a:gs>
+                  </a:gsLst>
+                  <a:lin ang="5400000" scaled="0"/>
+                  <a:tileRect/>
+                </a:gradFill>
+                <a:effectLst/>
+                <a:latin typeface="+mj-lt"/>
+                <a:ea typeface="+mn-ea"/>
+                <a:cs typeface="Arial" charset="0"/>
+              </a:defRPr>
+            </a:lvl1pPr>
+          </a:lstStyle>
+          <a:p>
+            <a:r>
+              <a:rPr lang="en-US"/>
+              <a:t>Click to edit Master title style</a:t>
+            </a:r>
+            <a:endParaRPr lang="en-US" dirty="0"/>
+          </a:p>
+        </p:txBody>
+      </p:sp>
+      <p:sp>
+        <p:nvSpPr>
+          <p:cNvPr id="3" name="Subtitle 2"/>
+          <p:cNvSpPr>
+            <a:spLocks noGrp="1"/>
+          </p:cNvSpPr>
+          <p:nvPr>
+            <p:ph type="subTitle" idx="1"/>
+          </p:nvPr>
+        </p:nvSpPr>
+        <p:spPr>
+          <a:xfrm>
+            <a:off x="838200" y="3257550"/>
+            <a:ext cx="3429000" cy="346249"/>
+          </a:xfrm>
+        </p:spPr>
+        <p:txBody>
+          <a:bodyPr>
+            <a:noAutofit/>
+          </a:bodyPr>
+          <a:lstStyle>
+            <a:lvl1pPr marL="0" indent="0" algn="l" defTabSz="685772" rtl="0" eaLnBrk="1" latinLnBrk="0" hangingPunct="1">
+              <a:lnSpc>
+                <a:spcPct val="90000"/>
+              </a:lnSpc>
+              <a:spcBef>
+                <a:spcPts val="0"/>
+              </a:spcBef>
+              <a:buSzPct val="85000"/>
+              <a:buFontTx/>
+              <a:buNone/>
+              <a:defRPr lang="en-US" sz="2400" kern="1200" dirty="0">
+                <a:gradFill>
+                  <a:gsLst>
+                    <a:gs pos="0">
+                      <a:schemeClr val="accent1">
+                        <a:lumMod val="40000"/>
+                        <a:lumOff val="60000"/>
+                      </a:schemeClr>
+                    </a:gs>
+                    <a:gs pos="86000">
+                      <a:schemeClr val="accent1">
+                        <a:lumMod val="40000"/>
+                        <a:lumOff val="60000"/>
+                      </a:schemeClr>
+                    </a:gs>
+                  </a:gsLst>
+                  <a:lin ang="5400000" scaled="0"/>
+                </a:gradFill>
+                <a:latin typeface="+mn-lt"/>
+                <a:ea typeface="+mn-ea"/>
+                <a:cs typeface="+mn-cs"/>
+              </a:defRPr>
+            </a:lvl1pPr>
+            <a:lvl2pPr marL="342887" indent="0" algn="ctr">
+              <a:buNone/>
+              <a:defRPr>
+                <a:solidFill>
+                  <a:schemeClr val="tx1">
+                    <a:tint val="75000"/>
+                  </a:schemeClr>
+                </a:solidFill>
+              </a:defRPr>
+            </a:lvl2pPr>
+            <a:lvl3pPr marL="685772" indent="0" algn="ctr">
+              <a:buNone/>
+              <a:defRPr>
+                <a:solidFill>
+                  <a:schemeClr val="tx1">
+                    <a:tint val="75000"/>
+                  </a:schemeClr>
+                </a:solidFill>
+              </a:defRPr>
+            </a:lvl3pPr>
+            <a:lvl4pPr marL="1028659" indent="0" algn="ctr">
+              <a:buNone/>
+              <a:defRPr>
+                <a:solidFill>
+                  <a:schemeClr val="tx1">
+                    <a:tint val="75000"/>
+                  </a:schemeClr>
+                </a:solidFill>
+              </a:defRPr>
+            </a:lvl4pPr>
+            <a:lvl5pPr marL="1371545" indent="0" algn="ctr">
+              <a:buNone/>
+              <a:defRPr>
+                <a:solidFill>
+                  <a:schemeClr val="tx1">
+                    <a:tint val="75000"/>
+                  </a:schemeClr>
+                </a:solidFill>
+              </a:defRPr>
+            </a:lvl5pPr>
+            <a:lvl6pPr marL="1714432" indent="0" algn="ctr">
+              <a:buNone/>
+              <a:defRPr>
+                <a:solidFill>
+                  <a:schemeClr val="tx1">
+                    <a:tint val="75000"/>
+                  </a:schemeClr>
+                </a:solidFill>
+              </a:defRPr>
+            </a:lvl6pPr>
+            <a:lvl7pPr marL="2057318" indent="0" algn="ctr">
+              <a:buNone/>
+              <a:defRPr>
+                <a:solidFill>
+                  <a:schemeClr val="tx1">
+                    <a:tint val="75000"/>
+                  </a:schemeClr>
+                </a:solidFill>
+              </a:defRPr>
+            </a:lvl7pPr>
+            <a:lvl8pPr marL="2400204" indent="0" algn="ctr">
+              <a:buNone/>
+              <a:defRPr>
+                <a:solidFill>
+                  <a:schemeClr val="tx1">
+                    <a:tint val="75000"/>
+                  </a:schemeClr>
+                </a:solidFill>
+              </a:defRPr>
+            </a:lvl8pPr>
+            <a:lvl9pPr marL="2743091" indent="0" algn="ctr">
+              <a:buNone/>
+              <a:defRPr>
+                <a:solidFill>
+                  <a:schemeClr val="tx1">
+                    <a:tint val="75000"/>
+                  </a:schemeClr>
+                </a:solidFill>
+              </a:defRPr>
+            </a:lvl9pPr>
+          </a:lstStyle>
+          <a:p>
+            <a:r>
+              <a:rPr lang="en-US"/>
+              <a:t>Click to edit Master subtitle style</a:t>
+            </a:r>
+            <a:endParaRPr lang="en-US" dirty="0"/>
+          </a:p>
+        </p:txBody>
+      </p:sp>
+      <p:sp>
+        <p:nvSpPr>
+          <p:cNvPr id="7" name="Text Placeholder 6"/>
+          <p:cNvSpPr>
+            <a:spLocks noGrp="1"/>
+          </p:cNvSpPr>
+          <p:nvPr>
+            <p:ph type="body" sz="quarter" idx="10" hasCustomPrompt="1"/>
+          </p:nvPr>
+        </p:nvSpPr>
+        <p:spPr>
+          <a:xfrm>
+            <a:off x="1072886" y="171450"/>
+            <a:ext cx="7690114" cy="1038746"/>
+          </a:xfrm>
+        </p:spPr>
+        <p:txBody>
+          <a:bodyPr anchor="t" anchorCtr="0">
+            <a:noAutofit/>
+            <a:scene3d>
+              <a:camera prst="orthographicFront"/>
+              <a:lightRig rig="flat" dir="t"/>
+            </a:scene3d>
+            <a:sp3d>
+              <a:contourClr>
+                <a:schemeClr val="tx2"/>
+              </a:contourClr>
+            </a:sp3d>
+          </a:bodyPr>
+          <a:lstStyle>
+            <a:lvl1pPr marL="0" indent="0" algn="r">
+              <a:buFont typeface="Arial" pitchFamily="34" charset="0"/>
+              <a:buNone/>
+              <a:defRPr kumimoji="0" lang="en-US" sz="8250" b="1" i="1" u="none" strike="noStrike" kern="1200" cap="none" spc="-482" normalizeH="0" baseline="0" noProof="0" dirty="0" smtClean="0">
+                <a:ln w="11430"/>
+                <a:gradFill>
+                  <a:gsLst>
+                    <a:gs pos="0">
+                      <a:schemeClr val="tx1"/>
+                    </a:gs>
+                    <a:gs pos="88000">
+                      <a:schemeClr val="tx1">
+                        <a:alpha val="50000"/>
+                      </a:schemeClr>
+                    </a:gs>
+                  </a:gsLst>
+                  <a:lin ang="5400000"/>
+                </a:gradFill>
+                <a:effectLst/>
+                <a:uLnTx/>
+                <a:uFillTx/>
+                <a:latin typeface="Segoe UI" pitchFamily="34" charset="0"/>
+                <a:ea typeface="+mn-ea"/>
+                <a:cs typeface="+mn-cs"/>
+              </a:defRPr>
+            </a:lvl1pPr>
+          </a:lstStyle>
+          <a:p>
+            <a:pPr marL="0" lvl="0" indent="0" algn="r" defTabSz="685772" rtl="0" eaLnBrk="1" latinLnBrk="0" hangingPunct="1">
+              <a:lnSpc>
+                <a:spcPct val="90000"/>
+              </a:lnSpc>
+              <a:spcBef>
+                <a:spcPct val="20000"/>
+              </a:spcBef>
+              <a:buSzPct val="85000"/>
+              <a:buFont typeface="Arial" pitchFamily="34" charset="0"/>
+              <a:buNone/>
+            </a:pPr>
+            <a:r>
+              <a:rPr lang="en-US" dirty="0"/>
+              <a:t>click to…</a:t>
+            </a:r>
+          </a:p>
+        </p:txBody>
+      </p:sp>
+    </p:spTree>
+    <p:extLst>
+      <p:ext uri="{BB962C8B-B14F-4D97-AF65-F5344CB8AC3E}">
+        <p14:creationId xmlns:p14="http://schemas.microsoft.com/office/powerpoint/2010/main" val="1728899118"/>
+      </p:ext>
+    </p:extLst>
+  </p:cSld>
+  <p:clrMapOvr>
+    <a:masterClrMapping/>
+  </p:clrMapOvr>
+  <p:transition>
+    <p:fade/>
+  </p:transition>
+</p:sldLayout>
+</file>
+
 <file path=ppt/slideMasters/slideMaster1.xml><?xml version="1.0" encoding="utf-8"?>
 <p:sldMaster xmlns:a="http://schemas.openxmlformats.org/drawingml/2006/main" xmlns:r="http://schemas.openxmlformats.org/officeDocument/2006/relationships" xmlns:p="http://schemas.openxmlformats.org/presentationml/2006/main">
   <p:cSld>
@@ -6822,7 +6566,6 @@
     <p:sldLayoutId id="2147483663" r:id="rId5"/>
     <p:sldLayoutId id="2147483666" r:id="rId6"/>
     <p:sldLayoutId id="2147483674" r:id="rId7"/>
-    <p:sldLayoutId id="2147483697" r:id="rId8"/>
   </p:sldLayoutIdLst>
   <p:hf hdr="0" ftr="0" dt="0"/>
   <p:txStyles>
@@ -7731,8 +7474,16 @@
           <a:lstStyle/>
           <a:p>
             <a:r>
+              <a:rPr lang="en-US" sz="3600"/>
+              <a:t>Workshop </a:t>
+            </a:r>
+            <a:r>
+              <a:rPr lang="en-US" sz="3600" smtClean="0"/>
+              <a:t>D </a:t>
+            </a:r>
+            <a:r>
               <a:rPr lang="en-US" sz="3600" dirty="0"/>
-              <a:t>Workshop 4 – Creating a simple cluster</a:t>
+              <a:t>– Creating a simple cluster</a:t>
             </a:r>
           </a:p>
         </p:txBody>
@@ -7969,238 +7720,6 @@
     <p:extLst>
       <p:ext uri="{BB962C8B-B14F-4D97-AF65-F5344CB8AC3E}">
         <p14:creationId xmlns:p14="http://schemas.microsoft.com/office/powerpoint/2010/main" val="3620921753"/>
-      </p:ext>
-    </p:extLst>
-  </p:cSld>
-  <p:clrMapOvr>
-    <a:masterClrMapping/>
-  </p:clrMapOvr>
-</p:sld>
-</file>
-
-<file path=ppt/slides/slide13.xml><?xml version="1.0" encoding="utf-8"?>
-<p:sld xmlns:a="http://schemas.openxmlformats.org/drawingml/2006/main" xmlns:r="http://schemas.openxmlformats.org/officeDocument/2006/relationships" xmlns:p="http://schemas.openxmlformats.org/presentationml/2006/main">
-  <p:cSld>
-    <p:spTree>
-      <p:nvGrpSpPr>
-        <p:cNvPr id="1" name=""/>
-        <p:cNvGrpSpPr/>
-        <p:nvPr/>
-      </p:nvGrpSpPr>
-      <p:grpSpPr>
-        <a:xfrm>
-          <a:off x="0" y="0"/>
-          <a:ext cx="0" cy="0"/>
-          <a:chOff x="0" y="0"/>
-          <a:chExt cx="0" cy="0"/>
-        </a:xfrm>
-      </p:grpSpPr>
-      <p:sp>
-        <p:nvSpPr>
-          <p:cNvPr id="2" name="Slide Number Placeholder 1"/>
-          <p:cNvSpPr>
-            <a:spLocks noGrp="1"/>
-          </p:cNvSpPr>
-          <p:nvPr>
-            <p:ph type="sldNum" sz="quarter" idx="12"/>
-          </p:nvPr>
-        </p:nvSpPr>
-        <p:spPr/>
-        <p:txBody>
-          <a:bodyPr/>
-          <a:lstStyle/>
-          <a:p>
-            <a:fld id="{45AFAF25-1148-2B40-A455-FDDA161F44AC}" type="slidenum">
-              <a:rPr lang="en-US" smtClean="0"/>
-              <a:t>13</a:t>
-            </a:fld>
-            <a:endParaRPr lang="en-US"/>
-          </a:p>
-        </p:txBody>
-      </p:sp>
-      <p:pic>
-        <p:nvPicPr>
-          <p:cNvPr id="7" name="Picture 6"/>
-          <p:cNvPicPr>
-            <a:picLocks noChangeAspect="1"/>
-          </p:cNvPicPr>
-          <p:nvPr/>
-        </p:nvPicPr>
-        <p:blipFill>
-          <a:blip r:embed="rId2">
-            <a:extLst>
-              <a:ext uri="{28A0092B-C50C-407E-A947-70E740481C1C}">
-                <a14:useLocalDpi xmlns:a14="http://schemas.microsoft.com/office/drawing/2010/main" val="0"/>
-              </a:ext>
-            </a:extLst>
-          </a:blip>
-          <a:stretch>
-            <a:fillRect/>
-          </a:stretch>
-        </p:blipFill>
-        <p:spPr>
-          <a:xfrm>
-            <a:off x="3021513" y="551059"/>
-            <a:ext cx="3100976" cy="691953"/>
-          </a:xfrm>
-          <a:prstGeom prst="rect">
-            <a:avLst/>
-          </a:prstGeom>
-        </p:spPr>
-      </p:pic>
-      <p:sp>
-        <p:nvSpPr>
-          <p:cNvPr id="8" name="Title 1"/>
-          <p:cNvSpPr>
-            <a:spLocks noGrp="1"/>
-          </p:cNvSpPr>
-          <p:nvPr>
-            <p:ph type="ctrTitle"/>
-          </p:nvPr>
-        </p:nvSpPr>
-        <p:spPr>
-          <a:xfrm>
-            <a:off x="1629008" y="1033337"/>
-            <a:ext cx="5885986" cy="1107996"/>
-          </a:xfrm>
-        </p:spPr>
-        <p:txBody>
-          <a:bodyPr wrap="square">
-            <a:spAutoFit/>
-          </a:bodyPr>
-          <a:lstStyle/>
-          <a:p>
-            <a:r>
-              <a:rPr lang="en-US" sz="3300" b="0" dirty="0">
-                <a:solidFill>
-                  <a:srgbClr val="7030A0"/>
-                </a:solidFill>
-                <a:latin typeface="Whitney Book"/>
-                <a:cs typeface="Whitney Book"/>
-              </a:rPr>
-              <a:t>Share your opinion on Couchbase</a:t>
-            </a:r>
-          </a:p>
-        </p:txBody>
-      </p:sp>
-      <p:sp>
-        <p:nvSpPr>
-          <p:cNvPr id="9" name="Rectangle 8"/>
-          <p:cNvSpPr/>
-          <p:nvPr/>
-        </p:nvSpPr>
-        <p:spPr>
-          <a:xfrm>
-            <a:off x="1700856" y="2372842"/>
-            <a:ext cx="3713169" cy="1477328"/>
-          </a:xfrm>
-          <a:prstGeom prst="rect">
-            <a:avLst/>
-          </a:prstGeom>
-        </p:spPr>
-        <p:txBody>
-          <a:bodyPr wrap="square">
-            <a:spAutoFit/>
-          </a:bodyPr>
-          <a:lstStyle/>
-          <a:p>
-            <a:pPr marL="257175" indent="-257175">
-              <a:buAutoNum type="arabicPeriod"/>
-            </a:pPr>
-            <a:r>
-              <a:rPr lang="en-US" dirty="0">
-                <a:latin typeface="Whitney Book"/>
-                <a:cs typeface="Whitney Book"/>
-              </a:rPr>
-              <a:t>Go here: </a:t>
-            </a:r>
-            <a:r>
-              <a:rPr lang="en-US" dirty="0">
-                <a:latin typeface="Whitney Book"/>
-                <a:cs typeface="Whitney Book"/>
-                <a:hlinkClick r:id="rId3"/>
-              </a:rPr>
-              <a:t>http://gtnr.it/2eRxYWn</a:t>
-            </a:r>
-            <a:endParaRPr lang="en-US" dirty="0">
-              <a:latin typeface="Whitney Book"/>
-              <a:cs typeface="Whitney Book"/>
-            </a:endParaRPr>
-          </a:p>
-          <a:p>
-            <a:endParaRPr lang="en-US" dirty="0">
-              <a:latin typeface="Whitney Book"/>
-              <a:cs typeface="Whitney Book"/>
-            </a:endParaRPr>
-          </a:p>
-          <a:p>
-            <a:pPr marL="342900" indent="-342900">
-              <a:buFont typeface="+mj-lt"/>
-              <a:buAutoNum type="arabicPeriod" startAt="2"/>
-            </a:pPr>
-            <a:r>
-              <a:rPr lang="en-US" dirty="0">
-                <a:latin typeface="Whitney Book"/>
-                <a:cs typeface="Whitney Book"/>
-              </a:rPr>
-              <a:t>Create a profile</a:t>
-            </a:r>
-          </a:p>
-          <a:p>
-            <a:endParaRPr lang="en-US" dirty="0">
-              <a:latin typeface="Whitney Book"/>
-              <a:cs typeface="Whitney Book"/>
-            </a:endParaRPr>
-          </a:p>
-          <a:p>
-            <a:pPr marL="342900" indent="-342900">
-              <a:buFont typeface="+mj-lt"/>
-              <a:buAutoNum type="arabicPeriod" startAt="3"/>
-            </a:pPr>
-            <a:r>
-              <a:rPr lang="en-US" dirty="0">
-                <a:latin typeface="Whitney Book"/>
-                <a:cs typeface="Whitney Book"/>
-              </a:rPr>
-              <a:t>Provide feedback (~15 minutes)</a:t>
-            </a:r>
-          </a:p>
-        </p:txBody>
-      </p:sp>
-      <p:pic>
-        <p:nvPicPr>
-          <p:cNvPr id="3" name="Picture 2" descr="static_qr_code_without_logo.jpg"/>
-          <p:cNvPicPr>
-            <a:picLocks noChangeAspect="1"/>
-          </p:cNvPicPr>
-          <p:nvPr/>
-        </p:nvPicPr>
-        <p:blipFill>
-          <a:blip r:embed="rId4">
-            <a:extLst>
-              <a:ext uri="{28A0092B-C50C-407E-A947-70E740481C1C}">
-                <a14:useLocalDpi xmlns:a14="http://schemas.microsoft.com/office/drawing/2010/main" val="0"/>
-              </a:ext>
-            </a:extLst>
-          </a:blip>
-          <a:stretch>
-            <a:fillRect/>
-          </a:stretch>
-        </p:blipFill>
-        <p:spPr>
-          <a:xfrm>
-            <a:off x="5530896" y="2223382"/>
-            <a:ext cx="1818570" cy="1818570"/>
-          </a:xfrm>
-          <a:prstGeom prst="rect">
-            <a:avLst/>
-          </a:prstGeom>
-        </p:spPr>
-      </p:pic>
-    </p:spTree>
-    <p:extLst>
-      <p:ext uri="{BB962C8B-B14F-4D97-AF65-F5344CB8AC3E}">
-        <p14:creationId xmlns:p14="http://schemas.microsoft.com/office/powerpoint/2010/main" val="875240058"/>
       </p:ext>
     </p:extLst>
   </p:cSld>

--- a/04/04.pptx
+++ b/04/04.pptx
@@ -277,7 +277,7 @@
           <a:p>
             <a:fld id="{B5389E1E-C654-E943-9883-792E99AD7287}" type="datetimeFigureOut">
               <a:rPr lang="en-US" smtClean="0"/>
-              <a:t>3/20/2017</a:t>
+              <a:t>3/22/2017</a:t>
             </a:fld>
             <a:endParaRPr lang="en-US"/>
           </a:p>
@@ -443,7 +443,7 @@
           <a:p>
             <a:fld id="{9920D99B-2862-464A-984E-65BFC5FC0BBC}" type="datetimeFigureOut">
               <a:rPr lang="en-US" smtClean="0"/>
-              <a:t>3/20/2017</a:t>
+              <a:t>3/22/2017</a:t>
             </a:fld>
             <a:endParaRPr lang="en-US"/>
           </a:p>
@@ -7817,8 +7817,12 @@
           <a:lstStyle/>
           <a:p>
             <a:r>
+              <a:rPr lang="en-US" sz="3600"/>
+              <a:t>Workshop 4 </a:t>
+            </a:r>
+            <a:r>
               <a:rPr lang="en-US" sz="3600" dirty="0"/>
-              <a:t>Workshop C – Building a Full-stack Application</a:t>
+              <a:t>– Building a Full-stack Application</a:t>
             </a:r>
           </a:p>
         </p:txBody>

--- a/04/04.pptx
+++ b/04/04.pptx
@@ -15,20 +15,20 @@
     <p:sldId id="444" r:id="rId3"/>
     <p:sldId id="445" r:id="rId4"/>
     <p:sldId id="496" r:id="rId5"/>
-    <p:sldId id="494" r:id="rId6"/>
-    <p:sldId id="500" r:id="rId7"/>
-    <p:sldId id="503" r:id="rId8"/>
-    <p:sldId id="504" r:id="rId9"/>
-    <p:sldId id="505" r:id="rId10"/>
-    <p:sldId id="506" r:id="rId11"/>
-    <p:sldId id="507" r:id="rId12"/>
-    <p:sldId id="508" r:id="rId13"/>
-    <p:sldId id="509" r:id="rId14"/>
-    <p:sldId id="510" r:id="rId15"/>
-    <p:sldId id="511" r:id="rId16"/>
-    <p:sldId id="502" r:id="rId17"/>
-    <p:sldId id="501" r:id="rId18"/>
-    <p:sldId id="484" r:id="rId19"/>
+    <p:sldId id="503" r:id="rId6"/>
+    <p:sldId id="504" r:id="rId7"/>
+    <p:sldId id="505" r:id="rId8"/>
+    <p:sldId id="506" r:id="rId9"/>
+    <p:sldId id="507" r:id="rId10"/>
+    <p:sldId id="508" r:id="rId11"/>
+    <p:sldId id="509" r:id="rId12"/>
+    <p:sldId id="510" r:id="rId13"/>
+    <p:sldId id="511" r:id="rId14"/>
+    <p:sldId id="502" r:id="rId15"/>
+    <p:sldId id="501" r:id="rId16"/>
+    <p:sldId id="484" r:id="rId17"/>
+    <p:sldId id="512" r:id="rId18"/>
+    <p:sldId id="513" r:id="rId19"/>
   </p:sldIdLst>
   <p:sldSz cx="9144000" cy="5143500" type="screen16x9"/>
   <p:notesSz cx="6858000" cy="9144000"/>
@@ -135,8 +135,6 @@
             <p14:sldId id="444"/>
             <p14:sldId id="445"/>
             <p14:sldId id="496"/>
-            <p14:sldId id="494"/>
-            <p14:sldId id="500"/>
             <p14:sldId id="503"/>
             <p14:sldId id="504"/>
             <p14:sldId id="505"/>
@@ -149,6 +147,8 @@
             <p14:sldId id="502"/>
             <p14:sldId id="501"/>
             <p14:sldId id="484"/>
+            <p14:sldId id="512"/>
+            <p14:sldId id="513"/>
           </p14:sldIdLst>
         </p14:section>
       </p14:sectionLst>
@@ -875,7 +875,7 @@
           <a:p>
             <a:fld id="{F39351FC-18D6-4741-8EEB-9FDB1F020AAC}" type="slidenum">
               <a:rPr lang="en-US" smtClean="0"/>
-              <a:t>6</a:t>
+              <a:t>4</a:t>
             </a:fld>
             <a:endParaRPr lang="en-US"/>
           </a:p>
@@ -972,7 +972,7 @@
           <a:p>
             <a:fld id="{F39351FC-18D6-4741-8EEB-9FDB1F020AAC}" type="slidenum">
               <a:rPr lang="en-US" smtClean="0"/>
-              <a:t>16</a:t>
+              <a:t>14</a:t>
             </a:fld>
             <a:endParaRPr lang="en-US"/>
           </a:p>
@@ -1093,7 +1093,7 @@
           <a:p>
             <a:fld id="{F39351FC-18D6-4741-8EEB-9FDB1F020AAC}" type="slidenum">
               <a:rPr lang="en-US" smtClean="0"/>
-              <a:t>7</a:t>
+              <a:t>5</a:t>
             </a:fld>
             <a:endParaRPr lang="en-US"/>
           </a:p>
@@ -1270,7 +1270,7 @@
           <a:p>
             <a:fld id="{F39351FC-18D6-4741-8EEB-9FDB1F020AAC}" type="slidenum">
               <a:rPr lang="en-US" smtClean="0"/>
-              <a:t>9</a:t>
+              <a:t>7</a:t>
             </a:fld>
             <a:endParaRPr lang="en-US"/>
           </a:p>
@@ -1369,7 +1369,7 @@
           <a:p>
             <a:fld id="{F39351FC-18D6-4741-8EEB-9FDB1F020AAC}" type="slidenum">
               <a:rPr lang="en-US" smtClean="0"/>
-              <a:t>10</a:t>
+              <a:t>8</a:t>
             </a:fld>
             <a:endParaRPr lang="en-US"/>
           </a:p>
@@ -1525,7 +1525,7 @@
           <a:p>
             <a:fld id="{F39351FC-18D6-4741-8EEB-9FDB1F020AAC}" type="slidenum">
               <a:rPr lang="en-US" smtClean="0"/>
-              <a:t>11</a:t>
+              <a:t>9</a:t>
             </a:fld>
             <a:endParaRPr lang="en-US"/>
           </a:p>
@@ -1663,7 +1663,7 @@
           <a:p>
             <a:fld id="{F39351FC-18D6-4741-8EEB-9FDB1F020AAC}" type="slidenum">
               <a:rPr lang="en-US" smtClean="0"/>
-              <a:t>12</a:t>
+              <a:t>10</a:t>
             </a:fld>
             <a:endParaRPr lang="en-US"/>
           </a:p>
@@ -1759,7 +1759,7 @@
           <a:p>
             <a:fld id="{F39351FC-18D6-4741-8EEB-9FDB1F020AAC}" type="slidenum">
               <a:rPr lang="en-US" smtClean="0"/>
-              <a:t>13</a:t>
+              <a:t>11</a:t>
             </a:fld>
             <a:endParaRPr lang="en-US"/>
           </a:p>
@@ -1860,7 +1860,7 @@
           <a:p>
             <a:fld id="{F39351FC-18D6-4741-8EEB-9FDB1F020AAC}" type="slidenum">
               <a:rPr lang="en-US" smtClean="0"/>
-              <a:t>14</a:t>
+              <a:t>12</a:t>
             </a:fld>
             <a:endParaRPr lang="en-US"/>
           </a:p>
@@ -1956,7 +1956,7 @@
           <a:p>
             <a:fld id="{F39351FC-18D6-4741-8EEB-9FDB1F020AAC}" type="slidenum">
               <a:rPr lang="en-US" smtClean="0"/>
-              <a:t>15</a:t>
+              <a:t>13</a:t>
             </a:fld>
             <a:endParaRPr lang="en-US"/>
           </a:p>
@@ -7892,18 +7892,9 @@
           <a:lstStyle/>
           <a:p>
             <a:r>
-              <a:rPr lang="en-US" dirty="0" err="1"/>
-              <a:t>src</a:t>
-            </a:r>
-            <a:r>
               <a:rPr lang="en-US" dirty="0"/>
-              <a:t>/app/thing/</a:t>
-            </a:r>
-            <a:r>
-              <a:rPr lang="en-US" dirty="0" err="1"/>
-              <a:t>thing.component.ts</a:t>
-            </a:r>
-            <a:endParaRPr lang="en-US" dirty="0"/>
+              <a:t>List Template</a:t>
+            </a:r>
           </a:p>
         </p:txBody>
       </p:sp>
@@ -7915,8 +7906,8 @@
         </p:nvSpPr>
         <p:spPr>
           <a:xfrm>
-            <a:off x="1857375" y="718096"/>
-            <a:ext cx="5724525" cy="3985706"/>
+            <a:off x="2212848" y="742682"/>
+            <a:ext cx="6473952" cy="4524315"/>
           </a:xfrm>
           <a:prstGeom prst="rect">
             <a:avLst/>
@@ -7929,605 +7920,60 @@
           <a:lstStyle/>
           <a:p>
             <a:r>
-              <a:rPr lang="en-US" sz="1100" dirty="0">
+              <a:rPr lang="en-US" sz="1600" dirty="0">
+                <a:solidFill>
+                  <a:srgbClr val="800000"/>
+                </a:solidFill>
+                <a:latin typeface="Consolas" panose="020B0609020204030204" pitchFamily="49" charset="0"/>
+              </a:rPr>
+              <a:t>&lt;table</a:t>
+            </a:r>
+            <a:r>
+              <a:rPr lang="en-US" sz="1600" dirty="0">
+                <a:solidFill>
+                  <a:srgbClr val="000000"/>
+                </a:solidFill>
+                <a:latin typeface="Consolas" panose="020B0609020204030204" pitchFamily="49" charset="0"/>
+              </a:rPr>
+              <a:t> </a:t>
+            </a:r>
+            <a:r>
+              <a:rPr lang="en-US" sz="1600" dirty="0">
+                <a:solidFill>
+                  <a:srgbClr val="FF0000"/>
+                </a:solidFill>
+                <a:latin typeface="Consolas" panose="020B0609020204030204" pitchFamily="49" charset="0"/>
+              </a:rPr>
+              <a:t>class</a:t>
+            </a:r>
+            <a:r>
+              <a:rPr lang="en-US" sz="1600" dirty="0">
+                <a:solidFill>
+                  <a:srgbClr val="000000"/>
+                </a:solidFill>
+                <a:latin typeface="Consolas" panose="020B0609020204030204" pitchFamily="49" charset="0"/>
+              </a:rPr>
+              <a:t>=</a:t>
+            </a:r>
+            <a:r>
+              <a:rPr lang="en-US" sz="1600" dirty="0">
                 <a:solidFill>
                   <a:srgbClr val="0000FF"/>
                 </a:solidFill>
                 <a:latin typeface="Consolas" panose="020B0609020204030204" pitchFamily="49" charset="0"/>
               </a:rPr>
-              <a:t>import</a:t>
-            </a:r>
-            <a:r>
-              <a:rPr lang="en-US" sz="1100" dirty="0">
-                <a:solidFill>
-                  <a:srgbClr val="000000"/>
-                </a:solidFill>
-                <a:latin typeface="Consolas" panose="020B0609020204030204" pitchFamily="49" charset="0"/>
-              </a:rPr>
-              <a:t> { Component, </a:t>
-            </a:r>
-            <a:r>
-              <a:rPr lang="en-US" sz="1100" dirty="0" err="1">
-                <a:solidFill>
-                  <a:srgbClr val="000000"/>
-                </a:solidFill>
-                <a:latin typeface="Consolas" panose="020B0609020204030204" pitchFamily="49" charset="0"/>
-              </a:rPr>
-              <a:t>OnInit</a:t>
-            </a:r>
-            <a:r>
-              <a:rPr lang="en-US" sz="1100" dirty="0">
-                <a:solidFill>
-                  <a:srgbClr val="000000"/>
-                </a:solidFill>
-                <a:latin typeface="Consolas" panose="020B0609020204030204" pitchFamily="49" charset="0"/>
-              </a:rPr>
-              <a:t> } </a:t>
-            </a:r>
-            <a:r>
-              <a:rPr lang="en-US" sz="1100" dirty="0">
-                <a:solidFill>
-                  <a:srgbClr val="0000FF"/>
-                </a:solidFill>
-                <a:latin typeface="Consolas" panose="020B0609020204030204" pitchFamily="49" charset="0"/>
-              </a:rPr>
-              <a:t>from</a:t>
-            </a:r>
-            <a:r>
-              <a:rPr lang="en-US" sz="1100" dirty="0">
-                <a:solidFill>
-                  <a:srgbClr val="000000"/>
-                </a:solidFill>
-                <a:latin typeface="Consolas" panose="020B0609020204030204" pitchFamily="49" charset="0"/>
-              </a:rPr>
-              <a:t> </a:t>
-            </a:r>
-            <a:r>
-              <a:rPr lang="en-US" sz="1100" dirty="0">
-                <a:solidFill>
-                  <a:srgbClr val="A31515"/>
-                </a:solidFill>
-                <a:latin typeface="Consolas" panose="020B0609020204030204" pitchFamily="49" charset="0"/>
-              </a:rPr>
-              <a:t>'@angular/core'</a:t>
-            </a:r>
-            <a:r>
-              <a:rPr lang="en-US" sz="1100" dirty="0">
-                <a:solidFill>
-                  <a:srgbClr val="000000"/>
-                </a:solidFill>
-                <a:latin typeface="Consolas" panose="020B0609020204030204" pitchFamily="49" charset="0"/>
-              </a:rPr>
-              <a:t>;</a:t>
-            </a:r>
-          </a:p>
-          <a:p>
-            <a:r>
-              <a:rPr lang="en-US" sz="1100" dirty="0">
-                <a:solidFill>
-                  <a:srgbClr val="0000FF"/>
-                </a:solidFill>
-                <a:latin typeface="Consolas" panose="020B0609020204030204" pitchFamily="49" charset="0"/>
-              </a:rPr>
-              <a:t>import</a:t>
-            </a:r>
-            <a:r>
-              <a:rPr lang="en-US" sz="1100" dirty="0">
-                <a:solidFill>
-                  <a:srgbClr val="000000"/>
-                </a:solidFill>
-                <a:latin typeface="Consolas" panose="020B0609020204030204" pitchFamily="49" charset="0"/>
-              </a:rPr>
-              <a:t> { Http } </a:t>
-            </a:r>
-            <a:r>
-              <a:rPr lang="en-US" sz="1100" dirty="0">
-                <a:solidFill>
-                  <a:srgbClr val="0000FF"/>
-                </a:solidFill>
-                <a:latin typeface="Consolas" panose="020B0609020204030204" pitchFamily="49" charset="0"/>
-              </a:rPr>
-              <a:t>from</a:t>
-            </a:r>
-            <a:r>
-              <a:rPr lang="en-US" sz="1100" dirty="0">
-                <a:solidFill>
-                  <a:srgbClr val="000000"/>
-                </a:solidFill>
-                <a:latin typeface="Consolas" panose="020B0609020204030204" pitchFamily="49" charset="0"/>
-              </a:rPr>
-              <a:t> </a:t>
-            </a:r>
-            <a:r>
-              <a:rPr lang="en-US" sz="1100" dirty="0">
-                <a:solidFill>
-                  <a:srgbClr val="A31515"/>
-                </a:solidFill>
-                <a:latin typeface="Consolas" panose="020B0609020204030204" pitchFamily="49" charset="0"/>
-              </a:rPr>
-              <a:t>'@angular/http'</a:t>
-            </a:r>
-            <a:r>
-              <a:rPr lang="en-US" sz="1100" dirty="0">
-                <a:solidFill>
-                  <a:srgbClr val="000000"/>
-                </a:solidFill>
-                <a:latin typeface="Consolas" panose="020B0609020204030204" pitchFamily="49" charset="0"/>
-              </a:rPr>
-              <a:t>;</a:t>
-            </a:r>
-          </a:p>
-          <a:p>
-            <a:r>
-              <a:rPr lang="en-US" sz="1100" dirty="0">
-                <a:solidFill>
-                  <a:srgbClr val="0000FF"/>
-                </a:solidFill>
-                <a:latin typeface="Consolas" panose="020B0609020204030204" pitchFamily="49" charset="0"/>
-              </a:rPr>
-              <a:t>import</a:t>
-            </a:r>
-            <a:r>
-              <a:rPr lang="en-US" sz="1100" dirty="0">
-                <a:solidFill>
-                  <a:srgbClr val="000000"/>
-                </a:solidFill>
-                <a:latin typeface="Consolas" panose="020B0609020204030204" pitchFamily="49" charset="0"/>
-              </a:rPr>
-              <a:t> { Utility } </a:t>
-            </a:r>
-            <a:r>
-              <a:rPr lang="en-US" sz="1100" dirty="0">
-                <a:solidFill>
-                  <a:srgbClr val="0000FF"/>
-                </a:solidFill>
-                <a:latin typeface="Consolas" panose="020B0609020204030204" pitchFamily="49" charset="0"/>
-              </a:rPr>
-              <a:t>from</a:t>
-            </a:r>
-            <a:r>
-              <a:rPr lang="en-US" sz="1100" dirty="0">
-                <a:solidFill>
-                  <a:srgbClr val="000000"/>
-                </a:solidFill>
-                <a:latin typeface="Consolas" panose="020B0609020204030204" pitchFamily="49" charset="0"/>
-              </a:rPr>
-              <a:t> </a:t>
-            </a:r>
-            <a:r>
-              <a:rPr lang="en-US" sz="1100" dirty="0">
-                <a:solidFill>
-                  <a:srgbClr val="A31515"/>
-                </a:solidFill>
-                <a:latin typeface="Consolas" panose="020B0609020204030204" pitchFamily="49" charset="0"/>
-              </a:rPr>
-              <a:t>'../utility'</a:t>
-            </a:r>
-            <a:r>
-              <a:rPr lang="en-US" sz="1100" dirty="0">
-                <a:solidFill>
-                  <a:srgbClr val="000000"/>
-                </a:solidFill>
-                <a:latin typeface="Consolas" panose="020B0609020204030204" pitchFamily="49" charset="0"/>
-              </a:rPr>
-              <a:t>;</a:t>
-            </a:r>
-          </a:p>
-          <a:p>
-            <a:br>
-              <a:rPr lang="en-US" sz="1100" dirty="0">
-                <a:solidFill>
-                  <a:srgbClr val="000000"/>
-                </a:solidFill>
-                <a:latin typeface="Consolas" panose="020B0609020204030204" pitchFamily="49" charset="0"/>
-              </a:rPr>
-            </a:br>
-            <a:r>
-              <a:rPr lang="en-US" sz="1100" dirty="0">
-                <a:solidFill>
-                  <a:srgbClr val="000000"/>
-                </a:solidFill>
-                <a:latin typeface="Consolas" panose="020B0609020204030204" pitchFamily="49" charset="0"/>
-              </a:rPr>
-              <a:t>@Component({</a:t>
-            </a:r>
-          </a:p>
-          <a:p>
-            <a:r>
-              <a:rPr lang="en-US" sz="1100" dirty="0">
-                <a:solidFill>
-                  <a:srgbClr val="000000"/>
-                </a:solidFill>
-                <a:latin typeface="Consolas" panose="020B0609020204030204" pitchFamily="49" charset="0"/>
-              </a:rPr>
-              <a:t>  selector: </a:t>
-            </a:r>
-            <a:r>
-              <a:rPr lang="en-US" sz="1100" dirty="0">
-                <a:solidFill>
-                  <a:srgbClr val="A31515"/>
-                </a:solidFill>
-                <a:latin typeface="Consolas" panose="020B0609020204030204" pitchFamily="49" charset="0"/>
-              </a:rPr>
-              <a:t>'app-item'</a:t>
-            </a:r>
-            <a:r>
-              <a:rPr lang="en-US" sz="1100" dirty="0">
-                <a:solidFill>
-                  <a:srgbClr val="000000"/>
-                </a:solidFill>
-                <a:latin typeface="Consolas" panose="020B0609020204030204" pitchFamily="49" charset="0"/>
-              </a:rPr>
-              <a:t>,</a:t>
-            </a:r>
-          </a:p>
-          <a:p>
-            <a:r>
-              <a:rPr lang="en-US" sz="1100" dirty="0">
-                <a:solidFill>
-                  <a:srgbClr val="000000"/>
-                </a:solidFill>
-                <a:latin typeface="Consolas" panose="020B0609020204030204" pitchFamily="49" charset="0"/>
-              </a:rPr>
-              <a:t>  </a:t>
-            </a:r>
-            <a:r>
-              <a:rPr lang="en-US" sz="1100" dirty="0" err="1">
-                <a:solidFill>
-                  <a:srgbClr val="000000"/>
-                </a:solidFill>
-                <a:latin typeface="Consolas" panose="020B0609020204030204" pitchFamily="49" charset="0"/>
-              </a:rPr>
-              <a:t>templateUrl</a:t>
-            </a:r>
-            <a:r>
-              <a:rPr lang="en-US" sz="1100" dirty="0">
-                <a:solidFill>
-                  <a:srgbClr val="000000"/>
-                </a:solidFill>
-                <a:latin typeface="Consolas" panose="020B0609020204030204" pitchFamily="49" charset="0"/>
-              </a:rPr>
-              <a:t>: </a:t>
-            </a:r>
-            <a:r>
-              <a:rPr lang="en-US" sz="1100" dirty="0">
-                <a:solidFill>
-                  <a:srgbClr val="A31515"/>
-                </a:solidFill>
-                <a:latin typeface="Consolas" panose="020B0609020204030204" pitchFamily="49" charset="0"/>
-              </a:rPr>
-              <a:t>'./thing.component.html'</a:t>
-            </a:r>
-            <a:r>
-              <a:rPr lang="en-US" sz="1100" dirty="0">
-                <a:solidFill>
-                  <a:srgbClr val="000000"/>
-                </a:solidFill>
-                <a:latin typeface="Consolas" panose="020B0609020204030204" pitchFamily="49" charset="0"/>
-              </a:rPr>
-              <a:t>,</a:t>
-            </a:r>
-          </a:p>
-          <a:p>
-            <a:r>
-              <a:rPr lang="en-US" sz="1100" dirty="0">
-                <a:solidFill>
-                  <a:srgbClr val="000000"/>
-                </a:solidFill>
-                <a:latin typeface="Consolas" panose="020B0609020204030204" pitchFamily="49" charset="0"/>
-              </a:rPr>
-              <a:t>  </a:t>
-            </a:r>
-            <a:r>
-              <a:rPr lang="en-US" sz="1100" dirty="0" err="1">
-                <a:solidFill>
-                  <a:srgbClr val="000000"/>
-                </a:solidFill>
-                <a:latin typeface="Consolas" panose="020B0609020204030204" pitchFamily="49" charset="0"/>
-              </a:rPr>
-              <a:t>styleUrls</a:t>
-            </a:r>
-            <a:r>
-              <a:rPr lang="en-US" sz="1100" dirty="0">
-                <a:solidFill>
-                  <a:srgbClr val="000000"/>
-                </a:solidFill>
-                <a:latin typeface="Consolas" panose="020B0609020204030204" pitchFamily="49" charset="0"/>
-              </a:rPr>
-              <a:t>: [</a:t>
-            </a:r>
-            <a:r>
-              <a:rPr lang="en-US" sz="1100" dirty="0">
-                <a:solidFill>
-                  <a:srgbClr val="A31515"/>
-                </a:solidFill>
-                <a:latin typeface="Consolas" panose="020B0609020204030204" pitchFamily="49" charset="0"/>
-              </a:rPr>
-              <a:t>'./thing.component.css'</a:t>
-            </a:r>
-            <a:r>
-              <a:rPr lang="en-US" sz="1100" dirty="0">
-                <a:solidFill>
-                  <a:srgbClr val="000000"/>
-                </a:solidFill>
-                <a:latin typeface="Consolas" panose="020B0609020204030204" pitchFamily="49" charset="0"/>
-              </a:rPr>
-              <a:t>]</a:t>
-            </a:r>
-          </a:p>
-          <a:p>
-            <a:r>
-              <a:rPr lang="en-US" sz="1100" dirty="0">
-                <a:solidFill>
-                  <a:srgbClr val="000000"/>
-                </a:solidFill>
-                <a:latin typeface="Consolas" panose="020B0609020204030204" pitchFamily="49" charset="0"/>
-              </a:rPr>
-              <a:t>})</a:t>
-            </a:r>
-          </a:p>
-          <a:p>
-            <a:r>
-              <a:rPr lang="en-US" sz="1100" dirty="0">
-                <a:solidFill>
-                  <a:srgbClr val="0000FF"/>
-                </a:solidFill>
-                <a:latin typeface="Consolas" panose="020B0609020204030204" pitchFamily="49" charset="0"/>
-              </a:rPr>
-              <a:t>export</a:t>
-            </a:r>
-            <a:r>
-              <a:rPr lang="en-US" sz="1100" dirty="0">
-                <a:solidFill>
-                  <a:srgbClr val="000000"/>
-                </a:solidFill>
-                <a:latin typeface="Consolas" panose="020B0609020204030204" pitchFamily="49" charset="0"/>
-              </a:rPr>
-              <a:t> </a:t>
-            </a:r>
-            <a:r>
-              <a:rPr lang="en-US" sz="1100" dirty="0">
-                <a:solidFill>
-                  <a:srgbClr val="0000FF"/>
-                </a:solidFill>
-                <a:latin typeface="Consolas" panose="020B0609020204030204" pitchFamily="49" charset="0"/>
-              </a:rPr>
-              <a:t>class</a:t>
-            </a:r>
-            <a:r>
-              <a:rPr lang="en-US" sz="1100" dirty="0">
-                <a:solidFill>
-                  <a:srgbClr val="000000"/>
-                </a:solidFill>
-                <a:latin typeface="Consolas" panose="020B0609020204030204" pitchFamily="49" charset="0"/>
-              </a:rPr>
-              <a:t> </a:t>
-            </a:r>
-            <a:r>
-              <a:rPr lang="en-US" sz="1100" dirty="0" err="1">
-                <a:solidFill>
-                  <a:srgbClr val="000000"/>
-                </a:solidFill>
-                <a:latin typeface="Consolas" panose="020B0609020204030204" pitchFamily="49" charset="0"/>
-              </a:rPr>
-              <a:t>ThingComponent</a:t>
-            </a:r>
-            <a:r>
-              <a:rPr lang="en-US" sz="1100" dirty="0">
-                <a:solidFill>
-                  <a:srgbClr val="000000"/>
-                </a:solidFill>
-                <a:latin typeface="Consolas" panose="020B0609020204030204" pitchFamily="49" charset="0"/>
-              </a:rPr>
-              <a:t> </a:t>
-            </a:r>
-            <a:r>
-              <a:rPr lang="en-US" sz="1100" dirty="0">
-                <a:solidFill>
-                  <a:srgbClr val="0000FF"/>
-                </a:solidFill>
-                <a:latin typeface="Consolas" panose="020B0609020204030204" pitchFamily="49" charset="0"/>
-              </a:rPr>
-              <a:t>implements</a:t>
-            </a:r>
-            <a:r>
-              <a:rPr lang="en-US" sz="1100" dirty="0">
-                <a:solidFill>
-                  <a:srgbClr val="000000"/>
-                </a:solidFill>
-                <a:latin typeface="Consolas" panose="020B0609020204030204" pitchFamily="49" charset="0"/>
-              </a:rPr>
-              <a:t> </a:t>
-            </a:r>
-            <a:r>
-              <a:rPr lang="en-US" sz="1100" dirty="0" err="1">
-                <a:solidFill>
-                  <a:srgbClr val="000000"/>
-                </a:solidFill>
-                <a:latin typeface="Consolas" panose="020B0609020204030204" pitchFamily="49" charset="0"/>
-              </a:rPr>
-              <a:t>OnInit</a:t>
-            </a:r>
-            <a:r>
-              <a:rPr lang="en-US" sz="1100" dirty="0">
-                <a:solidFill>
-                  <a:srgbClr val="000000"/>
-                </a:solidFill>
-                <a:latin typeface="Consolas" panose="020B0609020204030204" pitchFamily="49" charset="0"/>
-              </a:rPr>
-              <a:t> {</a:t>
-            </a:r>
-          </a:p>
-          <a:p>
-            <a:br>
-              <a:rPr lang="en-US" sz="1100" dirty="0">
-                <a:solidFill>
-                  <a:srgbClr val="000000"/>
-                </a:solidFill>
-                <a:latin typeface="Consolas" panose="020B0609020204030204" pitchFamily="49" charset="0"/>
-              </a:rPr>
-            </a:br>
-            <a:r>
-              <a:rPr lang="en-US" sz="1100" dirty="0">
-                <a:solidFill>
-                  <a:srgbClr val="000000"/>
-                </a:solidFill>
-                <a:latin typeface="Consolas" panose="020B0609020204030204" pitchFamily="49" charset="0"/>
-              </a:rPr>
-              <a:t>  </a:t>
-            </a:r>
-            <a:r>
-              <a:rPr lang="en-US" sz="1100" dirty="0">
-                <a:solidFill>
-                  <a:srgbClr val="0000FF"/>
-                </a:solidFill>
-                <a:latin typeface="Consolas" panose="020B0609020204030204" pitchFamily="49" charset="0"/>
-              </a:rPr>
-              <a:t>public</a:t>
-            </a:r>
-            <a:r>
-              <a:rPr lang="en-US" sz="1100" dirty="0">
-                <a:solidFill>
-                  <a:srgbClr val="000000"/>
-                </a:solidFill>
-                <a:latin typeface="Consolas" panose="020B0609020204030204" pitchFamily="49" charset="0"/>
-              </a:rPr>
-              <a:t> </a:t>
-            </a:r>
-            <a:r>
-              <a:rPr lang="en-US" sz="1100" dirty="0">
-                <a:solidFill>
-                  <a:srgbClr val="0000FF"/>
-                </a:solidFill>
-                <a:latin typeface="Consolas" panose="020B0609020204030204" pitchFamily="49" charset="0"/>
-              </a:rPr>
-              <a:t>constructor</a:t>
-            </a:r>
-            <a:r>
-              <a:rPr lang="en-US" sz="1100" dirty="0">
-                <a:solidFill>
-                  <a:srgbClr val="000000"/>
-                </a:solidFill>
-                <a:latin typeface="Consolas" panose="020B0609020204030204" pitchFamily="49" charset="0"/>
-              </a:rPr>
-              <a:t>(</a:t>
-            </a:r>
-            <a:r>
-              <a:rPr lang="en-US" sz="1100" dirty="0">
-                <a:solidFill>
-                  <a:srgbClr val="0000FF"/>
-                </a:solidFill>
-                <a:latin typeface="Consolas" panose="020B0609020204030204" pitchFamily="49" charset="0"/>
-              </a:rPr>
-              <a:t>private</a:t>
-            </a:r>
-            <a:r>
-              <a:rPr lang="en-US" sz="1100" dirty="0">
-                <a:solidFill>
-                  <a:srgbClr val="000000"/>
-                </a:solidFill>
-                <a:latin typeface="Consolas" panose="020B0609020204030204" pitchFamily="49" charset="0"/>
-              </a:rPr>
-              <a:t> http: Http, </a:t>
-            </a:r>
-            <a:r>
-              <a:rPr lang="en-US" sz="1100" dirty="0">
-                <a:solidFill>
-                  <a:srgbClr val="0000FF"/>
-                </a:solidFill>
-                <a:latin typeface="Consolas" panose="020B0609020204030204" pitchFamily="49" charset="0"/>
-              </a:rPr>
-              <a:t>private</a:t>
-            </a:r>
-            <a:r>
-              <a:rPr lang="en-US" sz="1100" dirty="0">
-                <a:solidFill>
-                  <a:srgbClr val="000000"/>
-                </a:solidFill>
-                <a:latin typeface="Consolas" panose="020B0609020204030204" pitchFamily="49" charset="0"/>
-              </a:rPr>
-              <a:t> utility: Utility) {</a:t>
-            </a:r>
-          </a:p>
-          <a:p>
-            <a:r>
-              <a:rPr lang="en-US" sz="1100" dirty="0">
-                <a:solidFill>
-                  <a:srgbClr val="000000"/>
-                </a:solidFill>
-                <a:latin typeface="Consolas" panose="020B0609020204030204" pitchFamily="49" charset="0"/>
-              </a:rPr>
-              <a:t>    </a:t>
-            </a:r>
-          </a:p>
-          <a:p>
-            <a:r>
-              <a:rPr lang="en-US" sz="1100" dirty="0">
-                <a:solidFill>
-                  <a:srgbClr val="000000"/>
-                </a:solidFill>
-                <a:latin typeface="Consolas" panose="020B0609020204030204" pitchFamily="49" charset="0"/>
-              </a:rPr>
-              <a:t>  }</a:t>
-            </a:r>
-          </a:p>
-          <a:p>
-            <a:br>
-              <a:rPr lang="en-US" sz="1100" dirty="0">
-                <a:solidFill>
-                  <a:srgbClr val="000000"/>
-                </a:solidFill>
-                <a:latin typeface="Consolas" panose="020B0609020204030204" pitchFamily="49" charset="0"/>
-              </a:rPr>
-            </a:br>
-            <a:r>
-              <a:rPr lang="en-US" sz="1100" dirty="0">
-                <a:solidFill>
-                  <a:srgbClr val="000000"/>
-                </a:solidFill>
-                <a:latin typeface="Consolas" panose="020B0609020204030204" pitchFamily="49" charset="0"/>
-              </a:rPr>
-              <a:t>  </a:t>
-            </a:r>
-            <a:r>
-              <a:rPr lang="en-US" sz="1100" dirty="0">
-                <a:solidFill>
-                  <a:srgbClr val="0000FF"/>
-                </a:solidFill>
-                <a:latin typeface="Consolas" panose="020B0609020204030204" pitchFamily="49" charset="0"/>
-              </a:rPr>
-              <a:t>public</a:t>
-            </a:r>
-            <a:r>
-              <a:rPr lang="en-US" sz="1100" dirty="0">
-                <a:solidFill>
-                  <a:srgbClr val="000000"/>
-                </a:solidFill>
-                <a:latin typeface="Consolas" panose="020B0609020204030204" pitchFamily="49" charset="0"/>
-              </a:rPr>
-              <a:t> </a:t>
-            </a:r>
-            <a:r>
-              <a:rPr lang="en-US" sz="1100" dirty="0" err="1">
-                <a:solidFill>
-                  <a:srgbClr val="000000"/>
-                </a:solidFill>
-                <a:latin typeface="Consolas" panose="020B0609020204030204" pitchFamily="49" charset="0"/>
-              </a:rPr>
-              <a:t>ngOnInit</a:t>
-            </a:r>
-            <a:r>
-              <a:rPr lang="en-US" sz="1100" dirty="0">
-                <a:solidFill>
-                  <a:srgbClr val="000000"/>
-                </a:solidFill>
-                <a:latin typeface="Consolas" panose="020B0609020204030204" pitchFamily="49" charset="0"/>
-              </a:rPr>
-              <a:t>() {</a:t>
-            </a:r>
-          </a:p>
-          <a:p>
-            <a:endParaRPr lang="en-US" sz="1100" dirty="0">
+              <a:t>"table table-striped"</a:t>
+            </a:r>
+            <a:r>
+              <a:rPr lang="en-US" sz="1600" dirty="0">
+                <a:solidFill>
+                  <a:srgbClr val="800000"/>
+                </a:solidFill>
+                <a:latin typeface="Consolas" panose="020B0609020204030204" pitchFamily="49" charset="0"/>
+              </a:rPr>
+              <a:t>&gt;</a:t>
+            </a:r>
+            <a:endParaRPr lang="en-US" sz="1600" dirty="0">
               <a:solidFill>
                 <a:srgbClr val="000000"/>
               </a:solidFill>
@@ -8536,72 +7982,42 @@
           </a:p>
           <a:p>
             <a:r>
-              <a:rPr lang="en-US" sz="1100" dirty="0">
-                <a:solidFill>
-                  <a:srgbClr val="000000"/>
-                </a:solidFill>
-                <a:latin typeface="Consolas" panose="020B0609020204030204" pitchFamily="49" charset="0"/>
-              </a:rPr>
-              <a:t>  }</a:t>
-            </a:r>
-          </a:p>
-          <a:p>
-            <a:br>
-              <a:rPr lang="en-US" sz="1100" dirty="0">
-                <a:solidFill>
-                  <a:srgbClr val="000000"/>
-                </a:solidFill>
-                <a:latin typeface="Consolas" panose="020B0609020204030204" pitchFamily="49" charset="0"/>
-              </a:rPr>
-            </a:br>
-            <a:r>
-              <a:rPr lang="en-US" sz="1100" dirty="0">
-                <a:solidFill>
-                  <a:srgbClr val="000000"/>
-                </a:solidFill>
-                <a:latin typeface="Consolas" panose="020B0609020204030204" pitchFamily="49" charset="0"/>
-              </a:rPr>
-              <a:t>  </a:t>
-            </a:r>
-            <a:r>
-              <a:rPr lang="en-US" sz="1100" dirty="0">
-                <a:solidFill>
-                  <a:srgbClr val="0000FF"/>
-                </a:solidFill>
-                <a:latin typeface="Consolas" panose="020B0609020204030204" pitchFamily="49" charset="0"/>
-              </a:rPr>
-              <a:t>public</a:t>
-            </a:r>
-            <a:r>
-              <a:rPr lang="en-US" sz="1100" dirty="0">
-                <a:solidFill>
-                  <a:srgbClr val="000000"/>
-                </a:solidFill>
-                <a:latin typeface="Consolas" panose="020B0609020204030204" pitchFamily="49" charset="0"/>
-              </a:rPr>
-              <a:t> </a:t>
-            </a:r>
-            <a:r>
-              <a:rPr lang="en-US" sz="1100" dirty="0" err="1">
-                <a:solidFill>
-                  <a:srgbClr val="000000"/>
-                </a:solidFill>
-                <a:latin typeface="Consolas" panose="020B0609020204030204" pitchFamily="49" charset="0"/>
-              </a:rPr>
-              <a:t>whateverMethod</a:t>
-            </a:r>
-            <a:r>
-              <a:rPr lang="en-US" sz="1100" dirty="0">
-                <a:solidFill>
-                  <a:srgbClr val="000000"/>
-                </a:solidFill>
-                <a:latin typeface="Consolas" panose="020B0609020204030204" pitchFamily="49" charset="0"/>
-              </a:rPr>
-              <a:t>() {</a:t>
-            </a:r>
-          </a:p>
-          <a:p>
-            <a:endParaRPr lang="en-US" sz="1100" dirty="0">
+              <a:rPr lang="en-US" sz="1600" dirty="0">
+                <a:solidFill>
+                  <a:srgbClr val="000000"/>
+                </a:solidFill>
+                <a:latin typeface="Consolas" panose="020B0609020204030204" pitchFamily="49" charset="0"/>
+              </a:rPr>
+              <a:t>    </a:t>
+            </a:r>
+            <a:r>
+              <a:rPr lang="en-US" sz="1600" dirty="0">
+                <a:solidFill>
+                  <a:srgbClr val="800000"/>
+                </a:solidFill>
+                <a:latin typeface="Consolas" panose="020B0609020204030204" pitchFamily="49" charset="0"/>
+              </a:rPr>
+              <a:t>&lt;</a:t>
+            </a:r>
+            <a:r>
+              <a:rPr lang="en-US" sz="1600" dirty="0" err="1">
+                <a:solidFill>
+                  <a:srgbClr val="800000"/>
+                </a:solidFill>
+                <a:latin typeface="Consolas" panose="020B0609020204030204" pitchFamily="49" charset="0"/>
+              </a:rPr>
+              <a:t>thead</a:t>
+            </a:r>
+            <a:r>
+              <a:rPr lang="en-US" sz="1600" dirty="0">
+                <a:solidFill>
+                  <a:srgbClr val="800000"/>
+                </a:solidFill>
+                <a:latin typeface="Consolas" panose="020B0609020204030204" pitchFamily="49" charset="0"/>
+              </a:rPr>
+              <a:t>&gt;</a:t>
+            </a:r>
+            <a:endParaRPr lang="en-US" sz="1600" dirty="0">
               <a:solidFill>
                 <a:srgbClr val="000000"/>
               </a:solidFill>
@@ -8610,26 +8026,801 @@
           </a:p>
           <a:p>
             <a:r>
-              <a:rPr lang="en-US" sz="1100" dirty="0">
-                <a:solidFill>
-                  <a:srgbClr val="000000"/>
-                </a:solidFill>
-                <a:latin typeface="Consolas" panose="020B0609020204030204" pitchFamily="49" charset="0"/>
-              </a:rPr>
-              <a:t>  }</a:t>
-            </a:r>
-          </a:p>
-          <a:p>
-            <a:r>
-              <a:rPr lang="en-US" sz="1100" dirty="0">
-                <a:solidFill>
-                  <a:srgbClr val="000000"/>
-                </a:solidFill>
-                <a:latin typeface="Consolas" panose="020B0609020204030204" pitchFamily="49" charset="0"/>
-              </a:rPr>
-              <a:t>}</a:t>
-            </a:r>
-            <a:endParaRPr lang="en-US" sz="1100" b="0" dirty="0">
+              <a:rPr lang="en-US" sz="1600" dirty="0">
+                <a:solidFill>
+                  <a:srgbClr val="000000"/>
+                </a:solidFill>
+                <a:latin typeface="Consolas" panose="020B0609020204030204" pitchFamily="49" charset="0"/>
+              </a:rPr>
+              <a:t>        </a:t>
+            </a:r>
+            <a:r>
+              <a:rPr lang="en-US" sz="1600" dirty="0">
+                <a:solidFill>
+                  <a:srgbClr val="800000"/>
+                </a:solidFill>
+                <a:latin typeface="Consolas" panose="020B0609020204030204" pitchFamily="49" charset="0"/>
+              </a:rPr>
+              <a:t>&lt;</a:t>
+            </a:r>
+            <a:r>
+              <a:rPr lang="en-US" sz="1600" dirty="0" err="1">
+                <a:solidFill>
+                  <a:srgbClr val="800000"/>
+                </a:solidFill>
+                <a:latin typeface="Consolas" panose="020B0609020204030204" pitchFamily="49" charset="0"/>
+              </a:rPr>
+              <a:t>tr</a:t>
+            </a:r>
+            <a:r>
+              <a:rPr lang="en-US" sz="1600" dirty="0">
+                <a:solidFill>
+                  <a:srgbClr val="800000"/>
+                </a:solidFill>
+                <a:latin typeface="Consolas" panose="020B0609020204030204" pitchFamily="49" charset="0"/>
+              </a:rPr>
+              <a:t>&gt;</a:t>
+            </a:r>
+            <a:endParaRPr lang="en-US" sz="1600" dirty="0">
+              <a:solidFill>
+                <a:srgbClr val="000000"/>
+              </a:solidFill>
+              <a:latin typeface="Consolas" panose="020B0609020204030204" pitchFamily="49" charset="0"/>
+            </a:endParaRPr>
+          </a:p>
+          <a:p>
+            <a:r>
+              <a:rPr lang="en-US" sz="1600" dirty="0">
+                <a:solidFill>
+                  <a:srgbClr val="000000"/>
+                </a:solidFill>
+                <a:latin typeface="Consolas" panose="020B0609020204030204" pitchFamily="49" charset="0"/>
+              </a:rPr>
+              <a:t>            </a:t>
+            </a:r>
+            <a:r>
+              <a:rPr lang="en-US" sz="1600" dirty="0">
+                <a:solidFill>
+                  <a:srgbClr val="800000"/>
+                </a:solidFill>
+                <a:latin typeface="Consolas" panose="020B0609020204030204" pitchFamily="49" charset="0"/>
+              </a:rPr>
+              <a:t>&lt;</a:t>
+            </a:r>
+            <a:r>
+              <a:rPr lang="en-US" sz="1600" dirty="0" err="1">
+                <a:solidFill>
+                  <a:srgbClr val="800000"/>
+                </a:solidFill>
+                <a:latin typeface="Consolas" panose="020B0609020204030204" pitchFamily="49" charset="0"/>
+              </a:rPr>
+              <a:t>th</a:t>
+            </a:r>
+            <a:r>
+              <a:rPr lang="en-US" sz="1600" dirty="0">
+                <a:solidFill>
+                  <a:srgbClr val="800000"/>
+                </a:solidFill>
+                <a:latin typeface="Consolas" panose="020B0609020204030204" pitchFamily="49" charset="0"/>
+              </a:rPr>
+              <a:t>&gt;</a:t>
+            </a:r>
+            <a:r>
+              <a:rPr lang="en-US" sz="1600" dirty="0">
+                <a:solidFill>
+                  <a:srgbClr val="000000"/>
+                </a:solidFill>
+                <a:latin typeface="Consolas" panose="020B0609020204030204" pitchFamily="49" charset="0"/>
+              </a:rPr>
+              <a:t>First Name</a:t>
+            </a:r>
+            <a:r>
+              <a:rPr lang="en-US" sz="1600" dirty="0">
+                <a:solidFill>
+                  <a:srgbClr val="800000"/>
+                </a:solidFill>
+                <a:latin typeface="Consolas" panose="020B0609020204030204" pitchFamily="49" charset="0"/>
+              </a:rPr>
+              <a:t>&lt;/</a:t>
+            </a:r>
+            <a:r>
+              <a:rPr lang="en-US" sz="1600" dirty="0" err="1">
+                <a:solidFill>
+                  <a:srgbClr val="800000"/>
+                </a:solidFill>
+                <a:latin typeface="Consolas" panose="020B0609020204030204" pitchFamily="49" charset="0"/>
+              </a:rPr>
+              <a:t>th</a:t>
+            </a:r>
+            <a:r>
+              <a:rPr lang="en-US" sz="1600" dirty="0">
+                <a:solidFill>
+                  <a:srgbClr val="800000"/>
+                </a:solidFill>
+                <a:latin typeface="Consolas" panose="020B0609020204030204" pitchFamily="49" charset="0"/>
+              </a:rPr>
+              <a:t>&gt;</a:t>
+            </a:r>
+            <a:endParaRPr lang="en-US" sz="1600" dirty="0">
+              <a:solidFill>
+                <a:srgbClr val="000000"/>
+              </a:solidFill>
+              <a:latin typeface="Consolas" panose="020B0609020204030204" pitchFamily="49" charset="0"/>
+            </a:endParaRPr>
+          </a:p>
+          <a:p>
+            <a:r>
+              <a:rPr lang="en-US" sz="1600" dirty="0">
+                <a:solidFill>
+                  <a:srgbClr val="000000"/>
+                </a:solidFill>
+                <a:latin typeface="Consolas" panose="020B0609020204030204" pitchFamily="49" charset="0"/>
+              </a:rPr>
+              <a:t>            </a:t>
+            </a:r>
+            <a:r>
+              <a:rPr lang="en-US" sz="1600" dirty="0">
+                <a:solidFill>
+                  <a:srgbClr val="800000"/>
+                </a:solidFill>
+                <a:latin typeface="Consolas" panose="020B0609020204030204" pitchFamily="49" charset="0"/>
+              </a:rPr>
+              <a:t>&lt;</a:t>
+            </a:r>
+            <a:r>
+              <a:rPr lang="en-US" sz="1600" dirty="0" err="1">
+                <a:solidFill>
+                  <a:srgbClr val="800000"/>
+                </a:solidFill>
+                <a:latin typeface="Consolas" panose="020B0609020204030204" pitchFamily="49" charset="0"/>
+              </a:rPr>
+              <a:t>th</a:t>
+            </a:r>
+            <a:r>
+              <a:rPr lang="en-US" sz="1600" dirty="0">
+                <a:solidFill>
+                  <a:srgbClr val="800000"/>
+                </a:solidFill>
+                <a:latin typeface="Consolas" panose="020B0609020204030204" pitchFamily="49" charset="0"/>
+              </a:rPr>
+              <a:t>&gt;</a:t>
+            </a:r>
+            <a:r>
+              <a:rPr lang="en-US" sz="1600" dirty="0">
+                <a:solidFill>
+                  <a:srgbClr val="000000"/>
+                </a:solidFill>
+                <a:latin typeface="Consolas" panose="020B0609020204030204" pitchFamily="49" charset="0"/>
+              </a:rPr>
+              <a:t>Last Name</a:t>
+            </a:r>
+            <a:r>
+              <a:rPr lang="en-US" sz="1600" dirty="0">
+                <a:solidFill>
+                  <a:srgbClr val="800000"/>
+                </a:solidFill>
+                <a:latin typeface="Consolas" panose="020B0609020204030204" pitchFamily="49" charset="0"/>
+              </a:rPr>
+              <a:t>&lt;/</a:t>
+            </a:r>
+            <a:r>
+              <a:rPr lang="en-US" sz="1600" dirty="0" err="1">
+                <a:solidFill>
+                  <a:srgbClr val="800000"/>
+                </a:solidFill>
+                <a:latin typeface="Consolas" panose="020B0609020204030204" pitchFamily="49" charset="0"/>
+              </a:rPr>
+              <a:t>th</a:t>
+            </a:r>
+            <a:r>
+              <a:rPr lang="en-US" sz="1600" dirty="0">
+                <a:solidFill>
+                  <a:srgbClr val="800000"/>
+                </a:solidFill>
+                <a:latin typeface="Consolas" panose="020B0609020204030204" pitchFamily="49" charset="0"/>
+              </a:rPr>
+              <a:t>&gt;</a:t>
+            </a:r>
+            <a:endParaRPr lang="en-US" sz="1600" dirty="0">
+              <a:solidFill>
+                <a:srgbClr val="000000"/>
+              </a:solidFill>
+              <a:latin typeface="Consolas" panose="020B0609020204030204" pitchFamily="49" charset="0"/>
+            </a:endParaRPr>
+          </a:p>
+          <a:p>
+            <a:r>
+              <a:rPr lang="en-US" sz="1600" dirty="0">
+                <a:solidFill>
+                  <a:srgbClr val="000000"/>
+                </a:solidFill>
+                <a:latin typeface="Consolas" panose="020B0609020204030204" pitchFamily="49" charset="0"/>
+              </a:rPr>
+              <a:t>            </a:t>
+            </a:r>
+            <a:r>
+              <a:rPr lang="en-US" sz="1600" dirty="0">
+                <a:solidFill>
+                  <a:srgbClr val="800000"/>
+                </a:solidFill>
+                <a:latin typeface="Consolas" panose="020B0609020204030204" pitchFamily="49" charset="0"/>
+              </a:rPr>
+              <a:t>&lt;</a:t>
+            </a:r>
+            <a:r>
+              <a:rPr lang="en-US" sz="1600" dirty="0" err="1">
+                <a:solidFill>
+                  <a:srgbClr val="800000"/>
+                </a:solidFill>
+                <a:latin typeface="Consolas" panose="020B0609020204030204" pitchFamily="49" charset="0"/>
+              </a:rPr>
+              <a:t>th</a:t>
+            </a:r>
+            <a:r>
+              <a:rPr lang="en-US" sz="1600" dirty="0">
+                <a:solidFill>
+                  <a:srgbClr val="800000"/>
+                </a:solidFill>
+                <a:latin typeface="Consolas" panose="020B0609020204030204" pitchFamily="49" charset="0"/>
+              </a:rPr>
+              <a:t>&gt;</a:t>
+            </a:r>
+            <a:r>
+              <a:rPr lang="en-US" sz="1600" dirty="0">
+                <a:solidFill>
+                  <a:srgbClr val="000000"/>
+                </a:solidFill>
+                <a:latin typeface="Consolas" panose="020B0609020204030204" pitchFamily="49" charset="0"/>
+              </a:rPr>
+              <a:t>Email</a:t>
+            </a:r>
+            <a:r>
+              <a:rPr lang="en-US" sz="1600" dirty="0">
+                <a:solidFill>
+                  <a:srgbClr val="800000"/>
+                </a:solidFill>
+                <a:latin typeface="Consolas" panose="020B0609020204030204" pitchFamily="49" charset="0"/>
+              </a:rPr>
+              <a:t>&lt;/</a:t>
+            </a:r>
+            <a:r>
+              <a:rPr lang="en-US" sz="1600" dirty="0" err="1">
+                <a:solidFill>
+                  <a:srgbClr val="800000"/>
+                </a:solidFill>
+                <a:latin typeface="Consolas" panose="020B0609020204030204" pitchFamily="49" charset="0"/>
+              </a:rPr>
+              <a:t>th</a:t>
+            </a:r>
+            <a:r>
+              <a:rPr lang="en-US" sz="1600" dirty="0">
+                <a:solidFill>
+                  <a:srgbClr val="800000"/>
+                </a:solidFill>
+                <a:latin typeface="Consolas" panose="020B0609020204030204" pitchFamily="49" charset="0"/>
+              </a:rPr>
+              <a:t>&gt;</a:t>
+            </a:r>
+            <a:endParaRPr lang="en-US" sz="1600" dirty="0">
+              <a:solidFill>
+                <a:srgbClr val="000000"/>
+              </a:solidFill>
+              <a:latin typeface="Consolas" panose="020B0609020204030204" pitchFamily="49" charset="0"/>
+            </a:endParaRPr>
+          </a:p>
+          <a:p>
+            <a:r>
+              <a:rPr lang="en-US" sz="1600" dirty="0">
+                <a:solidFill>
+                  <a:srgbClr val="000000"/>
+                </a:solidFill>
+                <a:latin typeface="Consolas" panose="020B0609020204030204" pitchFamily="49" charset="0"/>
+              </a:rPr>
+              <a:t>        </a:t>
+            </a:r>
+            <a:r>
+              <a:rPr lang="en-US" sz="1600" dirty="0">
+                <a:solidFill>
+                  <a:srgbClr val="800000"/>
+                </a:solidFill>
+                <a:latin typeface="Consolas" panose="020B0609020204030204" pitchFamily="49" charset="0"/>
+              </a:rPr>
+              <a:t>&lt;/</a:t>
+            </a:r>
+            <a:r>
+              <a:rPr lang="en-US" sz="1600" dirty="0" err="1">
+                <a:solidFill>
+                  <a:srgbClr val="800000"/>
+                </a:solidFill>
+                <a:latin typeface="Consolas" panose="020B0609020204030204" pitchFamily="49" charset="0"/>
+              </a:rPr>
+              <a:t>tr</a:t>
+            </a:r>
+            <a:r>
+              <a:rPr lang="en-US" sz="1600" dirty="0">
+                <a:solidFill>
+                  <a:srgbClr val="800000"/>
+                </a:solidFill>
+                <a:latin typeface="Consolas" panose="020B0609020204030204" pitchFamily="49" charset="0"/>
+              </a:rPr>
+              <a:t>&gt;</a:t>
+            </a:r>
+            <a:endParaRPr lang="en-US" sz="1600" dirty="0">
+              <a:solidFill>
+                <a:srgbClr val="000000"/>
+              </a:solidFill>
+              <a:latin typeface="Consolas" panose="020B0609020204030204" pitchFamily="49" charset="0"/>
+            </a:endParaRPr>
+          </a:p>
+          <a:p>
+            <a:r>
+              <a:rPr lang="en-US" sz="1600" dirty="0">
+                <a:solidFill>
+                  <a:srgbClr val="000000"/>
+                </a:solidFill>
+                <a:latin typeface="Consolas" panose="020B0609020204030204" pitchFamily="49" charset="0"/>
+              </a:rPr>
+              <a:t>    </a:t>
+            </a:r>
+            <a:r>
+              <a:rPr lang="en-US" sz="1600" dirty="0">
+                <a:solidFill>
+                  <a:srgbClr val="800000"/>
+                </a:solidFill>
+                <a:latin typeface="Consolas" panose="020B0609020204030204" pitchFamily="49" charset="0"/>
+              </a:rPr>
+              <a:t>&lt;/</a:t>
+            </a:r>
+            <a:r>
+              <a:rPr lang="en-US" sz="1600" dirty="0" err="1">
+                <a:solidFill>
+                  <a:srgbClr val="800000"/>
+                </a:solidFill>
+                <a:latin typeface="Consolas" panose="020B0609020204030204" pitchFamily="49" charset="0"/>
+              </a:rPr>
+              <a:t>thead</a:t>
+            </a:r>
+            <a:r>
+              <a:rPr lang="en-US" sz="1600" dirty="0">
+                <a:solidFill>
+                  <a:srgbClr val="800000"/>
+                </a:solidFill>
+                <a:latin typeface="Consolas" panose="020B0609020204030204" pitchFamily="49" charset="0"/>
+              </a:rPr>
+              <a:t>&gt;</a:t>
+            </a:r>
+            <a:endParaRPr lang="en-US" sz="1600" dirty="0">
+              <a:solidFill>
+                <a:srgbClr val="000000"/>
+              </a:solidFill>
+              <a:latin typeface="Consolas" panose="020B0609020204030204" pitchFamily="49" charset="0"/>
+            </a:endParaRPr>
+          </a:p>
+          <a:p>
+            <a:r>
+              <a:rPr lang="en-US" sz="1600" dirty="0">
+                <a:solidFill>
+                  <a:srgbClr val="000000"/>
+                </a:solidFill>
+                <a:latin typeface="Consolas" panose="020B0609020204030204" pitchFamily="49" charset="0"/>
+              </a:rPr>
+              <a:t>    </a:t>
+            </a:r>
+            <a:r>
+              <a:rPr lang="en-US" sz="1600" dirty="0">
+                <a:solidFill>
+                  <a:srgbClr val="800000"/>
+                </a:solidFill>
+                <a:latin typeface="Consolas" panose="020B0609020204030204" pitchFamily="49" charset="0"/>
+              </a:rPr>
+              <a:t>&lt;</a:t>
+            </a:r>
+            <a:r>
+              <a:rPr lang="en-US" sz="1600" dirty="0" err="1">
+                <a:solidFill>
+                  <a:srgbClr val="800000"/>
+                </a:solidFill>
+                <a:latin typeface="Consolas" panose="020B0609020204030204" pitchFamily="49" charset="0"/>
+              </a:rPr>
+              <a:t>tbody</a:t>
+            </a:r>
+            <a:r>
+              <a:rPr lang="en-US" sz="1600" dirty="0">
+                <a:solidFill>
+                  <a:srgbClr val="800000"/>
+                </a:solidFill>
+                <a:latin typeface="Consolas" panose="020B0609020204030204" pitchFamily="49" charset="0"/>
+              </a:rPr>
+              <a:t>&gt;</a:t>
+            </a:r>
+            <a:endParaRPr lang="en-US" sz="1600" dirty="0">
+              <a:solidFill>
+                <a:srgbClr val="000000"/>
+              </a:solidFill>
+              <a:latin typeface="Consolas" panose="020B0609020204030204" pitchFamily="49" charset="0"/>
+            </a:endParaRPr>
+          </a:p>
+          <a:p>
+            <a:r>
+              <a:rPr lang="en-US" sz="1600" dirty="0">
+                <a:solidFill>
+                  <a:srgbClr val="000000"/>
+                </a:solidFill>
+                <a:latin typeface="Consolas" panose="020B0609020204030204" pitchFamily="49" charset="0"/>
+              </a:rPr>
+              <a:t>        </a:t>
+            </a:r>
+            <a:r>
+              <a:rPr lang="en-US" sz="1600" dirty="0">
+                <a:solidFill>
+                  <a:srgbClr val="800000"/>
+                </a:solidFill>
+                <a:latin typeface="Consolas" panose="020B0609020204030204" pitchFamily="49" charset="0"/>
+              </a:rPr>
+              <a:t>&lt;</a:t>
+            </a:r>
+            <a:r>
+              <a:rPr lang="en-US" sz="1600" dirty="0" err="1">
+                <a:solidFill>
+                  <a:srgbClr val="800000"/>
+                </a:solidFill>
+                <a:latin typeface="Consolas" panose="020B0609020204030204" pitchFamily="49" charset="0"/>
+              </a:rPr>
+              <a:t>tr</a:t>
+            </a:r>
+            <a:r>
+              <a:rPr lang="en-US" sz="1600" dirty="0">
+                <a:solidFill>
+                  <a:srgbClr val="000000"/>
+                </a:solidFill>
+                <a:latin typeface="Consolas" panose="020B0609020204030204" pitchFamily="49" charset="0"/>
+              </a:rPr>
+              <a:t> *</a:t>
+            </a:r>
+            <a:r>
+              <a:rPr lang="en-US" sz="1600" dirty="0" err="1">
+                <a:solidFill>
+                  <a:srgbClr val="FF0000"/>
+                </a:solidFill>
+                <a:latin typeface="Consolas" panose="020B0609020204030204" pitchFamily="49" charset="0"/>
+              </a:rPr>
+              <a:t>ngFor</a:t>
+            </a:r>
+            <a:r>
+              <a:rPr lang="en-US" sz="1600" dirty="0">
+                <a:solidFill>
+                  <a:srgbClr val="000000"/>
+                </a:solidFill>
+                <a:latin typeface="Consolas" panose="020B0609020204030204" pitchFamily="49" charset="0"/>
+              </a:rPr>
+              <a:t>=</a:t>
+            </a:r>
+            <a:r>
+              <a:rPr lang="en-US" sz="1600" dirty="0">
+                <a:solidFill>
+                  <a:srgbClr val="0000FF"/>
+                </a:solidFill>
+                <a:latin typeface="Consolas" panose="020B0609020204030204" pitchFamily="49" charset="0"/>
+              </a:rPr>
+              <a:t>"let person of people"</a:t>
+            </a:r>
+            <a:r>
+              <a:rPr lang="en-US" sz="1600" dirty="0">
+                <a:solidFill>
+                  <a:srgbClr val="800000"/>
+                </a:solidFill>
+                <a:latin typeface="Consolas" panose="020B0609020204030204" pitchFamily="49" charset="0"/>
+              </a:rPr>
+              <a:t>&gt;</a:t>
+            </a:r>
+            <a:endParaRPr lang="en-US" sz="1600" dirty="0">
+              <a:solidFill>
+                <a:srgbClr val="000000"/>
+              </a:solidFill>
+              <a:latin typeface="Consolas" panose="020B0609020204030204" pitchFamily="49" charset="0"/>
+            </a:endParaRPr>
+          </a:p>
+          <a:p>
+            <a:r>
+              <a:rPr lang="en-US" sz="1600" dirty="0">
+                <a:solidFill>
+                  <a:srgbClr val="000000"/>
+                </a:solidFill>
+                <a:latin typeface="Consolas" panose="020B0609020204030204" pitchFamily="49" charset="0"/>
+              </a:rPr>
+              <a:t>            </a:t>
+            </a:r>
+            <a:r>
+              <a:rPr lang="en-US" sz="1600" dirty="0">
+                <a:solidFill>
+                  <a:srgbClr val="800000"/>
+                </a:solidFill>
+                <a:latin typeface="Consolas" panose="020B0609020204030204" pitchFamily="49" charset="0"/>
+              </a:rPr>
+              <a:t>&lt;td&gt;</a:t>
+            </a:r>
+            <a:r>
+              <a:rPr lang="en-US" sz="1600" dirty="0">
+                <a:solidFill>
+                  <a:srgbClr val="000000"/>
+                </a:solidFill>
+                <a:latin typeface="Consolas" panose="020B0609020204030204" pitchFamily="49" charset="0"/>
+              </a:rPr>
+              <a:t>{{</a:t>
+            </a:r>
+            <a:r>
+              <a:rPr lang="en-US" sz="1600" dirty="0" err="1">
+                <a:solidFill>
+                  <a:srgbClr val="000000"/>
+                </a:solidFill>
+                <a:latin typeface="Consolas" panose="020B0609020204030204" pitchFamily="49" charset="0"/>
+              </a:rPr>
+              <a:t>person.FirstName</a:t>
+            </a:r>
+            <a:r>
+              <a:rPr lang="en-US" sz="1600" dirty="0">
+                <a:solidFill>
+                  <a:srgbClr val="000000"/>
+                </a:solidFill>
+                <a:latin typeface="Consolas" panose="020B0609020204030204" pitchFamily="49" charset="0"/>
+              </a:rPr>
+              <a:t>}}</a:t>
+            </a:r>
+            <a:r>
+              <a:rPr lang="en-US" sz="1600" dirty="0">
+                <a:solidFill>
+                  <a:srgbClr val="800000"/>
+                </a:solidFill>
+                <a:latin typeface="Consolas" panose="020B0609020204030204" pitchFamily="49" charset="0"/>
+              </a:rPr>
+              <a:t>&lt;/td&gt;</a:t>
+            </a:r>
+            <a:endParaRPr lang="en-US" sz="1600" dirty="0">
+              <a:solidFill>
+                <a:srgbClr val="000000"/>
+              </a:solidFill>
+              <a:latin typeface="Consolas" panose="020B0609020204030204" pitchFamily="49" charset="0"/>
+            </a:endParaRPr>
+          </a:p>
+          <a:p>
+            <a:r>
+              <a:rPr lang="en-US" sz="1600" dirty="0">
+                <a:solidFill>
+                  <a:srgbClr val="000000"/>
+                </a:solidFill>
+                <a:latin typeface="Consolas" panose="020B0609020204030204" pitchFamily="49" charset="0"/>
+              </a:rPr>
+              <a:t>            </a:t>
+            </a:r>
+            <a:r>
+              <a:rPr lang="en-US" sz="1600" dirty="0">
+                <a:solidFill>
+                  <a:srgbClr val="800000"/>
+                </a:solidFill>
+                <a:latin typeface="Consolas" panose="020B0609020204030204" pitchFamily="49" charset="0"/>
+              </a:rPr>
+              <a:t>&lt;td&gt;</a:t>
+            </a:r>
+            <a:r>
+              <a:rPr lang="en-US" sz="1600" dirty="0">
+                <a:solidFill>
+                  <a:srgbClr val="000000"/>
+                </a:solidFill>
+                <a:latin typeface="Consolas" panose="020B0609020204030204" pitchFamily="49" charset="0"/>
+              </a:rPr>
+              <a:t>{{</a:t>
+            </a:r>
+            <a:r>
+              <a:rPr lang="en-US" sz="1600" dirty="0" err="1">
+                <a:solidFill>
+                  <a:srgbClr val="000000"/>
+                </a:solidFill>
+                <a:latin typeface="Consolas" panose="020B0609020204030204" pitchFamily="49" charset="0"/>
+              </a:rPr>
+              <a:t>person.LastName</a:t>
+            </a:r>
+            <a:r>
+              <a:rPr lang="en-US" sz="1600" dirty="0">
+                <a:solidFill>
+                  <a:srgbClr val="000000"/>
+                </a:solidFill>
+                <a:latin typeface="Consolas" panose="020B0609020204030204" pitchFamily="49" charset="0"/>
+              </a:rPr>
+              <a:t>}}</a:t>
+            </a:r>
+            <a:r>
+              <a:rPr lang="en-US" sz="1600" dirty="0">
+                <a:solidFill>
+                  <a:srgbClr val="800000"/>
+                </a:solidFill>
+                <a:latin typeface="Consolas" panose="020B0609020204030204" pitchFamily="49" charset="0"/>
+              </a:rPr>
+              <a:t>&lt;/td&gt;</a:t>
+            </a:r>
+            <a:endParaRPr lang="en-US" sz="1600" dirty="0">
+              <a:solidFill>
+                <a:srgbClr val="000000"/>
+              </a:solidFill>
+              <a:latin typeface="Consolas" panose="020B0609020204030204" pitchFamily="49" charset="0"/>
+            </a:endParaRPr>
+          </a:p>
+          <a:p>
+            <a:r>
+              <a:rPr lang="en-US" sz="1600" dirty="0">
+                <a:solidFill>
+                  <a:srgbClr val="000000"/>
+                </a:solidFill>
+                <a:latin typeface="Consolas" panose="020B0609020204030204" pitchFamily="49" charset="0"/>
+              </a:rPr>
+              <a:t>            </a:t>
+            </a:r>
+            <a:r>
+              <a:rPr lang="en-US" sz="1600" dirty="0">
+                <a:solidFill>
+                  <a:srgbClr val="800000"/>
+                </a:solidFill>
+                <a:latin typeface="Consolas" panose="020B0609020204030204" pitchFamily="49" charset="0"/>
+              </a:rPr>
+              <a:t>&lt;td&gt;</a:t>
+            </a:r>
+            <a:r>
+              <a:rPr lang="en-US" sz="1600" dirty="0">
+                <a:solidFill>
+                  <a:srgbClr val="000000"/>
+                </a:solidFill>
+                <a:latin typeface="Consolas" panose="020B0609020204030204" pitchFamily="49" charset="0"/>
+              </a:rPr>
+              <a:t>{{</a:t>
+            </a:r>
+            <a:r>
+              <a:rPr lang="en-US" sz="1600" dirty="0" err="1">
+                <a:solidFill>
+                  <a:srgbClr val="000000"/>
+                </a:solidFill>
+                <a:latin typeface="Consolas" panose="020B0609020204030204" pitchFamily="49" charset="0"/>
+              </a:rPr>
+              <a:t>person.Email</a:t>
+            </a:r>
+            <a:r>
+              <a:rPr lang="en-US" sz="1600" dirty="0">
+                <a:solidFill>
+                  <a:srgbClr val="000000"/>
+                </a:solidFill>
+                <a:latin typeface="Consolas" panose="020B0609020204030204" pitchFamily="49" charset="0"/>
+              </a:rPr>
+              <a:t>}}</a:t>
+            </a:r>
+            <a:r>
+              <a:rPr lang="en-US" sz="1600" dirty="0">
+                <a:solidFill>
+                  <a:srgbClr val="800000"/>
+                </a:solidFill>
+                <a:latin typeface="Consolas" panose="020B0609020204030204" pitchFamily="49" charset="0"/>
+              </a:rPr>
+              <a:t>&lt;/td&gt;</a:t>
+            </a:r>
+            <a:endParaRPr lang="en-US" sz="1600" dirty="0">
+              <a:solidFill>
+                <a:srgbClr val="000000"/>
+              </a:solidFill>
+              <a:latin typeface="Consolas" panose="020B0609020204030204" pitchFamily="49" charset="0"/>
+            </a:endParaRPr>
+          </a:p>
+          <a:p>
+            <a:r>
+              <a:rPr lang="en-US" sz="1600" dirty="0">
+                <a:solidFill>
+                  <a:srgbClr val="000000"/>
+                </a:solidFill>
+                <a:latin typeface="Consolas" panose="020B0609020204030204" pitchFamily="49" charset="0"/>
+              </a:rPr>
+              <a:t>        </a:t>
+            </a:r>
+            <a:r>
+              <a:rPr lang="en-US" sz="1600" dirty="0">
+                <a:solidFill>
+                  <a:srgbClr val="800000"/>
+                </a:solidFill>
+                <a:latin typeface="Consolas" panose="020B0609020204030204" pitchFamily="49" charset="0"/>
+              </a:rPr>
+              <a:t>&lt;/</a:t>
+            </a:r>
+            <a:r>
+              <a:rPr lang="en-US" sz="1600" dirty="0" err="1">
+                <a:solidFill>
+                  <a:srgbClr val="800000"/>
+                </a:solidFill>
+                <a:latin typeface="Consolas" panose="020B0609020204030204" pitchFamily="49" charset="0"/>
+              </a:rPr>
+              <a:t>tr</a:t>
+            </a:r>
+            <a:r>
+              <a:rPr lang="en-US" sz="1600" dirty="0">
+                <a:solidFill>
+                  <a:srgbClr val="800000"/>
+                </a:solidFill>
+                <a:latin typeface="Consolas" panose="020B0609020204030204" pitchFamily="49" charset="0"/>
+              </a:rPr>
+              <a:t>&gt;</a:t>
+            </a:r>
+            <a:endParaRPr lang="en-US" sz="1600" dirty="0">
+              <a:solidFill>
+                <a:srgbClr val="000000"/>
+              </a:solidFill>
+              <a:latin typeface="Consolas" panose="020B0609020204030204" pitchFamily="49" charset="0"/>
+            </a:endParaRPr>
+          </a:p>
+          <a:p>
+            <a:r>
+              <a:rPr lang="en-US" sz="1600" dirty="0">
+                <a:solidFill>
+                  <a:srgbClr val="000000"/>
+                </a:solidFill>
+                <a:latin typeface="Consolas" panose="020B0609020204030204" pitchFamily="49" charset="0"/>
+              </a:rPr>
+              <a:t>    </a:t>
+            </a:r>
+            <a:r>
+              <a:rPr lang="en-US" sz="1600" dirty="0">
+                <a:solidFill>
+                  <a:srgbClr val="800000"/>
+                </a:solidFill>
+                <a:latin typeface="Consolas" panose="020B0609020204030204" pitchFamily="49" charset="0"/>
+              </a:rPr>
+              <a:t>&lt;/</a:t>
+            </a:r>
+            <a:r>
+              <a:rPr lang="en-US" sz="1600" dirty="0" err="1">
+                <a:solidFill>
+                  <a:srgbClr val="800000"/>
+                </a:solidFill>
+                <a:latin typeface="Consolas" panose="020B0609020204030204" pitchFamily="49" charset="0"/>
+              </a:rPr>
+              <a:t>tbody</a:t>
+            </a:r>
+            <a:r>
+              <a:rPr lang="en-US" sz="1600" dirty="0">
+                <a:solidFill>
+                  <a:srgbClr val="800000"/>
+                </a:solidFill>
+                <a:latin typeface="Consolas" panose="020B0609020204030204" pitchFamily="49" charset="0"/>
+              </a:rPr>
+              <a:t>&gt;</a:t>
+            </a:r>
+            <a:endParaRPr lang="en-US" sz="1600" dirty="0">
+              <a:solidFill>
+                <a:srgbClr val="000000"/>
+              </a:solidFill>
+              <a:latin typeface="Consolas" panose="020B0609020204030204" pitchFamily="49" charset="0"/>
+            </a:endParaRPr>
+          </a:p>
+          <a:p>
+            <a:r>
+              <a:rPr lang="en-US" sz="1600" dirty="0">
+                <a:solidFill>
+                  <a:srgbClr val="800000"/>
+                </a:solidFill>
+                <a:latin typeface="Consolas" panose="020B0609020204030204" pitchFamily="49" charset="0"/>
+              </a:rPr>
+              <a:t>&lt;/table&gt;</a:t>
+            </a:r>
+            <a:endParaRPr lang="en-US" sz="1600" dirty="0">
+              <a:solidFill>
+                <a:srgbClr val="000000"/>
+              </a:solidFill>
+              <a:latin typeface="Consolas" panose="020B0609020204030204" pitchFamily="49" charset="0"/>
+            </a:endParaRPr>
+          </a:p>
+          <a:p>
+            <a:br>
+              <a:rPr lang="en-US" sz="1600" dirty="0">
+                <a:solidFill>
+                  <a:srgbClr val="000000"/>
+                </a:solidFill>
+                <a:latin typeface="Consolas" panose="020B0609020204030204" pitchFamily="49" charset="0"/>
+              </a:rPr>
+            </a:br>
+            <a:endParaRPr lang="en-US" sz="1600" b="0" dirty="0">
               <a:solidFill>
                 <a:srgbClr val="000000"/>
               </a:solidFill>
@@ -8642,7 +8833,7 @@
     </p:spTree>
     <p:extLst>
       <p:ext uri="{BB962C8B-B14F-4D97-AF65-F5344CB8AC3E}">
-        <p14:creationId xmlns:p14="http://schemas.microsoft.com/office/powerpoint/2010/main" val="817358371"/>
+        <p14:creationId xmlns:p14="http://schemas.microsoft.com/office/powerpoint/2010/main" val="2558121404"/>
       </p:ext>
     </p:extLst>
   </p:cSld>
@@ -8686,21 +8877,21 @@
           <a:p>
             <a:r>
               <a:rPr lang="en-US" dirty="0"/>
-              <a:t>GET using Http</a:t>
+              <a:t>Events</a:t>
             </a:r>
           </a:p>
         </p:txBody>
       </p:sp>
       <p:sp>
         <p:nvSpPr>
-          <p:cNvPr id="5" name="Rectangle 4"/>
+          <p:cNvPr id="4" name="Rectangle 3"/>
           <p:cNvSpPr/>
           <p:nvPr/>
         </p:nvSpPr>
         <p:spPr>
           <a:xfrm>
-            <a:off x="1924049" y="514410"/>
-            <a:ext cx="8553451" cy="5016758"/>
+            <a:off x="356616" y="2248585"/>
+            <a:ext cx="8622792" cy="369332"/>
           </a:xfrm>
           <a:prstGeom prst="rect">
             <a:avLst/>
@@ -8713,1050 +8904,114 @@
           <a:lstStyle/>
           <a:p>
             <a:r>
-              <a:rPr lang="en-US" sz="1000" dirty="0">
+              <a:rPr lang="it-IT" dirty="0">
+                <a:solidFill>
+                  <a:srgbClr val="800000"/>
+                </a:solidFill>
+                <a:latin typeface="Consolas" panose="020B0609020204030204" pitchFamily="49" charset="0"/>
+              </a:rPr>
+              <a:t>&lt;a</a:t>
+            </a:r>
+            <a:r>
+              <a:rPr lang="it-IT" dirty="0">
+                <a:solidFill>
+                  <a:srgbClr val="000000"/>
+                </a:solidFill>
+                <a:latin typeface="Consolas" panose="020B0609020204030204" pitchFamily="49" charset="0"/>
+              </a:rPr>
+              <a:t> </a:t>
+            </a:r>
+            <a:r>
+              <a:rPr lang="it-IT" dirty="0">
+                <a:solidFill>
+                  <a:srgbClr val="FF0000"/>
+                </a:solidFill>
+                <a:latin typeface="Consolas" panose="020B0609020204030204" pitchFamily="49" charset="0"/>
+              </a:rPr>
+              <a:t>href</a:t>
+            </a:r>
+            <a:r>
+              <a:rPr lang="it-IT" dirty="0">
+                <a:solidFill>
+                  <a:srgbClr val="000000"/>
+                </a:solidFill>
+                <a:latin typeface="Consolas" panose="020B0609020204030204" pitchFamily="49" charset="0"/>
+              </a:rPr>
+              <a:t>=</a:t>
+            </a:r>
+            <a:r>
+              <a:rPr lang="it-IT" dirty="0">
                 <a:solidFill>
                   <a:srgbClr val="0000FF"/>
                 </a:solidFill>
                 <a:latin typeface="Consolas" panose="020B0609020204030204" pitchFamily="49" charset="0"/>
               </a:rPr>
-              <a:t>import</a:t>
-            </a:r>
-            <a:r>
-              <a:rPr lang="en-US" sz="1000" dirty="0">
-                <a:solidFill>
-                  <a:srgbClr val="000000"/>
-                </a:solidFill>
-                <a:latin typeface="Consolas" panose="020B0609020204030204" pitchFamily="49" charset="0"/>
-              </a:rPr>
-              <a:t> { Component, </a:t>
-            </a:r>
-            <a:r>
-              <a:rPr lang="en-US" sz="1000" dirty="0" err="1">
-                <a:solidFill>
-                  <a:srgbClr val="000000"/>
-                </a:solidFill>
-                <a:latin typeface="Consolas" panose="020B0609020204030204" pitchFamily="49" charset="0"/>
-              </a:rPr>
-              <a:t>OnInit</a:t>
-            </a:r>
-            <a:r>
-              <a:rPr lang="en-US" sz="1000" dirty="0">
-                <a:solidFill>
-                  <a:srgbClr val="000000"/>
-                </a:solidFill>
-                <a:latin typeface="Consolas" panose="020B0609020204030204" pitchFamily="49" charset="0"/>
-              </a:rPr>
-              <a:t> } </a:t>
-            </a:r>
-            <a:r>
-              <a:rPr lang="en-US" sz="1000" dirty="0">
+              <a:t>"#"</a:t>
+            </a:r>
+            <a:r>
+              <a:rPr lang="it-IT" dirty="0">
+                <a:solidFill>
+                  <a:srgbClr val="000000"/>
+                </a:solidFill>
+                <a:latin typeface="Consolas" panose="020B0609020204030204" pitchFamily="49" charset="0"/>
+              </a:rPr>
+              <a:t> (</a:t>
+            </a:r>
+            <a:r>
+              <a:rPr lang="it-IT" dirty="0">
+                <a:solidFill>
+                  <a:srgbClr val="FF0000"/>
+                </a:solidFill>
+                <a:latin typeface="Consolas" panose="020B0609020204030204" pitchFamily="49" charset="0"/>
+              </a:rPr>
+              <a:t>click</a:t>
+            </a:r>
+            <a:r>
+              <a:rPr lang="it-IT" dirty="0">
+                <a:solidFill>
+                  <a:srgbClr val="000000"/>
+                </a:solidFill>
+                <a:latin typeface="Consolas" panose="020B0609020204030204" pitchFamily="49" charset="0"/>
+              </a:rPr>
+              <a:t>)=</a:t>
+            </a:r>
+            <a:r>
+              <a:rPr lang="it-IT" dirty="0">
                 <a:solidFill>
                   <a:srgbClr val="0000FF"/>
                 </a:solidFill>
                 <a:latin typeface="Consolas" panose="020B0609020204030204" pitchFamily="49" charset="0"/>
               </a:rPr>
-              <a:t>from</a:t>
-            </a:r>
-            <a:r>
-              <a:rPr lang="en-US" sz="1000" dirty="0">
-                <a:solidFill>
-                  <a:srgbClr val="000000"/>
-                </a:solidFill>
-                <a:latin typeface="Consolas" panose="020B0609020204030204" pitchFamily="49" charset="0"/>
-              </a:rPr>
-              <a:t> </a:t>
-            </a:r>
-            <a:r>
-              <a:rPr lang="en-US" sz="1000" dirty="0">
-                <a:solidFill>
-                  <a:srgbClr val="A31515"/>
-                </a:solidFill>
-                <a:latin typeface="Consolas" panose="020B0609020204030204" pitchFamily="49" charset="0"/>
-              </a:rPr>
-              <a:t>'@angular/core'</a:t>
-            </a:r>
-            <a:r>
-              <a:rPr lang="en-US" sz="1000" dirty="0">
-                <a:solidFill>
-                  <a:srgbClr val="000000"/>
-                </a:solidFill>
-                <a:latin typeface="Consolas" panose="020B0609020204030204" pitchFamily="49" charset="0"/>
-              </a:rPr>
-              <a:t>;</a:t>
-            </a:r>
-          </a:p>
-          <a:p>
-            <a:r>
-              <a:rPr lang="en-US" sz="1000" dirty="0">
-                <a:solidFill>
-                  <a:srgbClr val="0000FF"/>
-                </a:solidFill>
-                <a:latin typeface="Consolas" panose="020B0609020204030204" pitchFamily="49" charset="0"/>
-              </a:rPr>
-              <a:t>import</a:t>
-            </a:r>
-            <a:r>
-              <a:rPr lang="en-US" sz="1000" dirty="0">
-                <a:solidFill>
-                  <a:srgbClr val="000000"/>
-                </a:solidFill>
-                <a:latin typeface="Consolas" panose="020B0609020204030204" pitchFamily="49" charset="0"/>
-              </a:rPr>
-              <a:t> { Http } </a:t>
-            </a:r>
-            <a:r>
-              <a:rPr lang="en-US" sz="1000" dirty="0">
-                <a:solidFill>
-                  <a:srgbClr val="0000FF"/>
-                </a:solidFill>
-                <a:latin typeface="Consolas" panose="020B0609020204030204" pitchFamily="49" charset="0"/>
-              </a:rPr>
-              <a:t>from</a:t>
-            </a:r>
-            <a:r>
-              <a:rPr lang="en-US" sz="1000" dirty="0">
-                <a:solidFill>
-                  <a:srgbClr val="000000"/>
-                </a:solidFill>
-                <a:latin typeface="Consolas" panose="020B0609020204030204" pitchFamily="49" charset="0"/>
-              </a:rPr>
-              <a:t> </a:t>
-            </a:r>
-            <a:r>
-              <a:rPr lang="en-US" sz="1000" dirty="0">
-                <a:solidFill>
-                  <a:srgbClr val="A31515"/>
-                </a:solidFill>
-                <a:latin typeface="Consolas" panose="020B0609020204030204" pitchFamily="49" charset="0"/>
-              </a:rPr>
-              <a:t>'@angular/http'</a:t>
-            </a:r>
-            <a:r>
-              <a:rPr lang="en-US" sz="1000" dirty="0">
-                <a:solidFill>
-                  <a:srgbClr val="000000"/>
-                </a:solidFill>
-                <a:latin typeface="Consolas" panose="020B0609020204030204" pitchFamily="49" charset="0"/>
-              </a:rPr>
-              <a:t>;</a:t>
-            </a:r>
-          </a:p>
-          <a:p>
-            <a:r>
-              <a:rPr lang="en-US" sz="1000" dirty="0">
-                <a:solidFill>
-                  <a:srgbClr val="0000FF"/>
-                </a:solidFill>
-                <a:latin typeface="Consolas" panose="020B0609020204030204" pitchFamily="49" charset="0"/>
-              </a:rPr>
-              <a:t>import</a:t>
-            </a:r>
-            <a:r>
-              <a:rPr lang="en-US" sz="1000" dirty="0">
-                <a:solidFill>
-                  <a:srgbClr val="000000"/>
-                </a:solidFill>
-                <a:latin typeface="Consolas" panose="020B0609020204030204" pitchFamily="49" charset="0"/>
-              </a:rPr>
-              <a:t> { Item } </a:t>
-            </a:r>
-            <a:r>
-              <a:rPr lang="en-US" sz="1000" dirty="0">
-                <a:solidFill>
-                  <a:srgbClr val="0000FF"/>
-                </a:solidFill>
-                <a:latin typeface="Consolas" panose="020B0609020204030204" pitchFamily="49" charset="0"/>
-              </a:rPr>
-              <a:t>from</a:t>
-            </a:r>
-            <a:r>
-              <a:rPr lang="en-US" sz="1000" dirty="0">
-                <a:solidFill>
-                  <a:srgbClr val="000000"/>
-                </a:solidFill>
-                <a:latin typeface="Consolas" panose="020B0609020204030204" pitchFamily="49" charset="0"/>
-              </a:rPr>
-              <a:t> </a:t>
-            </a:r>
-            <a:r>
-              <a:rPr lang="en-US" sz="1000" dirty="0">
-                <a:solidFill>
-                  <a:srgbClr val="A31515"/>
-                </a:solidFill>
-                <a:latin typeface="Consolas" panose="020B0609020204030204" pitchFamily="49" charset="0"/>
-              </a:rPr>
-              <a:t>'../item'</a:t>
-            </a:r>
-            <a:r>
-              <a:rPr lang="en-US" sz="1000" dirty="0">
-                <a:solidFill>
-                  <a:srgbClr val="000000"/>
-                </a:solidFill>
-                <a:latin typeface="Consolas" panose="020B0609020204030204" pitchFamily="49" charset="0"/>
-              </a:rPr>
-              <a:t>;</a:t>
-            </a:r>
-          </a:p>
-          <a:p>
-            <a:r>
-              <a:rPr lang="en-US" sz="1000" dirty="0">
-                <a:solidFill>
-                  <a:srgbClr val="0000FF"/>
-                </a:solidFill>
-                <a:latin typeface="Consolas" panose="020B0609020204030204" pitchFamily="49" charset="0"/>
-              </a:rPr>
-              <a:t>import</a:t>
-            </a:r>
-            <a:r>
-              <a:rPr lang="en-US" sz="1000" dirty="0">
-                <a:solidFill>
-                  <a:srgbClr val="000000"/>
-                </a:solidFill>
-                <a:latin typeface="Consolas" panose="020B0609020204030204" pitchFamily="49" charset="0"/>
-              </a:rPr>
-              <a:t> </a:t>
-            </a:r>
-            <a:r>
-              <a:rPr lang="en-US" sz="1000" dirty="0">
-                <a:solidFill>
-                  <a:srgbClr val="A31515"/>
-                </a:solidFill>
-                <a:latin typeface="Consolas" panose="020B0609020204030204" pitchFamily="49" charset="0"/>
-              </a:rPr>
-              <a:t>'</a:t>
-            </a:r>
-            <a:r>
-              <a:rPr lang="en-US" sz="1000" dirty="0" err="1">
-                <a:solidFill>
-                  <a:srgbClr val="A31515"/>
-                </a:solidFill>
-                <a:latin typeface="Consolas" panose="020B0609020204030204" pitchFamily="49" charset="0"/>
-              </a:rPr>
-              <a:t>rxjs</a:t>
-            </a:r>
-            <a:r>
-              <a:rPr lang="en-US" sz="1000" dirty="0">
-                <a:solidFill>
-                  <a:srgbClr val="A31515"/>
-                </a:solidFill>
-                <a:latin typeface="Consolas" panose="020B0609020204030204" pitchFamily="49" charset="0"/>
-              </a:rPr>
-              <a:t>/add/operator/map'</a:t>
-            </a:r>
-            <a:r>
-              <a:rPr lang="en-US" sz="1000" dirty="0">
-                <a:solidFill>
-                  <a:srgbClr val="000000"/>
-                </a:solidFill>
-                <a:latin typeface="Consolas" panose="020B0609020204030204" pitchFamily="49" charset="0"/>
-              </a:rPr>
-              <a:t>;</a:t>
-            </a:r>
-          </a:p>
-          <a:p>
-            <a:r>
-              <a:rPr lang="en-US" sz="1000" dirty="0">
-                <a:solidFill>
-                  <a:srgbClr val="0000FF"/>
-                </a:solidFill>
-                <a:latin typeface="Consolas" panose="020B0609020204030204" pitchFamily="49" charset="0"/>
-              </a:rPr>
-              <a:t>import</a:t>
-            </a:r>
-            <a:r>
-              <a:rPr lang="en-US" sz="1000" dirty="0">
-                <a:solidFill>
-                  <a:srgbClr val="000000"/>
-                </a:solidFill>
-                <a:latin typeface="Consolas" panose="020B0609020204030204" pitchFamily="49" charset="0"/>
-              </a:rPr>
-              <a:t> </a:t>
-            </a:r>
-            <a:r>
-              <a:rPr lang="en-US" sz="1000" dirty="0">
-                <a:solidFill>
-                  <a:srgbClr val="A31515"/>
-                </a:solidFill>
-                <a:latin typeface="Consolas" panose="020B0609020204030204" pitchFamily="49" charset="0"/>
-              </a:rPr>
-              <a:t>'</a:t>
-            </a:r>
-            <a:r>
-              <a:rPr lang="en-US" sz="1000" dirty="0" err="1">
-                <a:solidFill>
-                  <a:srgbClr val="A31515"/>
-                </a:solidFill>
-                <a:latin typeface="Consolas" panose="020B0609020204030204" pitchFamily="49" charset="0"/>
-              </a:rPr>
-              <a:t>rxjs</a:t>
-            </a:r>
-            <a:r>
-              <a:rPr lang="en-US" sz="1000" dirty="0">
-                <a:solidFill>
-                  <a:srgbClr val="A31515"/>
-                </a:solidFill>
-                <a:latin typeface="Consolas" panose="020B0609020204030204" pitchFamily="49" charset="0"/>
-              </a:rPr>
-              <a:t>/add/operator/do'</a:t>
-            </a:r>
-            <a:r>
-              <a:rPr lang="en-US" sz="1000" dirty="0">
-                <a:solidFill>
-                  <a:srgbClr val="000000"/>
-                </a:solidFill>
-                <a:latin typeface="Consolas" panose="020B0609020204030204" pitchFamily="49" charset="0"/>
-              </a:rPr>
-              <a:t>;</a:t>
-            </a:r>
-          </a:p>
-          <a:p>
-            <a:br>
-              <a:rPr lang="en-US" sz="1000" dirty="0">
-                <a:solidFill>
-                  <a:srgbClr val="000000"/>
-                </a:solidFill>
-                <a:latin typeface="Consolas" panose="020B0609020204030204" pitchFamily="49" charset="0"/>
-              </a:rPr>
-            </a:br>
-            <a:r>
-              <a:rPr lang="en-US" sz="1000" dirty="0">
-                <a:solidFill>
-                  <a:srgbClr val="000000"/>
-                </a:solidFill>
-                <a:latin typeface="Consolas" panose="020B0609020204030204" pitchFamily="49" charset="0"/>
-              </a:rPr>
-              <a:t>@Component({</a:t>
-            </a:r>
-          </a:p>
-          <a:p>
-            <a:r>
-              <a:rPr lang="en-US" sz="1000" dirty="0">
-                <a:solidFill>
-                  <a:srgbClr val="000000"/>
-                </a:solidFill>
-                <a:latin typeface="Consolas" panose="020B0609020204030204" pitchFamily="49" charset="0"/>
-              </a:rPr>
-              <a:t>  selector: </a:t>
-            </a:r>
-            <a:r>
-              <a:rPr lang="en-US" sz="1000" dirty="0">
-                <a:solidFill>
-                  <a:srgbClr val="A31515"/>
-                </a:solidFill>
-                <a:latin typeface="Consolas" panose="020B0609020204030204" pitchFamily="49" charset="0"/>
-              </a:rPr>
-              <a:t>'app-list'</a:t>
-            </a:r>
-            <a:r>
-              <a:rPr lang="en-US" sz="1000" dirty="0">
-                <a:solidFill>
-                  <a:srgbClr val="000000"/>
-                </a:solidFill>
-                <a:latin typeface="Consolas" panose="020B0609020204030204" pitchFamily="49" charset="0"/>
-              </a:rPr>
-              <a:t>,</a:t>
-            </a:r>
-          </a:p>
-          <a:p>
-            <a:r>
-              <a:rPr lang="en-US" sz="1000" dirty="0">
-                <a:solidFill>
-                  <a:srgbClr val="000000"/>
-                </a:solidFill>
-                <a:latin typeface="Consolas" panose="020B0609020204030204" pitchFamily="49" charset="0"/>
-              </a:rPr>
-              <a:t>  </a:t>
-            </a:r>
-            <a:r>
-              <a:rPr lang="en-US" sz="1000" dirty="0" err="1">
-                <a:solidFill>
-                  <a:srgbClr val="000000"/>
-                </a:solidFill>
-                <a:latin typeface="Consolas" panose="020B0609020204030204" pitchFamily="49" charset="0"/>
-              </a:rPr>
-              <a:t>templateUrl</a:t>
-            </a:r>
-            <a:r>
-              <a:rPr lang="en-US" sz="1000" dirty="0">
-                <a:solidFill>
-                  <a:srgbClr val="000000"/>
-                </a:solidFill>
-                <a:latin typeface="Consolas" panose="020B0609020204030204" pitchFamily="49" charset="0"/>
-              </a:rPr>
-              <a:t>: </a:t>
-            </a:r>
-            <a:r>
-              <a:rPr lang="en-US" sz="1000" dirty="0">
-                <a:solidFill>
-                  <a:srgbClr val="A31515"/>
-                </a:solidFill>
-                <a:latin typeface="Consolas" panose="020B0609020204030204" pitchFamily="49" charset="0"/>
-              </a:rPr>
-              <a:t>'./list.component.html'</a:t>
-            </a:r>
-            <a:r>
-              <a:rPr lang="en-US" sz="1000" dirty="0">
-                <a:solidFill>
-                  <a:srgbClr val="000000"/>
-                </a:solidFill>
-                <a:latin typeface="Consolas" panose="020B0609020204030204" pitchFamily="49" charset="0"/>
-              </a:rPr>
-              <a:t>,</a:t>
-            </a:r>
-          </a:p>
-          <a:p>
-            <a:r>
-              <a:rPr lang="en-US" sz="1000" dirty="0">
-                <a:solidFill>
-                  <a:srgbClr val="000000"/>
-                </a:solidFill>
-                <a:latin typeface="Consolas" panose="020B0609020204030204" pitchFamily="49" charset="0"/>
-              </a:rPr>
-              <a:t>  </a:t>
-            </a:r>
-            <a:r>
-              <a:rPr lang="en-US" sz="1000" dirty="0" err="1">
-                <a:solidFill>
-                  <a:srgbClr val="000000"/>
-                </a:solidFill>
-                <a:latin typeface="Consolas" panose="020B0609020204030204" pitchFamily="49" charset="0"/>
-              </a:rPr>
-              <a:t>styleUrls</a:t>
-            </a:r>
-            <a:r>
-              <a:rPr lang="en-US" sz="1000" dirty="0">
-                <a:solidFill>
-                  <a:srgbClr val="000000"/>
-                </a:solidFill>
-                <a:latin typeface="Consolas" panose="020B0609020204030204" pitchFamily="49" charset="0"/>
-              </a:rPr>
-              <a:t>: [</a:t>
-            </a:r>
-            <a:r>
-              <a:rPr lang="en-US" sz="1000" dirty="0">
-                <a:solidFill>
-                  <a:srgbClr val="A31515"/>
-                </a:solidFill>
-                <a:latin typeface="Consolas" panose="020B0609020204030204" pitchFamily="49" charset="0"/>
-              </a:rPr>
-              <a:t>'./list.component.css'</a:t>
-            </a:r>
-            <a:r>
-              <a:rPr lang="en-US" sz="1000" dirty="0">
-                <a:solidFill>
-                  <a:srgbClr val="000000"/>
-                </a:solidFill>
-                <a:latin typeface="Consolas" panose="020B0609020204030204" pitchFamily="49" charset="0"/>
-              </a:rPr>
-              <a:t>]</a:t>
-            </a:r>
-          </a:p>
-          <a:p>
-            <a:r>
-              <a:rPr lang="en-US" sz="1000" dirty="0">
-                <a:solidFill>
-                  <a:srgbClr val="000000"/>
-                </a:solidFill>
-                <a:latin typeface="Consolas" panose="020B0609020204030204" pitchFamily="49" charset="0"/>
-              </a:rPr>
-              <a:t>})</a:t>
-            </a:r>
-          </a:p>
-          <a:p>
-            <a:r>
-              <a:rPr lang="en-US" sz="1000" dirty="0">
-                <a:solidFill>
-                  <a:srgbClr val="0000FF"/>
-                </a:solidFill>
-                <a:latin typeface="Consolas" panose="020B0609020204030204" pitchFamily="49" charset="0"/>
-              </a:rPr>
-              <a:t>export</a:t>
-            </a:r>
-            <a:r>
-              <a:rPr lang="en-US" sz="1000" dirty="0">
-                <a:solidFill>
-                  <a:srgbClr val="000000"/>
-                </a:solidFill>
-                <a:latin typeface="Consolas" panose="020B0609020204030204" pitchFamily="49" charset="0"/>
-              </a:rPr>
-              <a:t> </a:t>
-            </a:r>
-            <a:r>
-              <a:rPr lang="en-US" sz="1000" dirty="0">
-                <a:solidFill>
-                  <a:srgbClr val="0000FF"/>
-                </a:solidFill>
-                <a:latin typeface="Consolas" panose="020B0609020204030204" pitchFamily="49" charset="0"/>
-              </a:rPr>
-              <a:t>class</a:t>
-            </a:r>
-            <a:r>
-              <a:rPr lang="en-US" sz="1000" dirty="0">
-                <a:solidFill>
-                  <a:srgbClr val="000000"/>
-                </a:solidFill>
-                <a:latin typeface="Consolas" panose="020B0609020204030204" pitchFamily="49" charset="0"/>
-              </a:rPr>
-              <a:t> </a:t>
-            </a:r>
-            <a:r>
-              <a:rPr lang="en-US" sz="1000" dirty="0" err="1">
-                <a:solidFill>
-                  <a:srgbClr val="000000"/>
-                </a:solidFill>
-                <a:latin typeface="Consolas" panose="020B0609020204030204" pitchFamily="49" charset="0"/>
-              </a:rPr>
-              <a:t>ListComponent</a:t>
-            </a:r>
-            <a:r>
-              <a:rPr lang="en-US" sz="1000" dirty="0">
-                <a:solidFill>
-                  <a:srgbClr val="000000"/>
-                </a:solidFill>
-                <a:latin typeface="Consolas" panose="020B0609020204030204" pitchFamily="49" charset="0"/>
-              </a:rPr>
-              <a:t> </a:t>
-            </a:r>
-            <a:r>
-              <a:rPr lang="en-US" sz="1000" dirty="0">
-                <a:solidFill>
-                  <a:srgbClr val="0000FF"/>
-                </a:solidFill>
-                <a:latin typeface="Consolas" panose="020B0609020204030204" pitchFamily="49" charset="0"/>
-              </a:rPr>
-              <a:t>implements</a:t>
-            </a:r>
-            <a:r>
-              <a:rPr lang="en-US" sz="1000" dirty="0">
-                <a:solidFill>
-                  <a:srgbClr val="000000"/>
-                </a:solidFill>
-                <a:latin typeface="Consolas" panose="020B0609020204030204" pitchFamily="49" charset="0"/>
-              </a:rPr>
-              <a:t> </a:t>
-            </a:r>
-            <a:r>
-              <a:rPr lang="en-US" sz="1000" dirty="0" err="1">
-                <a:solidFill>
-                  <a:srgbClr val="000000"/>
-                </a:solidFill>
-                <a:latin typeface="Consolas" panose="020B0609020204030204" pitchFamily="49" charset="0"/>
-              </a:rPr>
-              <a:t>OnInit</a:t>
-            </a:r>
-            <a:r>
-              <a:rPr lang="en-US" sz="1000" dirty="0">
-                <a:solidFill>
-                  <a:srgbClr val="000000"/>
-                </a:solidFill>
-                <a:latin typeface="Consolas" panose="020B0609020204030204" pitchFamily="49" charset="0"/>
-              </a:rPr>
-              <a:t> {</a:t>
-            </a:r>
-          </a:p>
-          <a:p>
-            <a:br>
-              <a:rPr lang="en-US" sz="1000" dirty="0">
-                <a:solidFill>
-                  <a:srgbClr val="000000"/>
-                </a:solidFill>
-                <a:latin typeface="Consolas" panose="020B0609020204030204" pitchFamily="49" charset="0"/>
-              </a:rPr>
-            </a:br>
-            <a:r>
-              <a:rPr lang="en-US" sz="1000" dirty="0">
-                <a:solidFill>
-                  <a:srgbClr val="000000"/>
-                </a:solidFill>
-                <a:latin typeface="Consolas" panose="020B0609020204030204" pitchFamily="49" charset="0"/>
-              </a:rPr>
-              <a:t>  </a:t>
-            </a:r>
-            <a:r>
-              <a:rPr lang="en-US" sz="1000" dirty="0">
-                <a:solidFill>
-                  <a:srgbClr val="0000FF"/>
-                </a:solidFill>
-                <a:latin typeface="Consolas" panose="020B0609020204030204" pitchFamily="49" charset="0"/>
-              </a:rPr>
-              <a:t>public</a:t>
-            </a:r>
-            <a:r>
-              <a:rPr lang="en-US" sz="1000" dirty="0">
-                <a:solidFill>
-                  <a:srgbClr val="000000"/>
-                </a:solidFill>
-                <a:latin typeface="Consolas" panose="020B0609020204030204" pitchFamily="49" charset="0"/>
-              </a:rPr>
-              <a:t> people: Array&lt;Item&gt;;</a:t>
-            </a:r>
-          </a:p>
-          <a:p>
-            <a:br>
-              <a:rPr lang="en-US" sz="1000" dirty="0">
-                <a:solidFill>
-                  <a:srgbClr val="000000"/>
-                </a:solidFill>
-                <a:latin typeface="Consolas" panose="020B0609020204030204" pitchFamily="49" charset="0"/>
-              </a:rPr>
-            </a:br>
-            <a:r>
-              <a:rPr lang="en-US" sz="1000" dirty="0">
-                <a:solidFill>
-                  <a:srgbClr val="000000"/>
-                </a:solidFill>
-                <a:latin typeface="Consolas" panose="020B0609020204030204" pitchFamily="49" charset="0"/>
-              </a:rPr>
-              <a:t>  </a:t>
-            </a:r>
-            <a:r>
-              <a:rPr lang="en-US" sz="1000" dirty="0">
-                <a:solidFill>
-                  <a:srgbClr val="0000FF"/>
-                </a:solidFill>
-                <a:latin typeface="Consolas" panose="020B0609020204030204" pitchFamily="49" charset="0"/>
-              </a:rPr>
-              <a:t>public</a:t>
-            </a:r>
-            <a:r>
-              <a:rPr lang="en-US" sz="1000" dirty="0">
-                <a:solidFill>
-                  <a:srgbClr val="000000"/>
-                </a:solidFill>
-                <a:latin typeface="Consolas" panose="020B0609020204030204" pitchFamily="49" charset="0"/>
-              </a:rPr>
-              <a:t> </a:t>
-            </a:r>
-            <a:r>
-              <a:rPr lang="en-US" sz="1000" dirty="0">
-                <a:solidFill>
-                  <a:srgbClr val="0000FF"/>
-                </a:solidFill>
-                <a:latin typeface="Consolas" panose="020B0609020204030204" pitchFamily="49" charset="0"/>
-              </a:rPr>
-              <a:t>constructor</a:t>
-            </a:r>
-            <a:r>
-              <a:rPr lang="en-US" sz="1000" dirty="0">
-                <a:solidFill>
-                  <a:srgbClr val="000000"/>
-                </a:solidFill>
-                <a:latin typeface="Consolas" panose="020B0609020204030204" pitchFamily="49" charset="0"/>
-              </a:rPr>
-              <a:t>(</a:t>
-            </a:r>
-            <a:r>
-              <a:rPr lang="en-US" sz="1000" dirty="0">
-                <a:solidFill>
-                  <a:srgbClr val="0000FF"/>
-                </a:solidFill>
-                <a:latin typeface="Consolas" panose="020B0609020204030204" pitchFamily="49" charset="0"/>
-              </a:rPr>
-              <a:t>private</a:t>
-            </a:r>
-            <a:r>
-              <a:rPr lang="en-US" sz="1000" dirty="0">
-                <a:solidFill>
-                  <a:srgbClr val="000000"/>
-                </a:solidFill>
-                <a:latin typeface="Consolas" panose="020B0609020204030204" pitchFamily="49" charset="0"/>
-              </a:rPr>
-              <a:t> http: </a:t>
-            </a:r>
-            <a:r>
-              <a:rPr lang="en-US" sz="1000" dirty="0" err="1">
-                <a:solidFill>
-                  <a:srgbClr val="000000"/>
-                </a:solidFill>
-                <a:latin typeface="Consolas" panose="020B0609020204030204" pitchFamily="49" charset="0"/>
-              </a:rPr>
-              <a:t>Httpy</a:t>
-            </a:r>
-            <a:r>
-              <a:rPr lang="en-US" sz="1000" dirty="0">
-                <a:solidFill>
-                  <a:srgbClr val="000000"/>
-                </a:solidFill>
-                <a:latin typeface="Consolas" panose="020B0609020204030204" pitchFamily="49" charset="0"/>
-              </a:rPr>
-              <a:t>) { </a:t>
-            </a:r>
-          </a:p>
-          <a:p>
-            <a:r>
-              <a:rPr lang="en-US" sz="1000" dirty="0">
-                <a:solidFill>
-                  <a:srgbClr val="000000"/>
-                </a:solidFill>
-                <a:latin typeface="Consolas" panose="020B0609020204030204" pitchFamily="49" charset="0"/>
-              </a:rPr>
-              <a:t>      </a:t>
-            </a:r>
-            <a:r>
-              <a:rPr lang="en-US" sz="1000" dirty="0" err="1">
-                <a:solidFill>
-                  <a:srgbClr val="0000FF"/>
-                </a:solidFill>
-                <a:latin typeface="Consolas" panose="020B0609020204030204" pitchFamily="49" charset="0"/>
-              </a:rPr>
-              <a:t>this</a:t>
-            </a:r>
-            <a:r>
-              <a:rPr lang="en-US" sz="1000" dirty="0" err="1">
-                <a:solidFill>
-                  <a:srgbClr val="000000"/>
-                </a:solidFill>
-                <a:latin typeface="Consolas" panose="020B0609020204030204" pitchFamily="49" charset="0"/>
-              </a:rPr>
-              <a:t>.people</a:t>
-            </a:r>
-            <a:r>
-              <a:rPr lang="en-US" sz="1000" dirty="0">
-                <a:solidFill>
-                  <a:srgbClr val="000000"/>
-                </a:solidFill>
-                <a:latin typeface="Consolas" panose="020B0609020204030204" pitchFamily="49" charset="0"/>
-              </a:rPr>
-              <a:t> = [];</a:t>
-            </a:r>
-          </a:p>
-          <a:p>
-            <a:r>
-              <a:rPr lang="en-US" sz="1000" dirty="0">
-                <a:solidFill>
-                  <a:srgbClr val="000000"/>
-                </a:solidFill>
-                <a:latin typeface="Consolas" panose="020B0609020204030204" pitchFamily="49" charset="0"/>
-              </a:rPr>
-              <a:t>  }</a:t>
-            </a:r>
-          </a:p>
-          <a:p>
-            <a:br>
-              <a:rPr lang="en-US" sz="1000" dirty="0">
-                <a:solidFill>
-                  <a:srgbClr val="000000"/>
-                </a:solidFill>
-                <a:latin typeface="Consolas" panose="020B0609020204030204" pitchFamily="49" charset="0"/>
-              </a:rPr>
-            </a:br>
-            <a:r>
-              <a:rPr lang="en-US" sz="1000" dirty="0">
-                <a:solidFill>
-                  <a:srgbClr val="000000"/>
-                </a:solidFill>
-                <a:latin typeface="Consolas" panose="020B0609020204030204" pitchFamily="49" charset="0"/>
-              </a:rPr>
-              <a:t>  </a:t>
-            </a:r>
-            <a:r>
-              <a:rPr lang="en-US" sz="1000" dirty="0">
-                <a:solidFill>
-                  <a:srgbClr val="0000FF"/>
-                </a:solidFill>
-                <a:latin typeface="Consolas" panose="020B0609020204030204" pitchFamily="49" charset="0"/>
-              </a:rPr>
-              <a:t>public</a:t>
-            </a:r>
-            <a:r>
-              <a:rPr lang="en-US" sz="1000" dirty="0">
-                <a:solidFill>
-                  <a:srgbClr val="000000"/>
-                </a:solidFill>
-                <a:latin typeface="Consolas" panose="020B0609020204030204" pitchFamily="49" charset="0"/>
-              </a:rPr>
-              <a:t> </a:t>
-            </a:r>
-            <a:r>
-              <a:rPr lang="en-US" sz="1000" dirty="0" err="1">
-                <a:solidFill>
-                  <a:srgbClr val="000000"/>
-                </a:solidFill>
-                <a:latin typeface="Consolas" panose="020B0609020204030204" pitchFamily="49" charset="0"/>
-              </a:rPr>
-              <a:t>ngOnInit</a:t>
-            </a:r>
-            <a:r>
-              <a:rPr lang="en-US" sz="1000" dirty="0">
-                <a:solidFill>
-                  <a:srgbClr val="000000"/>
-                </a:solidFill>
-                <a:latin typeface="Consolas" panose="020B0609020204030204" pitchFamily="49" charset="0"/>
-              </a:rPr>
-              <a:t>() {</a:t>
-            </a:r>
-          </a:p>
-          <a:p>
-            <a:r>
-              <a:rPr lang="en-US" sz="1000" dirty="0">
-                <a:solidFill>
-                  <a:srgbClr val="000000"/>
-                </a:solidFill>
-                <a:latin typeface="Consolas" panose="020B0609020204030204" pitchFamily="49" charset="0"/>
-              </a:rPr>
-              <a:t>    </a:t>
-            </a:r>
-            <a:r>
-              <a:rPr lang="en-US" sz="1000" dirty="0" err="1">
-                <a:solidFill>
-                  <a:srgbClr val="0000FF"/>
-                </a:solidFill>
-                <a:latin typeface="Consolas" panose="020B0609020204030204" pitchFamily="49" charset="0"/>
-              </a:rPr>
-              <a:t>this</a:t>
-            </a:r>
-            <a:r>
-              <a:rPr lang="en-US" sz="1000" dirty="0" err="1">
-                <a:solidFill>
-                  <a:srgbClr val="000000"/>
-                </a:solidFill>
-                <a:latin typeface="Consolas" panose="020B0609020204030204" pitchFamily="49" charset="0"/>
-              </a:rPr>
-              <a:t>.http.get</a:t>
-            </a:r>
-            <a:r>
-              <a:rPr lang="en-US" sz="1000" dirty="0">
-                <a:solidFill>
-                  <a:srgbClr val="000000"/>
-                </a:solidFill>
-                <a:latin typeface="Consolas" panose="020B0609020204030204" pitchFamily="49" charset="0"/>
-              </a:rPr>
-              <a:t>(</a:t>
-            </a:r>
-            <a:r>
-              <a:rPr lang="en-US" sz="1000" dirty="0">
-                <a:solidFill>
-                  <a:srgbClr val="A31515"/>
-                </a:solidFill>
-                <a:latin typeface="Consolas" panose="020B0609020204030204" pitchFamily="49" charset="0"/>
-              </a:rPr>
-              <a:t>"http://localhost/api/getAll"</a:t>
-            </a:r>
-            <a:r>
-              <a:rPr lang="en-US" sz="1000" dirty="0">
-                <a:solidFill>
-                  <a:srgbClr val="000000"/>
-                </a:solidFill>
-                <a:latin typeface="Consolas" panose="020B0609020204030204" pitchFamily="49" charset="0"/>
-              </a:rPr>
-              <a:t>)</a:t>
-            </a:r>
-          </a:p>
-          <a:p>
-            <a:r>
-              <a:rPr lang="en-US" sz="1000" dirty="0">
-                <a:solidFill>
-                  <a:srgbClr val="000000"/>
-                </a:solidFill>
-                <a:latin typeface="Consolas" panose="020B0609020204030204" pitchFamily="49" charset="0"/>
-              </a:rPr>
-              <a:t>      .map(result </a:t>
-            </a:r>
-            <a:r>
-              <a:rPr lang="en-US" sz="1000" dirty="0">
-                <a:solidFill>
-                  <a:srgbClr val="0000FF"/>
-                </a:solidFill>
-                <a:latin typeface="Consolas" panose="020B0609020204030204" pitchFamily="49" charset="0"/>
-              </a:rPr>
-              <a:t>=&gt;</a:t>
-            </a:r>
-            <a:r>
-              <a:rPr lang="en-US" sz="1000" dirty="0">
-                <a:solidFill>
-                  <a:srgbClr val="000000"/>
-                </a:solidFill>
-                <a:latin typeface="Consolas" panose="020B0609020204030204" pitchFamily="49" charset="0"/>
-              </a:rPr>
-              <a:t> </a:t>
-            </a:r>
-            <a:r>
-              <a:rPr lang="en-US" sz="1000" dirty="0" err="1">
-                <a:solidFill>
-                  <a:srgbClr val="000000"/>
-                </a:solidFill>
-                <a:latin typeface="Consolas" panose="020B0609020204030204" pitchFamily="49" charset="0"/>
-              </a:rPr>
-              <a:t>result.json</a:t>
-            </a:r>
-            <a:r>
-              <a:rPr lang="en-US" sz="1000" dirty="0">
-                <a:solidFill>
-                  <a:srgbClr val="000000"/>
-                </a:solidFill>
-                <a:latin typeface="Consolas" panose="020B0609020204030204" pitchFamily="49" charset="0"/>
-              </a:rPr>
-              <a:t>())</a:t>
-            </a:r>
-          </a:p>
-          <a:p>
-            <a:r>
-              <a:rPr lang="en-US" sz="1000" dirty="0">
-                <a:solidFill>
-                  <a:srgbClr val="000000"/>
-                </a:solidFill>
-                <a:latin typeface="Consolas" panose="020B0609020204030204" pitchFamily="49" charset="0"/>
-              </a:rPr>
-              <a:t>      .subscribe(results </a:t>
-            </a:r>
-            <a:r>
-              <a:rPr lang="en-US" sz="1000" dirty="0">
-                <a:solidFill>
-                  <a:srgbClr val="0000FF"/>
-                </a:solidFill>
-                <a:latin typeface="Consolas" panose="020B0609020204030204" pitchFamily="49" charset="0"/>
-              </a:rPr>
-              <a:t>=&gt;</a:t>
-            </a:r>
-            <a:r>
-              <a:rPr lang="en-US" sz="1000" dirty="0">
-                <a:solidFill>
-                  <a:srgbClr val="000000"/>
-                </a:solidFill>
-                <a:latin typeface="Consolas" panose="020B0609020204030204" pitchFamily="49" charset="0"/>
-              </a:rPr>
-              <a:t> {</a:t>
-            </a:r>
-          </a:p>
-          <a:p>
-            <a:r>
-              <a:rPr lang="en-US" sz="1000" dirty="0">
-                <a:solidFill>
-                  <a:srgbClr val="000000"/>
-                </a:solidFill>
-                <a:latin typeface="Consolas" panose="020B0609020204030204" pitchFamily="49" charset="0"/>
-              </a:rPr>
-              <a:t>          </a:t>
-            </a:r>
-            <a:r>
-              <a:rPr lang="en-US" sz="1000" dirty="0" err="1">
-                <a:solidFill>
-                  <a:srgbClr val="0000FF"/>
-                </a:solidFill>
-                <a:latin typeface="Consolas" panose="020B0609020204030204" pitchFamily="49" charset="0"/>
-              </a:rPr>
-              <a:t>this</a:t>
-            </a:r>
-            <a:r>
-              <a:rPr lang="en-US" sz="1000" dirty="0" err="1">
-                <a:solidFill>
-                  <a:srgbClr val="000000"/>
-                </a:solidFill>
-                <a:latin typeface="Consolas" panose="020B0609020204030204" pitchFamily="49" charset="0"/>
-              </a:rPr>
-              <a:t>.people</a:t>
-            </a:r>
-            <a:r>
-              <a:rPr lang="en-US" sz="1000" dirty="0">
-                <a:solidFill>
-                  <a:srgbClr val="000000"/>
-                </a:solidFill>
-                <a:latin typeface="Consolas" panose="020B0609020204030204" pitchFamily="49" charset="0"/>
-              </a:rPr>
-              <a:t> = results;</a:t>
-            </a:r>
-          </a:p>
-          <a:p>
-            <a:r>
-              <a:rPr lang="en-US" sz="1000" dirty="0">
-                <a:solidFill>
-                  <a:srgbClr val="000000"/>
-                </a:solidFill>
-                <a:latin typeface="Consolas" panose="020B0609020204030204" pitchFamily="49" charset="0"/>
-              </a:rPr>
-              <a:t>      }, error </a:t>
-            </a:r>
-            <a:r>
-              <a:rPr lang="en-US" sz="1000" dirty="0">
-                <a:solidFill>
-                  <a:srgbClr val="0000FF"/>
-                </a:solidFill>
-                <a:latin typeface="Consolas" panose="020B0609020204030204" pitchFamily="49" charset="0"/>
-              </a:rPr>
-              <a:t>=&gt;</a:t>
-            </a:r>
-            <a:r>
-              <a:rPr lang="en-US" sz="1000" dirty="0">
-                <a:solidFill>
-                  <a:srgbClr val="000000"/>
-                </a:solidFill>
-                <a:latin typeface="Consolas" panose="020B0609020204030204" pitchFamily="49" charset="0"/>
-              </a:rPr>
-              <a:t> {</a:t>
-            </a:r>
-          </a:p>
-          <a:p>
-            <a:r>
-              <a:rPr lang="en-US" sz="1000" dirty="0">
-                <a:solidFill>
-                  <a:srgbClr val="000000"/>
-                </a:solidFill>
-                <a:latin typeface="Consolas" panose="020B0609020204030204" pitchFamily="49" charset="0"/>
-              </a:rPr>
-              <a:t>          </a:t>
-            </a:r>
-            <a:r>
-              <a:rPr lang="en-US" sz="1000" dirty="0" err="1">
-                <a:solidFill>
-                  <a:srgbClr val="000000"/>
-                </a:solidFill>
-                <a:latin typeface="Consolas" panose="020B0609020204030204" pitchFamily="49" charset="0"/>
-              </a:rPr>
-              <a:t>console.error</a:t>
-            </a:r>
-            <a:r>
-              <a:rPr lang="en-US" sz="1000" dirty="0">
-                <a:solidFill>
-                  <a:srgbClr val="000000"/>
-                </a:solidFill>
-                <a:latin typeface="Consolas" panose="020B0609020204030204" pitchFamily="49" charset="0"/>
-              </a:rPr>
-              <a:t>(error);</a:t>
-            </a:r>
-          </a:p>
-          <a:p>
-            <a:r>
-              <a:rPr lang="en-US" sz="1000" dirty="0">
-                <a:solidFill>
-                  <a:srgbClr val="000000"/>
-                </a:solidFill>
-                <a:latin typeface="Consolas" panose="020B0609020204030204" pitchFamily="49" charset="0"/>
-              </a:rPr>
-              <a:t>      });</a:t>
-            </a:r>
-          </a:p>
-          <a:p>
-            <a:r>
-              <a:rPr lang="en-US" sz="1000" dirty="0">
-                <a:solidFill>
-                  <a:srgbClr val="000000"/>
-                </a:solidFill>
-                <a:latin typeface="Consolas" panose="020B0609020204030204" pitchFamily="49" charset="0"/>
-              </a:rPr>
-              <a:t>  }</a:t>
-            </a:r>
-          </a:p>
-          <a:p>
-            <a:r>
-              <a:rPr lang="en-US" sz="1000" dirty="0">
-                <a:solidFill>
-                  <a:srgbClr val="000000"/>
-                </a:solidFill>
-                <a:latin typeface="Consolas" panose="020B0609020204030204" pitchFamily="49" charset="0"/>
-              </a:rPr>
-              <a:t>}</a:t>
-            </a:r>
-          </a:p>
-          <a:p>
-            <a:br>
-              <a:rPr lang="en-US" sz="1000" dirty="0">
-                <a:solidFill>
-                  <a:srgbClr val="000000"/>
-                </a:solidFill>
-                <a:latin typeface="Consolas" panose="020B0609020204030204" pitchFamily="49" charset="0"/>
-              </a:rPr>
-            </a:br>
-            <a:endParaRPr lang="en-US" sz="1000" b="0" dirty="0">
+              <a:t>"bar("parameter1","etc")"</a:t>
+            </a:r>
+            <a:r>
+              <a:rPr lang="it-IT" dirty="0">
+                <a:solidFill>
+                  <a:srgbClr val="800000"/>
+                </a:solidFill>
+                <a:latin typeface="Consolas" panose="020B0609020204030204" pitchFamily="49" charset="0"/>
+              </a:rPr>
+              <a:t>&gt;</a:t>
+            </a:r>
+            <a:r>
+              <a:rPr lang="it-IT" dirty="0">
+                <a:solidFill>
+                  <a:srgbClr val="000000"/>
+                </a:solidFill>
+                <a:latin typeface="Consolas" panose="020B0609020204030204" pitchFamily="49" charset="0"/>
+              </a:rPr>
+              <a:t>do something</a:t>
+            </a:r>
+            <a:r>
+              <a:rPr lang="it-IT" dirty="0">
+                <a:solidFill>
+                  <a:srgbClr val="800000"/>
+                </a:solidFill>
+                <a:latin typeface="Consolas" panose="020B0609020204030204" pitchFamily="49" charset="0"/>
+              </a:rPr>
+              <a:t>&lt;/a&gt;</a:t>
+            </a:r>
+            <a:endParaRPr lang="it-IT" b="0" dirty="0">
               <a:solidFill>
                 <a:srgbClr val="000000"/>
               </a:solidFill>
@@ -9769,7 +9024,7 @@
     </p:spTree>
     <p:extLst>
       <p:ext uri="{BB962C8B-B14F-4D97-AF65-F5344CB8AC3E}">
-        <p14:creationId xmlns:p14="http://schemas.microsoft.com/office/powerpoint/2010/main" val="2639323626"/>
+        <p14:creationId xmlns:p14="http://schemas.microsoft.com/office/powerpoint/2010/main" val="198790490"/>
       </p:ext>
     </p:extLst>
   </p:cSld>
@@ -9813,7 +9068,7 @@
           <a:p>
             <a:r>
               <a:rPr lang="en-US" dirty="0"/>
-              <a:t>List Template</a:t>
+              <a:t>Router</a:t>
             </a:r>
           </a:p>
         </p:txBody>
@@ -9826,8 +9081,8 @@
         </p:nvSpPr>
         <p:spPr>
           <a:xfrm>
-            <a:off x="2212848" y="742682"/>
-            <a:ext cx="6473952" cy="4524315"/>
+            <a:off x="1344168" y="2249640"/>
+            <a:ext cx="6629400" cy="369332"/>
           </a:xfrm>
           <a:prstGeom prst="rect">
             <a:avLst/>
@@ -9840,52 +9095,70 @@
           <a:lstStyle/>
           <a:p>
             <a:r>
-              <a:rPr lang="en-US" sz="1600" dirty="0">
+              <a:rPr lang="en-US" dirty="0">
                 <a:solidFill>
                   <a:srgbClr val="800000"/>
                 </a:solidFill>
                 <a:latin typeface="Consolas" panose="020B0609020204030204" pitchFamily="49" charset="0"/>
               </a:rPr>
-              <a:t>&lt;table</a:t>
-            </a:r>
-            <a:r>
-              <a:rPr lang="en-US" sz="1600" dirty="0">
-                <a:solidFill>
-                  <a:srgbClr val="000000"/>
-                </a:solidFill>
-                <a:latin typeface="Consolas" panose="020B0609020204030204" pitchFamily="49" charset="0"/>
-              </a:rPr>
-              <a:t> </a:t>
-            </a:r>
-            <a:r>
-              <a:rPr lang="en-US" sz="1600" dirty="0">
+              <a:t>&lt;a</a:t>
+            </a:r>
+            <a:r>
+              <a:rPr lang="en-US" dirty="0">
+                <a:solidFill>
+                  <a:srgbClr val="000000"/>
+                </a:solidFill>
+                <a:latin typeface="Consolas" panose="020B0609020204030204" pitchFamily="49" charset="0"/>
+              </a:rPr>
+              <a:t> [</a:t>
+            </a:r>
+            <a:r>
+              <a:rPr lang="en-US" dirty="0" err="1">
                 <a:solidFill>
                   <a:srgbClr val="FF0000"/>
                 </a:solidFill>
                 <a:latin typeface="Consolas" panose="020B0609020204030204" pitchFamily="49" charset="0"/>
               </a:rPr>
-              <a:t>class</a:t>
-            </a:r>
-            <a:r>
-              <a:rPr lang="en-US" sz="1600" dirty="0">
-                <a:solidFill>
-                  <a:srgbClr val="000000"/>
-                </a:solidFill>
-                <a:latin typeface="Consolas" panose="020B0609020204030204" pitchFamily="49" charset="0"/>
-              </a:rPr>
-              <a:t>=</a:t>
-            </a:r>
-            <a:r>
-              <a:rPr lang="en-US" sz="1600" dirty="0">
+              <a:t>routerLink</a:t>
+            </a:r>
+            <a:r>
+              <a:rPr lang="en-US" dirty="0">
+                <a:solidFill>
+                  <a:srgbClr val="000000"/>
+                </a:solidFill>
+                <a:latin typeface="Consolas" panose="020B0609020204030204" pitchFamily="49" charset="0"/>
+              </a:rPr>
+              <a:t>]=</a:t>
+            </a:r>
+            <a:r>
+              <a:rPr lang="en-US" dirty="0">
                 <a:solidFill>
                   <a:srgbClr val="0000FF"/>
                 </a:solidFill>
                 <a:latin typeface="Consolas" panose="020B0609020204030204" pitchFamily="49" charset="0"/>
               </a:rPr>
-              <a:t>"table table-striped"</a:t>
-            </a:r>
-            <a:r>
-              <a:rPr lang="en-US" sz="1600" dirty="0">
+              <a:t>"['/foo', </a:t>
+            </a:r>
+            <a:r>
+              <a:rPr lang="en-US" dirty="0" err="1">
+                <a:solidFill>
+                  <a:srgbClr val="0000FF"/>
+                </a:solidFill>
+                <a:latin typeface="Consolas" panose="020B0609020204030204" pitchFamily="49" charset="0"/>
+              </a:rPr>
+              <a:t>thing.foo</a:t>
+            </a:r>
+            <a:r>
+              <a:rPr lang="en-US" dirty="0">
+                <a:solidFill>
+                  <a:srgbClr val="0000FF"/>
+                </a:solidFill>
+                <a:latin typeface="Consolas" panose="020B0609020204030204" pitchFamily="49" charset="0"/>
+              </a:rPr>
+              <a:t>]"</a:t>
+            </a:r>
+            <a:r>
+              <a:rPr lang="en-US" dirty="0">
                 <a:solidFill>
                   <a:srgbClr val="800000"/>
                 </a:solidFill>
@@ -9893,854 +9166,25 @@
               </a:rPr>
               <a:t>&gt;</a:t>
             </a:r>
-            <a:endParaRPr lang="en-US" sz="1600" dirty="0">
-              <a:solidFill>
-                <a:srgbClr val="000000"/>
-              </a:solidFill>
-              <a:latin typeface="Consolas" panose="020B0609020204030204" pitchFamily="49" charset="0"/>
-            </a:endParaRPr>
-          </a:p>
-          <a:p>
-            <a:r>
-              <a:rPr lang="en-US" sz="1600" dirty="0">
-                <a:solidFill>
-                  <a:srgbClr val="000000"/>
-                </a:solidFill>
-                <a:latin typeface="Consolas" panose="020B0609020204030204" pitchFamily="49" charset="0"/>
-              </a:rPr>
-              <a:t>    </a:t>
-            </a:r>
-            <a:r>
-              <a:rPr lang="en-US" sz="1600" dirty="0">
+            <a:r>
+              <a:rPr lang="en-US" dirty="0">
+                <a:solidFill>
+                  <a:srgbClr val="000000"/>
+                </a:solidFill>
+                <a:latin typeface="Consolas" panose="020B0609020204030204" pitchFamily="49" charset="0"/>
+              </a:rPr>
+              <a:t>edit</a:t>
+            </a:r>
+            <a:r>
+              <a:rPr lang="en-US" dirty="0">
                 <a:solidFill>
                   <a:srgbClr val="800000"/>
                 </a:solidFill>
                 <a:latin typeface="Consolas" panose="020B0609020204030204" pitchFamily="49" charset="0"/>
               </a:rPr>
-              <a:t>&lt;</a:t>
-            </a:r>
-            <a:r>
-              <a:rPr lang="en-US" sz="1600" dirty="0" err="1">
-                <a:solidFill>
-                  <a:srgbClr val="800000"/>
-                </a:solidFill>
-                <a:latin typeface="Consolas" panose="020B0609020204030204" pitchFamily="49" charset="0"/>
-              </a:rPr>
-              <a:t>thead</a:t>
-            </a:r>
-            <a:r>
-              <a:rPr lang="en-US" sz="1600" dirty="0">
-                <a:solidFill>
-                  <a:srgbClr val="800000"/>
-                </a:solidFill>
-                <a:latin typeface="Consolas" panose="020B0609020204030204" pitchFamily="49" charset="0"/>
-              </a:rPr>
-              <a:t>&gt;</a:t>
-            </a:r>
-            <a:endParaRPr lang="en-US" sz="1600" dirty="0">
-              <a:solidFill>
-                <a:srgbClr val="000000"/>
-              </a:solidFill>
-              <a:latin typeface="Consolas" panose="020B0609020204030204" pitchFamily="49" charset="0"/>
-            </a:endParaRPr>
-          </a:p>
-          <a:p>
-            <a:r>
-              <a:rPr lang="en-US" sz="1600" dirty="0">
-                <a:solidFill>
-                  <a:srgbClr val="000000"/>
-                </a:solidFill>
-                <a:latin typeface="Consolas" panose="020B0609020204030204" pitchFamily="49" charset="0"/>
-              </a:rPr>
-              <a:t>        </a:t>
-            </a:r>
-            <a:r>
-              <a:rPr lang="en-US" sz="1600" dirty="0">
-                <a:solidFill>
-                  <a:srgbClr val="800000"/>
-                </a:solidFill>
-                <a:latin typeface="Consolas" panose="020B0609020204030204" pitchFamily="49" charset="0"/>
-              </a:rPr>
-              <a:t>&lt;</a:t>
-            </a:r>
-            <a:r>
-              <a:rPr lang="en-US" sz="1600" dirty="0" err="1">
-                <a:solidFill>
-                  <a:srgbClr val="800000"/>
-                </a:solidFill>
-                <a:latin typeface="Consolas" panose="020B0609020204030204" pitchFamily="49" charset="0"/>
-              </a:rPr>
-              <a:t>tr</a:t>
-            </a:r>
-            <a:r>
-              <a:rPr lang="en-US" sz="1600" dirty="0">
-                <a:solidFill>
-                  <a:srgbClr val="800000"/>
-                </a:solidFill>
-                <a:latin typeface="Consolas" panose="020B0609020204030204" pitchFamily="49" charset="0"/>
-              </a:rPr>
-              <a:t>&gt;</a:t>
-            </a:r>
-            <a:endParaRPr lang="en-US" sz="1600" dirty="0">
-              <a:solidFill>
-                <a:srgbClr val="000000"/>
-              </a:solidFill>
-              <a:latin typeface="Consolas" panose="020B0609020204030204" pitchFamily="49" charset="0"/>
-            </a:endParaRPr>
-          </a:p>
-          <a:p>
-            <a:r>
-              <a:rPr lang="en-US" sz="1600" dirty="0">
-                <a:solidFill>
-                  <a:srgbClr val="000000"/>
-                </a:solidFill>
-                <a:latin typeface="Consolas" panose="020B0609020204030204" pitchFamily="49" charset="0"/>
-              </a:rPr>
-              <a:t>            </a:t>
-            </a:r>
-            <a:r>
-              <a:rPr lang="en-US" sz="1600" dirty="0">
-                <a:solidFill>
-                  <a:srgbClr val="800000"/>
-                </a:solidFill>
-                <a:latin typeface="Consolas" panose="020B0609020204030204" pitchFamily="49" charset="0"/>
-              </a:rPr>
-              <a:t>&lt;</a:t>
-            </a:r>
-            <a:r>
-              <a:rPr lang="en-US" sz="1600" dirty="0" err="1">
-                <a:solidFill>
-                  <a:srgbClr val="800000"/>
-                </a:solidFill>
-                <a:latin typeface="Consolas" panose="020B0609020204030204" pitchFamily="49" charset="0"/>
-              </a:rPr>
-              <a:t>th</a:t>
-            </a:r>
-            <a:r>
-              <a:rPr lang="en-US" sz="1600" dirty="0">
-                <a:solidFill>
-                  <a:srgbClr val="800000"/>
-                </a:solidFill>
-                <a:latin typeface="Consolas" panose="020B0609020204030204" pitchFamily="49" charset="0"/>
-              </a:rPr>
-              <a:t>&gt;</a:t>
-            </a:r>
-            <a:r>
-              <a:rPr lang="en-US" sz="1600" dirty="0">
-                <a:solidFill>
-                  <a:srgbClr val="000000"/>
-                </a:solidFill>
-                <a:latin typeface="Consolas" panose="020B0609020204030204" pitchFamily="49" charset="0"/>
-              </a:rPr>
-              <a:t>First Name</a:t>
-            </a:r>
-            <a:r>
-              <a:rPr lang="en-US" sz="1600" dirty="0">
-                <a:solidFill>
-                  <a:srgbClr val="800000"/>
-                </a:solidFill>
-                <a:latin typeface="Consolas" panose="020B0609020204030204" pitchFamily="49" charset="0"/>
-              </a:rPr>
-              <a:t>&lt;/</a:t>
-            </a:r>
-            <a:r>
-              <a:rPr lang="en-US" sz="1600" dirty="0" err="1">
-                <a:solidFill>
-                  <a:srgbClr val="800000"/>
-                </a:solidFill>
-                <a:latin typeface="Consolas" panose="020B0609020204030204" pitchFamily="49" charset="0"/>
-              </a:rPr>
-              <a:t>th</a:t>
-            </a:r>
-            <a:r>
-              <a:rPr lang="en-US" sz="1600" dirty="0">
-                <a:solidFill>
-                  <a:srgbClr val="800000"/>
-                </a:solidFill>
-                <a:latin typeface="Consolas" panose="020B0609020204030204" pitchFamily="49" charset="0"/>
-              </a:rPr>
-              <a:t>&gt;</a:t>
-            </a:r>
-            <a:endParaRPr lang="en-US" sz="1600" dirty="0">
-              <a:solidFill>
-                <a:srgbClr val="000000"/>
-              </a:solidFill>
-              <a:latin typeface="Consolas" panose="020B0609020204030204" pitchFamily="49" charset="0"/>
-            </a:endParaRPr>
-          </a:p>
-          <a:p>
-            <a:r>
-              <a:rPr lang="en-US" sz="1600" dirty="0">
-                <a:solidFill>
-                  <a:srgbClr val="000000"/>
-                </a:solidFill>
-                <a:latin typeface="Consolas" panose="020B0609020204030204" pitchFamily="49" charset="0"/>
-              </a:rPr>
-              <a:t>            </a:t>
-            </a:r>
-            <a:r>
-              <a:rPr lang="en-US" sz="1600" dirty="0">
-                <a:solidFill>
-                  <a:srgbClr val="800000"/>
-                </a:solidFill>
-                <a:latin typeface="Consolas" panose="020B0609020204030204" pitchFamily="49" charset="0"/>
-              </a:rPr>
-              <a:t>&lt;</a:t>
-            </a:r>
-            <a:r>
-              <a:rPr lang="en-US" sz="1600" dirty="0" err="1">
-                <a:solidFill>
-                  <a:srgbClr val="800000"/>
-                </a:solidFill>
-                <a:latin typeface="Consolas" panose="020B0609020204030204" pitchFamily="49" charset="0"/>
-              </a:rPr>
-              <a:t>th</a:t>
-            </a:r>
-            <a:r>
-              <a:rPr lang="en-US" sz="1600" dirty="0">
-                <a:solidFill>
-                  <a:srgbClr val="800000"/>
-                </a:solidFill>
-                <a:latin typeface="Consolas" panose="020B0609020204030204" pitchFamily="49" charset="0"/>
-              </a:rPr>
-              <a:t>&gt;</a:t>
-            </a:r>
-            <a:r>
-              <a:rPr lang="en-US" sz="1600" dirty="0">
-                <a:solidFill>
-                  <a:srgbClr val="000000"/>
-                </a:solidFill>
-                <a:latin typeface="Consolas" panose="020B0609020204030204" pitchFamily="49" charset="0"/>
-              </a:rPr>
-              <a:t>Last Name</a:t>
-            </a:r>
-            <a:r>
-              <a:rPr lang="en-US" sz="1600" dirty="0">
-                <a:solidFill>
-                  <a:srgbClr val="800000"/>
-                </a:solidFill>
-                <a:latin typeface="Consolas" panose="020B0609020204030204" pitchFamily="49" charset="0"/>
-              </a:rPr>
-              <a:t>&lt;/</a:t>
-            </a:r>
-            <a:r>
-              <a:rPr lang="en-US" sz="1600" dirty="0" err="1">
-                <a:solidFill>
-                  <a:srgbClr val="800000"/>
-                </a:solidFill>
-                <a:latin typeface="Consolas" panose="020B0609020204030204" pitchFamily="49" charset="0"/>
-              </a:rPr>
-              <a:t>th</a:t>
-            </a:r>
-            <a:r>
-              <a:rPr lang="en-US" sz="1600" dirty="0">
-                <a:solidFill>
-                  <a:srgbClr val="800000"/>
-                </a:solidFill>
-                <a:latin typeface="Consolas" panose="020B0609020204030204" pitchFamily="49" charset="0"/>
-              </a:rPr>
-              <a:t>&gt;</a:t>
-            </a:r>
-            <a:endParaRPr lang="en-US" sz="1600" dirty="0">
-              <a:solidFill>
-                <a:srgbClr val="000000"/>
-              </a:solidFill>
-              <a:latin typeface="Consolas" panose="020B0609020204030204" pitchFamily="49" charset="0"/>
-            </a:endParaRPr>
-          </a:p>
-          <a:p>
-            <a:r>
-              <a:rPr lang="en-US" sz="1600" dirty="0">
-                <a:solidFill>
-                  <a:srgbClr val="000000"/>
-                </a:solidFill>
-                <a:latin typeface="Consolas" panose="020B0609020204030204" pitchFamily="49" charset="0"/>
-              </a:rPr>
-              <a:t>            </a:t>
-            </a:r>
-            <a:r>
-              <a:rPr lang="en-US" sz="1600" dirty="0">
-                <a:solidFill>
-                  <a:srgbClr val="800000"/>
-                </a:solidFill>
-                <a:latin typeface="Consolas" panose="020B0609020204030204" pitchFamily="49" charset="0"/>
-              </a:rPr>
-              <a:t>&lt;</a:t>
-            </a:r>
-            <a:r>
-              <a:rPr lang="en-US" sz="1600" dirty="0" err="1">
-                <a:solidFill>
-                  <a:srgbClr val="800000"/>
-                </a:solidFill>
-                <a:latin typeface="Consolas" panose="020B0609020204030204" pitchFamily="49" charset="0"/>
-              </a:rPr>
-              <a:t>th</a:t>
-            </a:r>
-            <a:r>
-              <a:rPr lang="en-US" sz="1600" dirty="0">
-                <a:solidFill>
-                  <a:srgbClr val="800000"/>
-                </a:solidFill>
-                <a:latin typeface="Consolas" panose="020B0609020204030204" pitchFamily="49" charset="0"/>
-              </a:rPr>
-              <a:t>&gt;</a:t>
-            </a:r>
-            <a:r>
-              <a:rPr lang="en-US" sz="1600" dirty="0">
-                <a:solidFill>
-                  <a:srgbClr val="000000"/>
-                </a:solidFill>
-                <a:latin typeface="Consolas" panose="020B0609020204030204" pitchFamily="49" charset="0"/>
-              </a:rPr>
-              <a:t>Email</a:t>
-            </a:r>
-            <a:r>
-              <a:rPr lang="en-US" sz="1600" dirty="0">
-                <a:solidFill>
-                  <a:srgbClr val="800000"/>
-                </a:solidFill>
-                <a:latin typeface="Consolas" panose="020B0609020204030204" pitchFamily="49" charset="0"/>
-              </a:rPr>
-              <a:t>&lt;/</a:t>
-            </a:r>
-            <a:r>
-              <a:rPr lang="en-US" sz="1600" dirty="0" err="1">
-                <a:solidFill>
-                  <a:srgbClr val="800000"/>
-                </a:solidFill>
-                <a:latin typeface="Consolas" panose="020B0609020204030204" pitchFamily="49" charset="0"/>
-              </a:rPr>
-              <a:t>th</a:t>
-            </a:r>
-            <a:r>
-              <a:rPr lang="en-US" sz="1600" dirty="0">
-                <a:solidFill>
-                  <a:srgbClr val="800000"/>
-                </a:solidFill>
-                <a:latin typeface="Consolas" panose="020B0609020204030204" pitchFamily="49" charset="0"/>
-              </a:rPr>
-              <a:t>&gt;</a:t>
-            </a:r>
-            <a:endParaRPr lang="en-US" sz="1600" dirty="0">
-              <a:solidFill>
-                <a:srgbClr val="000000"/>
-              </a:solidFill>
-              <a:latin typeface="Consolas" panose="020B0609020204030204" pitchFamily="49" charset="0"/>
-            </a:endParaRPr>
-          </a:p>
-          <a:p>
-            <a:r>
-              <a:rPr lang="en-US" sz="1600" dirty="0">
-                <a:solidFill>
-                  <a:srgbClr val="000000"/>
-                </a:solidFill>
-                <a:latin typeface="Consolas" panose="020B0609020204030204" pitchFamily="49" charset="0"/>
-              </a:rPr>
-              <a:t>        </a:t>
-            </a:r>
-            <a:r>
-              <a:rPr lang="en-US" sz="1600" dirty="0">
-                <a:solidFill>
-                  <a:srgbClr val="800000"/>
-                </a:solidFill>
-                <a:latin typeface="Consolas" panose="020B0609020204030204" pitchFamily="49" charset="0"/>
-              </a:rPr>
-              <a:t>&lt;/</a:t>
-            </a:r>
-            <a:r>
-              <a:rPr lang="en-US" sz="1600" dirty="0" err="1">
-                <a:solidFill>
-                  <a:srgbClr val="800000"/>
-                </a:solidFill>
-                <a:latin typeface="Consolas" panose="020B0609020204030204" pitchFamily="49" charset="0"/>
-              </a:rPr>
-              <a:t>tr</a:t>
-            </a:r>
-            <a:r>
-              <a:rPr lang="en-US" sz="1600" dirty="0">
-                <a:solidFill>
-                  <a:srgbClr val="800000"/>
-                </a:solidFill>
-                <a:latin typeface="Consolas" panose="020B0609020204030204" pitchFamily="49" charset="0"/>
-              </a:rPr>
-              <a:t>&gt;</a:t>
-            </a:r>
-            <a:endParaRPr lang="en-US" sz="1600" dirty="0">
-              <a:solidFill>
-                <a:srgbClr val="000000"/>
-              </a:solidFill>
-              <a:latin typeface="Consolas" panose="020B0609020204030204" pitchFamily="49" charset="0"/>
-            </a:endParaRPr>
-          </a:p>
-          <a:p>
-            <a:r>
-              <a:rPr lang="en-US" sz="1600" dirty="0">
-                <a:solidFill>
-                  <a:srgbClr val="000000"/>
-                </a:solidFill>
-                <a:latin typeface="Consolas" panose="020B0609020204030204" pitchFamily="49" charset="0"/>
-              </a:rPr>
-              <a:t>    </a:t>
-            </a:r>
-            <a:r>
-              <a:rPr lang="en-US" sz="1600" dirty="0">
-                <a:solidFill>
-                  <a:srgbClr val="800000"/>
-                </a:solidFill>
-                <a:latin typeface="Consolas" panose="020B0609020204030204" pitchFamily="49" charset="0"/>
-              </a:rPr>
-              <a:t>&lt;/</a:t>
-            </a:r>
-            <a:r>
-              <a:rPr lang="en-US" sz="1600" dirty="0" err="1">
-                <a:solidFill>
-                  <a:srgbClr val="800000"/>
-                </a:solidFill>
-                <a:latin typeface="Consolas" panose="020B0609020204030204" pitchFamily="49" charset="0"/>
-              </a:rPr>
-              <a:t>thead</a:t>
-            </a:r>
-            <a:r>
-              <a:rPr lang="en-US" sz="1600" dirty="0">
-                <a:solidFill>
-                  <a:srgbClr val="800000"/>
-                </a:solidFill>
-                <a:latin typeface="Consolas" panose="020B0609020204030204" pitchFamily="49" charset="0"/>
-              </a:rPr>
-              <a:t>&gt;</a:t>
-            </a:r>
-            <a:endParaRPr lang="en-US" sz="1600" dirty="0">
-              <a:solidFill>
-                <a:srgbClr val="000000"/>
-              </a:solidFill>
-              <a:latin typeface="Consolas" panose="020B0609020204030204" pitchFamily="49" charset="0"/>
-            </a:endParaRPr>
-          </a:p>
-          <a:p>
-            <a:r>
-              <a:rPr lang="en-US" sz="1600" dirty="0">
-                <a:solidFill>
-                  <a:srgbClr val="000000"/>
-                </a:solidFill>
-                <a:latin typeface="Consolas" panose="020B0609020204030204" pitchFamily="49" charset="0"/>
-              </a:rPr>
-              <a:t>    </a:t>
-            </a:r>
-            <a:r>
-              <a:rPr lang="en-US" sz="1600" dirty="0">
-                <a:solidFill>
-                  <a:srgbClr val="800000"/>
-                </a:solidFill>
-                <a:latin typeface="Consolas" panose="020B0609020204030204" pitchFamily="49" charset="0"/>
-              </a:rPr>
-              <a:t>&lt;</a:t>
-            </a:r>
-            <a:r>
-              <a:rPr lang="en-US" sz="1600" dirty="0" err="1">
-                <a:solidFill>
-                  <a:srgbClr val="800000"/>
-                </a:solidFill>
-                <a:latin typeface="Consolas" panose="020B0609020204030204" pitchFamily="49" charset="0"/>
-              </a:rPr>
-              <a:t>tbody</a:t>
-            </a:r>
-            <a:r>
-              <a:rPr lang="en-US" sz="1600" dirty="0">
-                <a:solidFill>
-                  <a:srgbClr val="800000"/>
-                </a:solidFill>
-                <a:latin typeface="Consolas" panose="020B0609020204030204" pitchFamily="49" charset="0"/>
-              </a:rPr>
-              <a:t>&gt;</a:t>
-            </a:r>
-            <a:endParaRPr lang="en-US" sz="1600" dirty="0">
-              <a:solidFill>
-                <a:srgbClr val="000000"/>
-              </a:solidFill>
-              <a:latin typeface="Consolas" panose="020B0609020204030204" pitchFamily="49" charset="0"/>
-            </a:endParaRPr>
-          </a:p>
-          <a:p>
-            <a:r>
-              <a:rPr lang="en-US" sz="1600" dirty="0">
-                <a:solidFill>
-                  <a:srgbClr val="000000"/>
-                </a:solidFill>
-                <a:latin typeface="Consolas" panose="020B0609020204030204" pitchFamily="49" charset="0"/>
-              </a:rPr>
-              <a:t>        </a:t>
-            </a:r>
-            <a:r>
-              <a:rPr lang="en-US" sz="1600" dirty="0">
-                <a:solidFill>
-                  <a:srgbClr val="800000"/>
-                </a:solidFill>
-                <a:latin typeface="Consolas" panose="020B0609020204030204" pitchFamily="49" charset="0"/>
-              </a:rPr>
-              <a:t>&lt;</a:t>
-            </a:r>
-            <a:r>
-              <a:rPr lang="en-US" sz="1600" dirty="0" err="1">
-                <a:solidFill>
-                  <a:srgbClr val="800000"/>
-                </a:solidFill>
-                <a:latin typeface="Consolas" panose="020B0609020204030204" pitchFamily="49" charset="0"/>
-              </a:rPr>
-              <a:t>tr</a:t>
-            </a:r>
-            <a:r>
-              <a:rPr lang="en-US" sz="1600" dirty="0">
-                <a:solidFill>
-                  <a:srgbClr val="000000"/>
-                </a:solidFill>
-                <a:latin typeface="Consolas" panose="020B0609020204030204" pitchFamily="49" charset="0"/>
-              </a:rPr>
-              <a:t> *</a:t>
-            </a:r>
-            <a:r>
-              <a:rPr lang="en-US" sz="1600" dirty="0" err="1">
-                <a:solidFill>
-                  <a:srgbClr val="FF0000"/>
-                </a:solidFill>
-                <a:latin typeface="Consolas" panose="020B0609020204030204" pitchFamily="49" charset="0"/>
-              </a:rPr>
-              <a:t>ngFor</a:t>
-            </a:r>
-            <a:r>
-              <a:rPr lang="en-US" sz="1600" dirty="0">
-                <a:solidFill>
-                  <a:srgbClr val="000000"/>
-                </a:solidFill>
-                <a:latin typeface="Consolas" panose="020B0609020204030204" pitchFamily="49" charset="0"/>
-              </a:rPr>
-              <a:t>=</a:t>
-            </a:r>
-            <a:r>
-              <a:rPr lang="en-US" sz="1600" dirty="0">
-                <a:solidFill>
-                  <a:srgbClr val="0000FF"/>
-                </a:solidFill>
-                <a:latin typeface="Consolas" panose="020B0609020204030204" pitchFamily="49" charset="0"/>
-              </a:rPr>
-              <a:t>"let person of people"</a:t>
-            </a:r>
-            <a:r>
-              <a:rPr lang="en-US" sz="1600" dirty="0">
-                <a:solidFill>
-                  <a:srgbClr val="800000"/>
-                </a:solidFill>
-                <a:latin typeface="Consolas" panose="020B0609020204030204" pitchFamily="49" charset="0"/>
-              </a:rPr>
-              <a:t>&gt;</a:t>
-            </a:r>
-            <a:endParaRPr lang="en-US" sz="1600" dirty="0">
-              <a:solidFill>
-                <a:srgbClr val="000000"/>
-              </a:solidFill>
-              <a:latin typeface="Consolas" panose="020B0609020204030204" pitchFamily="49" charset="0"/>
-            </a:endParaRPr>
-          </a:p>
-          <a:p>
-            <a:r>
-              <a:rPr lang="en-US" sz="1600" dirty="0">
-                <a:solidFill>
-                  <a:srgbClr val="000000"/>
-                </a:solidFill>
-                <a:latin typeface="Consolas" panose="020B0609020204030204" pitchFamily="49" charset="0"/>
-              </a:rPr>
-              <a:t>            </a:t>
-            </a:r>
-            <a:r>
-              <a:rPr lang="en-US" sz="1600" dirty="0">
-                <a:solidFill>
-                  <a:srgbClr val="800000"/>
-                </a:solidFill>
-                <a:latin typeface="Consolas" panose="020B0609020204030204" pitchFamily="49" charset="0"/>
-              </a:rPr>
-              <a:t>&lt;td&gt;</a:t>
-            </a:r>
-            <a:r>
-              <a:rPr lang="en-US" sz="1600" dirty="0">
-                <a:solidFill>
-                  <a:srgbClr val="000000"/>
-                </a:solidFill>
-                <a:latin typeface="Consolas" panose="020B0609020204030204" pitchFamily="49" charset="0"/>
-              </a:rPr>
-              <a:t>{{</a:t>
-            </a:r>
-            <a:r>
-              <a:rPr lang="en-US" sz="1600" dirty="0" err="1">
-                <a:solidFill>
-                  <a:srgbClr val="000000"/>
-                </a:solidFill>
-                <a:latin typeface="Consolas" panose="020B0609020204030204" pitchFamily="49" charset="0"/>
-              </a:rPr>
-              <a:t>person.FirstName</a:t>
-            </a:r>
-            <a:r>
-              <a:rPr lang="en-US" sz="1600" dirty="0">
-                <a:solidFill>
-                  <a:srgbClr val="000000"/>
-                </a:solidFill>
-                <a:latin typeface="Consolas" panose="020B0609020204030204" pitchFamily="49" charset="0"/>
-              </a:rPr>
-              <a:t>}}</a:t>
-            </a:r>
-            <a:r>
-              <a:rPr lang="en-US" sz="1600" dirty="0">
-                <a:solidFill>
-                  <a:srgbClr val="800000"/>
-                </a:solidFill>
-                <a:latin typeface="Consolas" panose="020B0609020204030204" pitchFamily="49" charset="0"/>
-              </a:rPr>
-              <a:t>&lt;/td&gt;</a:t>
-            </a:r>
-            <a:endParaRPr lang="en-US" sz="1600" dirty="0">
-              <a:solidFill>
-                <a:srgbClr val="000000"/>
-              </a:solidFill>
-              <a:latin typeface="Consolas" panose="020B0609020204030204" pitchFamily="49" charset="0"/>
-            </a:endParaRPr>
-          </a:p>
-          <a:p>
-            <a:r>
-              <a:rPr lang="en-US" sz="1600" dirty="0">
-                <a:solidFill>
-                  <a:srgbClr val="000000"/>
-                </a:solidFill>
-                <a:latin typeface="Consolas" panose="020B0609020204030204" pitchFamily="49" charset="0"/>
-              </a:rPr>
-              <a:t>            </a:t>
-            </a:r>
-            <a:r>
-              <a:rPr lang="en-US" sz="1600" dirty="0">
-                <a:solidFill>
-                  <a:srgbClr val="800000"/>
-                </a:solidFill>
-                <a:latin typeface="Consolas" panose="020B0609020204030204" pitchFamily="49" charset="0"/>
-              </a:rPr>
-              <a:t>&lt;td&gt;</a:t>
-            </a:r>
-            <a:r>
-              <a:rPr lang="en-US" sz="1600" dirty="0">
-                <a:solidFill>
-                  <a:srgbClr val="000000"/>
-                </a:solidFill>
-                <a:latin typeface="Consolas" panose="020B0609020204030204" pitchFamily="49" charset="0"/>
-              </a:rPr>
-              <a:t>{{</a:t>
-            </a:r>
-            <a:r>
-              <a:rPr lang="en-US" sz="1600" dirty="0" err="1">
-                <a:solidFill>
-                  <a:srgbClr val="000000"/>
-                </a:solidFill>
-                <a:latin typeface="Consolas" panose="020B0609020204030204" pitchFamily="49" charset="0"/>
-              </a:rPr>
-              <a:t>person.LastName</a:t>
-            </a:r>
-            <a:r>
-              <a:rPr lang="en-US" sz="1600" dirty="0">
-                <a:solidFill>
-                  <a:srgbClr val="000000"/>
-                </a:solidFill>
-                <a:latin typeface="Consolas" panose="020B0609020204030204" pitchFamily="49" charset="0"/>
-              </a:rPr>
-              <a:t>}}</a:t>
-            </a:r>
-            <a:r>
-              <a:rPr lang="en-US" sz="1600" dirty="0">
-                <a:solidFill>
-                  <a:srgbClr val="800000"/>
-                </a:solidFill>
-                <a:latin typeface="Consolas" panose="020B0609020204030204" pitchFamily="49" charset="0"/>
-              </a:rPr>
-              <a:t>&lt;/td&gt;</a:t>
-            </a:r>
-            <a:endParaRPr lang="en-US" sz="1600" dirty="0">
-              <a:solidFill>
-                <a:srgbClr val="000000"/>
-              </a:solidFill>
-              <a:latin typeface="Consolas" panose="020B0609020204030204" pitchFamily="49" charset="0"/>
-            </a:endParaRPr>
-          </a:p>
-          <a:p>
-            <a:r>
-              <a:rPr lang="en-US" sz="1600" dirty="0">
-                <a:solidFill>
-                  <a:srgbClr val="000000"/>
-                </a:solidFill>
-                <a:latin typeface="Consolas" panose="020B0609020204030204" pitchFamily="49" charset="0"/>
-              </a:rPr>
-              <a:t>            </a:t>
-            </a:r>
-            <a:r>
-              <a:rPr lang="en-US" sz="1600" dirty="0">
-                <a:solidFill>
-                  <a:srgbClr val="800000"/>
-                </a:solidFill>
-                <a:latin typeface="Consolas" panose="020B0609020204030204" pitchFamily="49" charset="0"/>
-              </a:rPr>
-              <a:t>&lt;td&gt;</a:t>
-            </a:r>
-            <a:r>
-              <a:rPr lang="en-US" sz="1600" dirty="0">
-                <a:solidFill>
-                  <a:srgbClr val="000000"/>
-                </a:solidFill>
-                <a:latin typeface="Consolas" panose="020B0609020204030204" pitchFamily="49" charset="0"/>
-              </a:rPr>
-              <a:t>{{</a:t>
-            </a:r>
-            <a:r>
-              <a:rPr lang="en-US" sz="1600" dirty="0" err="1">
-                <a:solidFill>
-                  <a:srgbClr val="000000"/>
-                </a:solidFill>
-                <a:latin typeface="Consolas" panose="020B0609020204030204" pitchFamily="49" charset="0"/>
-              </a:rPr>
-              <a:t>person.Email</a:t>
-            </a:r>
-            <a:r>
-              <a:rPr lang="en-US" sz="1600" dirty="0">
-                <a:solidFill>
-                  <a:srgbClr val="000000"/>
-                </a:solidFill>
-                <a:latin typeface="Consolas" panose="020B0609020204030204" pitchFamily="49" charset="0"/>
-              </a:rPr>
-              <a:t>}}</a:t>
-            </a:r>
-            <a:r>
-              <a:rPr lang="en-US" sz="1600" dirty="0">
-                <a:solidFill>
-                  <a:srgbClr val="800000"/>
-                </a:solidFill>
-                <a:latin typeface="Consolas" panose="020B0609020204030204" pitchFamily="49" charset="0"/>
-              </a:rPr>
-              <a:t>&lt;/td&gt;</a:t>
-            </a:r>
-            <a:endParaRPr lang="en-US" sz="1600" dirty="0">
-              <a:solidFill>
-                <a:srgbClr val="000000"/>
-              </a:solidFill>
-              <a:latin typeface="Consolas" panose="020B0609020204030204" pitchFamily="49" charset="0"/>
-            </a:endParaRPr>
-          </a:p>
-          <a:p>
-            <a:r>
-              <a:rPr lang="en-US" sz="1600" dirty="0">
-                <a:solidFill>
-                  <a:srgbClr val="000000"/>
-                </a:solidFill>
-                <a:latin typeface="Consolas" panose="020B0609020204030204" pitchFamily="49" charset="0"/>
-              </a:rPr>
-              <a:t>        </a:t>
-            </a:r>
-            <a:r>
-              <a:rPr lang="en-US" sz="1600" dirty="0">
-                <a:solidFill>
-                  <a:srgbClr val="800000"/>
-                </a:solidFill>
-                <a:latin typeface="Consolas" panose="020B0609020204030204" pitchFamily="49" charset="0"/>
-              </a:rPr>
-              <a:t>&lt;/</a:t>
-            </a:r>
-            <a:r>
-              <a:rPr lang="en-US" sz="1600" dirty="0" err="1">
-                <a:solidFill>
-                  <a:srgbClr val="800000"/>
-                </a:solidFill>
-                <a:latin typeface="Consolas" panose="020B0609020204030204" pitchFamily="49" charset="0"/>
-              </a:rPr>
-              <a:t>tr</a:t>
-            </a:r>
-            <a:r>
-              <a:rPr lang="en-US" sz="1600" dirty="0">
-                <a:solidFill>
-                  <a:srgbClr val="800000"/>
-                </a:solidFill>
-                <a:latin typeface="Consolas" panose="020B0609020204030204" pitchFamily="49" charset="0"/>
-              </a:rPr>
-              <a:t>&gt;</a:t>
-            </a:r>
-            <a:endParaRPr lang="en-US" sz="1600" dirty="0">
-              <a:solidFill>
-                <a:srgbClr val="000000"/>
-              </a:solidFill>
-              <a:latin typeface="Consolas" panose="020B0609020204030204" pitchFamily="49" charset="0"/>
-            </a:endParaRPr>
-          </a:p>
-          <a:p>
-            <a:r>
-              <a:rPr lang="en-US" sz="1600" dirty="0">
-                <a:solidFill>
-                  <a:srgbClr val="000000"/>
-                </a:solidFill>
-                <a:latin typeface="Consolas" panose="020B0609020204030204" pitchFamily="49" charset="0"/>
-              </a:rPr>
-              <a:t>    </a:t>
-            </a:r>
-            <a:r>
-              <a:rPr lang="en-US" sz="1600" dirty="0">
-                <a:solidFill>
-                  <a:srgbClr val="800000"/>
-                </a:solidFill>
-                <a:latin typeface="Consolas" panose="020B0609020204030204" pitchFamily="49" charset="0"/>
-              </a:rPr>
-              <a:t>&lt;/</a:t>
-            </a:r>
-            <a:r>
-              <a:rPr lang="en-US" sz="1600" dirty="0" err="1">
-                <a:solidFill>
-                  <a:srgbClr val="800000"/>
-                </a:solidFill>
-                <a:latin typeface="Consolas" panose="020B0609020204030204" pitchFamily="49" charset="0"/>
-              </a:rPr>
-              <a:t>tbody</a:t>
-            </a:r>
-            <a:r>
-              <a:rPr lang="en-US" sz="1600" dirty="0">
-                <a:solidFill>
-                  <a:srgbClr val="800000"/>
-                </a:solidFill>
-                <a:latin typeface="Consolas" panose="020B0609020204030204" pitchFamily="49" charset="0"/>
-              </a:rPr>
-              <a:t>&gt;</a:t>
-            </a:r>
-            <a:endParaRPr lang="en-US" sz="1600" dirty="0">
-              <a:solidFill>
-                <a:srgbClr val="000000"/>
-              </a:solidFill>
-              <a:latin typeface="Consolas" panose="020B0609020204030204" pitchFamily="49" charset="0"/>
-            </a:endParaRPr>
-          </a:p>
-          <a:p>
-            <a:r>
-              <a:rPr lang="en-US" sz="1600" dirty="0">
-                <a:solidFill>
-                  <a:srgbClr val="800000"/>
-                </a:solidFill>
-                <a:latin typeface="Consolas" panose="020B0609020204030204" pitchFamily="49" charset="0"/>
-              </a:rPr>
-              <a:t>&lt;/table&gt;</a:t>
-            </a:r>
-            <a:endParaRPr lang="en-US" sz="1600" dirty="0">
-              <a:solidFill>
-                <a:srgbClr val="000000"/>
-              </a:solidFill>
-              <a:latin typeface="Consolas" panose="020B0609020204030204" pitchFamily="49" charset="0"/>
-            </a:endParaRPr>
-          </a:p>
-          <a:p>
-            <a:br>
-              <a:rPr lang="en-US" sz="1600" dirty="0">
-                <a:solidFill>
-                  <a:srgbClr val="000000"/>
-                </a:solidFill>
-                <a:latin typeface="Consolas" panose="020B0609020204030204" pitchFamily="49" charset="0"/>
-              </a:rPr>
-            </a:br>
-            <a:endParaRPr lang="en-US" sz="1600" b="0" dirty="0">
+              <a:t>&lt;/a&gt;</a:t>
+            </a:r>
+            <a:endParaRPr lang="en-US" b="0" dirty="0">
               <a:solidFill>
                 <a:srgbClr val="000000"/>
               </a:solidFill>
@@ -10753,7 +9197,7 @@
     </p:spTree>
     <p:extLst>
       <p:ext uri="{BB962C8B-B14F-4D97-AF65-F5344CB8AC3E}">
-        <p14:creationId xmlns:p14="http://schemas.microsoft.com/office/powerpoint/2010/main" val="2558121404"/>
+        <p14:creationId xmlns:p14="http://schemas.microsoft.com/office/powerpoint/2010/main" val="2696323195"/>
       </p:ext>
     </p:extLst>
   </p:cSld>
@@ -10797,154 +9241,152 @@
           <a:p>
             <a:r>
               <a:rPr lang="en-US" dirty="0"/>
-              <a:t>Events</a:t>
+              <a:t>Angular</a:t>
             </a:r>
           </a:p>
         </p:txBody>
       </p:sp>
       <p:sp>
         <p:nvSpPr>
-          <p:cNvPr id="4" name="Rectangle 3"/>
-          <p:cNvSpPr/>
-          <p:nvPr/>
+          <p:cNvPr id="5" name="Content Placeholder 2"/>
+          <p:cNvSpPr>
+            <a:spLocks noGrp="1"/>
+          </p:cNvSpPr>
+          <p:nvPr>
+            <p:ph idx="1"/>
+          </p:nvPr>
         </p:nvSpPr>
         <p:spPr>
           <a:xfrm>
-            <a:off x="356616" y="2248585"/>
-            <a:ext cx="8622792" cy="369332"/>
+            <a:off x="457200" y="685800"/>
+            <a:ext cx="8007739" cy="3394472"/>
           </a:xfrm>
-          <a:prstGeom prst="rect">
-            <a:avLst/>
-          </a:prstGeom>
         </p:spPr>
         <p:txBody>
-          <a:bodyPr wrap="square">
-            <a:spAutoFit/>
-          </a:bodyPr>
+          <a:bodyPr/>
           <a:lstStyle/>
           <a:p>
-            <a:r>
-              <a:rPr lang="it-IT" dirty="0">
-                <a:solidFill>
-                  <a:srgbClr val="800000"/>
-                </a:solidFill>
-                <a:latin typeface="Consolas" panose="020B0609020204030204" pitchFamily="49" charset="0"/>
-              </a:rPr>
-              <a:t>&lt;a</a:t>
-            </a:r>
-            <a:r>
-              <a:rPr lang="it-IT" dirty="0">
-                <a:solidFill>
-                  <a:srgbClr val="000000"/>
-                </a:solidFill>
-                <a:latin typeface="Consolas" panose="020B0609020204030204" pitchFamily="49" charset="0"/>
-              </a:rPr>
-              <a:t> </a:t>
-            </a:r>
-            <a:r>
-              <a:rPr lang="it-IT" dirty="0">
-                <a:solidFill>
-                  <a:srgbClr val="FF0000"/>
-                </a:solidFill>
-                <a:latin typeface="Consolas" panose="020B0609020204030204" pitchFamily="49" charset="0"/>
-              </a:rPr>
-              <a:t>href</a:t>
-            </a:r>
-            <a:r>
-              <a:rPr lang="it-IT" dirty="0">
-                <a:solidFill>
-                  <a:srgbClr val="000000"/>
-                </a:solidFill>
-                <a:latin typeface="Consolas" panose="020B0609020204030204" pitchFamily="49" charset="0"/>
-              </a:rPr>
-              <a:t>=</a:t>
-            </a:r>
-            <a:r>
-              <a:rPr lang="it-IT" dirty="0">
-                <a:solidFill>
-                  <a:srgbClr val="0000FF"/>
-                </a:solidFill>
-                <a:latin typeface="Consolas" panose="020B0609020204030204" pitchFamily="49" charset="0"/>
-              </a:rPr>
-              <a:t>"#"</a:t>
-            </a:r>
-            <a:r>
-              <a:rPr lang="it-IT" dirty="0">
-                <a:solidFill>
-                  <a:srgbClr val="000000"/>
-                </a:solidFill>
-                <a:latin typeface="Consolas" panose="020B0609020204030204" pitchFamily="49" charset="0"/>
-              </a:rPr>
-              <a:t> (</a:t>
-            </a:r>
-            <a:r>
-              <a:rPr lang="it-IT" dirty="0">
-                <a:solidFill>
-                  <a:srgbClr val="FF0000"/>
-                </a:solidFill>
-                <a:latin typeface="Consolas" panose="020B0609020204030204" pitchFamily="49" charset="0"/>
-              </a:rPr>
-              <a:t>click</a:t>
-            </a:r>
-            <a:r>
-              <a:rPr lang="it-IT" dirty="0">
-                <a:solidFill>
-                  <a:srgbClr val="000000"/>
-                </a:solidFill>
-                <a:latin typeface="Consolas" panose="020B0609020204030204" pitchFamily="49" charset="0"/>
-              </a:rPr>
-              <a:t>)=</a:t>
-            </a:r>
-            <a:r>
-              <a:rPr lang="it-IT" dirty="0">
-                <a:solidFill>
-                  <a:srgbClr val="0000FF"/>
-                </a:solidFill>
-                <a:latin typeface="Consolas" panose="020B0609020204030204" pitchFamily="49" charset="0"/>
-              </a:rPr>
-              <a:t>"bar("parameter1","etc")"</a:t>
-            </a:r>
-            <a:r>
-              <a:rPr lang="it-IT" dirty="0">
-                <a:solidFill>
-                  <a:srgbClr val="800000"/>
-                </a:solidFill>
-                <a:latin typeface="Consolas" panose="020B0609020204030204" pitchFamily="49" charset="0"/>
-              </a:rPr>
-              <a:t>&gt;</a:t>
-            </a:r>
-            <a:r>
-              <a:rPr lang="it-IT" dirty="0">
-                <a:solidFill>
-                  <a:srgbClr val="000000"/>
-                </a:solidFill>
-                <a:latin typeface="Consolas" panose="020B0609020204030204" pitchFamily="49" charset="0"/>
-              </a:rPr>
-              <a:t>do something</a:t>
-            </a:r>
-            <a:r>
-              <a:rPr lang="it-IT" dirty="0">
-                <a:solidFill>
-                  <a:srgbClr val="800000"/>
-                </a:solidFill>
-                <a:latin typeface="Consolas" panose="020B0609020204030204" pitchFamily="49" charset="0"/>
-              </a:rPr>
-              <a:t>&lt;/a&gt;</a:t>
-            </a:r>
-            <a:endParaRPr lang="it-IT" b="0" dirty="0">
-              <a:solidFill>
-                <a:srgbClr val="000000"/>
-              </a:solidFill>
-              <a:effectLst/>
-              <a:latin typeface="Consolas" panose="020B0609020204030204" pitchFamily="49" charset="0"/>
-            </a:endParaRPr>
+            <a:pPr marL="342900" indent="-342900">
+              <a:buFont typeface="Arial" panose="020B0604020202020204" pitchFamily="34" charset="0"/>
+              <a:buChar char="•"/>
+            </a:pPr>
+            <a:r>
+              <a:rPr lang="en-US" dirty="0"/>
+              <a:t>Look for  TODOs</a:t>
+            </a:r>
+          </a:p>
+          <a:p>
+            <a:pPr marL="342900" indent="-342900">
+              <a:buFont typeface="Arial" panose="020B0604020202020204" pitchFamily="34" charset="0"/>
+              <a:buChar char="•"/>
+            </a:pPr>
+            <a:endParaRPr lang="en-US" dirty="0"/>
+          </a:p>
+          <a:p>
+            <a:pPr marL="342900" indent="-342900">
+              <a:buFont typeface="Arial" panose="020B0604020202020204" pitchFamily="34" charset="0"/>
+              <a:buChar char="•"/>
+            </a:pPr>
+            <a:r>
+              <a:rPr lang="en-US" dirty="0"/>
+              <a:t>Files included:</a:t>
+            </a:r>
+          </a:p>
+          <a:p>
+            <a:pPr marL="573088" lvl="1" indent="-342900">
+              <a:buFont typeface="Arial" panose="020B0604020202020204" pitchFamily="34" charset="0"/>
+              <a:buChar char="•"/>
+            </a:pPr>
+            <a:r>
+              <a:rPr lang="en-US" sz="2000" dirty="0" err="1"/>
+              <a:t>app.module.ts</a:t>
+            </a:r>
+            <a:endParaRPr lang="en-US" sz="2000" dirty="0"/>
+          </a:p>
+          <a:p>
+            <a:pPr marL="573088" lvl="1" indent="-342900">
+              <a:buFont typeface="Arial" panose="020B0604020202020204" pitchFamily="34" charset="0"/>
+              <a:buChar char="•"/>
+            </a:pPr>
+            <a:r>
+              <a:rPr lang="en-US" sz="2000" dirty="0" err="1"/>
+              <a:t>utility.ts</a:t>
+            </a:r>
+            <a:endParaRPr lang="en-US" sz="2000" dirty="0"/>
+          </a:p>
+          <a:p>
+            <a:pPr marL="573088" lvl="1" indent="-342900">
+              <a:buFont typeface="Arial" panose="020B0604020202020204" pitchFamily="34" charset="0"/>
+              <a:buChar char="•"/>
+            </a:pPr>
+            <a:r>
+              <a:rPr lang="en-US" sz="2000" dirty="0" err="1"/>
+              <a:t>item.ts</a:t>
+            </a:r>
+            <a:endParaRPr lang="en-US" sz="2000" dirty="0"/>
+          </a:p>
+          <a:p>
+            <a:pPr marL="573088" lvl="1" indent="-342900">
+              <a:buFont typeface="Arial" panose="020B0604020202020204" pitchFamily="34" charset="0"/>
+              <a:buChar char="•"/>
+            </a:pPr>
+            <a:r>
+              <a:rPr lang="en-US" sz="2000" dirty="0" err="1"/>
+              <a:t>item.component.ts</a:t>
+            </a:r>
+            <a:endParaRPr lang="en-US" sz="2000" dirty="0"/>
+          </a:p>
+          <a:p>
+            <a:pPr marL="573088" lvl="1" indent="-342900">
+              <a:buFont typeface="Arial" panose="020B0604020202020204" pitchFamily="34" charset="0"/>
+              <a:buChar char="•"/>
+            </a:pPr>
+            <a:r>
+              <a:rPr lang="en-US" sz="2000" dirty="0"/>
+              <a:t>item.component.html</a:t>
+            </a:r>
+          </a:p>
+          <a:p>
+            <a:pPr marL="573088" lvl="1" indent="-342900">
+              <a:buFont typeface="Arial" panose="020B0604020202020204" pitchFamily="34" charset="0"/>
+              <a:buChar char="•"/>
+            </a:pPr>
+            <a:r>
+              <a:rPr lang="en-US" sz="2000" dirty="0" err="1"/>
+              <a:t>list.component.ts</a:t>
+            </a:r>
+            <a:endParaRPr lang="en-US" sz="2000" dirty="0"/>
+          </a:p>
+          <a:p>
+            <a:pPr marL="573088" lvl="1" indent="-342900">
+              <a:buFont typeface="Arial" panose="020B0604020202020204" pitchFamily="34" charset="0"/>
+              <a:buChar char="•"/>
+            </a:pPr>
+            <a:r>
+              <a:rPr lang="en-US" sz="2000" dirty="0"/>
+              <a:t>list.component.html</a:t>
+            </a:r>
+          </a:p>
+          <a:p>
+            <a:pPr marL="573088" lvl="1" indent="-342900">
+              <a:buFont typeface="Arial" panose="020B0604020202020204" pitchFamily="34" charset="0"/>
+              <a:buChar char="•"/>
+            </a:pPr>
+            <a:endParaRPr lang="en-US" dirty="0"/>
+          </a:p>
+          <a:p>
+            <a:pPr marL="342900" indent="-342900">
+              <a:buFont typeface="Arial" panose="020B0604020202020204" pitchFamily="34" charset="0"/>
+              <a:buChar char="•"/>
+            </a:pPr>
+            <a:endParaRPr lang="en-US" dirty="0"/>
           </a:p>
         </p:txBody>
       </p:sp>
     </p:spTree>
     <p:extLst>
       <p:ext uri="{BB962C8B-B14F-4D97-AF65-F5344CB8AC3E}">
-        <p14:creationId xmlns:p14="http://schemas.microsoft.com/office/powerpoint/2010/main" val="198790490"/>
+        <p14:creationId xmlns:p14="http://schemas.microsoft.com/office/powerpoint/2010/main" val="1029063382"/>
       </p:ext>
     </p:extLst>
   </p:cSld>
@@ -10988,136 +9430,71 @@
           <a:p>
             <a:r>
               <a:rPr lang="en-US" dirty="0"/>
-              <a:t>Router</a:t>
+              <a:t>How to execute</a:t>
             </a:r>
           </a:p>
         </p:txBody>
       </p:sp>
       <p:sp>
         <p:nvSpPr>
-          <p:cNvPr id="4" name="Rectangle 3"/>
-          <p:cNvSpPr/>
-          <p:nvPr/>
+          <p:cNvPr id="3" name="Content Placeholder 2"/>
+          <p:cNvSpPr>
+            <a:spLocks noGrp="1"/>
+          </p:cNvSpPr>
+          <p:nvPr>
+            <p:ph idx="1"/>
+          </p:nvPr>
         </p:nvSpPr>
-        <p:spPr>
-          <a:xfrm>
-            <a:off x="1344168" y="2249640"/>
-            <a:ext cx="6629400" cy="369332"/>
-          </a:xfrm>
-          <a:prstGeom prst="rect">
-            <a:avLst/>
-          </a:prstGeom>
-        </p:spPr>
+        <p:spPr/>
         <p:txBody>
-          <a:bodyPr wrap="square">
-            <a:spAutoFit/>
-          </a:bodyPr>
+          <a:bodyPr/>
           <a:lstStyle/>
           <a:p>
             <a:r>
+              <a:rPr lang="en-US" dirty="0"/>
+              <a:t>Execute Angular 2: </a:t>
+            </a:r>
+          </a:p>
+          <a:p>
+            <a:pPr marL="342900" indent="-342900">
+              <a:buFont typeface="Arial" panose="020B0604020202020204" pitchFamily="34" charset="0"/>
+              <a:buChar char="•"/>
+            </a:pPr>
+            <a:r>
+              <a:rPr lang="en-US" dirty="0" err="1">
+                <a:latin typeface="Courier New" panose="02070309020205020404" pitchFamily="49" charset="0"/>
+                <a:cs typeface="Courier New" panose="02070309020205020404" pitchFamily="49" charset="0"/>
+              </a:rPr>
+              <a:t>npm</a:t>
+            </a:r>
+            <a:r>
               <a:rPr lang="en-US" dirty="0">
-                <a:solidFill>
-                  <a:srgbClr val="800000"/>
-                </a:solidFill>
-                <a:latin typeface="Consolas" panose="020B0609020204030204" pitchFamily="49" charset="0"/>
-              </a:rPr>
-              <a:t>&lt;a</a:t>
-            </a:r>
+                <a:latin typeface="Courier New" panose="02070309020205020404" pitchFamily="49" charset="0"/>
+                <a:cs typeface="Courier New" panose="02070309020205020404" pitchFamily="49" charset="0"/>
+              </a:rPr>
+              <a:t> install angular-cli</a:t>
+            </a:r>
+          </a:p>
+          <a:p>
+            <a:pPr marL="342900" indent="-342900">
+              <a:buFont typeface="Arial" panose="020B0604020202020204" pitchFamily="34" charset="0"/>
+              <a:buChar char="•"/>
+            </a:pPr>
             <a:r>
               <a:rPr lang="en-US" dirty="0">
-                <a:solidFill>
-                  <a:srgbClr val="000000"/>
-                </a:solidFill>
-                <a:latin typeface="Consolas" panose="020B0609020204030204" pitchFamily="49" charset="0"/>
-              </a:rPr>
-              <a:t> [</a:t>
-            </a:r>
-            <a:r>
-              <a:rPr lang="en-US" dirty="0" err="1">
-                <a:solidFill>
-                  <a:srgbClr val="FF0000"/>
-                </a:solidFill>
-                <a:latin typeface="Consolas" panose="020B0609020204030204" pitchFamily="49" charset="0"/>
-              </a:rPr>
-              <a:t>routerLink</a:t>
-            </a:r>
-            <a:r>
-              <a:rPr lang="en-US" dirty="0">
-                <a:solidFill>
-                  <a:srgbClr val="000000"/>
-                </a:solidFill>
-                <a:latin typeface="Consolas" panose="020B0609020204030204" pitchFamily="49" charset="0"/>
-              </a:rPr>
-              <a:t>]=</a:t>
-            </a:r>
-            <a:r>
-              <a:rPr lang="en-US" dirty="0">
-                <a:solidFill>
-                  <a:srgbClr val="0000FF"/>
-                </a:solidFill>
-                <a:latin typeface="Consolas" panose="020B0609020204030204" pitchFamily="49" charset="0"/>
-              </a:rPr>
-              <a:t>"['/foo', </a:t>
-            </a:r>
-            <a:r>
-              <a:rPr lang="en-US" dirty="0" err="1">
-                <a:solidFill>
-                  <a:srgbClr val="0000FF"/>
-                </a:solidFill>
-                <a:latin typeface="Consolas" panose="020B0609020204030204" pitchFamily="49" charset="0"/>
-              </a:rPr>
-              <a:t>thing.foo</a:t>
-            </a:r>
-            <a:r>
-              <a:rPr lang="en-US" dirty="0">
-                <a:solidFill>
-                  <a:srgbClr val="0000FF"/>
-                </a:solidFill>
-                <a:latin typeface="Consolas" panose="020B0609020204030204" pitchFamily="49" charset="0"/>
-              </a:rPr>
-              <a:t>]"</a:t>
-            </a:r>
-            <a:r>
-              <a:rPr lang="en-US" dirty="0">
-                <a:solidFill>
-                  <a:srgbClr val="800000"/>
-                </a:solidFill>
-                <a:latin typeface="Consolas" panose="020B0609020204030204" pitchFamily="49" charset="0"/>
-              </a:rPr>
-              <a:t>&gt;</a:t>
-            </a:r>
-            <a:r>
-              <a:rPr lang="en-US" dirty="0">
-                <a:solidFill>
-                  <a:srgbClr val="000000"/>
-                </a:solidFill>
-                <a:latin typeface="Consolas" panose="020B0609020204030204" pitchFamily="49" charset="0"/>
-              </a:rPr>
-              <a:t>edit</a:t>
-            </a:r>
-            <a:r>
-              <a:rPr lang="en-US" dirty="0">
-                <a:solidFill>
-                  <a:srgbClr val="800000"/>
-                </a:solidFill>
-                <a:latin typeface="Consolas" panose="020B0609020204030204" pitchFamily="49" charset="0"/>
-              </a:rPr>
-              <a:t>&lt;/a&gt;</a:t>
-            </a:r>
-            <a:endParaRPr lang="en-US" b="0" dirty="0">
-              <a:solidFill>
-                <a:srgbClr val="000000"/>
-              </a:solidFill>
-              <a:effectLst/>
-              <a:latin typeface="Consolas" panose="020B0609020204030204" pitchFamily="49" charset="0"/>
-            </a:endParaRPr>
+                <a:latin typeface="Courier New" panose="02070309020205020404" pitchFamily="49" charset="0"/>
+                <a:cs typeface="Courier New" panose="02070309020205020404" pitchFamily="49" charset="0"/>
+              </a:rPr>
+              <a:t>ng serve</a:t>
+            </a:r>
+            <a:endParaRPr lang="en-US" dirty="0"/>
           </a:p>
         </p:txBody>
       </p:sp>
     </p:spTree>
     <p:extLst>
       <p:ext uri="{BB962C8B-B14F-4D97-AF65-F5344CB8AC3E}">
-        <p14:creationId xmlns:p14="http://schemas.microsoft.com/office/powerpoint/2010/main" val="2696323195"/>
+        <p14:creationId xmlns:p14="http://schemas.microsoft.com/office/powerpoint/2010/main" val="1504837512"/>
       </p:ext>
     </p:extLst>
   </p:cSld>
@@ -11151,162 +9528,30 @@
             <a:spLocks noGrp="1"/>
           </p:cNvSpPr>
           <p:nvPr>
-            <p:ph type="title"/>
-          </p:nvPr>
-        </p:nvSpPr>
-        <p:spPr/>
-        <p:txBody>
-          <a:bodyPr/>
-          <a:lstStyle/>
-          <a:p>
-            <a:r>
-              <a:rPr lang="en-US" dirty="0"/>
-              <a:t>Angular</a:t>
-            </a:r>
-          </a:p>
-        </p:txBody>
-      </p:sp>
-      <p:sp>
-        <p:nvSpPr>
-          <p:cNvPr id="5" name="Content Placeholder 2"/>
-          <p:cNvSpPr>
-            <a:spLocks noGrp="1"/>
-          </p:cNvSpPr>
-          <p:nvPr>
-            <p:ph idx="1"/>
+            <p:ph type="ctrTitle"/>
           </p:nvPr>
         </p:nvSpPr>
         <p:spPr>
           <a:xfrm>
-            <a:off x="457200" y="685800"/>
-            <a:ext cx="8007739" cy="3394472"/>
+            <a:off x="685800" y="925974"/>
+            <a:ext cx="7772400" cy="2338001"/>
           </a:xfrm>
         </p:spPr>
         <p:txBody>
           <a:bodyPr/>
           <a:lstStyle/>
           <a:p>
-            <a:pPr marL="342900" indent="-342900">
-              <a:buFont typeface="Arial" panose="020B0604020202020204" pitchFamily="34" charset="0"/>
-              <a:buChar char="•"/>
-            </a:pPr>
-            <a:r>
-              <a:rPr lang="en-US" dirty="0"/>
-              <a:t>Look for  TODOs</a:t>
-            </a:r>
-          </a:p>
-          <a:p>
-            <a:pPr marL="342900" indent="-342900">
-              <a:buFont typeface="Arial" panose="020B0604020202020204" pitchFamily="34" charset="0"/>
-              <a:buChar char="•"/>
-            </a:pPr>
-            <a:endParaRPr lang="en-US" dirty="0"/>
-          </a:p>
-          <a:p>
-            <a:pPr marL="342900" indent="-342900">
-              <a:buFont typeface="Arial" panose="020B0604020202020204" pitchFamily="34" charset="0"/>
-              <a:buChar char="•"/>
-            </a:pPr>
-            <a:r>
-              <a:rPr lang="en-US" dirty="0"/>
-              <a:t>Files included:</a:t>
-            </a:r>
-          </a:p>
-          <a:p>
-            <a:pPr marL="573088" lvl="1" indent="-342900">
-              <a:buFont typeface="Arial" panose="020B0604020202020204" pitchFamily="34" charset="0"/>
-              <a:buChar char="•"/>
-            </a:pPr>
-            <a:r>
-              <a:rPr lang="en-US" sz="2000" dirty="0" err="1"/>
-              <a:t>app.module.ts</a:t>
-            </a:r>
-            <a:endParaRPr lang="en-US" sz="2000" dirty="0"/>
-          </a:p>
-          <a:p>
-            <a:pPr marL="573088" lvl="1" indent="-342900">
-              <a:buFont typeface="Arial" panose="020B0604020202020204" pitchFamily="34" charset="0"/>
-              <a:buChar char="•"/>
-            </a:pPr>
-            <a:r>
-              <a:rPr lang="en-US" sz="2000" dirty="0" err="1"/>
-              <a:t>utility.ts</a:t>
-            </a:r>
-            <a:endParaRPr lang="en-US" sz="2000" dirty="0"/>
-          </a:p>
-          <a:p>
-            <a:pPr marL="573088" lvl="1" indent="-342900">
-              <a:buFont typeface="Arial" panose="020B0604020202020204" pitchFamily="34" charset="0"/>
-              <a:buChar char="•"/>
-            </a:pPr>
-            <a:r>
-              <a:rPr lang="en-US" sz="2000" dirty="0" err="1"/>
-              <a:t>item.ts</a:t>
-            </a:r>
-            <a:endParaRPr lang="en-US" sz="2000" dirty="0"/>
-          </a:p>
-          <a:p>
-            <a:pPr marL="573088" lvl="1" indent="-342900">
-              <a:buFont typeface="Arial" panose="020B0604020202020204" pitchFamily="34" charset="0"/>
-              <a:buChar char="•"/>
-            </a:pPr>
-            <a:r>
-              <a:rPr lang="en-US" sz="2000" dirty="0" err="1"/>
-              <a:t>item.component.ts</a:t>
-            </a:r>
-            <a:endParaRPr lang="en-US" sz="2000" dirty="0"/>
-          </a:p>
-          <a:p>
-            <a:pPr marL="573088" lvl="1" indent="-342900">
-              <a:buFont typeface="Arial" panose="020B0604020202020204" pitchFamily="34" charset="0"/>
-              <a:buChar char="•"/>
-            </a:pPr>
-            <a:r>
-              <a:rPr lang="en-US" sz="2000" dirty="0"/>
-              <a:t>item.component.html</a:t>
-            </a:r>
-          </a:p>
-          <a:p>
-            <a:pPr marL="573088" lvl="1" indent="-342900">
-              <a:buFont typeface="Arial" panose="020B0604020202020204" pitchFamily="34" charset="0"/>
-              <a:buChar char="•"/>
-            </a:pPr>
-            <a:r>
-              <a:rPr lang="en-US" sz="2000" dirty="0" err="1"/>
-              <a:t>list.component.ts</a:t>
-            </a:r>
-            <a:endParaRPr lang="en-US" sz="2000" dirty="0"/>
-          </a:p>
-          <a:p>
-            <a:pPr marL="573088" lvl="1" indent="-342900">
-              <a:buFont typeface="Arial" panose="020B0604020202020204" pitchFamily="34" charset="0"/>
-              <a:buChar char="•"/>
-            </a:pPr>
-            <a:r>
-              <a:rPr lang="en-US" sz="2000" dirty="0"/>
-              <a:t>list.component.html</a:t>
-            </a:r>
-          </a:p>
-          <a:p>
-            <a:pPr marL="573088" lvl="1" indent="-342900">
-              <a:buFont typeface="Arial" panose="020B0604020202020204" pitchFamily="34" charset="0"/>
-              <a:buChar char="•"/>
-            </a:pPr>
-            <a:endParaRPr lang="en-US" dirty="0"/>
-          </a:p>
-          <a:p>
-            <a:pPr marL="342900" indent="-342900">
-              <a:buFont typeface="Arial" panose="020B0604020202020204" pitchFamily="34" charset="0"/>
-              <a:buChar char="•"/>
-            </a:pPr>
-            <a:endParaRPr lang="en-US" dirty="0"/>
+            <a:r>
+              <a:rPr lang="en-US" sz="3600" dirty="0"/>
+              <a:t>Questions</a:t>
+            </a:r>
           </a:p>
         </p:txBody>
       </p:sp>
     </p:spTree>
     <p:extLst>
       <p:ext uri="{BB962C8B-B14F-4D97-AF65-F5344CB8AC3E}">
-        <p14:creationId xmlns:p14="http://schemas.microsoft.com/office/powerpoint/2010/main" val="1029063382"/>
+        <p14:creationId xmlns:p14="http://schemas.microsoft.com/office/powerpoint/2010/main" val="3620921753"/>
       </p:ext>
     </p:extLst>
   </p:cSld>
@@ -11350,7 +9595,7 @@
           <a:p>
             <a:r>
               <a:rPr lang="en-US" dirty="0"/>
-              <a:t>How to execute</a:t>
+              <a:t>Exercise: Fill in the blanks</a:t>
             </a:r>
           </a:p>
         </p:txBody>
@@ -11358,55 +9603,268 @@
       <p:sp>
         <p:nvSpPr>
           <p:cNvPr id="3" name="Content Placeholder 2"/>
-          <p:cNvSpPr>
-            <a:spLocks noGrp="1"/>
+          <p:cNvSpPr txBox="1">
+            <a:spLocks/>
           </p:cNvSpPr>
-          <p:nvPr>
-            <p:ph idx="1"/>
-          </p:nvPr>
+          <p:nvPr/>
         </p:nvSpPr>
-        <p:spPr/>
+        <p:spPr>
+          <a:xfrm>
+            <a:off x="198157" y="838200"/>
+            <a:ext cx="8802967" cy="3394472"/>
+          </a:xfrm>
+          <a:prstGeom prst="rect">
+            <a:avLst/>
+          </a:prstGeom>
+        </p:spPr>
         <p:txBody>
           <a:bodyPr/>
-          <a:lstStyle/>
-          <a:p>
-            <a:r>
-              <a:rPr lang="en-US" dirty="0"/>
-              <a:t>Execute Angular 2: </a:t>
-            </a:r>
-          </a:p>
+          <a:lstStyle>
+            <a:lvl1pPr marL="228600" indent="-228600" algn="l" defTabSz="457200" rtl="0" eaLnBrk="1" latinLnBrk="0" hangingPunct="1">
+              <a:spcBef>
+                <a:spcPts val="0"/>
+              </a:spcBef>
+              <a:buClr>
+                <a:schemeClr val="accent1"/>
+              </a:buClr>
+              <a:buFont typeface="Wingdings" charset="2"/>
+              <a:buChar char="§"/>
+              <a:defRPr sz="2400" kern="1200">
+                <a:solidFill>
+                  <a:schemeClr val="tx1"/>
+                </a:solidFill>
+                <a:latin typeface="+mn-lt"/>
+                <a:ea typeface="+mn-ea"/>
+                <a:cs typeface="+mn-cs"/>
+              </a:defRPr>
+            </a:lvl1pPr>
+            <a:lvl2pPr marL="455613" indent="-227013" algn="l" defTabSz="457200" rtl="0" eaLnBrk="1" latinLnBrk="0" hangingPunct="1">
+              <a:spcBef>
+                <a:spcPts val="0"/>
+              </a:spcBef>
+              <a:buClr>
+                <a:srgbClr val="262626"/>
+              </a:buClr>
+              <a:buFont typeface="Wingdings" charset="2"/>
+              <a:buChar char="§"/>
+              <a:defRPr sz="2000" kern="1200">
+                <a:solidFill>
+                  <a:schemeClr val="tx1"/>
+                </a:solidFill>
+                <a:latin typeface="+mn-lt"/>
+                <a:ea typeface="+mn-ea"/>
+                <a:cs typeface="+mn-cs"/>
+              </a:defRPr>
+            </a:lvl2pPr>
+            <a:lvl3pPr marL="455613" indent="-228600" algn="l" defTabSz="457200" rtl="0" eaLnBrk="1" latinLnBrk="0" hangingPunct="1">
+              <a:spcBef>
+                <a:spcPts val="0"/>
+              </a:spcBef>
+              <a:buClr>
+                <a:srgbClr val="262626"/>
+              </a:buClr>
+              <a:buFont typeface="Wingdings" charset="2"/>
+              <a:buChar char="§"/>
+              <a:defRPr sz="2000" kern="1200">
+                <a:solidFill>
+                  <a:schemeClr val="tx1"/>
+                </a:solidFill>
+                <a:latin typeface="+mn-lt"/>
+                <a:ea typeface="+mn-ea"/>
+                <a:cs typeface="+mn-cs"/>
+              </a:defRPr>
+            </a:lvl3pPr>
+            <a:lvl4pPr marL="455613" indent="-228600" algn="l" defTabSz="457200" rtl="0" eaLnBrk="1" latinLnBrk="0" hangingPunct="1">
+              <a:spcBef>
+                <a:spcPts val="0"/>
+              </a:spcBef>
+              <a:buClr>
+                <a:srgbClr val="262626"/>
+              </a:buClr>
+              <a:buFont typeface="Wingdings" charset="2"/>
+              <a:buChar char="§"/>
+              <a:defRPr sz="2000" kern="1200">
+                <a:solidFill>
+                  <a:schemeClr val="tx1"/>
+                </a:solidFill>
+                <a:latin typeface="+mn-lt"/>
+                <a:ea typeface="+mn-ea"/>
+                <a:cs typeface="+mn-cs"/>
+              </a:defRPr>
+            </a:lvl4pPr>
+            <a:lvl5pPr marL="455613" indent="-228600" algn="l" defTabSz="457200" rtl="0" eaLnBrk="1" latinLnBrk="0" hangingPunct="1">
+              <a:spcBef>
+                <a:spcPts val="200"/>
+              </a:spcBef>
+              <a:buClr>
+                <a:srgbClr val="262626"/>
+              </a:buClr>
+              <a:buFont typeface="Wingdings" charset="2"/>
+              <a:buChar char="§"/>
+              <a:defRPr sz="2000" kern="1200">
+                <a:solidFill>
+                  <a:schemeClr val="tx1"/>
+                </a:solidFill>
+                <a:latin typeface="+mn-lt"/>
+                <a:ea typeface="+mn-ea"/>
+                <a:cs typeface="+mn-cs"/>
+              </a:defRPr>
+            </a:lvl5pPr>
+            <a:lvl6pPr marL="2514600" indent="-228600" algn="l" defTabSz="457200" rtl="0" eaLnBrk="1" latinLnBrk="0" hangingPunct="1">
+              <a:spcBef>
+                <a:spcPct val="20000"/>
+              </a:spcBef>
+              <a:buFont typeface="Arial"/>
+              <a:buChar char="•"/>
+              <a:defRPr sz="2000" kern="1200">
+                <a:solidFill>
+                  <a:schemeClr val="tx1"/>
+                </a:solidFill>
+                <a:latin typeface="+mn-lt"/>
+                <a:ea typeface="+mn-ea"/>
+                <a:cs typeface="+mn-cs"/>
+              </a:defRPr>
+            </a:lvl6pPr>
+            <a:lvl7pPr marL="2971800" indent="-228600" algn="l" defTabSz="457200" rtl="0" eaLnBrk="1" latinLnBrk="0" hangingPunct="1">
+              <a:spcBef>
+                <a:spcPct val="20000"/>
+              </a:spcBef>
+              <a:buFont typeface="Arial"/>
+              <a:buChar char="•"/>
+              <a:defRPr sz="2000" kern="1200">
+                <a:solidFill>
+                  <a:schemeClr val="tx1"/>
+                </a:solidFill>
+                <a:latin typeface="+mn-lt"/>
+                <a:ea typeface="+mn-ea"/>
+                <a:cs typeface="+mn-cs"/>
+              </a:defRPr>
+            </a:lvl7pPr>
+            <a:lvl8pPr marL="3429000" indent="-228600" algn="l" defTabSz="457200" rtl="0" eaLnBrk="1" latinLnBrk="0" hangingPunct="1">
+              <a:spcBef>
+                <a:spcPct val="20000"/>
+              </a:spcBef>
+              <a:buFont typeface="Arial"/>
+              <a:buChar char="•"/>
+              <a:defRPr sz="2000" kern="1200">
+                <a:solidFill>
+                  <a:schemeClr val="tx1"/>
+                </a:solidFill>
+                <a:latin typeface="+mn-lt"/>
+                <a:ea typeface="+mn-ea"/>
+                <a:cs typeface="+mn-cs"/>
+              </a:defRPr>
+            </a:lvl8pPr>
+            <a:lvl9pPr marL="3886200" indent="-228600" algn="l" defTabSz="457200" rtl="0" eaLnBrk="1" latinLnBrk="0" hangingPunct="1">
+              <a:spcBef>
+                <a:spcPct val="20000"/>
+              </a:spcBef>
+              <a:buFont typeface="Arial"/>
+              <a:buChar char="•"/>
+              <a:defRPr sz="2000" kern="1200">
+                <a:solidFill>
+                  <a:schemeClr val="tx1"/>
+                </a:solidFill>
+                <a:latin typeface="+mn-lt"/>
+                <a:ea typeface="+mn-ea"/>
+                <a:cs typeface="+mn-cs"/>
+              </a:defRPr>
+            </a:lvl9pPr>
+          </a:lstStyle>
           <a:p>
             <a:pPr marL="342900" indent="-342900">
-              <a:buFont typeface="Arial" panose="020B0604020202020204" pitchFamily="34" charset="0"/>
+              <a:buFont typeface="Arial" charset="0"/>
               <a:buChar char="•"/>
             </a:pPr>
             <a:r>
-              <a:rPr lang="en-US" dirty="0" err="1">
-                <a:latin typeface="Courier New" panose="02070309020205020404" pitchFamily="49" charset="0"/>
-                <a:cs typeface="Courier New" panose="02070309020205020404" pitchFamily="49" charset="0"/>
-              </a:rPr>
-              <a:t>npm</a:t>
-            </a:r>
-            <a:r>
-              <a:rPr lang="en-US" dirty="0">
-                <a:latin typeface="Courier New" panose="02070309020205020404" pitchFamily="49" charset="0"/>
-                <a:cs typeface="Courier New" panose="02070309020205020404" pitchFamily="49" charset="0"/>
-              </a:rPr>
-              <a:t> install angular-cli</a:t>
-            </a:r>
-          </a:p>
-          <a:p>
-            <a:pPr marL="342900" indent="-342900">
-              <a:buFont typeface="Arial" panose="020B0604020202020204" pitchFamily="34" charset="0"/>
+              <a:rPr lang="en-US" dirty="0"/>
+              <a:t>Fill in the blanks to make the application work</a:t>
+            </a:r>
+          </a:p>
+          <a:p>
+            <a:pPr marL="569913" lvl="1" indent="-342900">
+              <a:buFont typeface="Arial" charset="0"/>
               <a:buChar char="•"/>
             </a:pPr>
             <a:r>
-              <a:rPr lang="en-US" dirty="0">
-                <a:latin typeface="Courier New" panose="02070309020205020404" pitchFamily="49" charset="0"/>
-                <a:cs typeface="Courier New" panose="02070309020205020404" pitchFamily="49" charset="0"/>
-              </a:rPr>
-              <a:t>ng serve</a:t>
-            </a:r>
+              <a:rPr lang="en-US" dirty="0" err="1"/>
+              <a:t>angular_workshop</a:t>
+            </a:r>
+            <a:endParaRPr lang="en-US" dirty="0"/>
+          </a:p>
+          <a:p>
+            <a:pPr marL="569913" lvl="1" indent="-342900">
+              <a:buFont typeface="Arial" charset="0"/>
+              <a:buChar char="•"/>
+            </a:pPr>
+            <a:r>
+              <a:rPr lang="en-US" dirty="0"/>
+              <a:t>Completed versions are in the angular folder</a:t>
+            </a:r>
+          </a:p>
+          <a:p>
+            <a:pPr marL="342900" indent="-342900">
+              <a:buFont typeface="Arial" charset="0"/>
+              <a:buChar char="•"/>
+            </a:pPr>
+            <a:endParaRPr lang="en-US" dirty="0"/>
+          </a:p>
+          <a:p>
+            <a:pPr marL="342900" indent="-342900">
+              <a:buFont typeface="Arial" charset="0"/>
+              <a:buChar char="•"/>
+            </a:pPr>
+            <a:r>
+              <a:rPr lang="en-US" dirty="0"/>
+              <a:t>Checkout the code from </a:t>
+            </a:r>
+            <a:r>
+              <a:rPr lang="en-US" dirty="0" err="1"/>
+              <a:t>Github</a:t>
+            </a:r>
+            <a:endParaRPr lang="en-US" dirty="0"/>
+          </a:p>
+          <a:p>
+            <a:pPr marL="569913" lvl="1" indent="-342900">
+              <a:buFont typeface="Arial" charset="0"/>
+              <a:buChar char="•"/>
+            </a:pPr>
+            <a:r>
+              <a:rPr lang="en-US" sz="1800" dirty="0">
+                <a:hlinkClick r:id="rId2"/>
+              </a:rPr>
+              <a:t>https://github.com/couchbaselabs/aspnet-nosql-workshop/tree/master/0</a:t>
+            </a:r>
+            <a:r>
+              <a:rPr lang="en-US" sz="1800" dirty="0"/>
+              <a:t>4</a:t>
+            </a:r>
+          </a:p>
+          <a:p>
+            <a:pPr marL="569913" lvl="1" indent="-342900">
+              <a:buFont typeface="Arial" charset="0"/>
+              <a:buChar char="•"/>
+            </a:pPr>
+            <a:endParaRPr lang="en-US" dirty="0"/>
+          </a:p>
+          <a:p>
+            <a:pPr marL="342900" indent="-342900">
+              <a:buFont typeface="Arial" charset="0"/>
+              <a:buChar char="•"/>
+            </a:pPr>
+            <a:r>
+              <a:rPr lang="en-US" dirty="0"/>
+              <a:t>The source code is also available on USB sticks</a:t>
+            </a:r>
+          </a:p>
+          <a:p>
+            <a:pPr marL="342900" indent="-342900">
+              <a:buFont typeface="Arial" charset="0"/>
+              <a:buChar char="•"/>
+            </a:pPr>
+            <a:endParaRPr lang="en-US" b="1" dirty="0"/>
+          </a:p>
+          <a:p>
             <a:endParaRPr lang="en-US" dirty="0"/>
           </a:p>
         </p:txBody>
@@ -11414,7 +9872,7 @@
     </p:spTree>
     <p:extLst>
       <p:ext uri="{BB962C8B-B14F-4D97-AF65-F5344CB8AC3E}">
-        <p14:creationId xmlns:p14="http://schemas.microsoft.com/office/powerpoint/2010/main" val="1504837512"/>
+        <p14:creationId xmlns:p14="http://schemas.microsoft.com/office/powerpoint/2010/main" val="2933329572"/>
       </p:ext>
     </p:extLst>
   </p:cSld>
@@ -11448,22 +9906,70 @@
             <a:spLocks noGrp="1"/>
           </p:cNvSpPr>
           <p:nvPr>
-            <p:ph type="ctrTitle"/>
+            <p:ph type="title"/>
           </p:nvPr>
         </p:nvSpPr>
-        <p:spPr>
-          <a:xfrm>
-            <a:off x="685800" y="925974"/>
-            <a:ext cx="7772400" cy="2338001"/>
-          </a:xfrm>
-        </p:spPr>
+        <p:spPr/>
         <p:txBody>
           <a:bodyPr/>
           <a:lstStyle/>
           <a:p>
             <a:r>
-              <a:rPr lang="en-US" sz="3600" dirty="0"/>
-              <a:t>Questions</a:t>
+              <a:rPr lang="en-US" dirty="0"/>
+              <a:t>Exercise: Getting Started</a:t>
+            </a:r>
+          </a:p>
+        </p:txBody>
+      </p:sp>
+      <p:sp>
+        <p:nvSpPr>
+          <p:cNvPr id="3" name="Content Placeholder 2"/>
+          <p:cNvSpPr>
+            <a:spLocks noGrp="1"/>
+          </p:cNvSpPr>
+          <p:nvPr>
+            <p:ph idx="1"/>
+          </p:nvPr>
+        </p:nvSpPr>
+        <p:spPr/>
+        <p:txBody>
+          <a:bodyPr/>
+          <a:lstStyle/>
+          <a:p>
+            <a:r>
+              <a:rPr lang="en-US" dirty="0"/>
+              <a:t>We’re going to fill in one of the blanks together, one for each language/platform.</a:t>
+            </a:r>
+          </a:p>
+          <a:p>
+            <a:endParaRPr lang="en-US" dirty="0"/>
+          </a:p>
+          <a:p>
+            <a:r>
+              <a:rPr lang="en-US" dirty="0"/>
+              <a:t>The rest of the them are up to you.</a:t>
+            </a:r>
+          </a:p>
+          <a:p>
+            <a:endParaRPr lang="en-US" dirty="0"/>
+          </a:p>
+          <a:p>
+            <a:r>
+              <a:rPr lang="en-US" b="1" dirty="0"/>
+              <a:t>At the end of the lab, your app should be able to </a:t>
+            </a:r>
+            <a:r>
+              <a:rPr lang="en-US" b="1" u="sng" dirty="0"/>
+              <a:t>list, add, edit, and delete.</a:t>
+            </a:r>
+          </a:p>
+          <a:p>
+            <a:endParaRPr lang="en-US" dirty="0"/>
+          </a:p>
+          <a:p>
+            <a:r>
+              <a:rPr lang="en-US" dirty="0"/>
+              <a:t>If you have questions or are running into a problem, we’ll be walking around helping you individually.</a:t>
             </a:r>
           </a:p>
         </p:txBody>
@@ -11471,7 +9977,7 @@
     </p:spTree>
     <p:extLst>
       <p:ext uri="{BB962C8B-B14F-4D97-AF65-F5344CB8AC3E}">
-        <p14:creationId xmlns:p14="http://schemas.microsoft.com/office/powerpoint/2010/main" val="3620921753"/>
+        <p14:creationId xmlns:p14="http://schemas.microsoft.com/office/powerpoint/2010/main" val="1518936010"/>
       </p:ext>
     </p:extLst>
   </p:cSld>
@@ -11668,7 +10174,7 @@
             </a:pPr>
             <a:r>
               <a:rPr lang="en-US" dirty="0"/>
-              <a:t>.Angular 2 (UI)</a:t>
+              <a:t>Angular 2 (UI)</a:t>
             </a:r>
           </a:p>
           <a:p>
@@ -11762,7 +10268,7 @@
           <a:p>
             <a:r>
               <a:rPr lang="en-US" dirty="0"/>
-              <a:t>Exercise: Fill in the blanks</a:t>
+              <a:t>Angular: Starting a new project</a:t>
             </a:r>
           </a:p>
         </p:txBody>
@@ -11770,268 +10276,121 @@
       <p:sp>
         <p:nvSpPr>
           <p:cNvPr id="3" name="Content Placeholder 2"/>
-          <p:cNvSpPr txBox="1">
-            <a:spLocks/>
+          <p:cNvSpPr>
+            <a:spLocks noGrp="1"/>
           </p:cNvSpPr>
-          <p:nvPr/>
+          <p:nvPr>
+            <p:ph idx="1"/>
+          </p:nvPr>
         </p:nvSpPr>
-        <p:spPr>
-          <a:xfrm>
-            <a:off x="198157" y="838200"/>
-            <a:ext cx="8802967" cy="3394472"/>
-          </a:xfrm>
-          <a:prstGeom prst="rect">
-            <a:avLst/>
-          </a:prstGeom>
-        </p:spPr>
+        <p:spPr/>
         <p:txBody>
           <a:bodyPr/>
-          <a:lstStyle>
-            <a:lvl1pPr marL="228600" indent="-228600" algn="l" defTabSz="457200" rtl="0" eaLnBrk="1" latinLnBrk="0" hangingPunct="1">
-              <a:spcBef>
-                <a:spcPts val="0"/>
-              </a:spcBef>
-              <a:buClr>
-                <a:schemeClr val="accent1"/>
-              </a:buClr>
-              <a:buFont typeface="Wingdings" charset="2"/>
-              <a:buChar char="§"/>
-              <a:defRPr sz="2400" kern="1200">
-                <a:solidFill>
-                  <a:schemeClr val="tx1"/>
-                </a:solidFill>
-                <a:latin typeface="+mn-lt"/>
-                <a:ea typeface="+mn-ea"/>
-                <a:cs typeface="+mn-cs"/>
-              </a:defRPr>
-            </a:lvl1pPr>
-            <a:lvl2pPr marL="455613" indent="-227013" algn="l" defTabSz="457200" rtl="0" eaLnBrk="1" latinLnBrk="0" hangingPunct="1">
-              <a:spcBef>
-                <a:spcPts val="0"/>
-              </a:spcBef>
-              <a:buClr>
-                <a:srgbClr val="262626"/>
-              </a:buClr>
-              <a:buFont typeface="Wingdings" charset="2"/>
-              <a:buChar char="§"/>
-              <a:defRPr sz="2000" kern="1200">
-                <a:solidFill>
-                  <a:schemeClr val="tx1"/>
-                </a:solidFill>
-                <a:latin typeface="+mn-lt"/>
-                <a:ea typeface="+mn-ea"/>
-                <a:cs typeface="+mn-cs"/>
-              </a:defRPr>
-            </a:lvl2pPr>
-            <a:lvl3pPr marL="455613" indent="-228600" algn="l" defTabSz="457200" rtl="0" eaLnBrk="1" latinLnBrk="0" hangingPunct="1">
-              <a:spcBef>
-                <a:spcPts val="0"/>
-              </a:spcBef>
-              <a:buClr>
-                <a:srgbClr val="262626"/>
-              </a:buClr>
-              <a:buFont typeface="Wingdings" charset="2"/>
-              <a:buChar char="§"/>
-              <a:defRPr sz="2000" kern="1200">
-                <a:solidFill>
-                  <a:schemeClr val="tx1"/>
-                </a:solidFill>
-                <a:latin typeface="+mn-lt"/>
-                <a:ea typeface="+mn-ea"/>
-                <a:cs typeface="+mn-cs"/>
-              </a:defRPr>
-            </a:lvl3pPr>
-            <a:lvl4pPr marL="455613" indent="-228600" algn="l" defTabSz="457200" rtl="0" eaLnBrk="1" latinLnBrk="0" hangingPunct="1">
-              <a:spcBef>
-                <a:spcPts val="0"/>
-              </a:spcBef>
-              <a:buClr>
-                <a:srgbClr val="262626"/>
-              </a:buClr>
-              <a:buFont typeface="Wingdings" charset="2"/>
-              <a:buChar char="§"/>
-              <a:defRPr sz="2000" kern="1200">
-                <a:solidFill>
-                  <a:schemeClr val="tx1"/>
-                </a:solidFill>
-                <a:latin typeface="+mn-lt"/>
-                <a:ea typeface="+mn-ea"/>
-                <a:cs typeface="+mn-cs"/>
-              </a:defRPr>
-            </a:lvl4pPr>
-            <a:lvl5pPr marL="455613" indent="-228600" algn="l" defTabSz="457200" rtl="0" eaLnBrk="1" latinLnBrk="0" hangingPunct="1">
-              <a:spcBef>
-                <a:spcPts val="200"/>
-              </a:spcBef>
-              <a:buClr>
-                <a:srgbClr val="262626"/>
-              </a:buClr>
-              <a:buFont typeface="Wingdings" charset="2"/>
-              <a:buChar char="§"/>
-              <a:defRPr sz="2000" kern="1200">
-                <a:solidFill>
-                  <a:schemeClr val="tx1"/>
-                </a:solidFill>
-                <a:latin typeface="+mn-lt"/>
-                <a:ea typeface="+mn-ea"/>
-                <a:cs typeface="+mn-cs"/>
-              </a:defRPr>
-            </a:lvl5pPr>
-            <a:lvl6pPr marL="2514600" indent="-228600" algn="l" defTabSz="457200" rtl="0" eaLnBrk="1" latinLnBrk="0" hangingPunct="1">
-              <a:spcBef>
-                <a:spcPct val="20000"/>
-              </a:spcBef>
-              <a:buFont typeface="Arial"/>
-              <a:buChar char="•"/>
-              <a:defRPr sz="2000" kern="1200">
-                <a:solidFill>
-                  <a:schemeClr val="tx1"/>
-                </a:solidFill>
-                <a:latin typeface="+mn-lt"/>
-                <a:ea typeface="+mn-ea"/>
-                <a:cs typeface="+mn-cs"/>
-              </a:defRPr>
-            </a:lvl6pPr>
-            <a:lvl7pPr marL="2971800" indent="-228600" algn="l" defTabSz="457200" rtl="0" eaLnBrk="1" latinLnBrk="0" hangingPunct="1">
-              <a:spcBef>
-                <a:spcPct val="20000"/>
-              </a:spcBef>
-              <a:buFont typeface="Arial"/>
-              <a:buChar char="•"/>
-              <a:defRPr sz="2000" kern="1200">
-                <a:solidFill>
-                  <a:schemeClr val="tx1"/>
-                </a:solidFill>
-                <a:latin typeface="+mn-lt"/>
-                <a:ea typeface="+mn-ea"/>
-                <a:cs typeface="+mn-cs"/>
-              </a:defRPr>
-            </a:lvl7pPr>
-            <a:lvl8pPr marL="3429000" indent="-228600" algn="l" defTabSz="457200" rtl="0" eaLnBrk="1" latinLnBrk="0" hangingPunct="1">
-              <a:spcBef>
-                <a:spcPct val="20000"/>
-              </a:spcBef>
-              <a:buFont typeface="Arial"/>
-              <a:buChar char="•"/>
-              <a:defRPr sz="2000" kern="1200">
-                <a:solidFill>
-                  <a:schemeClr val="tx1"/>
-                </a:solidFill>
-                <a:latin typeface="+mn-lt"/>
-                <a:ea typeface="+mn-ea"/>
-                <a:cs typeface="+mn-cs"/>
-              </a:defRPr>
-            </a:lvl8pPr>
-            <a:lvl9pPr marL="3886200" indent="-228600" algn="l" defTabSz="457200" rtl="0" eaLnBrk="1" latinLnBrk="0" hangingPunct="1">
-              <a:spcBef>
-                <a:spcPct val="20000"/>
-              </a:spcBef>
-              <a:buFont typeface="Arial"/>
-              <a:buChar char="•"/>
-              <a:defRPr sz="2000" kern="1200">
-                <a:solidFill>
-                  <a:schemeClr val="tx1"/>
-                </a:solidFill>
-                <a:latin typeface="+mn-lt"/>
-                <a:ea typeface="+mn-ea"/>
-                <a:cs typeface="+mn-cs"/>
-              </a:defRPr>
-            </a:lvl9pPr>
-          </a:lstStyle>
-          <a:p>
-            <a:pPr marL="342900" indent="-342900">
-              <a:buFont typeface="Arial" charset="0"/>
-              <a:buChar char="•"/>
+          <a:lstStyle/>
+          <a:p>
+            <a:pPr marL="457200" indent="-457200">
+              <a:buAutoNum type="arabicPeriod"/>
             </a:pPr>
             <a:r>
+              <a:rPr lang="en-US" dirty="0" err="1"/>
+              <a:t>npm</a:t>
+            </a:r>
+            <a:r>
               <a:rPr lang="en-US" dirty="0"/>
-              <a:t>Fill in the blanks to make the application work</a:t>
-            </a:r>
-          </a:p>
-          <a:p>
-            <a:pPr marL="569913" lvl="1" indent="-342900">
-              <a:buFont typeface="Arial" charset="0"/>
-              <a:buChar char="•"/>
-            </a:pPr>
-            <a:r>
-              <a:rPr lang="en-US" dirty="0" err="1"/>
-              <a:t>angular_workshop</a:t>
-            </a:r>
-            <a:endParaRPr lang="en-US" dirty="0"/>
-          </a:p>
-          <a:p>
-            <a:pPr marL="569913" lvl="1" indent="-342900">
-              <a:buFont typeface="Arial" charset="0"/>
-              <a:buChar char="•"/>
-            </a:pPr>
-            <a:r>
-              <a:rPr lang="en-US" dirty="0"/>
-              <a:t>Completed versions are in the angular folder</a:t>
-            </a:r>
-          </a:p>
-          <a:p>
-            <a:pPr marL="342900" indent="-342900">
-              <a:buFont typeface="Arial" charset="0"/>
-              <a:buChar char="•"/>
+              <a:t> install –g @angular/cli</a:t>
+            </a:r>
+          </a:p>
+          <a:p>
+            <a:pPr marL="457200" indent="-457200">
+              <a:buAutoNum type="arabicPeriod"/>
             </a:pPr>
             <a:endParaRPr lang="en-US" dirty="0"/>
           </a:p>
           <a:p>
-            <a:pPr marL="342900" indent="-342900">
-              <a:buFont typeface="Arial" charset="0"/>
-              <a:buChar char="•"/>
+            <a:pPr marL="457200" indent="-457200">
+              <a:buAutoNum type="arabicPeriod"/>
             </a:pPr>
             <a:r>
               <a:rPr lang="en-US" dirty="0"/>
-              <a:t>Checkout the code from </a:t>
+              <a:t>ng new &lt;</a:t>
             </a:r>
             <a:r>
               <a:rPr lang="en-US" dirty="0" err="1"/>
-              <a:t>Github</a:t>
-            </a:r>
-            <a:endParaRPr lang="en-US" dirty="0"/>
-          </a:p>
-          <a:p>
-            <a:pPr marL="569913" lvl="1" indent="-342900">
-              <a:buFont typeface="Arial" charset="0"/>
-              <a:buChar char="•"/>
-            </a:pPr>
-            <a:r>
-              <a:rPr lang="en-US" sz="1800" dirty="0">
-                <a:hlinkClick r:id="rId2"/>
-              </a:rPr>
-              <a:t>https://github.com/couchbaselabs/aspnet-nosql-workshop/tree/master/0</a:t>
-            </a:r>
-            <a:r>
-              <a:rPr lang="en-US" sz="1800" dirty="0"/>
-              <a:t>4</a:t>
-            </a:r>
-          </a:p>
-          <a:p>
-            <a:pPr marL="569913" lvl="1" indent="-342900">
-              <a:buFont typeface="Arial" charset="0"/>
-              <a:buChar char="•"/>
+              <a:t>yourprojectname</a:t>
+            </a:r>
+            <a:r>
+              <a:rPr lang="en-US" dirty="0"/>
+              <a:t>&gt;</a:t>
+            </a:r>
+          </a:p>
+          <a:p>
+            <a:pPr marL="457200" indent="-457200">
+              <a:buAutoNum type="arabicPeriod"/>
             </a:pPr>
             <a:endParaRPr lang="en-US" dirty="0"/>
           </a:p>
           <a:p>
-            <a:pPr marL="342900" indent="-342900">
-              <a:buFont typeface="Arial" charset="0"/>
-              <a:buChar char="•"/>
+            <a:pPr marL="457200" indent="-457200">
+              <a:buAutoNum type="arabicPeriod"/>
             </a:pPr>
             <a:r>
               <a:rPr lang="en-US" dirty="0"/>
-              <a:t>The source code is also available on USB sticks</a:t>
-            </a:r>
-          </a:p>
-          <a:p>
-            <a:pPr marL="342900" indent="-342900">
-              <a:buFont typeface="Arial" charset="0"/>
-              <a:buChar char="•"/>
+              <a:t>ng generate component &lt;</a:t>
+            </a:r>
+            <a:r>
+              <a:rPr lang="en-US" dirty="0" err="1"/>
+              <a:t>componentname</a:t>
+            </a:r>
+            <a:r>
+              <a:rPr lang="en-US" dirty="0"/>
+              <a:t>&gt;</a:t>
+            </a:r>
+          </a:p>
+          <a:p>
+            <a:pPr marL="457200" indent="-457200">
+              <a:buAutoNum type="arabicPeriod"/>
             </a:pPr>
-            <a:endParaRPr lang="en-US" b="1" dirty="0"/>
-          </a:p>
-          <a:p>
+            <a:endParaRPr lang="en-US" dirty="0"/>
+          </a:p>
+          <a:p>
+            <a:pPr marL="457200" indent="-457200">
+              <a:buAutoNum type="arabicPeriod"/>
+            </a:pPr>
+            <a:r>
+              <a:rPr lang="en-US" dirty="0"/>
+              <a:t>ng build</a:t>
+            </a:r>
+          </a:p>
+          <a:p>
+            <a:pPr marL="457200" indent="-457200">
+              <a:buAutoNum type="arabicPeriod"/>
+            </a:pPr>
+            <a:endParaRPr lang="en-US" dirty="0"/>
+          </a:p>
+          <a:p>
+            <a:pPr marL="457200" indent="-457200">
+              <a:buAutoNum type="arabicPeriod"/>
+            </a:pPr>
+            <a:r>
+              <a:rPr lang="en-US" dirty="0"/>
+              <a:t>ng serve</a:t>
+            </a:r>
+          </a:p>
+          <a:p>
+            <a:r>
+              <a:rPr lang="en-US" dirty="0"/>
+              <a:t>	</a:t>
+            </a:r>
+            <a:r>
+              <a:rPr lang="en-US" sz="1400" dirty="0"/>
+              <a:t>access via http://localhost:4200</a:t>
+            </a:r>
+            <a:endParaRPr lang="en-US" dirty="0"/>
+          </a:p>
+          <a:p>
+            <a:pPr marL="457200" indent="-457200">
+              <a:buAutoNum type="arabicPeriod"/>
+            </a:pPr>
             <a:endParaRPr lang="en-US" dirty="0"/>
           </a:p>
         </p:txBody>
@@ -12039,7 +10398,7 @@
     </p:spTree>
     <p:extLst>
       <p:ext uri="{BB962C8B-B14F-4D97-AF65-F5344CB8AC3E}">
-        <p14:creationId xmlns:p14="http://schemas.microsoft.com/office/powerpoint/2010/main" val="4131121896"/>
+        <p14:creationId xmlns:p14="http://schemas.microsoft.com/office/powerpoint/2010/main" val="2927193572"/>
       </p:ext>
     </p:extLst>
   </p:cSld>
@@ -12083,8 +10442,13 @@
           <a:p>
             <a:r>
               <a:rPr lang="en-US" dirty="0"/>
-              <a:t>Exercise: Getting Started</a:t>
-            </a:r>
+              <a:t>Angular / </a:t>
+            </a:r>
+            <a:r>
+              <a:rPr lang="en-US" dirty="0" err="1"/>
+              <a:t>TypeScript</a:t>
+            </a:r>
+            <a:endParaRPr lang="en-US" dirty="0"/>
           </a:p>
         </p:txBody>
       </p:sp>
@@ -12103,48 +10467,78 @@
           <a:bodyPr/>
           <a:lstStyle/>
           <a:p>
+            <a:pPr marL="342900" indent="-342900">
+              <a:buFont typeface="Arial" panose="020B0604020202020204" pitchFamily="34" charset="0"/>
+              <a:buChar char="•"/>
+            </a:pPr>
+            <a:r>
+              <a:rPr lang="en-US" dirty="0" err="1"/>
+              <a:t>TypeScript</a:t>
+            </a:r>
             <a:r>
               <a:rPr lang="en-US" dirty="0"/>
-              <a:t>We’re going to fill in one of the blanks together, one for each language/platform.</a:t>
-            </a:r>
-          </a:p>
-          <a:p>
+              <a:t> “compiles” to JavaScript</a:t>
+            </a:r>
+          </a:p>
+          <a:p>
+            <a:pPr marL="342900" indent="-342900">
+              <a:buFont typeface="Arial" panose="020B0604020202020204" pitchFamily="34" charset="0"/>
+              <a:buChar char="•"/>
+            </a:pPr>
             <a:endParaRPr lang="en-US" dirty="0"/>
           </a:p>
           <a:p>
+            <a:pPr marL="342900" indent="-342900">
+              <a:buFont typeface="Arial" panose="020B0604020202020204" pitchFamily="34" charset="0"/>
+              <a:buChar char="•"/>
+            </a:pPr>
+            <a:r>
+              <a:rPr lang="en-US" dirty="0" err="1"/>
+              <a:t>Polyfills</a:t>
+            </a:r>
             <a:r>
               <a:rPr lang="en-US" dirty="0"/>
-              <a:t>The rest of the them are up to you.</a:t>
-            </a:r>
-          </a:p>
-          <a:p>
+              <a:t> are included by default</a:t>
+            </a:r>
+          </a:p>
+          <a:p>
+            <a:pPr marL="342900" indent="-342900">
+              <a:buFont typeface="Arial" panose="020B0604020202020204" pitchFamily="34" charset="0"/>
+              <a:buChar char="•"/>
+            </a:pPr>
             <a:endParaRPr lang="en-US" dirty="0"/>
           </a:p>
           <a:p>
-            <a:r>
-              <a:rPr lang="en-US" b="1" dirty="0"/>
-              <a:t>At the end of the lab, your app should be able to </a:t>
-            </a:r>
-            <a:r>
-              <a:rPr lang="en-US" b="1" u="sng" dirty="0"/>
-              <a:t>list, add, edit, and delete.</a:t>
-            </a:r>
-          </a:p>
-          <a:p>
+            <a:pPr marL="342900" indent="-342900">
+              <a:buFont typeface="Arial" panose="020B0604020202020204" pitchFamily="34" charset="0"/>
+              <a:buChar char="•"/>
+            </a:pPr>
+            <a:r>
+              <a:rPr lang="en-US" dirty="0"/>
+              <a:t>Compiled into a ‘</a:t>
+            </a:r>
+            <a:r>
+              <a:rPr lang="en-US" dirty="0" err="1"/>
+              <a:t>dist</a:t>
+            </a:r>
+            <a:r>
+              <a:rPr lang="en-US" dirty="0"/>
+              <a:t>’ folder</a:t>
+            </a:r>
+          </a:p>
+          <a:p>
+            <a:pPr marL="342900" indent="-342900">
+              <a:buFont typeface="Arial" panose="020B0604020202020204" pitchFamily="34" charset="0"/>
+              <a:buChar char="•"/>
+            </a:pPr>
             <a:endParaRPr lang="en-US" dirty="0"/>
-          </a:p>
-          <a:p>
-            <a:r>
-              <a:rPr lang="en-US" dirty="0"/>
-              <a:t>If you have questions or are running into a problem, we’ll be walking around helping you individually.</a:t>
-            </a:r>
           </a:p>
         </p:txBody>
       </p:sp>
     </p:spTree>
     <p:extLst>
       <p:ext uri="{BB962C8B-B14F-4D97-AF65-F5344CB8AC3E}">
-        <p14:creationId xmlns:p14="http://schemas.microsoft.com/office/powerpoint/2010/main" val="3024447773"/>
+        <p14:creationId xmlns:p14="http://schemas.microsoft.com/office/powerpoint/2010/main" val="867967636"/>
       </p:ext>
     </p:extLst>
   </p:cSld>
@@ -12188,7 +10582,7 @@
           <a:p>
             <a:r>
               <a:rPr lang="en-US" dirty="0"/>
-              <a:t>Angular: Starting a new project</a:t>
+              <a:t>Dependencies</a:t>
             </a:r>
           </a:p>
         </p:txBody>
@@ -12208,117 +10602,62 @@
           <a:bodyPr/>
           <a:lstStyle/>
           <a:p>
-            <a:pPr marL="457200" indent="-457200">
-              <a:buAutoNum type="arabicPeriod"/>
+            <a:pPr marL="342900" indent="-342900">
+              <a:buFont typeface="Arial" panose="020B0604020202020204" pitchFamily="34" charset="0"/>
+              <a:buChar char="•"/>
             </a:pPr>
             <a:r>
               <a:rPr lang="en-US" dirty="0" err="1"/>
-              <a:t>npm</a:t>
-            </a:r>
+              <a:t>app.module.ts</a:t>
+            </a:r>
+            <a:endParaRPr lang="en-US" dirty="0"/>
+          </a:p>
+          <a:p>
+            <a:pPr marL="573088" lvl="1" indent="-342900">
+              <a:buFont typeface="Arial" panose="020B0604020202020204" pitchFamily="34" charset="0"/>
+              <a:buChar char="•"/>
+            </a:pPr>
             <a:r>
               <a:rPr lang="en-US" dirty="0"/>
-              <a:t> install –g @angular/cli</a:t>
-            </a:r>
-          </a:p>
-          <a:p>
-            <a:pPr marL="457200" indent="-457200">
-              <a:buAutoNum type="arabicPeriod"/>
+              <a:t>Declare the components</a:t>
+            </a:r>
+          </a:p>
+          <a:p>
+            <a:pPr marL="573088" lvl="1" indent="-342900">
+              <a:buFont typeface="Arial" panose="020B0604020202020204" pitchFamily="34" charset="0"/>
+              <a:buChar char="•"/>
             </a:pPr>
-            <a:endParaRPr lang="en-US" dirty="0"/>
-          </a:p>
-          <a:p>
-            <a:pPr marL="457200" indent="-457200">
-              <a:buAutoNum type="arabicPeriod"/>
+            <a:r>
+              <a:rPr lang="en-US" dirty="0"/>
+              <a:t>Setup the imports (dependencies)</a:t>
+            </a:r>
+          </a:p>
+          <a:p>
+            <a:pPr marL="573088" lvl="1" indent="-342900">
+              <a:buFont typeface="Arial" panose="020B0604020202020204" pitchFamily="34" charset="0"/>
+              <a:buChar char="•"/>
             </a:pPr>
             <a:r>
               <a:rPr lang="en-US" dirty="0"/>
-              <a:t>ng new &lt;</a:t>
-            </a:r>
-            <a:r>
-              <a:rPr lang="en-US" dirty="0" err="1"/>
-              <a:t>yourprojectname</a:t>
-            </a:r>
+              <a:t>Setup the providers</a:t>
+            </a:r>
+          </a:p>
+          <a:p>
+            <a:pPr marL="573088" lvl="1" indent="-342900">
+              <a:buFont typeface="Arial" panose="020B0604020202020204" pitchFamily="34" charset="0"/>
+              <a:buChar char="•"/>
+            </a:pPr>
             <a:r>
               <a:rPr lang="en-US" dirty="0"/>
-              <a:t>&gt;</a:t>
-            </a:r>
-          </a:p>
-          <a:p>
-            <a:pPr marL="457200" indent="-457200">
-              <a:buAutoNum type="arabicPeriod"/>
-            </a:pPr>
-            <a:endParaRPr lang="en-US" dirty="0"/>
-          </a:p>
-          <a:p>
-            <a:pPr marL="457200" indent="-457200">
-              <a:buAutoNum type="arabicPeriod"/>
-            </a:pPr>
-            <a:r>
-              <a:rPr lang="en-US" dirty="0"/>
-              <a:t>ng generate component &lt;</a:t>
-            </a:r>
-            <a:r>
-              <a:rPr lang="en-US" dirty="0" err="1"/>
-              <a:t>componentname</a:t>
-            </a:r>
-            <a:r>
-              <a:rPr lang="en-US" dirty="0"/>
-              <a:t>&gt;</a:t>
-            </a:r>
-          </a:p>
-          <a:p>
-            <a:pPr marL="457200" indent="-457200">
-              <a:buAutoNum type="arabicPeriod"/>
-            </a:pPr>
-            <a:endParaRPr lang="en-US" dirty="0"/>
-          </a:p>
-          <a:p>
-            <a:pPr marL="457200" indent="-457200">
-              <a:buAutoNum type="arabicPeriod"/>
-            </a:pPr>
-            <a:r>
-              <a:rPr lang="en-US" dirty="0"/>
-              <a:t>ng build</a:t>
-            </a:r>
-          </a:p>
-          <a:p>
-            <a:pPr marL="457200" indent="-457200">
-              <a:buAutoNum type="arabicPeriod"/>
-            </a:pPr>
-            <a:endParaRPr lang="en-US" dirty="0"/>
-          </a:p>
-          <a:p>
-            <a:pPr marL="457200" indent="-457200">
-              <a:buAutoNum type="arabicPeriod"/>
-            </a:pPr>
-            <a:r>
-              <a:rPr lang="en-US" dirty="0"/>
-              <a:t>ng serve</a:t>
-            </a:r>
-          </a:p>
-          <a:p>
-            <a:r>
-              <a:rPr lang="en-US" dirty="0"/>
-              <a:t>	</a:t>
-            </a:r>
-            <a:r>
-              <a:rPr lang="en-US" sz="1400" dirty="0"/>
-              <a:t>access via http://localhost:4200</a:t>
-            </a:r>
-            <a:endParaRPr lang="en-US" dirty="0"/>
-          </a:p>
-          <a:p>
-            <a:pPr marL="457200" indent="-457200">
-              <a:buAutoNum type="arabicPeriod"/>
-            </a:pPr>
-            <a:endParaRPr lang="en-US" dirty="0"/>
+              <a:t>Setup the bootstrap component</a:t>
+            </a:r>
           </a:p>
         </p:txBody>
       </p:sp>
     </p:spTree>
     <p:extLst>
       <p:ext uri="{BB962C8B-B14F-4D97-AF65-F5344CB8AC3E}">
-        <p14:creationId xmlns:p14="http://schemas.microsoft.com/office/powerpoint/2010/main" val="2927193572"/>
+        <p14:creationId xmlns:p14="http://schemas.microsoft.com/office/powerpoint/2010/main" val="2241331902"/>
       </p:ext>
     </p:extLst>
   </p:cSld>
@@ -12361,12 +10700,16 @@
           <a:lstStyle/>
           <a:p>
             <a:r>
+              <a:rPr lang="en-US" dirty="0" err="1"/>
+              <a:t>src</a:t>
+            </a:r>
+            <a:r>
               <a:rPr lang="en-US" dirty="0"/>
-              <a:t>Angular / </a:t>
+              <a:t>/app/</a:t>
             </a:r>
             <a:r>
               <a:rPr lang="en-US" dirty="0" err="1"/>
-              <a:t>TypeScript</a:t>
+              <a:t>app.module.ts</a:t>
             </a:r>
             <a:endParaRPr lang="en-US" dirty="0"/>
           </a:p>
@@ -12374,77 +10717,1118 @@
       </p:sp>
       <p:sp>
         <p:nvSpPr>
-          <p:cNvPr id="3" name="Content Placeholder 2"/>
-          <p:cNvSpPr>
-            <a:spLocks noGrp="1"/>
-          </p:cNvSpPr>
-          <p:nvPr>
-            <p:ph idx="1"/>
-          </p:nvPr>
+          <p:cNvPr id="7" name="Rectangle 6"/>
+          <p:cNvSpPr/>
+          <p:nvPr/>
         </p:nvSpPr>
-        <p:spPr/>
+        <p:spPr>
+          <a:xfrm>
+            <a:off x="2168190" y="588407"/>
+            <a:ext cx="7339263" cy="4555093"/>
+          </a:xfrm>
+          <a:prstGeom prst="rect">
+            <a:avLst/>
+          </a:prstGeom>
+        </p:spPr>
         <p:txBody>
-          <a:bodyPr/>
+          <a:bodyPr wrap="square">
+            <a:spAutoFit/>
+          </a:bodyPr>
           <a:lstStyle/>
           <a:p>
-            <a:pPr marL="342900" indent="-342900">
-              <a:buFont typeface="Arial" panose="020B0604020202020204" pitchFamily="34" charset="0"/>
-              <a:buChar char="•"/>
-            </a:pPr>
-            <a:r>
-              <a:rPr lang="en-US" dirty="0" err="1"/>
-              <a:t>TypeScript</a:t>
-            </a:r>
-            <a:r>
-              <a:rPr lang="en-US" dirty="0"/>
-              <a:t> “compiles” to JavaScript</a:t>
-            </a:r>
-          </a:p>
-          <a:p>
-            <a:pPr marL="342900" indent="-342900">
-              <a:buFont typeface="Arial" panose="020B0604020202020204" pitchFamily="34" charset="0"/>
-              <a:buChar char="•"/>
-            </a:pPr>
-            <a:r>
-              <a:rPr lang="en-US" dirty="0" err="1"/>
-              <a:t>Polyfills</a:t>
-            </a:r>
-            <a:r>
-              <a:rPr lang="en-US" dirty="0"/>
-              <a:t> are included by default</a:t>
-            </a:r>
-          </a:p>
-          <a:p>
-            <a:pPr marL="342900" indent="-342900">
-              <a:buFont typeface="Arial" panose="020B0604020202020204" pitchFamily="34" charset="0"/>
-              <a:buChar char="•"/>
-            </a:pPr>
-            <a:r>
-              <a:rPr lang="en-US" dirty="0"/>
-              <a:t>Compiled into a ‘</a:t>
-            </a:r>
-            <a:r>
-              <a:rPr lang="en-US" dirty="0" err="1"/>
-              <a:t>dist</a:t>
-            </a:r>
-            <a:r>
-              <a:rPr lang="en-US" dirty="0"/>
-              <a:t>’ folder</a:t>
-            </a:r>
-          </a:p>
-          <a:p>
-            <a:pPr marL="342900" indent="-342900">
-              <a:buFont typeface="Arial" panose="020B0604020202020204" pitchFamily="34" charset="0"/>
-              <a:buChar char="•"/>
-            </a:pPr>
-            <a:endParaRPr lang="en-US" dirty="0"/>
+            <a:r>
+              <a:rPr lang="en-US" sz="1000" dirty="0">
+                <a:solidFill>
+                  <a:srgbClr val="0000FF"/>
+                </a:solidFill>
+                <a:latin typeface="Consolas" panose="020B0609020204030204" pitchFamily="49" charset="0"/>
+              </a:rPr>
+              <a:t>import</a:t>
+            </a:r>
+            <a:r>
+              <a:rPr lang="en-US" sz="1000" dirty="0">
+                <a:solidFill>
+                  <a:srgbClr val="000000"/>
+                </a:solidFill>
+                <a:latin typeface="Consolas" panose="020B0609020204030204" pitchFamily="49" charset="0"/>
+              </a:rPr>
+              <a:t> { </a:t>
+            </a:r>
+            <a:r>
+              <a:rPr lang="en-US" sz="1000" dirty="0" err="1">
+                <a:solidFill>
+                  <a:srgbClr val="000000"/>
+                </a:solidFill>
+                <a:latin typeface="Consolas" panose="020B0609020204030204" pitchFamily="49" charset="0"/>
+              </a:rPr>
+              <a:t>BrowserModule</a:t>
+            </a:r>
+            <a:r>
+              <a:rPr lang="en-US" sz="1000" dirty="0">
+                <a:solidFill>
+                  <a:srgbClr val="000000"/>
+                </a:solidFill>
+                <a:latin typeface="Consolas" panose="020B0609020204030204" pitchFamily="49" charset="0"/>
+              </a:rPr>
+              <a:t> } </a:t>
+            </a:r>
+            <a:r>
+              <a:rPr lang="en-US" sz="1000" dirty="0">
+                <a:solidFill>
+                  <a:srgbClr val="0000FF"/>
+                </a:solidFill>
+                <a:latin typeface="Consolas" panose="020B0609020204030204" pitchFamily="49" charset="0"/>
+              </a:rPr>
+              <a:t>from</a:t>
+            </a:r>
+            <a:r>
+              <a:rPr lang="en-US" sz="1000" dirty="0">
+                <a:solidFill>
+                  <a:srgbClr val="000000"/>
+                </a:solidFill>
+                <a:latin typeface="Consolas" panose="020B0609020204030204" pitchFamily="49" charset="0"/>
+              </a:rPr>
+              <a:t> </a:t>
+            </a:r>
+            <a:r>
+              <a:rPr lang="en-US" sz="1000" dirty="0">
+                <a:solidFill>
+                  <a:srgbClr val="A31515"/>
+                </a:solidFill>
+                <a:latin typeface="Consolas" panose="020B0609020204030204" pitchFamily="49" charset="0"/>
+              </a:rPr>
+              <a:t>'@angular/platform-browser'</a:t>
+            </a:r>
+            <a:r>
+              <a:rPr lang="en-US" sz="1000" dirty="0">
+                <a:solidFill>
+                  <a:srgbClr val="000000"/>
+                </a:solidFill>
+                <a:latin typeface="Consolas" panose="020B0609020204030204" pitchFamily="49" charset="0"/>
+              </a:rPr>
+              <a:t>;</a:t>
+            </a:r>
+          </a:p>
+          <a:p>
+            <a:r>
+              <a:rPr lang="en-US" sz="1000" dirty="0">
+                <a:solidFill>
+                  <a:srgbClr val="0000FF"/>
+                </a:solidFill>
+                <a:latin typeface="Consolas" panose="020B0609020204030204" pitchFamily="49" charset="0"/>
+              </a:rPr>
+              <a:t>import</a:t>
+            </a:r>
+            <a:r>
+              <a:rPr lang="en-US" sz="1000" dirty="0">
+                <a:solidFill>
+                  <a:srgbClr val="000000"/>
+                </a:solidFill>
+                <a:latin typeface="Consolas" panose="020B0609020204030204" pitchFamily="49" charset="0"/>
+              </a:rPr>
+              <a:t> { </a:t>
+            </a:r>
+            <a:r>
+              <a:rPr lang="en-US" sz="1000" dirty="0" err="1">
+                <a:solidFill>
+                  <a:srgbClr val="000000"/>
+                </a:solidFill>
+                <a:latin typeface="Consolas" panose="020B0609020204030204" pitchFamily="49" charset="0"/>
+              </a:rPr>
+              <a:t>NgModule</a:t>
+            </a:r>
+            <a:r>
+              <a:rPr lang="en-US" sz="1000" dirty="0">
+                <a:solidFill>
+                  <a:srgbClr val="000000"/>
+                </a:solidFill>
+                <a:latin typeface="Consolas" panose="020B0609020204030204" pitchFamily="49" charset="0"/>
+              </a:rPr>
+              <a:t> } </a:t>
+            </a:r>
+            <a:r>
+              <a:rPr lang="en-US" sz="1000" dirty="0">
+                <a:solidFill>
+                  <a:srgbClr val="0000FF"/>
+                </a:solidFill>
+                <a:latin typeface="Consolas" panose="020B0609020204030204" pitchFamily="49" charset="0"/>
+              </a:rPr>
+              <a:t>from</a:t>
+            </a:r>
+            <a:r>
+              <a:rPr lang="en-US" sz="1000" dirty="0">
+                <a:solidFill>
+                  <a:srgbClr val="000000"/>
+                </a:solidFill>
+                <a:latin typeface="Consolas" panose="020B0609020204030204" pitchFamily="49" charset="0"/>
+              </a:rPr>
+              <a:t> </a:t>
+            </a:r>
+            <a:r>
+              <a:rPr lang="en-US" sz="1000" dirty="0">
+                <a:solidFill>
+                  <a:srgbClr val="A31515"/>
+                </a:solidFill>
+                <a:latin typeface="Consolas" panose="020B0609020204030204" pitchFamily="49" charset="0"/>
+              </a:rPr>
+              <a:t>'@angular/core'</a:t>
+            </a:r>
+            <a:r>
+              <a:rPr lang="en-US" sz="1000" dirty="0">
+                <a:solidFill>
+                  <a:srgbClr val="000000"/>
+                </a:solidFill>
+                <a:latin typeface="Consolas" panose="020B0609020204030204" pitchFamily="49" charset="0"/>
+              </a:rPr>
+              <a:t>;</a:t>
+            </a:r>
+          </a:p>
+          <a:p>
+            <a:r>
+              <a:rPr lang="en-US" sz="1000" dirty="0">
+                <a:solidFill>
+                  <a:srgbClr val="0000FF"/>
+                </a:solidFill>
+                <a:latin typeface="Consolas" panose="020B0609020204030204" pitchFamily="49" charset="0"/>
+              </a:rPr>
+              <a:t>import</a:t>
+            </a:r>
+            <a:r>
+              <a:rPr lang="en-US" sz="1000" dirty="0">
+                <a:solidFill>
+                  <a:srgbClr val="000000"/>
+                </a:solidFill>
+                <a:latin typeface="Consolas" panose="020B0609020204030204" pitchFamily="49" charset="0"/>
+              </a:rPr>
+              <a:t> { </a:t>
+            </a:r>
+            <a:r>
+              <a:rPr lang="en-US" sz="1000" dirty="0" err="1">
+                <a:solidFill>
+                  <a:srgbClr val="000000"/>
+                </a:solidFill>
+                <a:latin typeface="Consolas" panose="020B0609020204030204" pitchFamily="49" charset="0"/>
+              </a:rPr>
+              <a:t>FormsModule</a:t>
+            </a:r>
+            <a:r>
+              <a:rPr lang="en-US" sz="1000" dirty="0">
+                <a:solidFill>
+                  <a:srgbClr val="000000"/>
+                </a:solidFill>
+                <a:latin typeface="Consolas" panose="020B0609020204030204" pitchFamily="49" charset="0"/>
+              </a:rPr>
+              <a:t> } </a:t>
+            </a:r>
+            <a:r>
+              <a:rPr lang="en-US" sz="1000" dirty="0">
+                <a:solidFill>
+                  <a:srgbClr val="0000FF"/>
+                </a:solidFill>
+                <a:latin typeface="Consolas" panose="020B0609020204030204" pitchFamily="49" charset="0"/>
+              </a:rPr>
+              <a:t>from</a:t>
+            </a:r>
+            <a:r>
+              <a:rPr lang="en-US" sz="1000" dirty="0">
+                <a:solidFill>
+                  <a:srgbClr val="000000"/>
+                </a:solidFill>
+                <a:latin typeface="Consolas" panose="020B0609020204030204" pitchFamily="49" charset="0"/>
+              </a:rPr>
+              <a:t> </a:t>
+            </a:r>
+            <a:r>
+              <a:rPr lang="en-US" sz="1000" dirty="0">
+                <a:solidFill>
+                  <a:srgbClr val="A31515"/>
+                </a:solidFill>
+                <a:latin typeface="Consolas" panose="020B0609020204030204" pitchFamily="49" charset="0"/>
+              </a:rPr>
+              <a:t>'@angular/forms'</a:t>
+            </a:r>
+            <a:r>
+              <a:rPr lang="en-US" sz="1000" dirty="0">
+                <a:solidFill>
+                  <a:srgbClr val="000000"/>
+                </a:solidFill>
+                <a:latin typeface="Consolas" panose="020B0609020204030204" pitchFamily="49" charset="0"/>
+              </a:rPr>
+              <a:t>;</a:t>
+            </a:r>
+          </a:p>
+          <a:p>
+            <a:r>
+              <a:rPr lang="en-US" sz="1000" dirty="0">
+                <a:solidFill>
+                  <a:srgbClr val="0000FF"/>
+                </a:solidFill>
+                <a:latin typeface="Consolas" panose="020B0609020204030204" pitchFamily="49" charset="0"/>
+              </a:rPr>
+              <a:t>import</a:t>
+            </a:r>
+            <a:r>
+              <a:rPr lang="en-US" sz="1000" dirty="0">
+                <a:solidFill>
+                  <a:srgbClr val="000000"/>
+                </a:solidFill>
+                <a:latin typeface="Consolas" panose="020B0609020204030204" pitchFamily="49" charset="0"/>
+              </a:rPr>
+              <a:t> { </a:t>
+            </a:r>
+            <a:r>
+              <a:rPr lang="en-US" sz="1000" dirty="0" err="1">
+                <a:solidFill>
+                  <a:srgbClr val="000000"/>
+                </a:solidFill>
+                <a:latin typeface="Consolas" panose="020B0609020204030204" pitchFamily="49" charset="0"/>
+              </a:rPr>
+              <a:t>HttpModule</a:t>
+            </a:r>
+            <a:r>
+              <a:rPr lang="en-US" sz="1000" dirty="0">
+                <a:solidFill>
+                  <a:srgbClr val="000000"/>
+                </a:solidFill>
+                <a:latin typeface="Consolas" panose="020B0609020204030204" pitchFamily="49" charset="0"/>
+              </a:rPr>
+              <a:t> } </a:t>
+            </a:r>
+            <a:r>
+              <a:rPr lang="en-US" sz="1000" dirty="0">
+                <a:solidFill>
+                  <a:srgbClr val="0000FF"/>
+                </a:solidFill>
+                <a:latin typeface="Consolas" panose="020B0609020204030204" pitchFamily="49" charset="0"/>
+              </a:rPr>
+              <a:t>from</a:t>
+            </a:r>
+            <a:r>
+              <a:rPr lang="en-US" sz="1000" dirty="0">
+                <a:solidFill>
+                  <a:srgbClr val="000000"/>
+                </a:solidFill>
+                <a:latin typeface="Consolas" panose="020B0609020204030204" pitchFamily="49" charset="0"/>
+              </a:rPr>
+              <a:t> </a:t>
+            </a:r>
+            <a:r>
+              <a:rPr lang="en-US" sz="1000" dirty="0">
+                <a:solidFill>
+                  <a:srgbClr val="A31515"/>
+                </a:solidFill>
+                <a:latin typeface="Consolas" panose="020B0609020204030204" pitchFamily="49" charset="0"/>
+              </a:rPr>
+              <a:t>'@angular/http'</a:t>
+            </a:r>
+            <a:r>
+              <a:rPr lang="en-US" sz="1000" dirty="0">
+                <a:solidFill>
+                  <a:srgbClr val="000000"/>
+                </a:solidFill>
+                <a:latin typeface="Consolas" panose="020B0609020204030204" pitchFamily="49" charset="0"/>
+              </a:rPr>
+              <a:t>;</a:t>
+            </a:r>
+          </a:p>
+          <a:p>
+            <a:r>
+              <a:rPr lang="en-US" sz="1000" dirty="0">
+                <a:solidFill>
+                  <a:srgbClr val="0000FF"/>
+                </a:solidFill>
+                <a:latin typeface="Consolas" panose="020B0609020204030204" pitchFamily="49" charset="0"/>
+              </a:rPr>
+              <a:t>import</a:t>
+            </a:r>
+            <a:r>
+              <a:rPr lang="en-US" sz="1000" dirty="0">
+                <a:solidFill>
+                  <a:srgbClr val="000000"/>
+                </a:solidFill>
+                <a:latin typeface="Consolas" panose="020B0609020204030204" pitchFamily="49" charset="0"/>
+              </a:rPr>
+              <a:t> { </a:t>
+            </a:r>
+            <a:r>
+              <a:rPr lang="en-US" sz="1000" dirty="0" err="1">
+                <a:solidFill>
+                  <a:srgbClr val="000000"/>
+                </a:solidFill>
+                <a:latin typeface="Consolas" panose="020B0609020204030204" pitchFamily="49" charset="0"/>
+              </a:rPr>
+              <a:t>RouterModule</a:t>
+            </a:r>
+            <a:r>
+              <a:rPr lang="en-US" sz="1000" dirty="0">
+                <a:solidFill>
+                  <a:srgbClr val="000000"/>
+                </a:solidFill>
+                <a:latin typeface="Consolas" panose="020B0609020204030204" pitchFamily="49" charset="0"/>
+              </a:rPr>
+              <a:t> } </a:t>
+            </a:r>
+            <a:r>
+              <a:rPr lang="en-US" sz="1000" dirty="0">
+                <a:solidFill>
+                  <a:srgbClr val="0000FF"/>
+                </a:solidFill>
+                <a:latin typeface="Consolas" panose="020B0609020204030204" pitchFamily="49" charset="0"/>
+              </a:rPr>
+              <a:t>from</a:t>
+            </a:r>
+            <a:r>
+              <a:rPr lang="en-US" sz="1000" dirty="0">
+                <a:solidFill>
+                  <a:srgbClr val="000000"/>
+                </a:solidFill>
+                <a:latin typeface="Consolas" panose="020B0609020204030204" pitchFamily="49" charset="0"/>
+              </a:rPr>
+              <a:t> </a:t>
+            </a:r>
+            <a:r>
+              <a:rPr lang="en-US" sz="1000" dirty="0">
+                <a:solidFill>
+                  <a:srgbClr val="A31515"/>
+                </a:solidFill>
+                <a:latin typeface="Consolas" panose="020B0609020204030204" pitchFamily="49" charset="0"/>
+              </a:rPr>
+              <a:t>'@angular/router'</a:t>
+            </a:r>
+            <a:r>
+              <a:rPr lang="en-US" sz="1000" dirty="0">
+                <a:solidFill>
+                  <a:srgbClr val="000000"/>
+                </a:solidFill>
+                <a:latin typeface="Consolas" panose="020B0609020204030204" pitchFamily="49" charset="0"/>
+              </a:rPr>
+              <a:t>;</a:t>
+            </a:r>
+          </a:p>
+          <a:p>
+            <a:r>
+              <a:rPr lang="en-US" sz="1000" dirty="0">
+                <a:solidFill>
+                  <a:srgbClr val="0000FF"/>
+                </a:solidFill>
+                <a:latin typeface="Consolas" panose="020B0609020204030204" pitchFamily="49" charset="0"/>
+              </a:rPr>
+              <a:t>import</a:t>
+            </a:r>
+            <a:r>
+              <a:rPr lang="en-US" sz="1000" dirty="0">
+                <a:solidFill>
+                  <a:srgbClr val="000000"/>
+                </a:solidFill>
+                <a:latin typeface="Consolas" panose="020B0609020204030204" pitchFamily="49" charset="0"/>
+              </a:rPr>
+              <a:t> { Utility } </a:t>
+            </a:r>
+            <a:r>
+              <a:rPr lang="en-US" sz="1000" dirty="0">
+                <a:solidFill>
+                  <a:srgbClr val="0000FF"/>
+                </a:solidFill>
+                <a:latin typeface="Consolas" panose="020B0609020204030204" pitchFamily="49" charset="0"/>
+              </a:rPr>
+              <a:t>from</a:t>
+            </a:r>
+            <a:r>
+              <a:rPr lang="en-US" sz="1000" dirty="0">
+                <a:solidFill>
+                  <a:srgbClr val="000000"/>
+                </a:solidFill>
+                <a:latin typeface="Consolas" panose="020B0609020204030204" pitchFamily="49" charset="0"/>
+              </a:rPr>
+              <a:t> </a:t>
+            </a:r>
+            <a:r>
+              <a:rPr lang="en-US" sz="1000" dirty="0">
+                <a:solidFill>
+                  <a:srgbClr val="A31515"/>
+                </a:solidFill>
+                <a:latin typeface="Consolas" panose="020B0609020204030204" pitchFamily="49" charset="0"/>
+              </a:rPr>
+              <a:t>'./utility'</a:t>
+            </a:r>
+            <a:r>
+              <a:rPr lang="en-US" sz="1000" dirty="0">
+                <a:solidFill>
+                  <a:srgbClr val="000000"/>
+                </a:solidFill>
+                <a:latin typeface="Consolas" panose="020B0609020204030204" pitchFamily="49" charset="0"/>
+              </a:rPr>
+              <a:t>;</a:t>
+            </a:r>
+          </a:p>
+          <a:p>
+            <a:br>
+              <a:rPr lang="en-US" sz="1000" dirty="0">
+                <a:solidFill>
+                  <a:srgbClr val="000000"/>
+                </a:solidFill>
+                <a:latin typeface="Consolas" panose="020B0609020204030204" pitchFamily="49" charset="0"/>
+              </a:rPr>
+            </a:br>
+            <a:r>
+              <a:rPr lang="en-US" sz="1000" dirty="0">
+                <a:solidFill>
+                  <a:srgbClr val="0000FF"/>
+                </a:solidFill>
+                <a:latin typeface="Consolas" panose="020B0609020204030204" pitchFamily="49" charset="0"/>
+              </a:rPr>
+              <a:t>import</a:t>
+            </a:r>
+            <a:r>
+              <a:rPr lang="en-US" sz="1000" dirty="0">
+                <a:solidFill>
+                  <a:srgbClr val="000000"/>
+                </a:solidFill>
+                <a:latin typeface="Consolas" panose="020B0609020204030204" pitchFamily="49" charset="0"/>
+              </a:rPr>
+              <a:t> { </a:t>
+            </a:r>
+            <a:r>
+              <a:rPr lang="en-US" sz="1000" dirty="0" err="1">
+                <a:solidFill>
+                  <a:srgbClr val="000000"/>
+                </a:solidFill>
+                <a:latin typeface="Consolas" panose="020B0609020204030204" pitchFamily="49" charset="0"/>
+              </a:rPr>
+              <a:t>AppComponent</a:t>
+            </a:r>
+            <a:r>
+              <a:rPr lang="en-US" sz="1000" dirty="0">
+                <a:solidFill>
+                  <a:srgbClr val="000000"/>
+                </a:solidFill>
+                <a:latin typeface="Consolas" panose="020B0609020204030204" pitchFamily="49" charset="0"/>
+              </a:rPr>
+              <a:t> } </a:t>
+            </a:r>
+            <a:r>
+              <a:rPr lang="en-US" sz="1000" dirty="0">
+                <a:solidFill>
+                  <a:srgbClr val="0000FF"/>
+                </a:solidFill>
+                <a:latin typeface="Consolas" panose="020B0609020204030204" pitchFamily="49" charset="0"/>
+              </a:rPr>
+              <a:t>from</a:t>
+            </a:r>
+            <a:r>
+              <a:rPr lang="en-US" sz="1000" dirty="0">
+                <a:solidFill>
+                  <a:srgbClr val="000000"/>
+                </a:solidFill>
+                <a:latin typeface="Consolas" panose="020B0609020204030204" pitchFamily="49" charset="0"/>
+              </a:rPr>
+              <a:t> </a:t>
+            </a:r>
+            <a:r>
+              <a:rPr lang="en-US" sz="1000" dirty="0">
+                <a:solidFill>
+                  <a:srgbClr val="A31515"/>
+                </a:solidFill>
+                <a:latin typeface="Consolas" panose="020B0609020204030204" pitchFamily="49" charset="0"/>
+              </a:rPr>
+              <a:t>'./</a:t>
+            </a:r>
+            <a:r>
+              <a:rPr lang="en-US" sz="1000" dirty="0" err="1">
+                <a:solidFill>
+                  <a:srgbClr val="A31515"/>
+                </a:solidFill>
+                <a:latin typeface="Consolas" panose="020B0609020204030204" pitchFamily="49" charset="0"/>
+              </a:rPr>
+              <a:t>app.component</a:t>
+            </a:r>
+            <a:r>
+              <a:rPr lang="en-US" sz="1000" dirty="0">
+                <a:solidFill>
+                  <a:srgbClr val="A31515"/>
+                </a:solidFill>
+                <a:latin typeface="Consolas" panose="020B0609020204030204" pitchFamily="49" charset="0"/>
+              </a:rPr>
+              <a:t>'</a:t>
+            </a:r>
+            <a:r>
+              <a:rPr lang="en-US" sz="1000" dirty="0">
+                <a:solidFill>
+                  <a:srgbClr val="000000"/>
+                </a:solidFill>
+                <a:latin typeface="Consolas" panose="020B0609020204030204" pitchFamily="49" charset="0"/>
+              </a:rPr>
+              <a:t>;</a:t>
+            </a:r>
+          </a:p>
+          <a:p>
+            <a:r>
+              <a:rPr lang="en-US" sz="1000" dirty="0">
+                <a:solidFill>
+                  <a:srgbClr val="0000FF"/>
+                </a:solidFill>
+                <a:latin typeface="Consolas" panose="020B0609020204030204" pitchFamily="49" charset="0"/>
+              </a:rPr>
+              <a:t>import</a:t>
+            </a:r>
+            <a:r>
+              <a:rPr lang="en-US" sz="1000" dirty="0">
+                <a:solidFill>
+                  <a:srgbClr val="000000"/>
+                </a:solidFill>
+                <a:latin typeface="Consolas" panose="020B0609020204030204" pitchFamily="49" charset="0"/>
+              </a:rPr>
+              <a:t> { </a:t>
+            </a:r>
+            <a:r>
+              <a:rPr lang="en-US" sz="1000" dirty="0" err="1">
+                <a:solidFill>
+                  <a:srgbClr val="000000"/>
+                </a:solidFill>
+                <a:latin typeface="Consolas" panose="020B0609020204030204" pitchFamily="49" charset="0"/>
+              </a:rPr>
+              <a:t>MyComponent</a:t>
+            </a:r>
+            <a:r>
+              <a:rPr lang="en-US" sz="1000" dirty="0">
+                <a:solidFill>
+                  <a:srgbClr val="000000"/>
+                </a:solidFill>
+                <a:latin typeface="Consolas" panose="020B0609020204030204" pitchFamily="49" charset="0"/>
+              </a:rPr>
+              <a:t> } </a:t>
+            </a:r>
+            <a:r>
+              <a:rPr lang="en-US" sz="1000" dirty="0">
+                <a:solidFill>
+                  <a:srgbClr val="0000FF"/>
+                </a:solidFill>
+                <a:latin typeface="Consolas" panose="020B0609020204030204" pitchFamily="49" charset="0"/>
+              </a:rPr>
+              <a:t>from</a:t>
+            </a:r>
+            <a:r>
+              <a:rPr lang="en-US" sz="1000" dirty="0">
+                <a:solidFill>
+                  <a:srgbClr val="000000"/>
+                </a:solidFill>
+                <a:latin typeface="Consolas" panose="020B0609020204030204" pitchFamily="49" charset="0"/>
+              </a:rPr>
+              <a:t> </a:t>
+            </a:r>
+            <a:r>
+              <a:rPr lang="en-US" sz="1000" dirty="0">
+                <a:solidFill>
+                  <a:srgbClr val="A31515"/>
+                </a:solidFill>
+                <a:latin typeface="Consolas" panose="020B0609020204030204" pitchFamily="49" charset="0"/>
+              </a:rPr>
+              <a:t>'./</a:t>
+            </a:r>
+            <a:r>
+              <a:rPr lang="en-US" sz="1000" dirty="0" err="1">
+                <a:solidFill>
+                  <a:srgbClr val="A31515"/>
+                </a:solidFill>
+                <a:latin typeface="Consolas" panose="020B0609020204030204" pitchFamily="49" charset="0"/>
+              </a:rPr>
+              <a:t>pathto</a:t>
+            </a:r>
+            <a:r>
+              <a:rPr lang="en-US" sz="1000" dirty="0">
+                <a:solidFill>
+                  <a:srgbClr val="A31515"/>
+                </a:solidFill>
+                <a:latin typeface="Consolas" panose="020B0609020204030204" pitchFamily="49" charset="0"/>
+              </a:rPr>
+              <a:t>/</a:t>
+            </a:r>
+            <a:r>
+              <a:rPr lang="en-US" sz="1000" dirty="0" err="1">
+                <a:solidFill>
+                  <a:srgbClr val="A31515"/>
+                </a:solidFill>
+                <a:latin typeface="Consolas" panose="020B0609020204030204" pitchFamily="49" charset="0"/>
+              </a:rPr>
+              <a:t>my.component</a:t>
+            </a:r>
+            <a:r>
+              <a:rPr lang="en-US" sz="1000" dirty="0">
+                <a:solidFill>
+                  <a:srgbClr val="A31515"/>
+                </a:solidFill>
+                <a:latin typeface="Consolas" panose="020B0609020204030204" pitchFamily="49" charset="0"/>
+              </a:rPr>
+              <a:t>'</a:t>
+            </a:r>
+            <a:r>
+              <a:rPr lang="en-US" sz="1000" dirty="0">
+                <a:solidFill>
+                  <a:srgbClr val="000000"/>
+                </a:solidFill>
+                <a:latin typeface="Consolas" panose="020B0609020204030204" pitchFamily="49" charset="0"/>
+              </a:rPr>
+              <a:t>;</a:t>
+            </a:r>
+          </a:p>
+          <a:p>
+            <a:br>
+              <a:rPr lang="en-US" sz="1000" dirty="0">
+                <a:solidFill>
+                  <a:srgbClr val="000000"/>
+                </a:solidFill>
+                <a:latin typeface="Consolas" panose="020B0609020204030204" pitchFamily="49" charset="0"/>
+              </a:rPr>
+            </a:br>
+            <a:r>
+              <a:rPr lang="en-US" sz="1000" dirty="0">
+                <a:solidFill>
+                  <a:srgbClr val="000000"/>
+                </a:solidFill>
+                <a:latin typeface="Consolas" panose="020B0609020204030204" pitchFamily="49" charset="0"/>
+              </a:rPr>
+              <a:t>@</a:t>
+            </a:r>
+            <a:r>
+              <a:rPr lang="en-US" sz="1000" dirty="0" err="1">
+                <a:solidFill>
+                  <a:srgbClr val="000000"/>
+                </a:solidFill>
+                <a:latin typeface="Consolas" panose="020B0609020204030204" pitchFamily="49" charset="0"/>
+              </a:rPr>
+              <a:t>NgModule</a:t>
+            </a:r>
+            <a:r>
+              <a:rPr lang="en-US" sz="1000" dirty="0">
+                <a:solidFill>
+                  <a:srgbClr val="000000"/>
+                </a:solidFill>
+                <a:latin typeface="Consolas" panose="020B0609020204030204" pitchFamily="49" charset="0"/>
+              </a:rPr>
+              <a:t>({</a:t>
+            </a:r>
+          </a:p>
+          <a:p>
+            <a:r>
+              <a:rPr lang="en-US" sz="1000" dirty="0">
+                <a:solidFill>
+                  <a:srgbClr val="000000"/>
+                </a:solidFill>
+                <a:latin typeface="Consolas" panose="020B0609020204030204" pitchFamily="49" charset="0"/>
+              </a:rPr>
+              <a:t>  declarations: [</a:t>
+            </a:r>
+          </a:p>
+          <a:p>
+            <a:r>
+              <a:rPr lang="en-US" sz="1000" dirty="0">
+                <a:solidFill>
+                  <a:srgbClr val="000000"/>
+                </a:solidFill>
+                <a:latin typeface="Consolas" panose="020B0609020204030204" pitchFamily="49" charset="0"/>
+              </a:rPr>
+              <a:t>    </a:t>
+            </a:r>
+            <a:r>
+              <a:rPr lang="en-US" sz="1000" dirty="0" err="1">
+                <a:solidFill>
+                  <a:srgbClr val="000000"/>
+                </a:solidFill>
+                <a:latin typeface="Consolas" panose="020B0609020204030204" pitchFamily="49" charset="0"/>
+              </a:rPr>
+              <a:t>AppComponent</a:t>
+            </a:r>
+            <a:r>
+              <a:rPr lang="en-US" sz="1000" dirty="0">
+                <a:solidFill>
+                  <a:srgbClr val="000000"/>
+                </a:solidFill>
+                <a:latin typeface="Consolas" panose="020B0609020204030204" pitchFamily="49" charset="0"/>
+              </a:rPr>
+              <a:t>,</a:t>
+            </a:r>
+          </a:p>
+          <a:p>
+            <a:r>
+              <a:rPr lang="en-US" sz="1000" dirty="0">
+                <a:solidFill>
+                  <a:srgbClr val="000000"/>
+                </a:solidFill>
+                <a:latin typeface="Consolas" panose="020B0609020204030204" pitchFamily="49" charset="0"/>
+              </a:rPr>
+              <a:t>    </a:t>
+            </a:r>
+            <a:r>
+              <a:rPr lang="en-US" sz="1000" dirty="0" err="1">
+                <a:solidFill>
+                  <a:srgbClr val="000000"/>
+                </a:solidFill>
+                <a:latin typeface="Consolas" panose="020B0609020204030204" pitchFamily="49" charset="0"/>
+              </a:rPr>
+              <a:t>MyComponent</a:t>
+            </a:r>
+            <a:endParaRPr lang="en-US" sz="1000" dirty="0">
+              <a:solidFill>
+                <a:srgbClr val="000000"/>
+              </a:solidFill>
+              <a:latin typeface="Consolas" panose="020B0609020204030204" pitchFamily="49" charset="0"/>
+            </a:endParaRPr>
+          </a:p>
+          <a:p>
+            <a:r>
+              <a:rPr lang="en-US" sz="1000" dirty="0">
+                <a:solidFill>
+                  <a:srgbClr val="000000"/>
+                </a:solidFill>
+                <a:latin typeface="Consolas" panose="020B0609020204030204" pitchFamily="49" charset="0"/>
+              </a:rPr>
+              <a:t>  ],</a:t>
+            </a:r>
+          </a:p>
+          <a:p>
+            <a:r>
+              <a:rPr lang="en-US" sz="1000" dirty="0">
+                <a:solidFill>
+                  <a:srgbClr val="000000"/>
+                </a:solidFill>
+                <a:latin typeface="Consolas" panose="020B0609020204030204" pitchFamily="49" charset="0"/>
+              </a:rPr>
+              <a:t>  imports: [</a:t>
+            </a:r>
+          </a:p>
+          <a:p>
+            <a:r>
+              <a:rPr lang="en-US" sz="1000" dirty="0">
+                <a:solidFill>
+                  <a:srgbClr val="000000"/>
+                </a:solidFill>
+                <a:latin typeface="Consolas" panose="020B0609020204030204" pitchFamily="49" charset="0"/>
+              </a:rPr>
+              <a:t>    </a:t>
+            </a:r>
+            <a:r>
+              <a:rPr lang="en-US" sz="1000" dirty="0" err="1">
+                <a:solidFill>
+                  <a:srgbClr val="000000"/>
+                </a:solidFill>
+                <a:latin typeface="Consolas" panose="020B0609020204030204" pitchFamily="49" charset="0"/>
+              </a:rPr>
+              <a:t>BrowserModule</a:t>
+            </a:r>
+            <a:r>
+              <a:rPr lang="en-US" sz="1000" dirty="0">
+                <a:solidFill>
+                  <a:srgbClr val="000000"/>
+                </a:solidFill>
+                <a:latin typeface="Consolas" panose="020B0609020204030204" pitchFamily="49" charset="0"/>
+              </a:rPr>
+              <a:t>,</a:t>
+            </a:r>
+          </a:p>
+          <a:p>
+            <a:r>
+              <a:rPr lang="en-US" sz="1000" dirty="0">
+                <a:solidFill>
+                  <a:srgbClr val="000000"/>
+                </a:solidFill>
+                <a:latin typeface="Consolas" panose="020B0609020204030204" pitchFamily="49" charset="0"/>
+              </a:rPr>
+              <a:t>    </a:t>
+            </a:r>
+            <a:r>
+              <a:rPr lang="en-US" sz="1000" dirty="0" err="1">
+                <a:solidFill>
+                  <a:srgbClr val="000000"/>
+                </a:solidFill>
+                <a:latin typeface="Consolas" panose="020B0609020204030204" pitchFamily="49" charset="0"/>
+              </a:rPr>
+              <a:t>FormsModule</a:t>
+            </a:r>
+            <a:r>
+              <a:rPr lang="en-US" sz="1000" dirty="0">
+                <a:solidFill>
+                  <a:srgbClr val="000000"/>
+                </a:solidFill>
+                <a:latin typeface="Consolas" panose="020B0609020204030204" pitchFamily="49" charset="0"/>
+              </a:rPr>
+              <a:t>,</a:t>
+            </a:r>
+          </a:p>
+          <a:p>
+            <a:r>
+              <a:rPr lang="en-US" sz="1000" dirty="0">
+                <a:solidFill>
+                  <a:srgbClr val="000000"/>
+                </a:solidFill>
+                <a:latin typeface="Consolas" panose="020B0609020204030204" pitchFamily="49" charset="0"/>
+              </a:rPr>
+              <a:t>    </a:t>
+            </a:r>
+            <a:r>
+              <a:rPr lang="en-US" sz="1000" dirty="0" err="1">
+                <a:solidFill>
+                  <a:srgbClr val="000000"/>
+                </a:solidFill>
+                <a:latin typeface="Consolas" panose="020B0609020204030204" pitchFamily="49" charset="0"/>
+              </a:rPr>
+              <a:t>HttpModule</a:t>
+            </a:r>
+            <a:r>
+              <a:rPr lang="en-US" sz="1000" dirty="0">
+                <a:solidFill>
+                  <a:srgbClr val="000000"/>
+                </a:solidFill>
+                <a:latin typeface="Consolas" panose="020B0609020204030204" pitchFamily="49" charset="0"/>
+              </a:rPr>
+              <a:t>,</a:t>
+            </a:r>
+          </a:p>
+          <a:p>
+            <a:r>
+              <a:rPr lang="en-US" sz="1000" dirty="0">
+                <a:solidFill>
+                  <a:srgbClr val="000000"/>
+                </a:solidFill>
+                <a:latin typeface="Consolas" panose="020B0609020204030204" pitchFamily="49" charset="0"/>
+              </a:rPr>
+              <a:t>    </a:t>
+            </a:r>
+            <a:r>
+              <a:rPr lang="en-US" sz="1000" dirty="0" err="1">
+                <a:solidFill>
+                  <a:srgbClr val="000000"/>
+                </a:solidFill>
+                <a:latin typeface="Consolas" panose="020B0609020204030204" pitchFamily="49" charset="0"/>
+              </a:rPr>
+              <a:t>RouterModule.forRoot</a:t>
+            </a:r>
+            <a:r>
+              <a:rPr lang="en-US" sz="1000" dirty="0">
+                <a:solidFill>
+                  <a:srgbClr val="000000"/>
+                </a:solidFill>
+                <a:latin typeface="Consolas" panose="020B0609020204030204" pitchFamily="49" charset="0"/>
+              </a:rPr>
+              <a:t>([</a:t>
+            </a:r>
+          </a:p>
+          <a:p>
+            <a:r>
+              <a:rPr lang="en-US" sz="1000" dirty="0">
+                <a:solidFill>
+                  <a:srgbClr val="000000"/>
+                </a:solidFill>
+                <a:latin typeface="Consolas" panose="020B0609020204030204" pitchFamily="49" charset="0"/>
+              </a:rPr>
+              <a:t>      { path: </a:t>
+            </a:r>
+            <a:r>
+              <a:rPr lang="en-US" sz="1000" dirty="0">
+                <a:solidFill>
+                  <a:srgbClr val="A31515"/>
+                </a:solidFill>
+                <a:latin typeface="Consolas" panose="020B0609020204030204" pitchFamily="49" charset="0"/>
+              </a:rPr>
+              <a:t>"foo/bar/:</a:t>
+            </a:r>
+            <a:r>
+              <a:rPr lang="en-US" sz="1000" dirty="0" err="1">
+                <a:solidFill>
+                  <a:srgbClr val="A31515"/>
+                </a:solidFill>
+                <a:latin typeface="Consolas" panose="020B0609020204030204" pitchFamily="49" charset="0"/>
+              </a:rPr>
+              <a:t>someId</a:t>
+            </a:r>
+            <a:r>
+              <a:rPr lang="en-US" sz="1000" dirty="0">
+                <a:solidFill>
+                  <a:srgbClr val="A31515"/>
+                </a:solidFill>
+                <a:latin typeface="Consolas" panose="020B0609020204030204" pitchFamily="49" charset="0"/>
+              </a:rPr>
+              <a:t>"</a:t>
+            </a:r>
+            <a:r>
+              <a:rPr lang="en-US" sz="1000" dirty="0">
+                <a:solidFill>
+                  <a:srgbClr val="000000"/>
+                </a:solidFill>
+                <a:latin typeface="Consolas" panose="020B0609020204030204" pitchFamily="49" charset="0"/>
+              </a:rPr>
+              <a:t>, component: </a:t>
+            </a:r>
+            <a:r>
+              <a:rPr lang="en-US" sz="1000" dirty="0" err="1">
+                <a:solidFill>
+                  <a:srgbClr val="000000"/>
+                </a:solidFill>
+                <a:latin typeface="Consolas" panose="020B0609020204030204" pitchFamily="49" charset="0"/>
+              </a:rPr>
+              <a:t>MyComponent</a:t>
+            </a:r>
+            <a:r>
+              <a:rPr lang="en-US" sz="1000" dirty="0">
+                <a:solidFill>
+                  <a:srgbClr val="000000"/>
+                </a:solidFill>
+                <a:latin typeface="Consolas" panose="020B0609020204030204" pitchFamily="49" charset="0"/>
+              </a:rPr>
+              <a:t> }</a:t>
+            </a:r>
+          </a:p>
+          <a:p>
+            <a:r>
+              <a:rPr lang="en-US" sz="1000" dirty="0">
+                <a:solidFill>
+                  <a:srgbClr val="000000"/>
+                </a:solidFill>
+                <a:latin typeface="Consolas" panose="020B0609020204030204" pitchFamily="49" charset="0"/>
+              </a:rPr>
+              <a:t>    ])</a:t>
+            </a:r>
+          </a:p>
+          <a:p>
+            <a:r>
+              <a:rPr lang="en-US" sz="1000" dirty="0">
+                <a:solidFill>
+                  <a:srgbClr val="000000"/>
+                </a:solidFill>
+                <a:latin typeface="Consolas" panose="020B0609020204030204" pitchFamily="49" charset="0"/>
+              </a:rPr>
+              <a:t>  ],</a:t>
+            </a:r>
+          </a:p>
+          <a:p>
+            <a:r>
+              <a:rPr lang="en-US" sz="1000" dirty="0">
+                <a:solidFill>
+                  <a:srgbClr val="000000"/>
+                </a:solidFill>
+                <a:latin typeface="Consolas" panose="020B0609020204030204" pitchFamily="49" charset="0"/>
+              </a:rPr>
+              <a:t>  providers: [Utility],</a:t>
+            </a:r>
+          </a:p>
+          <a:p>
+            <a:r>
+              <a:rPr lang="en-US" sz="1000" dirty="0">
+                <a:solidFill>
+                  <a:srgbClr val="000000"/>
+                </a:solidFill>
+                <a:latin typeface="Consolas" panose="020B0609020204030204" pitchFamily="49" charset="0"/>
+              </a:rPr>
+              <a:t>  bootstrap: [</a:t>
+            </a:r>
+            <a:r>
+              <a:rPr lang="en-US" sz="1000" dirty="0" err="1">
+                <a:solidFill>
+                  <a:srgbClr val="000000"/>
+                </a:solidFill>
+                <a:latin typeface="Consolas" panose="020B0609020204030204" pitchFamily="49" charset="0"/>
+              </a:rPr>
+              <a:t>AppComponent</a:t>
+            </a:r>
+            <a:r>
+              <a:rPr lang="en-US" sz="1000" dirty="0">
+                <a:solidFill>
+                  <a:srgbClr val="000000"/>
+                </a:solidFill>
+                <a:latin typeface="Consolas" panose="020B0609020204030204" pitchFamily="49" charset="0"/>
+              </a:rPr>
+              <a:t>]</a:t>
+            </a:r>
+          </a:p>
+          <a:p>
+            <a:r>
+              <a:rPr lang="en-US" sz="1000" dirty="0">
+                <a:solidFill>
+                  <a:srgbClr val="000000"/>
+                </a:solidFill>
+                <a:latin typeface="Consolas" panose="020B0609020204030204" pitchFamily="49" charset="0"/>
+              </a:rPr>
+              <a:t>})</a:t>
+            </a:r>
+          </a:p>
+          <a:p>
+            <a:r>
+              <a:rPr lang="en-US" sz="1000" dirty="0">
+                <a:solidFill>
+                  <a:srgbClr val="0000FF"/>
+                </a:solidFill>
+                <a:latin typeface="Consolas" panose="020B0609020204030204" pitchFamily="49" charset="0"/>
+              </a:rPr>
+              <a:t>export</a:t>
+            </a:r>
+            <a:r>
+              <a:rPr lang="en-US" sz="1000" dirty="0">
+                <a:solidFill>
+                  <a:srgbClr val="000000"/>
+                </a:solidFill>
+                <a:latin typeface="Consolas" panose="020B0609020204030204" pitchFamily="49" charset="0"/>
+              </a:rPr>
+              <a:t> </a:t>
+            </a:r>
+            <a:r>
+              <a:rPr lang="en-US" sz="1000" dirty="0">
+                <a:solidFill>
+                  <a:srgbClr val="0000FF"/>
+                </a:solidFill>
+                <a:latin typeface="Consolas" panose="020B0609020204030204" pitchFamily="49" charset="0"/>
+              </a:rPr>
+              <a:t>class</a:t>
+            </a:r>
+            <a:r>
+              <a:rPr lang="en-US" sz="1000" dirty="0">
+                <a:solidFill>
+                  <a:srgbClr val="000000"/>
+                </a:solidFill>
+                <a:latin typeface="Consolas" panose="020B0609020204030204" pitchFamily="49" charset="0"/>
+              </a:rPr>
+              <a:t> </a:t>
+            </a:r>
+            <a:r>
+              <a:rPr lang="en-US" sz="1000" dirty="0" err="1">
+                <a:solidFill>
+                  <a:srgbClr val="000000"/>
+                </a:solidFill>
+                <a:latin typeface="Consolas" panose="020B0609020204030204" pitchFamily="49" charset="0"/>
+              </a:rPr>
+              <a:t>AppModule</a:t>
+            </a:r>
+            <a:r>
+              <a:rPr lang="en-US" sz="1000" dirty="0">
+                <a:solidFill>
+                  <a:srgbClr val="000000"/>
+                </a:solidFill>
+                <a:latin typeface="Consolas" panose="020B0609020204030204" pitchFamily="49" charset="0"/>
+              </a:rPr>
+              <a:t> { }</a:t>
+            </a:r>
+          </a:p>
+          <a:p>
+            <a:br>
+              <a:rPr lang="en-US" sz="1000" dirty="0">
+                <a:solidFill>
+                  <a:srgbClr val="000000"/>
+                </a:solidFill>
+                <a:latin typeface="Consolas" panose="020B0609020204030204" pitchFamily="49" charset="0"/>
+              </a:rPr>
+            </a:br>
+            <a:endParaRPr lang="en-US" sz="1000" b="0" dirty="0">
+              <a:solidFill>
+                <a:srgbClr val="000000"/>
+              </a:solidFill>
+              <a:effectLst/>
+              <a:latin typeface="Consolas" panose="020B0609020204030204" pitchFamily="49" charset="0"/>
+            </a:endParaRPr>
           </a:p>
         </p:txBody>
       </p:sp>
     </p:spTree>
     <p:extLst>
       <p:ext uri="{BB962C8B-B14F-4D97-AF65-F5344CB8AC3E}">
-        <p14:creationId xmlns:p14="http://schemas.microsoft.com/office/powerpoint/2010/main" val="867967636"/>
+        <p14:creationId xmlns:p14="http://schemas.microsoft.com/office/powerpoint/2010/main" val="2023749525"/>
       </p:ext>
     </p:extLst>
   </p:cSld>
@@ -12487,83 +11871,757 @@
           <a:lstStyle/>
           <a:p>
             <a:r>
+              <a:rPr lang="en-US" dirty="0" err="1"/>
+              <a:t>src</a:t>
+            </a:r>
+            <a:r>
               <a:rPr lang="en-US" dirty="0"/>
-              <a:t>Dependencies</a:t>
-            </a:r>
+              <a:t>/app/thing/</a:t>
+            </a:r>
+            <a:r>
+              <a:rPr lang="en-US" dirty="0" err="1"/>
+              <a:t>thing.component.ts</a:t>
+            </a:r>
+            <a:endParaRPr lang="en-US" dirty="0"/>
           </a:p>
         </p:txBody>
       </p:sp>
       <p:sp>
         <p:nvSpPr>
-          <p:cNvPr id="3" name="Content Placeholder 2"/>
-          <p:cNvSpPr>
-            <a:spLocks noGrp="1"/>
-          </p:cNvSpPr>
-          <p:nvPr>
-            <p:ph idx="1"/>
-          </p:nvPr>
+          <p:cNvPr id="4" name="Rectangle 3"/>
+          <p:cNvSpPr/>
+          <p:nvPr/>
         </p:nvSpPr>
-        <p:spPr/>
+        <p:spPr>
+          <a:xfrm>
+            <a:off x="1857375" y="718096"/>
+            <a:ext cx="5724525" cy="3985706"/>
+          </a:xfrm>
+          <a:prstGeom prst="rect">
+            <a:avLst/>
+          </a:prstGeom>
+        </p:spPr>
         <p:txBody>
-          <a:bodyPr/>
+          <a:bodyPr wrap="square">
+            <a:spAutoFit/>
+          </a:bodyPr>
           <a:lstStyle/>
           <a:p>
-            <a:pPr marL="342900" indent="-342900">
-              <a:buFont typeface="Arial" panose="020B0604020202020204" pitchFamily="34" charset="0"/>
-              <a:buChar char="•"/>
-            </a:pPr>
-            <a:r>
-              <a:rPr lang="en-US" dirty="0" err="1"/>
-              <a:t>app.module.ts</a:t>
-            </a:r>
-            <a:endParaRPr lang="en-US" dirty="0"/>
-          </a:p>
-          <a:p>
-            <a:pPr marL="573088" lvl="1" indent="-342900">
-              <a:buFont typeface="Arial" panose="020B0604020202020204" pitchFamily="34" charset="0"/>
-              <a:buChar char="•"/>
-            </a:pPr>
-            <a:r>
-              <a:rPr lang="en-US" dirty="0"/>
-              <a:t>Declare the components</a:t>
-            </a:r>
-          </a:p>
-          <a:p>
-            <a:pPr marL="573088" lvl="1" indent="-342900">
-              <a:buFont typeface="Arial" panose="020B0604020202020204" pitchFamily="34" charset="0"/>
-              <a:buChar char="•"/>
-            </a:pPr>
-            <a:r>
-              <a:rPr lang="en-US" dirty="0"/>
-              <a:t>Setup the imports (dependencies)</a:t>
-            </a:r>
-          </a:p>
-          <a:p>
-            <a:pPr marL="573088" lvl="1" indent="-342900">
-              <a:buFont typeface="Arial" panose="020B0604020202020204" pitchFamily="34" charset="0"/>
-              <a:buChar char="•"/>
-            </a:pPr>
-            <a:r>
-              <a:rPr lang="en-US" dirty="0"/>
-              <a:t>Setup the providers</a:t>
-            </a:r>
-          </a:p>
-          <a:p>
-            <a:pPr marL="573088" lvl="1" indent="-342900">
-              <a:buFont typeface="Arial" panose="020B0604020202020204" pitchFamily="34" charset="0"/>
-              <a:buChar char="•"/>
-            </a:pPr>
-            <a:r>
-              <a:rPr lang="en-US" dirty="0"/>
-              <a:t>Setup the bootstrap component</a:t>
-            </a:r>
+            <a:r>
+              <a:rPr lang="en-US" sz="1100" dirty="0">
+                <a:solidFill>
+                  <a:srgbClr val="0000FF"/>
+                </a:solidFill>
+                <a:latin typeface="Consolas" panose="020B0609020204030204" pitchFamily="49" charset="0"/>
+              </a:rPr>
+              <a:t>import</a:t>
+            </a:r>
+            <a:r>
+              <a:rPr lang="en-US" sz="1100" dirty="0">
+                <a:solidFill>
+                  <a:srgbClr val="000000"/>
+                </a:solidFill>
+                <a:latin typeface="Consolas" panose="020B0609020204030204" pitchFamily="49" charset="0"/>
+              </a:rPr>
+              <a:t> { Component, </a:t>
+            </a:r>
+            <a:r>
+              <a:rPr lang="en-US" sz="1100" dirty="0" err="1">
+                <a:solidFill>
+                  <a:srgbClr val="000000"/>
+                </a:solidFill>
+                <a:latin typeface="Consolas" panose="020B0609020204030204" pitchFamily="49" charset="0"/>
+              </a:rPr>
+              <a:t>OnInit</a:t>
+            </a:r>
+            <a:r>
+              <a:rPr lang="en-US" sz="1100" dirty="0">
+                <a:solidFill>
+                  <a:srgbClr val="000000"/>
+                </a:solidFill>
+                <a:latin typeface="Consolas" panose="020B0609020204030204" pitchFamily="49" charset="0"/>
+              </a:rPr>
+              <a:t> } </a:t>
+            </a:r>
+            <a:r>
+              <a:rPr lang="en-US" sz="1100" dirty="0">
+                <a:solidFill>
+                  <a:srgbClr val="0000FF"/>
+                </a:solidFill>
+                <a:latin typeface="Consolas" panose="020B0609020204030204" pitchFamily="49" charset="0"/>
+              </a:rPr>
+              <a:t>from</a:t>
+            </a:r>
+            <a:r>
+              <a:rPr lang="en-US" sz="1100" dirty="0">
+                <a:solidFill>
+                  <a:srgbClr val="000000"/>
+                </a:solidFill>
+                <a:latin typeface="Consolas" panose="020B0609020204030204" pitchFamily="49" charset="0"/>
+              </a:rPr>
+              <a:t> </a:t>
+            </a:r>
+            <a:r>
+              <a:rPr lang="en-US" sz="1100" dirty="0">
+                <a:solidFill>
+                  <a:srgbClr val="A31515"/>
+                </a:solidFill>
+                <a:latin typeface="Consolas" panose="020B0609020204030204" pitchFamily="49" charset="0"/>
+              </a:rPr>
+              <a:t>'@angular/core'</a:t>
+            </a:r>
+            <a:r>
+              <a:rPr lang="en-US" sz="1100" dirty="0">
+                <a:solidFill>
+                  <a:srgbClr val="000000"/>
+                </a:solidFill>
+                <a:latin typeface="Consolas" panose="020B0609020204030204" pitchFamily="49" charset="0"/>
+              </a:rPr>
+              <a:t>;</a:t>
+            </a:r>
+          </a:p>
+          <a:p>
+            <a:r>
+              <a:rPr lang="en-US" sz="1100" dirty="0">
+                <a:solidFill>
+                  <a:srgbClr val="0000FF"/>
+                </a:solidFill>
+                <a:latin typeface="Consolas" panose="020B0609020204030204" pitchFamily="49" charset="0"/>
+              </a:rPr>
+              <a:t>import</a:t>
+            </a:r>
+            <a:r>
+              <a:rPr lang="en-US" sz="1100" dirty="0">
+                <a:solidFill>
+                  <a:srgbClr val="000000"/>
+                </a:solidFill>
+                <a:latin typeface="Consolas" panose="020B0609020204030204" pitchFamily="49" charset="0"/>
+              </a:rPr>
+              <a:t> { Http } </a:t>
+            </a:r>
+            <a:r>
+              <a:rPr lang="en-US" sz="1100" dirty="0">
+                <a:solidFill>
+                  <a:srgbClr val="0000FF"/>
+                </a:solidFill>
+                <a:latin typeface="Consolas" panose="020B0609020204030204" pitchFamily="49" charset="0"/>
+              </a:rPr>
+              <a:t>from</a:t>
+            </a:r>
+            <a:r>
+              <a:rPr lang="en-US" sz="1100" dirty="0">
+                <a:solidFill>
+                  <a:srgbClr val="000000"/>
+                </a:solidFill>
+                <a:latin typeface="Consolas" panose="020B0609020204030204" pitchFamily="49" charset="0"/>
+              </a:rPr>
+              <a:t> </a:t>
+            </a:r>
+            <a:r>
+              <a:rPr lang="en-US" sz="1100" dirty="0">
+                <a:solidFill>
+                  <a:srgbClr val="A31515"/>
+                </a:solidFill>
+                <a:latin typeface="Consolas" panose="020B0609020204030204" pitchFamily="49" charset="0"/>
+              </a:rPr>
+              <a:t>'@angular/http'</a:t>
+            </a:r>
+            <a:r>
+              <a:rPr lang="en-US" sz="1100" dirty="0">
+                <a:solidFill>
+                  <a:srgbClr val="000000"/>
+                </a:solidFill>
+                <a:latin typeface="Consolas" panose="020B0609020204030204" pitchFamily="49" charset="0"/>
+              </a:rPr>
+              <a:t>;</a:t>
+            </a:r>
+          </a:p>
+          <a:p>
+            <a:r>
+              <a:rPr lang="en-US" sz="1100" dirty="0">
+                <a:solidFill>
+                  <a:srgbClr val="0000FF"/>
+                </a:solidFill>
+                <a:latin typeface="Consolas" panose="020B0609020204030204" pitchFamily="49" charset="0"/>
+              </a:rPr>
+              <a:t>import</a:t>
+            </a:r>
+            <a:r>
+              <a:rPr lang="en-US" sz="1100" dirty="0">
+                <a:solidFill>
+                  <a:srgbClr val="000000"/>
+                </a:solidFill>
+                <a:latin typeface="Consolas" panose="020B0609020204030204" pitchFamily="49" charset="0"/>
+              </a:rPr>
+              <a:t> { Utility } </a:t>
+            </a:r>
+            <a:r>
+              <a:rPr lang="en-US" sz="1100" dirty="0">
+                <a:solidFill>
+                  <a:srgbClr val="0000FF"/>
+                </a:solidFill>
+                <a:latin typeface="Consolas" panose="020B0609020204030204" pitchFamily="49" charset="0"/>
+              </a:rPr>
+              <a:t>from</a:t>
+            </a:r>
+            <a:r>
+              <a:rPr lang="en-US" sz="1100" dirty="0">
+                <a:solidFill>
+                  <a:srgbClr val="000000"/>
+                </a:solidFill>
+                <a:latin typeface="Consolas" panose="020B0609020204030204" pitchFamily="49" charset="0"/>
+              </a:rPr>
+              <a:t> </a:t>
+            </a:r>
+            <a:r>
+              <a:rPr lang="en-US" sz="1100" dirty="0">
+                <a:solidFill>
+                  <a:srgbClr val="A31515"/>
+                </a:solidFill>
+                <a:latin typeface="Consolas" panose="020B0609020204030204" pitchFamily="49" charset="0"/>
+              </a:rPr>
+              <a:t>'../utility'</a:t>
+            </a:r>
+            <a:r>
+              <a:rPr lang="en-US" sz="1100" dirty="0">
+                <a:solidFill>
+                  <a:srgbClr val="000000"/>
+                </a:solidFill>
+                <a:latin typeface="Consolas" panose="020B0609020204030204" pitchFamily="49" charset="0"/>
+              </a:rPr>
+              <a:t>;</a:t>
+            </a:r>
+          </a:p>
+          <a:p>
+            <a:br>
+              <a:rPr lang="en-US" sz="1100" dirty="0">
+                <a:solidFill>
+                  <a:srgbClr val="000000"/>
+                </a:solidFill>
+                <a:latin typeface="Consolas" panose="020B0609020204030204" pitchFamily="49" charset="0"/>
+              </a:rPr>
+            </a:br>
+            <a:r>
+              <a:rPr lang="en-US" sz="1100" dirty="0">
+                <a:solidFill>
+                  <a:srgbClr val="000000"/>
+                </a:solidFill>
+                <a:latin typeface="Consolas" panose="020B0609020204030204" pitchFamily="49" charset="0"/>
+              </a:rPr>
+              <a:t>@Component({</a:t>
+            </a:r>
+          </a:p>
+          <a:p>
+            <a:r>
+              <a:rPr lang="en-US" sz="1100" dirty="0">
+                <a:solidFill>
+                  <a:srgbClr val="000000"/>
+                </a:solidFill>
+                <a:latin typeface="Consolas" panose="020B0609020204030204" pitchFamily="49" charset="0"/>
+              </a:rPr>
+              <a:t>  selector: </a:t>
+            </a:r>
+            <a:r>
+              <a:rPr lang="en-US" sz="1100" dirty="0">
+                <a:solidFill>
+                  <a:srgbClr val="A31515"/>
+                </a:solidFill>
+                <a:latin typeface="Consolas" panose="020B0609020204030204" pitchFamily="49" charset="0"/>
+              </a:rPr>
+              <a:t>'app-item'</a:t>
+            </a:r>
+            <a:r>
+              <a:rPr lang="en-US" sz="1100" dirty="0">
+                <a:solidFill>
+                  <a:srgbClr val="000000"/>
+                </a:solidFill>
+                <a:latin typeface="Consolas" panose="020B0609020204030204" pitchFamily="49" charset="0"/>
+              </a:rPr>
+              <a:t>,</a:t>
+            </a:r>
+          </a:p>
+          <a:p>
+            <a:r>
+              <a:rPr lang="en-US" sz="1100" dirty="0">
+                <a:solidFill>
+                  <a:srgbClr val="000000"/>
+                </a:solidFill>
+                <a:latin typeface="Consolas" panose="020B0609020204030204" pitchFamily="49" charset="0"/>
+              </a:rPr>
+              <a:t>  </a:t>
+            </a:r>
+            <a:r>
+              <a:rPr lang="en-US" sz="1100" dirty="0" err="1">
+                <a:solidFill>
+                  <a:srgbClr val="000000"/>
+                </a:solidFill>
+                <a:latin typeface="Consolas" panose="020B0609020204030204" pitchFamily="49" charset="0"/>
+              </a:rPr>
+              <a:t>templateUrl</a:t>
+            </a:r>
+            <a:r>
+              <a:rPr lang="en-US" sz="1100" dirty="0">
+                <a:solidFill>
+                  <a:srgbClr val="000000"/>
+                </a:solidFill>
+                <a:latin typeface="Consolas" panose="020B0609020204030204" pitchFamily="49" charset="0"/>
+              </a:rPr>
+              <a:t>: </a:t>
+            </a:r>
+            <a:r>
+              <a:rPr lang="en-US" sz="1100" dirty="0">
+                <a:solidFill>
+                  <a:srgbClr val="A31515"/>
+                </a:solidFill>
+                <a:latin typeface="Consolas" panose="020B0609020204030204" pitchFamily="49" charset="0"/>
+              </a:rPr>
+              <a:t>'./thing.component.html'</a:t>
+            </a:r>
+            <a:r>
+              <a:rPr lang="en-US" sz="1100" dirty="0">
+                <a:solidFill>
+                  <a:srgbClr val="000000"/>
+                </a:solidFill>
+                <a:latin typeface="Consolas" panose="020B0609020204030204" pitchFamily="49" charset="0"/>
+              </a:rPr>
+              <a:t>,</a:t>
+            </a:r>
+          </a:p>
+          <a:p>
+            <a:r>
+              <a:rPr lang="en-US" sz="1100" dirty="0">
+                <a:solidFill>
+                  <a:srgbClr val="000000"/>
+                </a:solidFill>
+                <a:latin typeface="Consolas" panose="020B0609020204030204" pitchFamily="49" charset="0"/>
+              </a:rPr>
+              <a:t>  </a:t>
+            </a:r>
+            <a:r>
+              <a:rPr lang="en-US" sz="1100" dirty="0" err="1">
+                <a:solidFill>
+                  <a:srgbClr val="000000"/>
+                </a:solidFill>
+                <a:latin typeface="Consolas" panose="020B0609020204030204" pitchFamily="49" charset="0"/>
+              </a:rPr>
+              <a:t>styleUrls</a:t>
+            </a:r>
+            <a:r>
+              <a:rPr lang="en-US" sz="1100" dirty="0">
+                <a:solidFill>
+                  <a:srgbClr val="000000"/>
+                </a:solidFill>
+                <a:latin typeface="Consolas" panose="020B0609020204030204" pitchFamily="49" charset="0"/>
+              </a:rPr>
+              <a:t>: [</a:t>
+            </a:r>
+            <a:r>
+              <a:rPr lang="en-US" sz="1100" dirty="0">
+                <a:solidFill>
+                  <a:srgbClr val="A31515"/>
+                </a:solidFill>
+                <a:latin typeface="Consolas" panose="020B0609020204030204" pitchFamily="49" charset="0"/>
+              </a:rPr>
+              <a:t>'./thing.component.css'</a:t>
+            </a:r>
+            <a:r>
+              <a:rPr lang="en-US" sz="1100" dirty="0">
+                <a:solidFill>
+                  <a:srgbClr val="000000"/>
+                </a:solidFill>
+                <a:latin typeface="Consolas" panose="020B0609020204030204" pitchFamily="49" charset="0"/>
+              </a:rPr>
+              <a:t>]</a:t>
+            </a:r>
+          </a:p>
+          <a:p>
+            <a:r>
+              <a:rPr lang="en-US" sz="1100" dirty="0">
+                <a:solidFill>
+                  <a:srgbClr val="000000"/>
+                </a:solidFill>
+                <a:latin typeface="Consolas" panose="020B0609020204030204" pitchFamily="49" charset="0"/>
+              </a:rPr>
+              <a:t>})</a:t>
+            </a:r>
+          </a:p>
+          <a:p>
+            <a:r>
+              <a:rPr lang="en-US" sz="1100" dirty="0">
+                <a:solidFill>
+                  <a:srgbClr val="0000FF"/>
+                </a:solidFill>
+                <a:latin typeface="Consolas" panose="020B0609020204030204" pitchFamily="49" charset="0"/>
+              </a:rPr>
+              <a:t>export</a:t>
+            </a:r>
+            <a:r>
+              <a:rPr lang="en-US" sz="1100" dirty="0">
+                <a:solidFill>
+                  <a:srgbClr val="000000"/>
+                </a:solidFill>
+                <a:latin typeface="Consolas" panose="020B0609020204030204" pitchFamily="49" charset="0"/>
+              </a:rPr>
+              <a:t> </a:t>
+            </a:r>
+            <a:r>
+              <a:rPr lang="en-US" sz="1100" dirty="0">
+                <a:solidFill>
+                  <a:srgbClr val="0000FF"/>
+                </a:solidFill>
+                <a:latin typeface="Consolas" panose="020B0609020204030204" pitchFamily="49" charset="0"/>
+              </a:rPr>
+              <a:t>class</a:t>
+            </a:r>
+            <a:r>
+              <a:rPr lang="en-US" sz="1100" dirty="0">
+                <a:solidFill>
+                  <a:srgbClr val="000000"/>
+                </a:solidFill>
+                <a:latin typeface="Consolas" panose="020B0609020204030204" pitchFamily="49" charset="0"/>
+              </a:rPr>
+              <a:t> </a:t>
+            </a:r>
+            <a:r>
+              <a:rPr lang="en-US" sz="1100" dirty="0" err="1">
+                <a:solidFill>
+                  <a:srgbClr val="000000"/>
+                </a:solidFill>
+                <a:latin typeface="Consolas" panose="020B0609020204030204" pitchFamily="49" charset="0"/>
+              </a:rPr>
+              <a:t>ThingComponent</a:t>
+            </a:r>
+            <a:r>
+              <a:rPr lang="en-US" sz="1100" dirty="0">
+                <a:solidFill>
+                  <a:srgbClr val="000000"/>
+                </a:solidFill>
+                <a:latin typeface="Consolas" panose="020B0609020204030204" pitchFamily="49" charset="0"/>
+              </a:rPr>
+              <a:t> </a:t>
+            </a:r>
+            <a:r>
+              <a:rPr lang="en-US" sz="1100" dirty="0">
+                <a:solidFill>
+                  <a:srgbClr val="0000FF"/>
+                </a:solidFill>
+                <a:latin typeface="Consolas" panose="020B0609020204030204" pitchFamily="49" charset="0"/>
+              </a:rPr>
+              <a:t>implements</a:t>
+            </a:r>
+            <a:r>
+              <a:rPr lang="en-US" sz="1100" dirty="0">
+                <a:solidFill>
+                  <a:srgbClr val="000000"/>
+                </a:solidFill>
+                <a:latin typeface="Consolas" panose="020B0609020204030204" pitchFamily="49" charset="0"/>
+              </a:rPr>
+              <a:t> </a:t>
+            </a:r>
+            <a:r>
+              <a:rPr lang="en-US" sz="1100" dirty="0" err="1">
+                <a:solidFill>
+                  <a:srgbClr val="000000"/>
+                </a:solidFill>
+                <a:latin typeface="Consolas" panose="020B0609020204030204" pitchFamily="49" charset="0"/>
+              </a:rPr>
+              <a:t>OnInit</a:t>
+            </a:r>
+            <a:r>
+              <a:rPr lang="en-US" sz="1100" dirty="0">
+                <a:solidFill>
+                  <a:srgbClr val="000000"/>
+                </a:solidFill>
+                <a:latin typeface="Consolas" panose="020B0609020204030204" pitchFamily="49" charset="0"/>
+              </a:rPr>
+              <a:t> {</a:t>
+            </a:r>
+          </a:p>
+          <a:p>
+            <a:br>
+              <a:rPr lang="en-US" sz="1100" dirty="0">
+                <a:solidFill>
+                  <a:srgbClr val="000000"/>
+                </a:solidFill>
+                <a:latin typeface="Consolas" panose="020B0609020204030204" pitchFamily="49" charset="0"/>
+              </a:rPr>
+            </a:br>
+            <a:r>
+              <a:rPr lang="en-US" sz="1100" dirty="0">
+                <a:solidFill>
+                  <a:srgbClr val="000000"/>
+                </a:solidFill>
+                <a:latin typeface="Consolas" panose="020B0609020204030204" pitchFamily="49" charset="0"/>
+              </a:rPr>
+              <a:t>  </a:t>
+            </a:r>
+            <a:r>
+              <a:rPr lang="en-US" sz="1100" dirty="0">
+                <a:solidFill>
+                  <a:srgbClr val="0000FF"/>
+                </a:solidFill>
+                <a:latin typeface="Consolas" panose="020B0609020204030204" pitchFamily="49" charset="0"/>
+              </a:rPr>
+              <a:t>public</a:t>
+            </a:r>
+            <a:r>
+              <a:rPr lang="en-US" sz="1100" dirty="0">
+                <a:solidFill>
+                  <a:srgbClr val="000000"/>
+                </a:solidFill>
+                <a:latin typeface="Consolas" panose="020B0609020204030204" pitchFamily="49" charset="0"/>
+              </a:rPr>
+              <a:t> </a:t>
+            </a:r>
+            <a:r>
+              <a:rPr lang="en-US" sz="1100" dirty="0">
+                <a:solidFill>
+                  <a:srgbClr val="0000FF"/>
+                </a:solidFill>
+                <a:latin typeface="Consolas" panose="020B0609020204030204" pitchFamily="49" charset="0"/>
+              </a:rPr>
+              <a:t>constructor</a:t>
+            </a:r>
+            <a:r>
+              <a:rPr lang="en-US" sz="1100" dirty="0">
+                <a:solidFill>
+                  <a:srgbClr val="000000"/>
+                </a:solidFill>
+                <a:latin typeface="Consolas" panose="020B0609020204030204" pitchFamily="49" charset="0"/>
+              </a:rPr>
+              <a:t>(</a:t>
+            </a:r>
+            <a:r>
+              <a:rPr lang="en-US" sz="1100" dirty="0">
+                <a:solidFill>
+                  <a:srgbClr val="0000FF"/>
+                </a:solidFill>
+                <a:latin typeface="Consolas" panose="020B0609020204030204" pitchFamily="49" charset="0"/>
+              </a:rPr>
+              <a:t>private</a:t>
+            </a:r>
+            <a:r>
+              <a:rPr lang="en-US" sz="1100" dirty="0">
+                <a:solidFill>
+                  <a:srgbClr val="000000"/>
+                </a:solidFill>
+                <a:latin typeface="Consolas" panose="020B0609020204030204" pitchFamily="49" charset="0"/>
+              </a:rPr>
+              <a:t> http: Http, </a:t>
+            </a:r>
+            <a:r>
+              <a:rPr lang="en-US" sz="1100" dirty="0">
+                <a:solidFill>
+                  <a:srgbClr val="0000FF"/>
+                </a:solidFill>
+                <a:latin typeface="Consolas" panose="020B0609020204030204" pitchFamily="49" charset="0"/>
+              </a:rPr>
+              <a:t>private</a:t>
+            </a:r>
+            <a:r>
+              <a:rPr lang="en-US" sz="1100" dirty="0">
+                <a:solidFill>
+                  <a:srgbClr val="000000"/>
+                </a:solidFill>
+                <a:latin typeface="Consolas" panose="020B0609020204030204" pitchFamily="49" charset="0"/>
+              </a:rPr>
+              <a:t> utility: Utility) {</a:t>
+            </a:r>
+          </a:p>
+          <a:p>
+            <a:r>
+              <a:rPr lang="en-US" sz="1100" dirty="0">
+                <a:solidFill>
+                  <a:srgbClr val="000000"/>
+                </a:solidFill>
+                <a:latin typeface="Consolas" panose="020B0609020204030204" pitchFamily="49" charset="0"/>
+              </a:rPr>
+              <a:t>    </a:t>
+            </a:r>
+          </a:p>
+          <a:p>
+            <a:r>
+              <a:rPr lang="en-US" sz="1100" dirty="0">
+                <a:solidFill>
+                  <a:srgbClr val="000000"/>
+                </a:solidFill>
+                <a:latin typeface="Consolas" panose="020B0609020204030204" pitchFamily="49" charset="0"/>
+              </a:rPr>
+              <a:t>  }</a:t>
+            </a:r>
+          </a:p>
+          <a:p>
+            <a:br>
+              <a:rPr lang="en-US" sz="1100" dirty="0">
+                <a:solidFill>
+                  <a:srgbClr val="000000"/>
+                </a:solidFill>
+                <a:latin typeface="Consolas" panose="020B0609020204030204" pitchFamily="49" charset="0"/>
+              </a:rPr>
+            </a:br>
+            <a:r>
+              <a:rPr lang="en-US" sz="1100" dirty="0">
+                <a:solidFill>
+                  <a:srgbClr val="000000"/>
+                </a:solidFill>
+                <a:latin typeface="Consolas" panose="020B0609020204030204" pitchFamily="49" charset="0"/>
+              </a:rPr>
+              <a:t>  </a:t>
+            </a:r>
+            <a:r>
+              <a:rPr lang="en-US" sz="1100" dirty="0">
+                <a:solidFill>
+                  <a:srgbClr val="0000FF"/>
+                </a:solidFill>
+                <a:latin typeface="Consolas" panose="020B0609020204030204" pitchFamily="49" charset="0"/>
+              </a:rPr>
+              <a:t>public</a:t>
+            </a:r>
+            <a:r>
+              <a:rPr lang="en-US" sz="1100" dirty="0">
+                <a:solidFill>
+                  <a:srgbClr val="000000"/>
+                </a:solidFill>
+                <a:latin typeface="Consolas" panose="020B0609020204030204" pitchFamily="49" charset="0"/>
+              </a:rPr>
+              <a:t> </a:t>
+            </a:r>
+            <a:r>
+              <a:rPr lang="en-US" sz="1100" dirty="0" err="1">
+                <a:solidFill>
+                  <a:srgbClr val="000000"/>
+                </a:solidFill>
+                <a:latin typeface="Consolas" panose="020B0609020204030204" pitchFamily="49" charset="0"/>
+              </a:rPr>
+              <a:t>ngOnInit</a:t>
+            </a:r>
+            <a:r>
+              <a:rPr lang="en-US" sz="1100" dirty="0">
+                <a:solidFill>
+                  <a:srgbClr val="000000"/>
+                </a:solidFill>
+                <a:latin typeface="Consolas" panose="020B0609020204030204" pitchFamily="49" charset="0"/>
+              </a:rPr>
+              <a:t>() {</a:t>
+            </a:r>
+          </a:p>
+          <a:p>
+            <a:endParaRPr lang="en-US" sz="1100" dirty="0">
+              <a:solidFill>
+                <a:srgbClr val="000000"/>
+              </a:solidFill>
+              <a:latin typeface="Consolas" panose="020B0609020204030204" pitchFamily="49" charset="0"/>
+            </a:endParaRPr>
+          </a:p>
+          <a:p>
+            <a:r>
+              <a:rPr lang="en-US" sz="1100" dirty="0">
+                <a:solidFill>
+                  <a:srgbClr val="000000"/>
+                </a:solidFill>
+                <a:latin typeface="Consolas" panose="020B0609020204030204" pitchFamily="49" charset="0"/>
+              </a:rPr>
+              <a:t>  }</a:t>
+            </a:r>
+          </a:p>
+          <a:p>
+            <a:br>
+              <a:rPr lang="en-US" sz="1100" dirty="0">
+                <a:solidFill>
+                  <a:srgbClr val="000000"/>
+                </a:solidFill>
+                <a:latin typeface="Consolas" panose="020B0609020204030204" pitchFamily="49" charset="0"/>
+              </a:rPr>
+            </a:br>
+            <a:r>
+              <a:rPr lang="en-US" sz="1100" dirty="0">
+                <a:solidFill>
+                  <a:srgbClr val="000000"/>
+                </a:solidFill>
+                <a:latin typeface="Consolas" panose="020B0609020204030204" pitchFamily="49" charset="0"/>
+              </a:rPr>
+              <a:t>  </a:t>
+            </a:r>
+            <a:r>
+              <a:rPr lang="en-US" sz="1100" dirty="0">
+                <a:solidFill>
+                  <a:srgbClr val="0000FF"/>
+                </a:solidFill>
+                <a:latin typeface="Consolas" panose="020B0609020204030204" pitchFamily="49" charset="0"/>
+              </a:rPr>
+              <a:t>public</a:t>
+            </a:r>
+            <a:r>
+              <a:rPr lang="en-US" sz="1100" dirty="0">
+                <a:solidFill>
+                  <a:srgbClr val="000000"/>
+                </a:solidFill>
+                <a:latin typeface="Consolas" panose="020B0609020204030204" pitchFamily="49" charset="0"/>
+              </a:rPr>
+              <a:t> </a:t>
+            </a:r>
+            <a:r>
+              <a:rPr lang="en-US" sz="1100" dirty="0" err="1">
+                <a:solidFill>
+                  <a:srgbClr val="000000"/>
+                </a:solidFill>
+                <a:latin typeface="Consolas" panose="020B0609020204030204" pitchFamily="49" charset="0"/>
+              </a:rPr>
+              <a:t>whateverMethod</a:t>
+            </a:r>
+            <a:r>
+              <a:rPr lang="en-US" sz="1100" dirty="0">
+                <a:solidFill>
+                  <a:srgbClr val="000000"/>
+                </a:solidFill>
+                <a:latin typeface="Consolas" panose="020B0609020204030204" pitchFamily="49" charset="0"/>
+              </a:rPr>
+              <a:t>() {</a:t>
+            </a:r>
+          </a:p>
+          <a:p>
+            <a:endParaRPr lang="en-US" sz="1100" dirty="0">
+              <a:solidFill>
+                <a:srgbClr val="000000"/>
+              </a:solidFill>
+              <a:latin typeface="Consolas" panose="020B0609020204030204" pitchFamily="49" charset="0"/>
+            </a:endParaRPr>
+          </a:p>
+          <a:p>
+            <a:r>
+              <a:rPr lang="en-US" sz="1100" dirty="0">
+                <a:solidFill>
+                  <a:srgbClr val="000000"/>
+                </a:solidFill>
+                <a:latin typeface="Consolas" panose="020B0609020204030204" pitchFamily="49" charset="0"/>
+              </a:rPr>
+              <a:t>  }</a:t>
+            </a:r>
+          </a:p>
+          <a:p>
+            <a:r>
+              <a:rPr lang="en-US" sz="1100" dirty="0">
+                <a:solidFill>
+                  <a:srgbClr val="000000"/>
+                </a:solidFill>
+                <a:latin typeface="Consolas" panose="020B0609020204030204" pitchFamily="49" charset="0"/>
+              </a:rPr>
+              <a:t>}</a:t>
+            </a:r>
+            <a:endParaRPr lang="en-US" sz="1100" b="0" dirty="0">
+              <a:solidFill>
+                <a:srgbClr val="000000"/>
+              </a:solidFill>
+              <a:effectLst/>
+              <a:latin typeface="Consolas" panose="020B0609020204030204" pitchFamily="49" charset="0"/>
+            </a:endParaRPr>
           </a:p>
         </p:txBody>
       </p:sp>
     </p:spTree>
     <p:extLst>
       <p:ext uri="{BB962C8B-B14F-4D97-AF65-F5344CB8AC3E}">
-        <p14:creationId xmlns:p14="http://schemas.microsoft.com/office/powerpoint/2010/main" val="2241331902"/>
+        <p14:creationId xmlns:p14="http://schemas.microsoft.com/office/powerpoint/2010/main" val="817358371"/>
       </p:ext>
     </p:extLst>
   </p:cSld>
@@ -12606,31 +12664,22 @@
           <a:lstStyle/>
           <a:p>
             <a:r>
-              <a:rPr lang="en-US" dirty="0" err="1"/>
-              <a:t>src</a:t>
-            </a:r>
-            <a:r>
               <a:rPr lang="en-US" dirty="0"/>
-              <a:t>/app/</a:t>
-            </a:r>
-            <a:r>
-              <a:rPr lang="en-US" dirty="0" err="1"/>
-              <a:t>app.module.ts</a:t>
-            </a:r>
-            <a:endParaRPr lang="en-US" dirty="0"/>
+              <a:t>GET using Http</a:t>
+            </a:r>
           </a:p>
         </p:txBody>
       </p:sp>
       <p:sp>
         <p:nvSpPr>
-          <p:cNvPr id="7" name="Rectangle 6"/>
+          <p:cNvPr id="5" name="Rectangle 4"/>
           <p:cNvSpPr/>
           <p:nvPr/>
         </p:nvSpPr>
         <p:spPr>
           <a:xfrm>
-            <a:off x="2453940" y="588407"/>
-            <a:ext cx="7339263" cy="4555093"/>
+            <a:off x="1924049" y="514410"/>
+            <a:ext cx="8553451" cy="5016758"/>
           </a:xfrm>
           <a:prstGeom prst="rect">
             <a:avLst/>
@@ -12658,7 +12707,7 @@
                 </a:solidFill>
                 <a:latin typeface="Consolas" panose="020B0609020204030204" pitchFamily="49" charset="0"/>
               </a:rPr>
-              <a:t> { </a:t>
+              <a:t> { Component, </a:t>
             </a:r>
             <a:r>
               <a:rPr lang="en-US" sz="1000" dirty="0" err="1">
@@ -12667,7 +12716,7 @@
                 </a:solidFill>
                 <a:latin typeface="Consolas" panose="020B0609020204030204" pitchFamily="49" charset="0"/>
               </a:rPr>
-              <a:t>BrowserModule</a:t>
+              <a:t>OnInit</a:t>
             </a:r>
             <a:r>
               <a:rPr lang="en-US" sz="1000" dirty="0">
@@ -12703,7 +12752,7 @@
                 </a:solidFill>
                 <a:latin typeface="Consolas" panose="020B0609020204030204" pitchFamily="49" charset="0"/>
               </a:rPr>
-              <a:t>'@angular/platform-browser'</a:t>
+              <a:t>'@angular/core'</a:t>
             </a:r>
             <a:r>
               <a:rPr lang="en-US" sz="1000" dirty="0">
@@ -12732,26 +12781,158 @@
                 </a:solidFill>
                 <a:latin typeface="Consolas" panose="020B0609020204030204" pitchFamily="49" charset="0"/>
               </a:rPr>
-              <a:t> { </a:t>
+              <a:t> { Http } </a:t>
+            </a:r>
+            <a:r>
+              <a:rPr lang="en-US" sz="1000" dirty="0">
+                <a:solidFill>
+                  <a:srgbClr val="0000FF"/>
+                </a:solidFill>
+                <a:latin typeface="Consolas" panose="020B0609020204030204" pitchFamily="49" charset="0"/>
+              </a:rPr>
+              <a:t>from</a:t>
+            </a:r>
+            <a:r>
+              <a:rPr lang="en-US" sz="1000" dirty="0">
+                <a:solidFill>
+                  <a:srgbClr val="000000"/>
+                </a:solidFill>
+                <a:latin typeface="Consolas" panose="020B0609020204030204" pitchFamily="49" charset="0"/>
+              </a:rPr>
+              <a:t> </a:t>
+            </a:r>
+            <a:r>
+              <a:rPr lang="en-US" sz="1000" dirty="0">
+                <a:solidFill>
+                  <a:srgbClr val="A31515"/>
+                </a:solidFill>
+                <a:latin typeface="Consolas" panose="020B0609020204030204" pitchFamily="49" charset="0"/>
+              </a:rPr>
+              <a:t>'@angular/http'</a:t>
+            </a:r>
+            <a:r>
+              <a:rPr lang="en-US" sz="1000" dirty="0">
+                <a:solidFill>
+                  <a:srgbClr val="000000"/>
+                </a:solidFill>
+                <a:latin typeface="Consolas" panose="020B0609020204030204" pitchFamily="49" charset="0"/>
+              </a:rPr>
+              <a:t>;</a:t>
+            </a:r>
+          </a:p>
+          <a:p>
+            <a:r>
+              <a:rPr lang="en-US" sz="1000" dirty="0">
+                <a:solidFill>
+                  <a:srgbClr val="0000FF"/>
+                </a:solidFill>
+                <a:latin typeface="Consolas" panose="020B0609020204030204" pitchFamily="49" charset="0"/>
+              </a:rPr>
+              <a:t>import</a:t>
+            </a:r>
+            <a:r>
+              <a:rPr lang="en-US" sz="1000" dirty="0">
+                <a:solidFill>
+                  <a:srgbClr val="000000"/>
+                </a:solidFill>
+                <a:latin typeface="Consolas" panose="020B0609020204030204" pitchFamily="49" charset="0"/>
+              </a:rPr>
+              <a:t> { Item } </a:t>
+            </a:r>
+            <a:r>
+              <a:rPr lang="en-US" sz="1000" dirty="0">
+                <a:solidFill>
+                  <a:srgbClr val="0000FF"/>
+                </a:solidFill>
+                <a:latin typeface="Consolas" panose="020B0609020204030204" pitchFamily="49" charset="0"/>
+              </a:rPr>
+              <a:t>from</a:t>
+            </a:r>
+            <a:r>
+              <a:rPr lang="en-US" sz="1000" dirty="0">
+                <a:solidFill>
+                  <a:srgbClr val="000000"/>
+                </a:solidFill>
+                <a:latin typeface="Consolas" panose="020B0609020204030204" pitchFamily="49" charset="0"/>
+              </a:rPr>
+              <a:t> </a:t>
+            </a:r>
+            <a:r>
+              <a:rPr lang="en-US" sz="1000" dirty="0">
+                <a:solidFill>
+                  <a:srgbClr val="A31515"/>
+                </a:solidFill>
+                <a:latin typeface="Consolas" panose="020B0609020204030204" pitchFamily="49" charset="0"/>
+              </a:rPr>
+              <a:t>'../item'</a:t>
+            </a:r>
+            <a:r>
+              <a:rPr lang="en-US" sz="1000" dirty="0">
+                <a:solidFill>
+                  <a:srgbClr val="000000"/>
+                </a:solidFill>
+                <a:latin typeface="Consolas" panose="020B0609020204030204" pitchFamily="49" charset="0"/>
+              </a:rPr>
+              <a:t>;</a:t>
+            </a:r>
+          </a:p>
+          <a:p>
+            <a:r>
+              <a:rPr lang="en-US" sz="1000" dirty="0">
+                <a:solidFill>
+                  <a:srgbClr val="0000FF"/>
+                </a:solidFill>
+                <a:latin typeface="Consolas" panose="020B0609020204030204" pitchFamily="49" charset="0"/>
+              </a:rPr>
+              <a:t>import</a:t>
+            </a:r>
+            <a:r>
+              <a:rPr lang="en-US" sz="1000" dirty="0">
+                <a:solidFill>
+                  <a:srgbClr val="000000"/>
+                </a:solidFill>
+                <a:latin typeface="Consolas" panose="020B0609020204030204" pitchFamily="49" charset="0"/>
+              </a:rPr>
+              <a:t> </a:t>
+            </a:r>
+            <a:r>
+              <a:rPr lang="en-US" sz="1000" dirty="0">
+                <a:solidFill>
+                  <a:srgbClr val="A31515"/>
+                </a:solidFill>
+                <a:latin typeface="Consolas" panose="020B0609020204030204" pitchFamily="49" charset="0"/>
+              </a:rPr>
+              <a:t>'</a:t>
             </a:r>
             <a:r>
               <a:rPr lang="en-US" sz="1000" dirty="0" err="1">
                 <a:solidFill>
-                  <a:srgbClr val="000000"/>
-                </a:solidFill>
-                <a:latin typeface="Consolas" panose="020B0609020204030204" pitchFamily="49" charset="0"/>
-              </a:rPr>
-              <a:t>NgModule</a:t>
-            </a:r>
-            <a:r>
-              <a:rPr lang="en-US" sz="1000" dirty="0">
-                <a:solidFill>
-                  <a:srgbClr val="000000"/>
-                </a:solidFill>
-                <a:latin typeface="Consolas" panose="020B0609020204030204" pitchFamily="49" charset="0"/>
-              </a:rPr>
-              <a:t> } </a:t>
-            </a:r>
+                  <a:srgbClr val="A31515"/>
+                </a:solidFill>
+                <a:latin typeface="Consolas" panose="020B0609020204030204" pitchFamily="49" charset="0"/>
+              </a:rPr>
+              <a:t>rxjs</a:t>
+            </a:r>
+            <a:r>
+              <a:rPr lang="en-US" sz="1000" dirty="0">
+                <a:solidFill>
+                  <a:srgbClr val="A31515"/>
+                </a:solidFill>
+                <a:latin typeface="Consolas" panose="020B0609020204030204" pitchFamily="49" charset="0"/>
+              </a:rPr>
+              <a:t>/add/operator/map'</a:t>
+            </a:r>
+            <a:r>
+              <a:rPr lang="en-US" sz="1000" dirty="0">
+                <a:solidFill>
+                  <a:srgbClr val="000000"/>
+                </a:solidFill>
+                <a:latin typeface="Consolas" panose="020B0609020204030204" pitchFamily="49" charset="0"/>
+              </a:rPr>
+              <a:t>;</a:t>
+            </a:r>
+          </a:p>
+          <a:p>
             <a:r>
               <a:rPr lang="en-US" sz="1000" dirty="0">
                 <a:solidFill>
@@ -12759,7 +12940,7 @@
                 </a:solidFill>
                 <a:latin typeface="Consolas" panose="020B0609020204030204" pitchFamily="49" charset="0"/>
               </a:rPr>
-              <a:t>from</a:t>
+              <a:t>import</a:t>
             </a:r>
             <a:r>
               <a:rPr lang="en-US" sz="1000" dirty="0">
@@ -12777,7 +12958,25 @@
                 </a:solidFill>
                 <a:latin typeface="Consolas" panose="020B0609020204030204" pitchFamily="49" charset="0"/>
               </a:rPr>
-              <a:t>'@angular/core'</a:t>
+              <a:t>'</a:t>
+            </a:r>
+            <a:r>
+              <a:rPr lang="en-US" sz="1000" dirty="0" err="1">
+                <a:solidFill>
+                  <a:srgbClr val="A31515"/>
+                </a:solidFill>
+                <a:latin typeface="Consolas" panose="020B0609020204030204" pitchFamily="49" charset="0"/>
+              </a:rPr>
+              <a:t>rxjs</a:t>
+            </a:r>
+            <a:r>
+              <a:rPr lang="en-US" sz="1000" dirty="0">
+                <a:solidFill>
+                  <a:srgbClr val="A31515"/>
+                </a:solidFill>
+                <a:latin typeface="Consolas" panose="020B0609020204030204" pitchFamily="49" charset="0"/>
+              </a:rPr>
+              <a:t>/add/operator/do'</a:t>
             </a:r>
             <a:r>
               <a:rPr lang="en-US" sz="1000" dirty="0">
@@ -12790,6 +12989,159 @@
             </a:r>
           </a:p>
           <a:p>
+            <a:br>
+              <a:rPr lang="en-US" sz="1000" dirty="0">
+                <a:solidFill>
+                  <a:srgbClr val="000000"/>
+                </a:solidFill>
+                <a:latin typeface="Consolas" panose="020B0609020204030204" pitchFamily="49" charset="0"/>
+              </a:rPr>
+            </a:br>
+            <a:r>
+              <a:rPr lang="en-US" sz="1000" dirty="0">
+                <a:solidFill>
+                  <a:srgbClr val="000000"/>
+                </a:solidFill>
+                <a:latin typeface="Consolas" panose="020B0609020204030204" pitchFamily="49" charset="0"/>
+              </a:rPr>
+              <a:t>@Component({</a:t>
+            </a:r>
+          </a:p>
+          <a:p>
+            <a:r>
+              <a:rPr lang="en-US" sz="1000" dirty="0">
+                <a:solidFill>
+                  <a:srgbClr val="000000"/>
+                </a:solidFill>
+                <a:latin typeface="Consolas" panose="020B0609020204030204" pitchFamily="49" charset="0"/>
+              </a:rPr>
+              <a:t>  selector: </a:t>
+            </a:r>
+            <a:r>
+              <a:rPr lang="en-US" sz="1000" dirty="0">
+                <a:solidFill>
+                  <a:srgbClr val="A31515"/>
+                </a:solidFill>
+                <a:latin typeface="Consolas" panose="020B0609020204030204" pitchFamily="49" charset="0"/>
+              </a:rPr>
+              <a:t>'app-list'</a:t>
+            </a:r>
+            <a:r>
+              <a:rPr lang="en-US" sz="1000" dirty="0">
+                <a:solidFill>
+                  <a:srgbClr val="000000"/>
+                </a:solidFill>
+                <a:latin typeface="Consolas" panose="020B0609020204030204" pitchFamily="49" charset="0"/>
+              </a:rPr>
+              <a:t>,</a:t>
+            </a:r>
+          </a:p>
+          <a:p>
+            <a:r>
+              <a:rPr lang="en-US" sz="1000" dirty="0">
+                <a:solidFill>
+                  <a:srgbClr val="000000"/>
+                </a:solidFill>
+                <a:latin typeface="Consolas" panose="020B0609020204030204" pitchFamily="49" charset="0"/>
+              </a:rPr>
+              <a:t>  </a:t>
+            </a:r>
+            <a:r>
+              <a:rPr lang="en-US" sz="1000" dirty="0" err="1">
+                <a:solidFill>
+                  <a:srgbClr val="000000"/>
+                </a:solidFill>
+                <a:latin typeface="Consolas" panose="020B0609020204030204" pitchFamily="49" charset="0"/>
+              </a:rPr>
+              <a:t>templateUrl</a:t>
+            </a:r>
+            <a:r>
+              <a:rPr lang="en-US" sz="1000" dirty="0">
+                <a:solidFill>
+                  <a:srgbClr val="000000"/>
+                </a:solidFill>
+                <a:latin typeface="Consolas" panose="020B0609020204030204" pitchFamily="49" charset="0"/>
+              </a:rPr>
+              <a:t>: </a:t>
+            </a:r>
+            <a:r>
+              <a:rPr lang="en-US" sz="1000" dirty="0">
+                <a:solidFill>
+                  <a:srgbClr val="A31515"/>
+                </a:solidFill>
+                <a:latin typeface="Consolas" panose="020B0609020204030204" pitchFamily="49" charset="0"/>
+              </a:rPr>
+              <a:t>'./list.component.html'</a:t>
+            </a:r>
+            <a:r>
+              <a:rPr lang="en-US" sz="1000" dirty="0">
+                <a:solidFill>
+                  <a:srgbClr val="000000"/>
+                </a:solidFill>
+                <a:latin typeface="Consolas" panose="020B0609020204030204" pitchFamily="49" charset="0"/>
+              </a:rPr>
+              <a:t>,</a:t>
+            </a:r>
+          </a:p>
+          <a:p>
+            <a:r>
+              <a:rPr lang="en-US" sz="1000" dirty="0">
+                <a:solidFill>
+                  <a:srgbClr val="000000"/>
+                </a:solidFill>
+                <a:latin typeface="Consolas" panose="020B0609020204030204" pitchFamily="49" charset="0"/>
+              </a:rPr>
+              <a:t>  </a:t>
+            </a:r>
+            <a:r>
+              <a:rPr lang="en-US" sz="1000" dirty="0" err="1">
+                <a:solidFill>
+                  <a:srgbClr val="000000"/>
+                </a:solidFill>
+                <a:latin typeface="Consolas" panose="020B0609020204030204" pitchFamily="49" charset="0"/>
+              </a:rPr>
+              <a:t>styleUrls</a:t>
+            </a:r>
+            <a:r>
+              <a:rPr lang="en-US" sz="1000" dirty="0">
+                <a:solidFill>
+                  <a:srgbClr val="000000"/>
+                </a:solidFill>
+                <a:latin typeface="Consolas" panose="020B0609020204030204" pitchFamily="49" charset="0"/>
+              </a:rPr>
+              <a:t>: [</a:t>
+            </a:r>
+            <a:r>
+              <a:rPr lang="en-US" sz="1000" dirty="0">
+                <a:solidFill>
+                  <a:srgbClr val="A31515"/>
+                </a:solidFill>
+                <a:latin typeface="Consolas" panose="020B0609020204030204" pitchFamily="49" charset="0"/>
+              </a:rPr>
+              <a:t>'./list.component.css'</a:t>
+            </a:r>
+            <a:r>
+              <a:rPr lang="en-US" sz="1000" dirty="0">
+                <a:solidFill>
+                  <a:srgbClr val="000000"/>
+                </a:solidFill>
+                <a:latin typeface="Consolas" panose="020B0609020204030204" pitchFamily="49" charset="0"/>
+              </a:rPr>
+              <a:t>]</a:t>
+            </a:r>
+          </a:p>
+          <a:p>
+            <a:r>
+              <a:rPr lang="en-US" sz="1000" dirty="0">
+                <a:solidFill>
+                  <a:srgbClr val="000000"/>
+                </a:solidFill>
+                <a:latin typeface="Consolas" panose="020B0609020204030204" pitchFamily="49" charset="0"/>
+              </a:rPr>
+              <a:t>})</a:t>
+            </a:r>
+          </a:p>
+          <a:p>
             <a:r>
               <a:rPr lang="en-US" sz="1000" dirty="0">
                 <a:solidFill>
@@ -12797,16 +13149,34 @@
                 </a:solidFill>
                 <a:latin typeface="Consolas" panose="020B0609020204030204" pitchFamily="49" charset="0"/>
               </a:rPr>
-              <a:t>import</a:t>
-            </a:r>
-            <a:r>
-              <a:rPr lang="en-US" sz="1000" dirty="0">
-                <a:solidFill>
-                  <a:srgbClr val="000000"/>
-                </a:solidFill>
-                <a:latin typeface="Consolas" panose="020B0609020204030204" pitchFamily="49" charset="0"/>
-              </a:rPr>
-              <a:t> { </a:t>
+              <a:t>export</a:t>
+            </a:r>
+            <a:r>
+              <a:rPr lang="en-US" sz="1000" dirty="0">
+                <a:solidFill>
+                  <a:srgbClr val="000000"/>
+                </a:solidFill>
+                <a:latin typeface="Consolas" panose="020B0609020204030204" pitchFamily="49" charset="0"/>
+              </a:rPr>
+              <a:t> </a:t>
+            </a:r>
+            <a:r>
+              <a:rPr lang="en-US" sz="1000" dirty="0">
+                <a:solidFill>
+                  <a:srgbClr val="0000FF"/>
+                </a:solidFill>
+                <a:latin typeface="Consolas" panose="020B0609020204030204" pitchFamily="49" charset="0"/>
+              </a:rPr>
+              <a:t>class</a:t>
+            </a:r>
+            <a:r>
+              <a:rPr lang="en-US" sz="1000" dirty="0">
+                <a:solidFill>
+                  <a:srgbClr val="000000"/>
+                </a:solidFill>
+                <a:latin typeface="Consolas" panose="020B0609020204030204" pitchFamily="49" charset="0"/>
+              </a:rPr>
+              <a:t> </a:t>
             </a:r>
             <a:r>
               <a:rPr lang="en-US" sz="1000" dirty="0" err="1">
@@ -12815,16 +13185,16 @@
                 </a:solidFill>
                 <a:latin typeface="Consolas" panose="020B0609020204030204" pitchFamily="49" charset="0"/>
               </a:rPr>
-              <a:t>FormsModule</a:t>
-            </a:r>
-            <a:r>
-              <a:rPr lang="en-US" sz="1000" dirty="0">
-                <a:solidFill>
-                  <a:srgbClr val="000000"/>
-                </a:solidFill>
-                <a:latin typeface="Consolas" panose="020B0609020204030204" pitchFamily="49" charset="0"/>
-              </a:rPr>
-              <a:t> } </a:t>
+              <a:t>ListComponent</a:t>
+            </a:r>
+            <a:r>
+              <a:rPr lang="en-US" sz="1000" dirty="0">
+                <a:solidFill>
+                  <a:srgbClr val="000000"/>
+                </a:solidFill>
+                <a:latin typeface="Consolas" panose="020B0609020204030204" pitchFamily="49" charset="0"/>
+              </a:rPr>
+              <a:t> </a:t>
             </a:r>
             <a:r>
               <a:rPr lang="en-US" sz="1000" dirty="0">
@@ -12833,7 +13203,7 @@
                 </a:solidFill>
                 <a:latin typeface="Consolas" panose="020B0609020204030204" pitchFamily="49" charset="0"/>
               </a:rPr>
-              <a:t>from</a:t>
+              <a:t>implements</a:t>
             </a:r>
             <a:r>
               <a:rPr lang="en-US" sz="1000" dirty="0">
@@ -12845,25 +13215,322 @@
               <a:t> </a:t>
             </a:r>
             <a:r>
+              <a:rPr lang="en-US" sz="1000" dirty="0" err="1">
+                <a:solidFill>
+                  <a:srgbClr val="000000"/>
+                </a:solidFill>
+                <a:latin typeface="Consolas" panose="020B0609020204030204" pitchFamily="49" charset="0"/>
+              </a:rPr>
+              <a:t>OnInit</a:t>
+            </a:r>
+            <a:r>
+              <a:rPr lang="en-US" sz="1000" dirty="0">
+                <a:solidFill>
+                  <a:srgbClr val="000000"/>
+                </a:solidFill>
+                <a:latin typeface="Consolas" panose="020B0609020204030204" pitchFamily="49" charset="0"/>
+              </a:rPr>
+              <a:t> {</a:t>
+            </a:r>
+          </a:p>
+          <a:p>
+            <a:br>
+              <a:rPr lang="en-US" sz="1000" dirty="0">
+                <a:solidFill>
+                  <a:srgbClr val="000000"/>
+                </a:solidFill>
+                <a:latin typeface="Consolas" panose="020B0609020204030204" pitchFamily="49" charset="0"/>
+              </a:rPr>
+            </a:br>
+            <a:r>
+              <a:rPr lang="en-US" sz="1000" dirty="0">
+                <a:solidFill>
+                  <a:srgbClr val="000000"/>
+                </a:solidFill>
+                <a:latin typeface="Consolas" panose="020B0609020204030204" pitchFamily="49" charset="0"/>
+              </a:rPr>
+              <a:t>  </a:t>
+            </a:r>
+            <a:r>
+              <a:rPr lang="en-US" sz="1000" dirty="0">
+                <a:solidFill>
+                  <a:srgbClr val="0000FF"/>
+                </a:solidFill>
+                <a:latin typeface="Consolas" panose="020B0609020204030204" pitchFamily="49" charset="0"/>
+              </a:rPr>
+              <a:t>public</a:t>
+            </a:r>
+            <a:r>
+              <a:rPr lang="en-US" sz="1000" dirty="0">
+                <a:solidFill>
+                  <a:srgbClr val="000000"/>
+                </a:solidFill>
+                <a:latin typeface="Consolas" panose="020B0609020204030204" pitchFamily="49" charset="0"/>
+              </a:rPr>
+              <a:t> people: Array&lt;Item&gt;;</a:t>
+            </a:r>
+          </a:p>
+          <a:p>
+            <a:br>
+              <a:rPr lang="en-US" sz="1000" dirty="0">
+                <a:solidFill>
+                  <a:srgbClr val="000000"/>
+                </a:solidFill>
+                <a:latin typeface="Consolas" panose="020B0609020204030204" pitchFamily="49" charset="0"/>
+              </a:rPr>
+            </a:br>
+            <a:r>
+              <a:rPr lang="en-US" sz="1000" dirty="0">
+                <a:solidFill>
+                  <a:srgbClr val="000000"/>
+                </a:solidFill>
+                <a:latin typeface="Consolas" panose="020B0609020204030204" pitchFamily="49" charset="0"/>
+              </a:rPr>
+              <a:t>  </a:t>
+            </a:r>
+            <a:r>
+              <a:rPr lang="en-US" sz="1000" dirty="0">
+                <a:solidFill>
+                  <a:srgbClr val="0000FF"/>
+                </a:solidFill>
+                <a:latin typeface="Consolas" panose="020B0609020204030204" pitchFamily="49" charset="0"/>
+              </a:rPr>
+              <a:t>public</a:t>
+            </a:r>
+            <a:r>
+              <a:rPr lang="en-US" sz="1000" dirty="0">
+                <a:solidFill>
+                  <a:srgbClr val="000000"/>
+                </a:solidFill>
+                <a:latin typeface="Consolas" panose="020B0609020204030204" pitchFamily="49" charset="0"/>
+              </a:rPr>
+              <a:t> </a:t>
+            </a:r>
+            <a:r>
+              <a:rPr lang="en-US" sz="1000" dirty="0">
+                <a:solidFill>
+                  <a:srgbClr val="0000FF"/>
+                </a:solidFill>
+                <a:latin typeface="Consolas" panose="020B0609020204030204" pitchFamily="49" charset="0"/>
+              </a:rPr>
+              <a:t>constructor</a:t>
+            </a:r>
+            <a:r>
+              <a:rPr lang="en-US" sz="1000" dirty="0">
+                <a:solidFill>
+                  <a:srgbClr val="000000"/>
+                </a:solidFill>
+                <a:latin typeface="Consolas" panose="020B0609020204030204" pitchFamily="49" charset="0"/>
+              </a:rPr>
+              <a:t>(</a:t>
+            </a:r>
+            <a:r>
+              <a:rPr lang="en-US" sz="1000" dirty="0">
+                <a:solidFill>
+                  <a:srgbClr val="0000FF"/>
+                </a:solidFill>
+                <a:latin typeface="Consolas" panose="020B0609020204030204" pitchFamily="49" charset="0"/>
+              </a:rPr>
+              <a:t>private</a:t>
+            </a:r>
+            <a:r>
+              <a:rPr lang="en-US" sz="1000" dirty="0">
+                <a:solidFill>
+                  <a:srgbClr val="000000"/>
+                </a:solidFill>
+                <a:latin typeface="Consolas" panose="020B0609020204030204" pitchFamily="49" charset="0"/>
+              </a:rPr>
+              <a:t> http: </a:t>
+            </a:r>
+            <a:r>
+              <a:rPr lang="en-US" sz="1000" dirty="0" err="1">
+                <a:solidFill>
+                  <a:srgbClr val="000000"/>
+                </a:solidFill>
+                <a:latin typeface="Consolas" panose="020B0609020204030204" pitchFamily="49" charset="0"/>
+              </a:rPr>
+              <a:t>Httpy</a:t>
+            </a:r>
+            <a:r>
+              <a:rPr lang="en-US" sz="1000" dirty="0">
+                <a:solidFill>
+                  <a:srgbClr val="000000"/>
+                </a:solidFill>
+                <a:latin typeface="Consolas" panose="020B0609020204030204" pitchFamily="49" charset="0"/>
+              </a:rPr>
+              <a:t>) { </a:t>
+            </a:r>
+          </a:p>
+          <a:p>
+            <a:r>
+              <a:rPr lang="en-US" sz="1000" dirty="0">
+                <a:solidFill>
+                  <a:srgbClr val="000000"/>
+                </a:solidFill>
+                <a:latin typeface="Consolas" panose="020B0609020204030204" pitchFamily="49" charset="0"/>
+              </a:rPr>
+              <a:t>      </a:t>
+            </a:r>
+            <a:r>
+              <a:rPr lang="en-US" sz="1000" dirty="0" err="1">
+                <a:solidFill>
+                  <a:srgbClr val="0000FF"/>
+                </a:solidFill>
+                <a:latin typeface="Consolas" panose="020B0609020204030204" pitchFamily="49" charset="0"/>
+              </a:rPr>
+              <a:t>this</a:t>
+            </a:r>
+            <a:r>
+              <a:rPr lang="en-US" sz="1000" dirty="0" err="1">
+                <a:solidFill>
+                  <a:srgbClr val="000000"/>
+                </a:solidFill>
+                <a:latin typeface="Consolas" panose="020B0609020204030204" pitchFamily="49" charset="0"/>
+              </a:rPr>
+              <a:t>.people</a:t>
+            </a:r>
+            <a:r>
+              <a:rPr lang="en-US" sz="1000" dirty="0">
+                <a:solidFill>
+                  <a:srgbClr val="000000"/>
+                </a:solidFill>
+                <a:latin typeface="Consolas" panose="020B0609020204030204" pitchFamily="49" charset="0"/>
+              </a:rPr>
+              <a:t> = [];</a:t>
+            </a:r>
+          </a:p>
+          <a:p>
+            <a:r>
+              <a:rPr lang="en-US" sz="1000" dirty="0">
+                <a:solidFill>
+                  <a:srgbClr val="000000"/>
+                </a:solidFill>
+                <a:latin typeface="Consolas" panose="020B0609020204030204" pitchFamily="49" charset="0"/>
+              </a:rPr>
+              <a:t>  }</a:t>
+            </a:r>
+          </a:p>
+          <a:p>
+            <a:br>
+              <a:rPr lang="en-US" sz="1000" dirty="0">
+                <a:solidFill>
+                  <a:srgbClr val="000000"/>
+                </a:solidFill>
+                <a:latin typeface="Consolas" panose="020B0609020204030204" pitchFamily="49" charset="0"/>
+              </a:rPr>
+            </a:br>
+            <a:r>
+              <a:rPr lang="en-US" sz="1000" dirty="0">
+                <a:solidFill>
+                  <a:srgbClr val="000000"/>
+                </a:solidFill>
+                <a:latin typeface="Consolas" panose="020B0609020204030204" pitchFamily="49" charset="0"/>
+              </a:rPr>
+              <a:t>  </a:t>
+            </a:r>
+            <a:r>
+              <a:rPr lang="en-US" sz="1000" dirty="0">
+                <a:solidFill>
+                  <a:srgbClr val="0000FF"/>
+                </a:solidFill>
+                <a:latin typeface="Consolas" panose="020B0609020204030204" pitchFamily="49" charset="0"/>
+              </a:rPr>
+              <a:t>public</a:t>
+            </a:r>
+            <a:r>
+              <a:rPr lang="en-US" sz="1000" dirty="0">
+                <a:solidFill>
+                  <a:srgbClr val="000000"/>
+                </a:solidFill>
+                <a:latin typeface="Consolas" panose="020B0609020204030204" pitchFamily="49" charset="0"/>
+              </a:rPr>
+              <a:t> </a:t>
+            </a:r>
+            <a:r>
+              <a:rPr lang="en-US" sz="1000" dirty="0" err="1">
+                <a:solidFill>
+                  <a:srgbClr val="000000"/>
+                </a:solidFill>
+                <a:latin typeface="Consolas" panose="020B0609020204030204" pitchFamily="49" charset="0"/>
+              </a:rPr>
+              <a:t>ngOnInit</a:t>
+            </a:r>
+            <a:r>
+              <a:rPr lang="en-US" sz="1000" dirty="0">
+                <a:solidFill>
+                  <a:srgbClr val="000000"/>
+                </a:solidFill>
+                <a:latin typeface="Consolas" panose="020B0609020204030204" pitchFamily="49" charset="0"/>
+              </a:rPr>
+              <a:t>() {</a:t>
+            </a:r>
+          </a:p>
+          <a:p>
+            <a:r>
+              <a:rPr lang="en-US" sz="1000" dirty="0">
+                <a:solidFill>
+                  <a:srgbClr val="000000"/>
+                </a:solidFill>
+                <a:latin typeface="Consolas" panose="020B0609020204030204" pitchFamily="49" charset="0"/>
+              </a:rPr>
+              <a:t>    </a:t>
+            </a:r>
+            <a:r>
+              <a:rPr lang="en-US" sz="1000" dirty="0" err="1">
+                <a:solidFill>
+                  <a:srgbClr val="0000FF"/>
+                </a:solidFill>
+                <a:latin typeface="Consolas" panose="020B0609020204030204" pitchFamily="49" charset="0"/>
+              </a:rPr>
+              <a:t>this</a:t>
+            </a:r>
+            <a:r>
+              <a:rPr lang="en-US" sz="1000" dirty="0" err="1">
+                <a:solidFill>
+                  <a:srgbClr val="000000"/>
+                </a:solidFill>
+                <a:latin typeface="Consolas" panose="020B0609020204030204" pitchFamily="49" charset="0"/>
+              </a:rPr>
+              <a:t>.http.get</a:t>
+            </a:r>
+            <a:r>
+              <a:rPr lang="en-US" sz="1000" dirty="0">
+                <a:solidFill>
+                  <a:srgbClr val="000000"/>
+                </a:solidFill>
+                <a:latin typeface="Consolas" panose="020B0609020204030204" pitchFamily="49" charset="0"/>
+              </a:rPr>
+              <a:t>(</a:t>
+            </a:r>
+            <a:r>
               <a:rPr lang="en-US" sz="1000" dirty="0">
                 <a:solidFill>
                   <a:srgbClr val="A31515"/>
                 </a:solidFill>
                 <a:latin typeface="Consolas" panose="020B0609020204030204" pitchFamily="49" charset="0"/>
               </a:rPr>
-              <a:t>'@angular/forms'</a:t>
-            </a:r>
-            <a:r>
-              <a:rPr lang="en-US" sz="1000" dirty="0">
-                <a:solidFill>
-                  <a:srgbClr val="000000"/>
-                </a:solidFill>
-                <a:latin typeface="Consolas" panose="020B0609020204030204" pitchFamily="49" charset="0"/>
-              </a:rPr>
-              <a:t>;</a:t>
-            </a:r>
-          </a:p>
-          <a:p>
+              <a:t>"http://localhost/api/getAll"</a:t>
+            </a:r>
+            <a:r>
+              <a:rPr lang="en-US" sz="1000" dirty="0">
+                <a:solidFill>
+                  <a:srgbClr val="000000"/>
+                </a:solidFill>
+                <a:latin typeface="Consolas" panose="020B0609020204030204" pitchFamily="49" charset="0"/>
+              </a:rPr>
+              <a:t>)</a:t>
+            </a:r>
+          </a:p>
+          <a:p>
+            <a:r>
+              <a:rPr lang="en-US" sz="1000" dirty="0">
+                <a:solidFill>
+                  <a:srgbClr val="000000"/>
+                </a:solidFill>
+                <a:latin typeface="Consolas" panose="020B0609020204030204" pitchFamily="49" charset="0"/>
+              </a:rPr>
+              <a:t>      .map(result </a:t>
+            </a:r>
             <a:r>
               <a:rPr lang="en-US" sz="1000" dirty="0">
                 <a:solidFill>
@@ -12871,16 +13538,16 @@
                 </a:solidFill>
                 <a:latin typeface="Consolas" panose="020B0609020204030204" pitchFamily="49" charset="0"/>
               </a:rPr>
-              <a:t>import</a:t>
-            </a:r>
-            <a:r>
-              <a:rPr lang="en-US" sz="1000" dirty="0">
-                <a:solidFill>
-                  <a:srgbClr val="000000"/>
-                </a:solidFill>
-                <a:latin typeface="Consolas" panose="020B0609020204030204" pitchFamily="49" charset="0"/>
-              </a:rPr>
-              <a:t> { </a:t>
+              <a:t>=&gt;</a:t>
+            </a:r>
+            <a:r>
+              <a:rPr lang="en-US" sz="1000" dirty="0">
+                <a:solidFill>
+                  <a:srgbClr val="000000"/>
+                </a:solidFill>
+                <a:latin typeface="Consolas" panose="020B0609020204030204" pitchFamily="49" charset="0"/>
+              </a:rPr>
+              <a:t> </a:t>
             </a:r>
             <a:r>
               <a:rPr lang="en-US" sz="1000" dirty="0" err="1">
@@ -12889,16 +13556,27 @@
                 </a:solidFill>
                 <a:latin typeface="Consolas" panose="020B0609020204030204" pitchFamily="49" charset="0"/>
               </a:rPr>
-              <a:t>HttpModule</a:t>
-            </a:r>
-            <a:r>
-              <a:rPr lang="en-US" sz="1000" dirty="0">
-                <a:solidFill>
-                  <a:srgbClr val="000000"/>
-                </a:solidFill>
-                <a:latin typeface="Consolas" panose="020B0609020204030204" pitchFamily="49" charset="0"/>
-              </a:rPr>
-              <a:t> } </a:t>
+              <a:t>result.json</a:t>
+            </a:r>
+            <a:r>
+              <a:rPr lang="en-US" sz="1000" dirty="0">
+                <a:solidFill>
+                  <a:srgbClr val="000000"/>
+                </a:solidFill>
+                <a:latin typeface="Consolas" panose="020B0609020204030204" pitchFamily="49" charset="0"/>
+              </a:rPr>
+              <a:t>())</a:t>
+            </a:r>
+          </a:p>
+          <a:p>
+            <a:r>
+              <a:rPr lang="en-US" sz="1000" dirty="0">
+                <a:solidFill>
+                  <a:srgbClr val="000000"/>
+                </a:solidFill>
+                <a:latin typeface="Consolas" panose="020B0609020204030204" pitchFamily="49" charset="0"/>
+              </a:rPr>
+              <a:t>      .subscribe(results </a:t>
             </a:r>
             <a:r>
               <a:rPr lang="en-US" sz="1000" dirty="0">
@@ -12907,54 +13585,36 @@
                 </a:solidFill>
                 <a:latin typeface="Consolas" panose="020B0609020204030204" pitchFamily="49" charset="0"/>
               </a:rPr>
-              <a:t>from</a:t>
-            </a:r>
-            <a:r>
-              <a:rPr lang="en-US" sz="1000" dirty="0">
-                <a:solidFill>
-                  <a:srgbClr val="000000"/>
-                </a:solidFill>
-                <a:latin typeface="Consolas" panose="020B0609020204030204" pitchFamily="49" charset="0"/>
-              </a:rPr>
-              <a:t> </a:t>
-            </a:r>
-            <a:r>
-              <a:rPr lang="en-US" sz="1000" dirty="0">
-                <a:solidFill>
-                  <a:srgbClr val="A31515"/>
-                </a:solidFill>
-                <a:latin typeface="Consolas" panose="020B0609020204030204" pitchFamily="49" charset="0"/>
-              </a:rPr>
-              <a:t>'@angular/http'</a:t>
-            </a:r>
-            <a:r>
-              <a:rPr lang="en-US" sz="1000" dirty="0">
-                <a:solidFill>
-                  <a:srgbClr val="000000"/>
-                </a:solidFill>
-                <a:latin typeface="Consolas" panose="020B0609020204030204" pitchFamily="49" charset="0"/>
-              </a:rPr>
-              <a:t>;</a:t>
-            </a:r>
-          </a:p>
-          <a:p>
-            <a:r>
-              <a:rPr lang="en-US" sz="1000" dirty="0">
+              <a:t>=&gt;</a:t>
+            </a:r>
+            <a:r>
+              <a:rPr lang="en-US" sz="1000" dirty="0">
+                <a:solidFill>
+                  <a:srgbClr val="000000"/>
+                </a:solidFill>
+                <a:latin typeface="Consolas" panose="020B0609020204030204" pitchFamily="49" charset="0"/>
+              </a:rPr>
+              <a:t> {</a:t>
+            </a:r>
+          </a:p>
+          <a:p>
+            <a:r>
+              <a:rPr lang="en-US" sz="1000" dirty="0">
+                <a:solidFill>
+                  <a:srgbClr val="000000"/>
+                </a:solidFill>
+                <a:latin typeface="Consolas" panose="020B0609020204030204" pitchFamily="49" charset="0"/>
+              </a:rPr>
+              <a:t>          </a:t>
+            </a:r>
+            <a:r>
+              <a:rPr lang="en-US" sz="1000" dirty="0" err="1">
                 <a:solidFill>
                   <a:srgbClr val="0000FF"/>
                 </a:solidFill>
                 <a:latin typeface="Consolas" panose="020B0609020204030204" pitchFamily="49" charset="0"/>
               </a:rPr>
-              <a:t>import</a:t>
-            </a:r>
-            <a:r>
-              <a:rPr lang="en-US" sz="1000" dirty="0">
-                <a:solidFill>
-                  <a:srgbClr val="000000"/>
-                </a:solidFill>
-                <a:latin typeface="Consolas" panose="020B0609020204030204" pitchFamily="49" charset="0"/>
-              </a:rPr>
-              <a:t> { </a:t>
+              <a:t>this</a:t>
             </a:r>
             <a:r>
               <a:rPr lang="en-US" sz="1000" dirty="0" err="1">
@@ -12963,16 +13623,27 @@
                 </a:solidFill>
                 <a:latin typeface="Consolas" panose="020B0609020204030204" pitchFamily="49" charset="0"/>
               </a:rPr>
-              <a:t>RouterModule</a:t>
-            </a:r>
-            <a:r>
-              <a:rPr lang="en-US" sz="1000" dirty="0">
-                <a:solidFill>
-                  <a:srgbClr val="000000"/>
-                </a:solidFill>
-                <a:latin typeface="Consolas" panose="020B0609020204030204" pitchFamily="49" charset="0"/>
-              </a:rPr>
-              <a:t> } </a:t>
+              <a:t>.people</a:t>
+            </a:r>
+            <a:r>
+              <a:rPr lang="en-US" sz="1000" dirty="0">
+                <a:solidFill>
+                  <a:srgbClr val="000000"/>
+                </a:solidFill>
+                <a:latin typeface="Consolas" panose="020B0609020204030204" pitchFamily="49" charset="0"/>
+              </a:rPr>
+              <a:t> = results;</a:t>
+            </a:r>
+          </a:p>
+          <a:p>
+            <a:r>
+              <a:rPr lang="en-US" sz="1000" dirty="0">
+                <a:solidFill>
+                  <a:srgbClr val="000000"/>
+                </a:solidFill>
+                <a:latin typeface="Consolas" panose="020B0609020204030204" pitchFamily="49" charset="0"/>
+              </a:rPr>
+              <a:t>      }, error </a:t>
             </a:r>
             <a:r>
               <a:rPr lang="en-US" sz="1000" dirty="0">
@@ -12981,118 +13652,27 @@
                 </a:solidFill>
                 <a:latin typeface="Consolas" panose="020B0609020204030204" pitchFamily="49" charset="0"/>
               </a:rPr>
-              <a:t>from</a:t>
-            </a:r>
-            <a:r>
-              <a:rPr lang="en-US" sz="1000" dirty="0">
-                <a:solidFill>
-                  <a:srgbClr val="000000"/>
-                </a:solidFill>
-                <a:latin typeface="Consolas" panose="020B0609020204030204" pitchFamily="49" charset="0"/>
-              </a:rPr>
-              <a:t> </a:t>
-            </a:r>
-            <a:r>
-              <a:rPr lang="en-US" sz="1000" dirty="0">
-                <a:solidFill>
-                  <a:srgbClr val="A31515"/>
-                </a:solidFill>
-                <a:latin typeface="Consolas" panose="020B0609020204030204" pitchFamily="49" charset="0"/>
-              </a:rPr>
-              <a:t>'@angular/router'</a:t>
-            </a:r>
-            <a:r>
-              <a:rPr lang="en-US" sz="1000" dirty="0">
-                <a:solidFill>
-                  <a:srgbClr val="000000"/>
-                </a:solidFill>
-                <a:latin typeface="Consolas" panose="020B0609020204030204" pitchFamily="49" charset="0"/>
-              </a:rPr>
-              <a:t>;</a:t>
-            </a:r>
-          </a:p>
-          <a:p>
-            <a:r>
-              <a:rPr lang="en-US" sz="1000" dirty="0">
-                <a:solidFill>
-                  <a:srgbClr val="0000FF"/>
-                </a:solidFill>
-                <a:latin typeface="Consolas" panose="020B0609020204030204" pitchFamily="49" charset="0"/>
-              </a:rPr>
-              <a:t>import</a:t>
-            </a:r>
-            <a:r>
-              <a:rPr lang="en-US" sz="1000" dirty="0">
-                <a:solidFill>
-                  <a:srgbClr val="000000"/>
-                </a:solidFill>
-                <a:latin typeface="Consolas" panose="020B0609020204030204" pitchFamily="49" charset="0"/>
-              </a:rPr>
-              <a:t> { Utility } </a:t>
-            </a:r>
-            <a:r>
-              <a:rPr lang="en-US" sz="1000" dirty="0">
-                <a:solidFill>
-                  <a:srgbClr val="0000FF"/>
-                </a:solidFill>
-                <a:latin typeface="Consolas" panose="020B0609020204030204" pitchFamily="49" charset="0"/>
-              </a:rPr>
-              <a:t>from</a:t>
-            </a:r>
-            <a:r>
-              <a:rPr lang="en-US" sz="1000" dirty="0">
-                <a:solidFill>
-                  <a:srgbClr val="000000"/>
-                </a:solidFill>
-                <a:latin typeface="Consolas" panose="020B0609020204030204" pitchFamily="49" charset="0"/>
-              </a:rPr>
-              <a:t> </a:t>
-            </a:r>
-            <a:r>
-              <a:rPr lang="en-US" sz="1000" dirty="0">
-                <a:solidFill>
-                  <a:srgbClr val="A31515"/>
-                </a:solidFill>
-                <a:latin typeface="Consolas" panose="020B0609020204030204" pitchFamily="49" charset="0"/>
-              </a:rPr>
-              <a:t>'./utility'</a:t>
-            </a:r>
-            <a:r>
-              <a:rPr lang="en-US" sz="1000" dirty="0">
-                <a:solidFill>
-                  <a:srgbClr val="000000"/>
-                </a:solidFill>
-                <a:latin typeface="Consolas" panose="020B0609020204030204" pitchFamily="49" charset="0"/>
-              </a:rPr>
-              <a:t>;</a:t>
-            </a:r>
-          </a:p>
-          <a:p>
-            <a:br>
-              <a:rPr lang="en-US" sz="1000" dirty="0">
-                <a:solidFill>
-                  <a:srgbClr val="000000"/>
-                </a:solidFill>
-                <a:latin typeface="Consolas" panose="020B0609020204030204" pitchFamily="49" charset="0"/>
-              </a:rPr>
-            </a:br>
-            <a:r>
-              <a:rPr lang="en-US" sz="1000" dirty="0">
-                <a:solidFill>
-                  <a:srgbClr val="0000FF"/>
-                </a:solidFill>
-                <a:latin typeface="Consolas" panose="020B0609020204030204" pitchFamily="49" charset="0"/>
-              </a:rPr>
-              <a:t>import</a:t>
-            </a:r>
-            <a:r>
-              <a:rPr lang="en-US" sz="1000" dirty="0">
-                <a:solidFill>
-                  <a:srgbClr val="000000"/>
-                </a:solidFill>
-                <a:latin typeface="Consolas" panose="020B0609020204030204" pitchFamily="49" charset="0"/>
-              </a:rPr>
-              <a:t> { </a:t>
+              <a:t>=&gt;</a:t>
+            </a:r>
+            <a:r>
+              <a:rPr lang="en-US" sz="1000" dirty="0">
+                <a:solidFill>
+                  <a:srgbClr val="000000"/>
+                </a:solidFill>
+                <a:latin typeface="Consolas" panose="020B0609020204030204" pitchFamily="49" charset="0"/>
+              </a:rPr>
+              <a:t> {</a:t>
+            </a:r>
+          </a:p>
+          <a:p>
+            <a:r>
+              <a:rPr lang="en-US" sz="1000" dirty="0">
+                <a:solidFill>
+                  <a:srgbClr val="000000"/>
+                </a:solidFill>
+                <a:latin typeface="Consolas" panose="020B0609020204030204" pitchFamily="49" charset="0"/>
+              </a:rPr>
+              <a:t>          </a:t>
             </a:r>
             <a:r>
               <a:rPr lang="en-US" sz="1000" dirty="0" err="1">
@@ -13101,615 +13681,49 @@
                 </a:solidFill>
                 <a:latin typeface="Consolas" panose="020B0609020204030204" pitchFamily="49" charset="0"/>
               </a:rPr>
-              <a:t>AppComponent</a:t>
-            </a:r>
-            <a:r>
-              <a:rPr lang="en-US" sz="1000" dirty="0">
-                <a:solidFill>
-                  <a:srgbClr val="000000"/>
-                </a:solidFill>
-                <a:latin typeface="Consolas" panose="020B0609020204030204" pitchFamily="49" charset="0"/>
-              </a:rPr>
-              <a:t> } </a:t>
-            </a:r>
-            <a:r>
-              <a:rPr lang="en-US" sz="1000" dirty="0">
-                <a:solidFill>
-                  <a:srgbClr val="0000FF"/>
-                </a:solidFill>
-                <a:latin typeface="Consolas" panose="020B0609020204030204" pitchFamily="49" charset="0"/>
-              </a:rPr>
-              <a:t>from</a:t>
-            </a:r>
-            <a:r>
-              <a:rPr lang="en-US" sz="1000" dirty="0">
-                <a:solidFill>
-                  <a:srgbClr val="000000"/>
-                </a:solidFill>
-                <a:latin typeface="Consolas" panose="020B0609020204030204" pitchFamily="49" charset="0"/>
-              </a:rPr>
-              <a:t> </a:t>
-            </a:r>
-            <a:r>
-              <a:rPr lang="en-US" sz="1000" dirty="0">
-                <a:solidFill>
-                  <a:srgbClr val="A31515"/>
-                </a:solidFill>
-                <a:latin typeface="Consolas" panose="020B0609020204030204" pitchFamily="49" charset="0"/>
-              </a:rPr>
-              <a:t>'./</a:t>
-            </a:r>
-            <a:r>
-              <a:rPr lang="en-US" sz="1000" dirty="0" err="1">
-                <a:solidFill>
-                  <a:srgbClr val="A31515"/>
-                </a:solidFill>
-                <a:latin typeface="Consolas" panose="020B0609020204030204" pitchFamily="49" charset="0"/>
-              </a:rPr>
-              <a:t>app.component</a:t>
-            </a:r>
-            <a:r>
-              <a:rPr lang="en-US" sz="1000" dirty="0">
-                <a:solidFill>
-                  <a:srgbClr val="A31515"/>
-                </a:solidFill>
-                <a:latin typeface="Consolas" panose="020B0609020204030204" pitchFamily="49" charset="0"/>
-              </a:rPr>
-              <a:t>'</a:t>
-            </a:r>
-            <a:r>
-              <a:rPr lang="en-US" sz="1000" dirty="0">
-                <a:solidFill>
-                  <a:srgbClr val="000000"/>
-                </a:solidFill>
-                <a:latin typeface="Consolas" panose="020B0609020204030204" pitchFamily="49" charset="0"/>
-              </a:rPr>
-              <a:t>;</a:t>
-            </a:r>
-          </a:p>
-          <a:p>
-            <a:r>
-              <a:rPr lang="en-US" sz="1000" dirty="0">
-                <a:solidFill>
-                  <a:srgbClr val="0000FF"/>
-                </a:solidFill>
-                <a:latin typeface="Consolas" panose="020B0609020204030204" pitchFamily="49" charset="0"/>
-              </a:rPr>
-              <a:t>import</a:t>
-            </a:r>
-            <a:r>
-              <a:rPr lang="en-US" sz="1000" dirty="0">
-                <a:solidFill>
-                  <a:srgbClr val="000000"/>
-                </a:solidFill>
-                <a:latin typeface="Consolas" panose="020B0609020204030204" pitchFamily="49" charset="0"/>
-              </a:rPr>
-              <a:t> { </a:t>
-            </a:r>
-            <a:r>
-              <a:rPr lang="en-US" sz="1000" dirty="0" err="1">
-                <a:solidFill>
-                  <a:srgbClr val="000000"/>
-                </a:solidFill>
-                <a:latin typeface="Consolas" panose="020B0609020204030204" pitchFamily="49" charset="0"/>
-              </a:rPr>
-              <a:t>MyComponent</a:t>
-            </a:r>
-            <a:r>
-              <a:rPr lang="en-US" sz="1000" dirty="0">
-                <a:solidFill>
-                  <a:srgbClr val="000000"/>
-                </a:solidFill>
-                <a:latin typeface="Consolas" panose="020B0609020204030204" pitchFamily="49" charset="0"/>
-              </a:rPr>
-              <a:t> } </a:t>
-            </a:r>
-            <a:r>
-              <a:rPr lang="en-US" sz="1000" dirty="0">
-                <a:solidFill>
-                  <a:srgbClr val="0000FF"/>
-                </a:solidFill>
-                <a:latin typeface="Consolas" panose="020B0609020204030204" pitchFamily="49" charset="0"/>
-              </a:rPr>
-              <a:t>from</a:t>
-            </a:r>
-            <a:r>
-              <a:rPr lang="en-US" sz="1000" dirty="0">
-                <a:solidFill>
-                  <a:srgbClr val="000000"/>
-                </a:solidFill>
-                <a:latin typeface="Consolas" panose="020B0609020204030204" pitchFamily="49" charset="0"/>
-              </a:rPr>
-              <a:t> </a:t>
-            </a:r>
-            <a:r>
-              <a:rPr lang="en-US" sz="1000" dirty="0">
-                <a:solidFill>
-                  <a:srgbClr val="A31515"/>
-                </a:solidFill>
-                <a:latin typeface="Consolas" panose="020B0609020204030204" pitchFamily="49" charset="0"/>
-              </a:rPr>
-              <a:t>'./</a:t>
-            </a:r>
-            <a:r>
-              <a:rPr lang="en-US" sz="1000" dirty="0" err="1">
-                <a:solidFill>
-                  <a:srgbClr val="A31515"/>
-                </a:solidFill>
-                <a:latin typeface="Consolas" panose="020B0609020204030204" pitchFamily="49" charset="0"/>
-              </a:rPr>
-              <a:t>pathto</a:t>
-            </a:r>
-            <a:r>
-              <a:rPr lang="en-US" sz="1000" dirty="0">
-                <a:solidFill>
-                  <a:srgbClr val="A31515"/>
-                </a:solidFill>
-                <a:latin typeface="Consolas" panose="020B0609020204030204" pitchFamily="49" charset="0"/>
-              </a:rPr>
-              <a:t>/</a:t>
-            </a:r>
-            <a:r>
-              <a:rPr lang="en-US" sz="1000" dirty="0" err="1">
-                <a:solidFill>
-                  <a:srgbClr val="A31515"/>
-                </a:solidFill>
-                <a:latin typeface="Consolas" panose="020B0609020204030204" pitchFamily="49" charset="0"/>
-              </a:rPr>
-              <a:t>my.component</a:t>
-            </a:r>
-            <a:r>
-              <a:rPr lang="en-US" sz="1000" dirty="0">
-                <a:solidFill>
-                  <a:srgbClr val="A31515"/>
-                </a:solidFill>
-                <a:latin typeface="Consolas" panose="020B0609020204030204" pitchFamily="49" charset="0"/>
-              </a:rPr>
-              <a:t>'</a:t>
-            </a:r>
-            <a:r>
-              <a:rPr lang="en-US" sz="1000" dirty="0">
-                <a:solidFill>
-                  <a:srgbClr val="000000"/>
-                </a:solidFill>
-                <a:latin typeface="Consolas" panose="020B0609020204030204" pitchFamily="49" charset="0"/>
-              </a:rPr>
-              <a:t>;</a:t>
-            </a:r>
-          </a:p>
-          <a:p>
-            <a:br>
-              <a:rPr lang="en-US" sz="1000" dirty="0">
-                <a:solidFill>
-                  <a:srgbClr val="000000"/>
-                </a:solidFill>
-                <a:latin typeface="Consolas" panose="020B0609020204030204" pitchFamily="49" charset="0"/>
-              </a:rPr>
-            </a:br>
-            <a:r>
-              <a:rPr lang="en-US" sz="1000" dirty="0">
-                <a:solidFill>
-                  <a:srgbClr val="000000"/>
-                </a:solidFill>
-                <a:latin typeface="Consolas" panose="020B0609020204030204" pitchFamily="49" charset="0"/>
-              </a:rPr>
-              <a:t>@</a:t>
-            </a:r>
-            <a:r>
-              <a:rPr lang="en-US" sz="1000" dirty="0" err="1">
-                <a:solidFill>
-                  <a:srgbClr val="000000"/>
-                </a:solidFill>
-                <a:latin typeface="Consolas" panose="020B0609020204030204" pitchFamily="49" charset="0"/>
-              </a:rPr>
-              <a:t>NgModule</a:t>
-            </a:r>
-            <a:r>
-              <a:rPr lang="en-US" sz="1000" dirty="0">
-                <a:solidFill>
-                  <a:srgbClr val="000000"/>
-                </a:solidFill>
-                <a:latin typeface="Consolas" panose="020B0609020204030204" pitchFamily="49" charset="0"/>
-              </a:rPr>
-              <a:t>({</a:t>
-            </a:r>
-          </a:p>
-          <a:p>
-            <a:r>
-              <a:rPr lang="en-US" sz="1000" dirty="0">
-                <a:solidFill>
-                  <a:srgbClr val="000000"/>
-                </a:solidFill>
-                <a:latin typeface="Consolas" panose="020B0609020204030204" pitchFamily="49" charset="0"/>
-              </a:rPr>
-              <a:t>  declarations: [</a:t>
-            </a:r>
-          </a:p>
-          <a:p>
-            <a:r>
-              <a:rPr lang="en-US" sz="1000" dirty="0">
-                <a:solidFill>
-                  <a:srgbClr val="000000"/>
-                </a:solidFill>
-                <a:latin typeface="Consolas" panose="020B0609020204030204" pitchFamily="49" charset="0"/>
-              </a:rPr>
-              <a:t>    </a:t>
-            </a:r>
-            <a:r>
-              <a:rPr lang="en-US" sz="1000" dirty="0" err="1">
-                <a:solidFill>
-                  <a:srgbClr val="000000"/>
-                </a:solidFill>
-                <a:latin typeface="Consolas" panose="020B0609020204030204" pitchFamily="49" charset="0"/>
-              </a:rPr>
-              <a:t>AppComponent</a:t>
-            </a:r>
-            <a:r>
-              <a:rPr lang="en-US" sz="1000" dirty="0">
-                <a:solidFill>
-                  <a:srgbClr val="000000"/>
-                </a:solidFill>
-                <a:latin typeface="Consolas" panose="020B0609020204030204" pitchFamily="49" charset="0"/>
-              </a:rPr>
-              <a:t>,</a:t>
-            </a:r>
-          </a:p>
-          <a:p>
-            <a:r>
-              <a:rPr lang="en-US" sz="1000" dirty="0">
-                <a:solidFill>
-                  <a:srgbClr val="000000"/>
-                </a:solidFill>
-                <a:latin typeface="Consolas" panose="020B0609020204030204" pitchFamily="49" charset="0"/>
-              </a:rPr>
-              <a:t>    </a:t>
-            </a:r>
-            <a:r>
-              <a:rPr lang="en-US" sz="1000" dirty="0" err="1">
-                <a:solidFill>
-                  <a:srgbClr val="000000"/>
-                </a:solidFill>
-                <a:latin typeface="Consolas" panose="020B0609020204030204" pitchFamily="49" charset="0"/>
-              </a:rPr>
-              <a:t>MyComponent</a:t>
-            </a:r>
-            <a:endParaRPr lang="en-US" sz="1000" dirty="0">
-              <a:solidFill>
-                <a:srgbClr val="000000"/>
-              </a:solidFill>
-              <a:latin typeface="Consolas" panose="020B0609020204030204" pitchFamily="49" charset="0"/>
-            </a:endParaRPr>
-          </a:p>
-          <a:p>
-            <a:r>
-              <a:rPr lang="en-US" sz="1000" dirty="0">
-                <a:solidFill>
-                  <a:srgbClr val="000000"/>
-                </a:solidFill>
-                <a:latin typeface="Consolas" panose="020B0609020204030204" pitchFamily="49" charset="0"/>
-              </a:rPr>
-              <a:t>  ],</a:t>
-            </a:r>
-          </a:p>
-          <a:p>
-            <a:r>
-              <a:rPr lang="en-US" sz="1000" dirty="0">
-                <a:solidFill>
-                  <a:srgbClr val="000000"/>
-                </a:solidFill>
-                <a:latin typeface="Consolas" panose="020B0609020204030204" pitchFamily="49" charset="0"/>
-              </a:rPr>
-              <a:t>  imports: [</a:t>
-            </a:r>
-          </a:p>
-          <a:p>
-            <a:r>
-              <a:rPr lang="en-US" sz="1000" dirty="0">
-                <a:solidFill>
-                  <a:srgbClr val="000000"/>
-                </a:solidFill>
-                <a:latin typeface="Consolas" panose="020B0609020204030204" pitchFamily="49" charset="0"/>
-              </a:rPr>
-              <a:t>    </a:t>
-            </a:r>
-            <a:r>
-              <a:rPr lang="en-US" sz="1000" dirty="0" err="1">
-                <a:solidFill>
-                  <a:srgbClr val="000000"/>
-                </a:solidFill>
-                <a:latin typeface="Consolas" panose="020B0609020204030204" pitchFamily="49" charset="0"/>
-              </a:rPr>
-              <a:t>BrowserModule</a:t>
-            </a:r>
-            <a:r>
-              <a:rPr lang="en-US" sz="1000" dirty="0">
-                <a:solidFill>
-                  <a:srgbClr val="000000"/>
-                </a:solidFill>
-                <a:latin typeface="Consolas" panose="020B0609020204030204" pitchFamily="49" charset="0"/>
-              </a:rPr>
-              <a:t>,</a:t>
-            </a:r>
-          </a:p>
-          <a:p>
-            <a:r>
-              <a:rPr lang="en-US" sz="1000" dirty="0">
-                <a:solidFill>
-                  <a:srgbClr val="000000"/>
-                </a:solidFill>
-                <a:latin typeface="Consolas" panose="020B0609020204030204" pitchFamily="49" charset="0"/>
-              </a:rPr>
-              <a:t>    </a:t>
-            </a:r>
-            <a:r>
-              <a:rPr lang="en-US" sz="1000" dirty="0" err="1">
-                <a:solidFill>
-                  <a:srgbClr val="000000"/>
-                </a:solidFill>
-                <a:latin typeface="Consolas" panose="020B0609020204030204" pitchFamily="49" charset="0"/>
-              </a:rPr>
-              <a:t>FormsModule</a:t>
-            </a:r>
-            <a:r>
-              <a:rPr lang="en-US" sz="1000" dirty="0">
-                <a:solidFill>
-                  <a:srgbClr val="000000"/>
-                </a:solidFill>
-                <a:latin typeface="Consolas" panose="020B0609020204030204" pitchFamily="49" charset="0"/>
-              </a:rPr>
-              <a:t>,</a:t>
-            </a:r>
-          </a:p>
-          <a:p>
-            <a:r>
-              <a:rPr lang="en-US" sz="1000" dirty="0">
-                <a:solidFill>
-                  <a:srgbClr val="000000"/>
-                </a:solidFill>
-                <a:latin typeface="Consolas" panose="020B0609020204030204" pitchFamily="49" charset="0"/>
-              </a:rPr>
-              <a:t>    </a:t>
-            </a:r>
-            <a:r>
-              <a:rPr lang="en-US" sz="1000" dirty="0" err="1">
-                <a:solidFill>
-                  <a:srgbClr val="000000"/>
-                </a:solidFill>
-                <a:latin typeface="Consolas" panose="020B0609020204030204" pitchFamily="49" charset="0"/>
-              </a:rPr>
-              <a:t>HttpModule</a:t>
-            </a:r>
-            <a:r>
-              <a:rPr lang="en-US" sz="1000" dirty="0">
-                <a:solidFill>
-                  <a:srgbClr val="000000"/>
-                </a:solidFill>
-                <a:latin typeface="Consolas" panose="020B0609020204030204" pitchFamily="49" charset="0"/>
-              </a:rPr>
-              <a:t>,</a:t>
-            </a:r>
-          </a:p>
-          <a:p>
-            <a:r>
-              <a:rPr lang="en-US" sz="1000" dirty="0">
-                <a:solidFill>
-                  <a:srgbClr val="000000"/>
-                </a:solidFill>
-                <a:latin typeface="Consolas" panose="020B0609020204030204" pitchFamily="49" charset="0"/>
-              </a:rPr>
-              <a:t>    </a:t>
-            </a:r>
-            <a:r>
-              <a:rPr lang="en-US" sz="1000" dirty="0" err="1">
-                <a:solidFill>
-                  <a:srgbClr val="000000"/>
-                </a:solidFill>
-                <a:latin typeface="Consolas" panose="020B0609020204030204" pitchFamily="49" charset="0"/>
-              </a:rPr>
-              <a:t>RouterModule.forRoot</a:t>
-            </a:r>
-            <a:r>
-              <a:rPr lang="en-US" sz="1000" dirty="0">
-                <a:solidFill>
-                  <a:srgbClr val="000000"/>
-                </a:solidFill>
-                <a:latin typeface="Consolas" panose="020B0609020204030204" pitchFamily="49" charset="0"/>
-              </a:rPr>
-              <a:t>([</a:t>
-            </a:r>
-          </a:p>
-          <a:p>
-            <a:r>
-              <a:rPr lang="en-US" sz="1000" dirty="0">
-                <a:solidFill>
-                  <a:srgbClr val="000000"/>
-                </a:solidFill>
-                <a:latin typeface="Consolas" panose="020B0609020204030204" pitchFamily="49" charset="0"/>
-              </a:rPr>
-              <a:t>      { path: </a:t>
-            </a:r>
-            <a:r>
-              <a:rPr lang="en-US" sz="1000" dirty="0">
-                <a:solidFill>
-                  <a:srgbClr val="A31515"/>
-                </a:solidFill>
-                <a:latin typeface="Consolas" panose="020B0609020204030204" pitchFamily="49" charset="0"/>
-              </a:rPr>
-              <a:t>"foo/bar/:</a:t>
-            </a:r>
-            <a:r>
-              <a:rPr lang="en-US" sz="1000" dirty="0" err="1">
-                <a:solidFill>
-                  <a:srgbClr val="A31515"/>
-                </a:solidFill>
-                <a:latin typeface="Consolas" panose="020B0609020204030204" pitchFamily="49" charset="0"/>
-              </a:rPr>
-              <a:t>someId</a:t>
-            </a:r>
-            <a:r>
-              <a:rPr lang="en-US" sz="1000" dirty="0">
-                <a:solidFill>
-                  <a:srgbClr val="A31515"/>
-                </a:solidFill>
-                <a:latin typeface="Consolas" panose="020B0609020204030204" pitchFamily="49" charset="0"/>
-              </a:rPr>
-              <a:t>"</a:t>
-            </a:r>
-            <a:r>
-              <a:rPr lang="en-US" sz="1000" dirty="0">
-                <a:solidFill>
-                  <a:srgbClr val="000000"/>
-                </a:solidFill>
-                <a:latin typeface="Consolas" panose="020B0609020204030204" pitchFamily="49" charset="0"/>
-              </a:rPr>
-              <a:t>, component: </a:t>
-            </a:r>
-            <a:r>
-              <a:rPr lang="en-US" sz="1000" dirty="0" err="1">
-                <a:solidFill>
-                  <a:srgbClr val="000000"/>
-                </a:solidFill>
-                <a:latin typeface="Consolas" panose="020B0609020204030204" pitchFamily="49" charset="0"/>
-              </a:rPr>
-              <a:t>MyComponent</a:t>
-            </a:r>
-            <a:r>
-              <a:rPr lang="en-US" sz="1000" dirty="0">
-                <a:solidFill>
-                  <a:srgbClr val="000000"/>
-                </a:solidFill>
-                <a:latin typeface="Consolas" panose="020B0609020204030204" pitchFamily="49" charset="0"/>
-              </a:rPr>
-              <a:t> }</a:t>
-            </a:r>
-          </a:p>
-          <a:p>
-            <a:r>
-              <a:rPr lang="en-US" sz="1000" dirty="0">
-                <a:solidFill>
-                  <a:srgbClr val="000000"/>
-                </a:solidFill>
-                <a:latin typeface="Consolas" panose="020B0609020204030204" pitchFamily="49" charset="0"/>
-              </a:rPr>
-              <a:t>    ])</a:t>
-            </a:r>
-          </a:p>
-          <a:p>
-            <a:r>
-              <a:rPr lang="en-US" sz="1000" dirty="0">
-                <a:solidFill>
-                  <a:srgbClr val="000000"/>
-                </a:solidFill>
-                <a:latin typeface="Consolas" panose="020B0609020204030204" pitchFamily="49" charset="0"/>
-              </a:rPr>
-              <a:t>  ],</a:t>
-            </a:r>
-          </a:p>
-          <a:p>
-            <a:r>
-              <a:rPr lang="en-US" sz="1000" dirty="0">
-                <a:solidFill>
-                  <a:srgbClr val="000000"/>
-                </a:solidFill>
-                <a:latin typeface="Consolas" panose="020B0609020204030204" pitchFamily="49" charset="0"/>
-              </a:rPr>
-              <a:t>  providers: [Utility],</a:t>
-            </a:r>
-          </a:p>
-          <a:p>
-            <a:r>
-              <a:rPr lang="en-US" sz="1000" dirty="0">
-                <a:solidFill>
-                  <a:srgbClr val="000000"/>
-                </a:solidFill>
-                <a:latin typeface="Consolas" panose="020B0609020204030204" pitchFamily="49" charset="0"/>
-              </a:rPr>
-              <a:t>  bootstrap: [</a:t>
-            </a:r>
-            <a:r>
-              <a:rPr lang="en-US" sz="1000" dirty="0" err="1">
-                <a:solidFill>
-                  <a:srgbClr val="000000"/>
-                </a:solidFill>
-                <a:latin typeface="Consolas" panose="020B0609020204030204" pitchFamily="49" charset="0"/>
-              </a:rPr>
-              <a:t>AppComponent</a:t>
-            </a:r>
-            <a:r>
-              <a:rPr lang="en-US" sz="1000" dirty="0">
-                <a:solidFill>
-                  <a:srgbClr val="000000"/>
-                </a:solidFill>
-                <a:latin typeface="Consolas" panose="020B0609020204030204" pitchFamily="49" charset="0"/>
-              </a:rPr>
-              <a:t>]</a:t>
-            </a:r>
-          </a:p>
-          <a:p>
-            <a:r>
-              <a:rPr lang="en-US" sz="1000" dirty="0">
-                <a:solidFill>
-                  <a:srgbClr val="000000"/>
-                </a:solidFill>
-                <a:latin typeface="Consolas" panose="020B0609020204030204" pitchFamily="49" charset="0"/>
-              </a:rPr>
-              <a:t>})</a:t>
-            </a:r>
-          </a:p>
-          <a:p>
-            <a:r>
-              <a:rPr lang="en-US" sz="1000" dirty="0">
-                <a:solidFill>
-                  <a:srgbClr val="0000FF"/>
-                </a:solidFill>
-                <a:latin typeface="Consolas" panose="020B0609020204030204" pitchFamily="49" charset="0"/>
-              </a:rPr>
-              <a:t>export</a:t>
-            </a:r>
-            <a:r>
-              <a:rPr lang="en-US" sz="1000" dirty="0">
-                <a:solidFill>
-                  <a:srgbClr val="000000"/>
-                </a:solidFill>
-                <a:latin typeface="Consolas" panose="020B0609020204030204" pitchFamily="49" charset="0"/>
-              </a:rPr>
-              <a:t> </a:t>
-            </a:r>
-            <a:r>
-              <a:rPr lang="en-US" sz="1000" dirty="0">
-                <a:solidFill>
-                  <a:srgbClr val="0000FF"/>
-                </a:solidFill>
-                <a:latin typeface="Consolas" panose="020B0609020204030204" pitchFamily="49" charset="0"/>
-              </a:rPr>
-              <a:t>class</a:t>
-            </a:r>
-            <a:r>
-              <a:rPr lang="en-US" sz="1000" dirty="0">
-                <a:solidFill>
-                  <a:srgbClr val="000000"/>
-                </a:solidFill>
-                <a:latin typeface="Consolas" panose="020B0609020204030204" pitchFamily="49" charset="0"/>
-              </a:rPr>
-              <a:t> </a:t>
-            </a:r>
-            <a:r>
-              <a:rPr lang="en-US" sz="1000" dirty="0" err="1">
-                <a:solidFill>
-                  <a:srgbClr val="000000"/>
-                </a:solidFill>
-                <a:latin typeface="Consolas" panose="020B0609020204030204" pitchFamily="49" charset="0"/>
-              </a:rPr>
-              <a:t>AppModule</a:t>
-            </a:r>
-            <a:r>
-              <a:rPr lang="en-US" sz="1000" dirty="0">
-                <a:solidFill>
-                  <a:srgbClr val="000000"/>
-                </a:solidFill>
-                <a:latin typeface="Consolas" panose="020B0609020204030204" pitchFamily="49" charset="0"/>
-              </a:rPr>
-              <a:t> { }</a:t>
+              <a:t>console.error</a:t>
+            </a:r>
+            <a:r>
+              <a:rPr lang="en-US" sz="1000" dirty="0">
+                <a:solidFill>
+                  <a:srgbClr val="000000"/>
+                </a:solidFill>
+                <a:latin typeface="Consolas" panose="020B0609020204030204" pitchFamily="49" charset="0"/>
+              </a:rPr>
+              <a:t>(error);</a:t>
+            </a:r>
+          </a:p>
+          <a:p>
+            <a:r>
+              <a:rPr lang="en-US" sz="1000" dirty="0">
+                <a:solidFill>
+                  <a:srgbClr val="000000"/>
+                </a:solidFill>
+                <a:latin typeface="Consolas" panose="020B0609020204030204" pitchFamily="49" charset="0"/>
+              </a:rPr>
+              <a:t>      });</a:t>
+            </a:r>
+          </a:p>
+          <a:p>
+            <a:r>
+              <a:rPr lang="en-US" sz="1000" dirty="0">
+                <a:solidFill>
+                  <a:srgbClr val="000000"/>
+                </a:solidFill>
+                <a:latin typeface="Consolas" panose="020B0609020204030204" pitchFamily="49" charset="0"/>
+              </a:rPr>
+              <a:t>  }</a:t>
+            </a:r>
+          </a:p>
+          <a:p>
+            <a:r>
+              <a:rPr lang="en-US" sz="1000" dirty="0">
+                <a:solidFill>
+                  <a:srgbClr val="000000"/>
+                </a:solidFill>
+                <a:latin typeface="Consolas" panose="020B0609020204030204" pitchFamily="49" charset="0"/>
+              </a:rPr>
+              <a:t>}</a:t>
             </a:r>
           </a:p>
           <a:p>
@@ -13734,7 +13748,7 @@
     </p:spTree>
     <p:extLst>
       <p:ext uri="{BB962C8B-B14F-4D97-AF65-F5344CB8AC3E}">
-        <p14:creationId xmlns:p14="http://schemas.microsoft.com/office/powerpoint/2010/main" val="2023749525"/>
+        <p14:creationId xmlns:p14="http://schemas.microsoft.com/office/powerpoint/2010/main" val="2639323626"/>
       </p:ext>
     </p:extLst>
   </p:cSld>

--- a/04/04.pptx
+++ b/04/04.pptx
@@ -277,7 +277,7 @@
           <a:p>
             <a:fld id="{B5389E1E-C654-E943-9883-792E99AD7287}" type="datetimeFigureOut">
               <a:rPr lang="en-US" smtClean="0"/>
-              <a:t>3/22/2017</a:t>
+              <a:t>3/27/2017</a:t>
             </a:fld>
             <a:endParaRPr lang="en-US"/>
           </a:p>
@@ -443,7 +443,7 @@
           <a:p>
             <a:fld id="{9920D99B-2862-464A-984E-65BFC5FC0BBC}" type="datetimeFigureOut">
               <a:rPr lang="en-US" smtClean="0"/>
-              <a:t>3/22/2017</a:t>
+              <a:t>3/27/2017</a:t>
             </a:fld>
             <a:endParaRPr lang="en-US"/>
           </a:p>
@@ -9452,27 +9452,7 @@
           <a:p>
             <a:r>
               <a:rPr lang="en-US" dirty="0"/>
-              <a:t>Execute Angular 2: </a:t>
-            </a:r>
-          </a:p>
-          <a:p>
-            <a:pPr marL="342900" indent="-342900">
-              <a:buFont typeface="Arial" panose="020B0604020202020204" pitchFamily="34" charset="0"/>
-              <a:buChar char="•"/>
-            </a:pPr>
-            <a:r>
-              <a:rPr lang="en-US" dirty="0" err="1">
-                <a:latin typeface="Courier New" panose="02070309020205020404" pitchFamily="49" charset="0"/>
-                <a:cs typeface="Courier New" panose="02070309020205020404" pitchFamily="49" charset="0"/>
-              </a:rPr>
-              <a:t>npm</a:t>
-            </a:r>
-            <a:r>
-              <a:rPr lang="en-US" dirty="0">
-                <a:latin typeface="Courier New" panose="02070309020205020404" pitchFamily="49" charset="0"/>
-                <a:cs typeface="Courier New" panose="02070309020205020404" pitchFamily="49" charset="0"/>
-              </a:rPr>
-              <a:t> install angular-cli</a:t>
+              <a:t>Execute Angular 2 app:</a:t>
             </a:r>
           </a:p>
           <a:p>

--- a/04/04.pptx
+++ b/04/04.pptx
@@ -6,10 +6,10 @@
     <p:sldMasterId id="2147483684" r:id="rId2"/>
   </p:sldMasterIdLst>
   <p:notesMasterIdLst>
-    <p:notesMasterId r:id="rId20"/>
+    <p:notesMasterId r:id="rId19"/>
   </p:notesMasterIdLst>
   <p:handoutMasterIdLst>
-    <p:handoutMasterId r:id="rId21"/>
+    <p:handoutMasterId r:id="rId20"/>
   </p:handoutMasterIdLst>
   <p:sldIdLst>
     <p:sldId id="444" r:id="rId3"/>
@@ -24,11 +24,10 @@
     <p:sldId id="509" r:id="rId12"/>
     <p:sldId id="510" r:id="rId13"/>
     <p:sldId id="511" r:id="rId14"/>
-    <p:sldId id="502" r:id="rId15"/>
-    <p:sldId id="501" r:id="rId16"/>
-    <p:sldId id="484" r:id="rId17"/>
-    <p:sldId id="512" r:id="rId18"/>
-    <p:sldId id="513" r:id="rId19"/>
+    <p:sldId id="501" r:id="rId15"/>
+    <p:sldId id="484" r:id="rId16"/>
+    <p:sldId id="512" r:id="rId17"/>
+    <p:sldId id="513" r:id="rId18"/>
   </p:sldIdLst>
   <p:sldSz cx="9144000" cy="5143500" type="screen16x9"/>
   <p:notesSz cx="6858000" cy="9144000"/>
@@ -144,7 +143,6 @@
             <p14:sldId id="509"/>
             <p14:sldId id="510"/>
             <p14:sldId id="511"/>
-            <p14:sldId id="502"/>
             <p14:sldId id="501"/>
             <p14:sldId id="484"/>
             <p14:sldId id="512"/>
@@ -195,6 +193,10 @@
 </p:presentation>
 </file>
 
+<file path=ppt/revisionInfo.xml><?xml version="1.0" encoding="utf-8"?>
+<p1510:revInfo xmlns:a="http://schemas.openxmlformats.org/drawingml/2006/main" xmlns:r="http://schemas.openxmlformats.org/officeDocument/2006/relationships" xmlns:p1510="http://schemas.microsoft.com/office/powerpoint/2015/10/main"/>
+</file>
+
 <file path=ppt/handoutMasters/handoutMaster1.xml><?xml version="1.0" encoding="utf-8"?>
 <p:handoutMaster xmlns:a="http://schemas.openxmlformats.org/drawingml/2006/main" xmlns:r="http://schemas.openxmlformats.org/officeDocument/2006/relationships" xmlns:p="http://schemas.openxmlformats.org/presentationml/2006/main">
   <p:cSld>
@@ -277,7 +279,7 @@
           <a:p>
             <a:fld id="{B5389E1E-C654-E943-9883-792E99AD7287}" type="datetimeFigureOut">
               <a:rPr lang="en-US" smtClean="0"/>
-              <a:t>3/27/2017</a:t>
+              <a:t>11/2/2017</a:t>
             </a:fld>
             <a:endParaRPr lang="en-US"/>
           </a:p>
@@ -443,7 +445,7 @@
           <a:p>
             <a:fld id="{9920D99B-2862-464A-984E-65BFC5FC0BBC}" type="datetimeFigureOut">
               <a:rPr lang="en-US" smtClean="0"/>
-              <a:t>3/27/2017</a:t>
+              <a:t>11/2/2017</a:t>
             </a:fld>
             <a:endParaRPr lang="en-US"/>
           </a:p>
@@ -938,20 +940,105 @@
           <a:bodyPr/>
           <a:lstStyle/>
           <a:p>
+            <a:pPr marL="0" marR="0" lvl="0" indent="0" algn="l" defTabSz="457200" rtl="0" eaLnBrk="1" fontAlgn="auto" latinLnBrk="0" hangingPunct="1">
+              <a:lnSpc>
+                <a:spcPct val="100000"/>
+              </a:lnSpc>
+              <a:spcBef>
+                <a:spcPts val="0"/>
+              </a:spcBef>
+              <a:spcAft>
+                <a:spcPts val="0"/>
+              </a:spcAft>
+              <a:buClrTx/>
+              <a:buSzTx/>
+              <a:buFontTx/>
+              <a:buNone/>
+              <a:tabLst/>
+              <a:defRPr/>
+            </a:pPr>
             <a:r>
               <a:rPr lang="en-US" dirty="0"/>
-              <a:t>We</a:t>
-            </a:r>
-            <a:r>
-              <a:rPr lang="en-US" baseline="0" dirty="0"/>
-              <a:t> started this workshop a while ago, but we haven’t been keeping up with Angular, so you might get an error message if you don’t use 1.0.0-beta.10</a:t>
-            </a:r>
-          </a:p>
-          <a:p>
-            <a:r>
-              <a:rPr lang="en-US" baseline="0" dirty="0"/>
-              <a:t>Then kick off the angular server with ng serve</a:t>
-            </a:r>
+              <a:t>If you don't care about Angular, use the completed project to consume the </a:t>
+            </a:r>
+            <a:r>
+              <a:rPr lang="en-US" dirty="0" err="1"/>
+              <a:t>webapi</a:t>
+            </a:r>
+            <a:endParaRPr lang="en-US" dirty="0"/>
+          </a:p>
+          <a:p>
+            <a:pPr marL="0" marR="0" lvl="0" indent="0" algn="l" defTabSz="457200" rtl="0" eaLnBrk="1" fontAlgn="auto" latinLnBrk="0" hangingPunct="1">
+              <a:lnSpc>
+                <a:spcPct val="100000"/>
+              </a:lnSpc>
+              <a:spcBef>
+                <a:spcPts val="0"/>
+              </a:spcBef>
+              <a:spcAft>
+                <a:spcPts val="0"/>
+              </a:spcAft>
+              <a:buClrTx/>
+              <a:buSzTx/>
+              <a:buFontTx/>
+              <a:buNone/>
+              <a:tabLst/>
+              <a:defRPr/>
+            </a:pPr>
+            <a:r>
+              <a:rPr lang="en-US" dirty="0"/>
+              <a:t>You can use the </a:t>
+            </a:r>
+            <a:r>
+              <a:rPr lang="en-US" dirty="0" err="1"/>
+              <a:t>WebAPI</a:t>
+            </a:r>
+            <a:r>
+              <a:rPr lang="en-US" dirty="0"/>
+              <a:t> with the JS framework of your choice (react, Aurelia, </a:t>
+            </a:r>
+            <a:r>
+              <a:rPr lang="en-US" dirty="0" err="1"/>
+              <a:t>jquery</a:t>
+            </a:r>
+            <a:r>
+              <a:rPr lang="en-US" dirty="0"/>
+              <a:t>) as homework</a:t>
+            </a:r>
+          </a:p>
+          <a:p>
+            <a:pPr marL="0" marR="0" lvl="0" indent="0" algn="l" defTabSz="457200" rtl="0" eaLnBrk="1" fontAlgn="auto" latinLnBrk="0" hangingPunct="1">
+              <a:lnSpc>
+                <a:spcPct val="100000"/>
+              </a:lnSpc>
+              <a:spcBef>
+                <a:spcPts val="0"/>
+              </a:spcBef>
+              <a:spcAft>
+                <a:spcPts val="0"/>
+              </a:spcAft>
+              <a:buClrTx/>
+              <a:buSzTx/>
+              <a:buFontTx/>
+              <a:buNone/>
+              <a:tabLst/>
+              <a:defRPr/>
+            </a:pPr>
+            <a:r>
+              <a:rPr lang="en-US" dirty="0"/>
+              <a:t>Or you can switch </a:t>
+            </a:r>
+            <a:r>
+              <a:rPr lang="en-US"/>
+              <a:t>to plain </a:t>
+            </a:r>
+            <a:r>
+              <a:rPr lang="en-US" dirty="0"/>
+              <a:t>ASP.NET MVC and not even use JS if you want</a:t>
+            </a:r>
+          </a:p>
+          <a:p>
+            <a:endParaRPr lang="en-US" dirty="0"/>
           </a:p>
         </p:txBody>
       </p:sp>
@@ -972,7 +1059,7 @@
           <a:p>
             <a:fld id="{F39351FC-18D6-4741-8EEB-9FDB1F020AAC}" type="slidenum">
               <a:rPr lang="en-US" smtClean="0"/>
-              <a:t>14</a:t>
+              <a:t>15</a:t>
             </a:fld>
             <a:endParaRPr lang="en-US"/>
           </a:p>
@@ -981,7 +1068,7 @@
     </p:spTree>
     <p:extLst>
       <p:ext uri="{BB962C8B-B14F-4D97-AF65-F5344CB8AC3E}">
-        <p14:creationId xmlns:p14="http://schemas.microsoft.com/office/powerpoint/2010/main" val="1659110175"/>
+        <p14:creationId xmlns:p14="http://schemas.microsoft.com/office/powerpoint/2010/main" val="1405858872"/>
       </p:ext>
     </p:extLst>
   </p:cSld>
@@ -1925,16 +2012,17 @@
           <a:p>
             <a:r>
               <a:rPr lang="en-US" dirty="0"/>
-              <a:t>So that should be enough to get you started.</a:t>
-            </a:r>
-          </a:p>
-          <a:p>
-            <a:endParaRPr lang="en-US" dirty="0"/>
-          </a:p>
-          <a:p>
-            <a:r>
-              <a:rPr lang="en-US" dirty="0"/>
-              <a:t>Here are the files in </a:t>
+              <a:t>We</a:t>
+            </a:r>
+            <a:r>
+              <a:rPr lang="en-US" baseline="0" dirty="0"/>
+              <a:t> started this workshop a while ago, but we haven’t been keeping up with Angular, so you might get an error message if you don’t use 1.0.0-beta.10</a:t>
+            </a:r>
+          </a:p>
+          <a:p>
+            <a:r>
+              <a:rPr lang="en-US" baseline="0" dirty="0"/>
+              <a:t>Then kick off the angular server with ng serve</a:t>
             </a:r>
           </a:p>
         </p:txBody>
@@ -1965,7 +2053,7 @@
     </p:spTree>
     <p:extLst>
       <p:ext uri="{BB962C8B-B14F-4D97-AF65-F5344CB8AC3E}">
-        <p14:creationId xmlns:p14="http://schemas.microsoft.com/office/powerpoint/2010/main" val="1787420976"/>
+        <p14:creationId xmlns:p14="http://schemas.microsoft.com/office/powerpoint/2010/main" val="1659110175"/>
       </p:ext>
     </p:extLst>
   </p:cSld>
@@ -9241,195 +9329,6 @@
           <a:p>
             <a:r>
               <a:rPr lang="en-US" dirty="0"/>
-              <a:t>Angular</a:t>
-            </a:r>
-          </a:p>
-        </p:txBody>
-      </p:sp>
-      <p:sp>
-        <p:nvSpPr>
-          <p:cNvPr id="5" name="Content Placeholder 2"/>
-          <p:cNvSpPr>
-            <a:spLocks noGrp="1"/>
-          </p:cNvSpPr>
-          <p:nvPr>
-            <p:ph idx="1"/>
-          </p:nvPr>
-        </p:nvSpPr>
-        <p:spPr>
-          <a:xfrm>
-            <a:off x="457200" y="685800"/>
-            <a:ext cx="8007739" cy="3394472"/>
-          </a:xfrm>
-        </p:spPr>
-        <p:txBody>
-          <a:bodyPr/>
-          <a:lstStyle/>
-          <a:p>
-            <a:pPr marL="342900" indent="-342900">
-              <a:buFont typeface="Arial" panose="020B0604020202020204" pitchFamily="34" charset="0"/>
-              <a:buChar char="•"/>
-            </a:pPr>
-            <a:r>
-              <a:rPr lang="en-US" dirty="0"/>
-              <a:t>Look for  TODOs</a:t>
-            </a:r>
-          </a:p>
-          <a:p>
-            <a:pPr marL="342900" indent="-342900">
-              <a:buFont typeface="Arial" panose="020B0604020202020204" pitchFamily="34" charset="0"/>
-              <a:buChar char="•"/>
-            </a:pPr>
-            <a:endParaRPr lang="en-US" dirty="0"/>
-          </a:p>
-          <a:p>
-            <a:pPr marL="342900" indent="-342900">
-              <a:buFont typeface="Arial" panose="020B0604020202020204" pitchFamily="34" charset="0"/>
-              <a:buChar char="•"/>
-            </a:pPr>
-            <a:r>
-              <a:rPr lang="en-US" dirty="0"/>
-              <a:t>Files included:</a:t>
-            </a:r>
-          </a:p>
-          <a:p>
-            <a:pPr marL="573088" lvl="1" indent="-342900">
-              <a:buFont typeface="Arial" panose="020B0604020202020204" pitchFamily="34" charset="0"/>
-              <a:buChar char="•"/>
-            </a:pPr>
-            <a:r>
-              <a:rPr lang="en-US" sz="2000" dirty="0" err="1"/>
-              <a:t>app.module.ts</a:t>
-            </a:r>
-            <a:endParaRPr lang="en-US" sz="2000" dirty="0"/>
-          </a:p>
-          <a:p>
-            <a:pPr marL="573088" lvl="1" indent="-342900">
-              <a:buFont typeface="Arial" panose="020B0604020202020204" pitchFamily="34" charset="0"/>
-              <a:buChar char="•"/>
-            </a:pPr>
-            <a:r>
-              <a:rPr lang="en-US" sz="2000" dirty="0" err="1"/>
-              <a:t>utility.ts</a:t>
-            </a:r>
-            <a:endParaRPr lang="en-US" sz="2000" dirty="0"/>
-          </a:p>
-          <a:p>
-            <a:pPr marL="573088" lvl="1" indent="-342900">
-              <a:buFont typeface="Arial" panose="020B0604020202020204" pitchFamily="34" charset="0"/>
-              <a:buChar char="•"/>
-            </a:pPr>
-            <a:r>
-              <a:rPr lang="en-US" sz="2000" dirty="0" err="1"/>
-              <a:t>item.ts</a:t>
-            </a:r>
-            <a:endParaRPr lang="en-US" sz="2000" dirty="0"/>
-          </a:p>
-          <a:p>
-            <a:pPr marL="573088" lvl="1" indent="-342900">
-              <a:buFont typeface="Arial" panose="020B0604020202020204" pitchFamily="34" charset="0"/>
-              <a:buChar char="•"/>
-            </a:pPr>
-            <a:r>
-              <a:rPr lang="en-US" sz="2000" dirty="0" err="1"/>
-              <a:t>item.component.ts</a:t>
-            </a:r>
-            <a:endParaRPr lang="en-US" sz="2000" dirty="0"/>
-          </a:p>
-          <a:p>
-            <a:pPr marL="573088" lvl="1" indent="-342900">
-              <a:buFont typeface="Arial" panose="020B0604020202020204" pitchFamily="34" charset="0"/>
-              <a:buChar char="•"/>
-            </a:pPr>
-            <a:r>
-              <a:rPr lang="en-US" sz="2000" dirty="0"/>
-              <a:t>item.component.html</a:t>
-            </a:r>
-          </a:p>
-          <a:p>
-            <a:pPr marL="573088" lvl="1" indent="-342900">
-              <a:buFont typeface="Arial" panose="020B0604020202020204" pitchFamily="34" charset="0"/>
-              <a:buChar char="•"/>
-            </a:pPr>
-            <a:r>
-              <a:rPr lang="en-US" sz="2000" dirty="0" err="1"/>
-              <a:t>list.component.ts</a:t>
-            </a:r>
-            <a:endParaRPr lang="en-US" sz="2000" dirty="0"/>
-          </a:p>
-          <a:p>
-            <a:pPr marL="573088" lvl="1" indent="-342900">
-              <a:buFont typeface="Arial" panose="020B0604020202020204" pitchFamily="34" charset="0"/>
-              <a:buChar char="•"/>
-            </a:pPr>
-            <a:r>
-              <a:rPr lang="en-US" sz="2000" dirty="0"/>
-              <a:t>list.component.html</a:t>
-            </a:r>
-          </a:p>
-          <a:p>
-            <a:pPr marL="573088" lvl="1" indent="-342900">
-              <a:buFont typeface="Arial" panose="020B0604020202020204" pitchFamily="34" charset="0"/>
-              <a:buChar char="•"/>
-            </a:pPr>
-            <a:endParaRPr lang="en-US" dirty="0"/>
-          </a:p>
-          <a:p>
-            <a:pPr marL="342900" indent="-342900">
-              <a:buFont typeface="Arial" panose="020B0604020202020204" pitchFamily="34" charset="0"/>
-              <a:buChar char="•"/>
-            </a:pPr>
-            <a:endParaRPr lang="en-US" dirty="0"/>
-          </a:p>
-        </p:txBody>
-      </p:sp>
-    </p:spTree>
-    <p:extLst>
-      <p:ext uri="{BB962C8B-B14F-4D97-AF65-F5344CB8AC3E}">
-        <p14:creationId xmlns:p14="http://schemas.microsoft.com/office/powerpoint/2010/main" val="1029063382"/>
-      </p:ext>
-    </p:extLst>
-  </p:cSld>
-  <p:clrMapOvr>
-    <a:masterClrMapping/>
-  </p:clrMapOvr>
-</p:sld>
-</file>
-
-<file path=ppt/slides/slide14.xml><?xml version="1.0" encoding="utf-8"?>
-<p:sld xmlns:a="http://schemas.openxmlformats.org/drawingml/2006/main" xmlns:r="http://schemas.openxmlformats.org/officeDocument/2006/relationships" xmlns:p="http://schemas.openxmlformats.org/presentationml/2006/main">
-  <p:cSld>
-    <p:spTree>
-      <p:nvGrpSpPr>
-        <p:cNvPr id="1" name=""/>
-        <p:cNvGrpSpPr/>
-        <p:nvPr/>
-      </p:nvGrpSpPr>
-      <p:grpSpPr>
-        <a:xfrm>
-          <a:off x="0" y="0"/>
-          <a:ext cx="0" cy="0"/>
-          <a:chOff x="0" y="0"/>
-          <a:chExt cx="0" cy="0"/>
-        </a:xfrm>
-      </p:grpSpPr>
-      <p:sp>
-        <p:nvSpPr>
-          <p:cNvPr id="2" name="Title 1"/>
-          <p:cNvSpPr>
-            <a:spLocks noGrp="1"/>
-          </p:cNvSpPr>
-          <p:nvPr>
-            <p:ph type="title"/>
-          </p:nvPr>
-        </p:nvSpPr>
-        <p:spPr/>
-        <p:txBody>
-          <a:bodyPr/>
-          <a:lstStyle/>
-          <a:p>
-            <a:r>
-              <a:rPr lang="en-US" dirty="0"/>
               <a:t>How to execute</a:t>
             </a:r>
           </a:p>
@@ -9452,7 +9351,7 @@
           <a:p>
             <a:r>
               <a:rPr lang="en-US" dirty="0"/>
-              <a:t>Execute Angular 2 app:</a:t>
+              <a:t>Execute Angular app:</a:t>
             </a:r>
           </a:p>
           <a:p>
@@ -9484,7 +9383,7 @@
 </p:sld>
 </file>
 
-<file path=ppt/slides/slide15.xml><?xml version="1.0" encoding="utf-8"?>
+<file path=ppt/slides/slide14.xml><?xml version="1.0" encoding="utf-8"?>
 <p:sld xmlns:a="http://schemas.openxmlformats.org/drawingml/2006/main" xmlns:r="http://schemas.openxmlformats.org/officeDocument/2006/relationships" xmlns:p="http://schemas.openxmlformats.org/presentationml/2006/main">
   <p:cSld>
     <p:spTree>
@@ -9532,6 +9431,303 @@
     <p:extLst>
       <p:ext uri="{BB962C8B-B14F-4D97-AF65-F5344CB8AC3E}">
         <p14:creationId xmlns:p14="http://schemas.microsoft.com/office/powerpoint/2010/main" val="3620921753"/>
+      </p:ext>
+    </p:extLst>
+  </p:cSld>
+  <p:clrMapOvr>
+    <a:masterClrMapping/>
+  </p:clrMapOvr>
+</p:sld>
+</file>
+
+<file path=ppt/slides/slide15.xml><?xml version="1.0" encoding="utf-8"?>
+<p:sld xmlns:a="http://schemas.openxmlformats.org/drawingml/2006/main" xmlns:r="http://schemas.openxmlformats.org/officeDocument/2006/relationships" xmlns:p="http://schemas.openxmlformats.org/presentationml/2006/main">
+  <p:cSld>
+    <p:spTree>
+      <p:nvGrpSpPr>
+        <p:cNvPr id="1" name=""/>
+        <p:cNvGrpSpPr/>
+        <p:nvPr/>
+      </p:nvGrpSpPr>
+      <p:grpSpPr>
+        <a:xfrm>
+          <a:off x="0" y="0"/>
+          <a:ext cx="0" cy="0"/>
+          <a:chOff x="0" y="0"/>
+          <a:chExt cx="0" cy="0"/>
+        </a:xfrm>
+      </p:grpSpPr>
+      <p:sp>
+        <p:nvSpPr>
+          <p:cNvPr id="2" name="Title 1"/>
+          <p:cNvSpPr>
+            <a:spLocks noGrp="1"/>
+          </p:cNvSpPr>
+          <p:nvPr>
+            <p:ph type="title"/>
+          </p:nvPr>
+        </p:nvSpPr>
+        <p:spPr/>
+        <p:txBody>
+          <a:bodyPr/>
+          <a:lstStyle/>
+          <a:p>
+            <a:r>
+              <a:rPr lang="en-US" dirty="0"/>
+              <a:t>Exercise</a:t>
+            </a:r>
+          </a:p>
+        </p:txBody>
+      </p:sp>
+      <p:sp>
+        <p:nvSpPr>
+          <p:cNvPr id="3" name="Content Placeholder 2"/>
+          <p:cNvSpPr txBox="1">
+            <a:spLocks/>
+          </p:cNvSpPr>
+          <p:nvPr/>
+        </p:nvSpPr>
+        <p:spPr>
+          <a:xfrm>
+            <a:off x="198157" y="838200"/>
+            <a:ext cx="8802967" cy="3394472"/>
+          </a:xfrm>
+          <a:prstGeom prst="rect">
+            <a:avLst/>
+          </a:prstGeom>
+        </p:spPr>
+        <p:txBody>
+          <a:bodyPr/>
+          <a:lstStyle>
+            <a:lvl1pPr marL="228600" indent="-228600" algn="l" defTabSz="457200" rtl="0" eaLnBrk="1" latinLnBrk="0" hangingPunct="1">
+              <a:spcBef>
+                <a:spcPts val="0"/>
+              </a:spcBef>
+              <a:buClr>
+                <a:schemeClr val="accent1"/>
+              </a:buClr>
+              <a:buFont typeface="Wingdings" charset="2"/>
+              <a:buChar char="§"/>
+              <a:defRPr sz="2400" kern="1200">
+                <a:solidFill>
+                  <a:schemeClr val="tx1"/>
+                </a:solidFill>
+                <a:latin typeface="+mn-lt"/>
+                <a:ea typeface="+mn-ea"/>
+                <a:cs typeface="+mn-cs"/>
+              </a:defRPr>
+            </a:lvl1pPr>
+            <a:lvl2pPr marL="455613" indent="-227013" algn="l" defTabSz="457200" rtl="0" eaLnBrk="1" latinLnBrk="0" hangingPunct="1">
+              <a:spcBef>
+                <a:spcPts val="0"/>
+              </a:spcBef>
+              <a:buClr>
+                <a:srgbClr val="262626"/>
+              </a:buClr>
+              <a:buFont typeface="Wingdings" charset="2"/>
+              <a:buChar char="§"/>
+              <a:defRPr sz="2000" kern="1200">
+                <a:solidFill>
+                  <a:schemeClr val="tx1"/>
+                </a:solidFill>
+                <a:latin typeface="+mn-lt"/>
+                <a:ea typeface="+mn-ea"/>
+                <a:cs typeface="+mn-cs"/>
+              </a:defRPr>
+            </a:lvl2pPr>
+            <a:lvl3pPr marL="455613" indent="-228600" algn="l" defTabSz="457200" rtl="0" eaLnBrk="1" latinLnBrk="0" hangingPunct="1">
+              <a:spcBef>
+                <a:spcPts val="0"/>
+              </a:spcBef>
+              <a:buClr>
+                <a:srgbClr val="262626"/>
+              </a:buClr>
+              <a:buFont typeface="Wingdings" charset="2"/>
+              <a:buChar char="§"/>
+              <a:defRPr sz="2000" kern="1200">
+                <a:solidFill>
+                  <a:schemeClr val="tx1"/>
+                </a:solidFill>
+                <a:latin typeface="+mn-lt"/>
+                <a:ea typeface="+mn-ea"/>
+                <a:cs typeface="+mn-cs"/>
+              </a:defRPr>
+            </a:lvl3pPr>
+            <a:lvl4pPr marL="455613" indent="-228600" algn="l" defTabSz="457200" rtl="0" eaLnBrk="1" latinLnBrk="0" hangingPunct="1">
+              <a:spcBef>
+                <a:spcPts val="0"/>
+              </a:spcBef>
+              <a:buClr>
+                <a:srgbClr val="262626"/>
+              </a:buClr>
+              <a:buFont typeface="Wingdings" charset="2"/>
+              <a:buChar char="§"/>
+              <a:defRPr sz="2000" kern="1200">
+                <a:solidFill>
+                  <a:schemeClr val="tx1"/>
+                </a:solidFill>
+                <a:latin typeface="+mn-lt"/>
+                <a:ea typeface="+mn-ea"/>
+                <a:cs typeface="+mn-cs"/>
+              </a:defRPr>
+            </a:lvl4pPr>
+            <a:lvl5pPr marL="455613" indent="-228600" algn="l" defTabSz="457200" rtl="0" eaLnBrk="1" latinLnBrk="0" hangingPunct="1">
+              <a:spcBef>
+                <a:spcPts val="200"/>
+              </a:spcBef>
+              <a:buClr>
+                <a:srgbClr val="262626"/>
+              </a:buClr>
+              <a:buFont typeface="Wingdings" charset="2"/>
+              <a:buChar char="§"/>
+              <a:defRPr sz="2000" kern="1200">
+                <a:solidFill>
+                  <a:schemeClr val="tx1"/>
+                </a:solidFill>
+                <a:latin typeface="+mn-lt"/>
+                <a:ea typeface="+mn-ea"/>
+                <a:cs typeface="+mn-cs"/>
+              </a:defRPr>
+            </a:lvl5pPr>
+            <a:lvl6pPr marL="2514600" indent="-228600" algn="l" defTabSz="457200" rtl="0" eaLnBrk="1" latinLnBrk="0" hangingPunct="1">
+              <a:spcBef>
+                <a:spcPct val="20000"/>
+              </a:spcBef>
+              <a:buFont typeface="Arial"/>
+              <a:buChar char="•"/>
+              <a:defRPr sz="2000" kern="1200">
+                <a:solidFill>
+                  <a:schemeClr val="tx1"/>
+                </a:solidFill>
+                <a:latin typeface="+mn-lt"/>
+                <a:ea typeface="+mn-ea"/>
+                <a:cs typeface="+mn-cs"/>
+              </a:defRPr>
+            </a:lvl6pPr>
+            <a:lvl7pPr marL="2971800" indent="-228600" algn="l" defTabSz="457200" rtl="0" eaLnBrk="1" latinLnBrk="0" hangingPunct="1">
+              <a:spcBef>
+                <a:spcPct val="20000"/>
+              </a:spcBef>
+              <a:buFont typeface="Arial"/>
+              <a:buChar char="•"/>
+              <a:defRPr sz="2000" kern="1200">
+                <a:solidFill>
+                  <a:schemeClr val="tx1"/>
+                </a:solidFill>
+                <a:latin typeface="+mn-lt"/>
+                <a:ea typeface="+mn-ea"/>
+                <a:cs typeface="+mn-cs"/>
+              </a:defRPr>
+            </a:lvl7pPr>
+            <a:lvl8pPr marL="3429000" indent="-228600" algn="l" defTabSz="457200" rtl="0" eaLnBrk="1" latinLnBrk="0" hangingPunct="1">
+              <a:spcBef>
+                <a:spcPct val="20000"/>
+              </a:spcBef>
+              <a:buFont typeface="Arial"/>
+              <a:buChar char="•"/>
+              <a:defRPr sz="2000" kern="1200">
+                <a:solidFill>
+                  <a:schemeClr val="tx1"/>
+                </a:solidFill>
+                <a:latin typeface="+mn-lt"/>
+                <a:ea typeface="+mn-ea"/>
+                <a:cs typeface="+mn-cs"/>
+              </a:defRPr>
+            </a:lvl8pPr>
+            <a:lvl9pPr marL="3886200" indent="-228600" algn="l" defTabSz="457200" rtl="0" eaLnBrk="1" latinLnBrk="0" hangingPunct="1">
+              <a:spcBef>
+                <a:spcPct val="20000"/>
+              </a:spcBef>
+              <a:buFont typeface="Arial"/>
+              <a:buChar char="•"/>
+              <a:defRPr sz="2000" kern="1200">
+                <a:solidFill>
+                  <a:schemeClr val="tx1"/>
+                </a:solidFill>
+                <a:latin typeface="+mn-lt"/>
+                <a:ea typeface="+mn-ea"/>
+                <a:cs typeface="+mn-cs"/>
+              </a:defRPr>
+            </a:lvl9pPr>
+          </a:lstStyle>
+          <a:p>
+            <a:pPr marL="342900" indent="-342900">
+              <a:buFont typeface="Arial" charset="0"/>
+              <a:buChar char="•"/>
+            </a:pPr>
+            <a:endParaRPr lang="en-US" dirty="0"/>
+          </a:p>
+          <a:p>
+            <a:pPr marL="342900" indent="-342900">
+              <a:buFont typeface="Arial" charset="0"/>
+              <a:buChar char="•"/>
+            </a:pPr>
+            <a:r>
+              <a:rPr lang="en-US" dirty="0"/>
+              <a:t>Checkout the code from </a:t>
+            </a:r>
+            <a:r>
+              <a:rPr lang="en-US" dirty="0" err="1"/>
+              <a:t>Github</a:t>
+            </a:r>
+            <a:endParaRPr lang="en-US" dirty="0"/>
+          </a:p>
+          <a:p>
+            <a:pPr marL="569913" lvl="1" indent="-342900">
+              <a:buFont typeface="Arial" charset="0"/>
+              <a:buChar char="•"/>
+            </a:pPr>
+            <a:r>
+              <a:rPr lang="en-US" sz="1800" dirty="0">
+                <a:hlinkClick r:id="rId3"/>
+              </a:rPr>
+              <a:t>https://github.com/couchbaselabs/aspnet-nosql-workshop/tree/master/0</a:t>
+            </a:r>
+            <a:r>
+              <a:rPr lang="en-US" sz="1800" dirty="0"/>
+              <a:t>4</a:t>
+            </a:r>
+          </a:p>
+          <a:p>
+            <a:pPr marL="569913" lvl="1" indent="-342900">
+              <a:buFont typeface="Arial" charset="0"/>
+              <a:buChar char="•"/>
+            </a:pPr>
+            <a:endParaRPr lang="en-US" dirty="0"/>
+          </a:p>
+          <a:p>
+            <a:pPr marL="342900" indent="-342900">
+              <a:buFont typeface="Arial" charset="0"/>
+              <a:buChar char="•"/>
+            </a:pPr>
+            <a:r>
+              <a:rPr lang="en-US" dirty="0"/>
+              <a:t>The source code is also available on USB sticks</a:t>
+            </a:r>
+          </a:p>
+          <a:p>
+            <a:pPr marL="342900" indent="-342900">
+              <a:buFont typeface="Arial" charset="0"/>
+              <a:buChar char="•"/>
+            </a:pPr>
+            <a:endParaRPr lang="en-US" dirty="0"/>
+          </a:p>
+          <a:p>
+            <a:pPr marL="342900" indent="-342900">
+              <a:buFont typeface="Arial" charset="0"/>
+              <a:buChar char="•"/>
+            </a:pPr>
+            <a:endParaRPr lang="en-US" b="1" dirty="0"/>
+          </a:p>
+          <a:p>
+            <a:endParaRPr lang="en-US" dirty="0"/>
+          </a:p>
+        </p:txBody>
+      </p:sp>
+    </p:spTree>
+    <p:extLst>
+      <p:ext uri="{BB962C8B-B14F-4D97-AF65-F5344CB8AC3E}">
+        <p14:creationId xmlns:p14="http://schemas.microsoft.com/office/powerpoint/2010/main" val="2933329572"/>
       </p:ext>
     </p:extLst>
   </p:cSld>
@@ -9575,327 +9771,6 @@
           <a:p>
             <a:r>
               <a:rPr lang="en-US" dirty="0"/>
-              <a:t>Exercise: Fill in the blanks</a:t>
-            </a:r>
-          </a:p>
-        </p:txBody>
-      </p:sp>
-      <p:sp>
-        <p:nvSpPr>
-          <p:cNvPr id="3" name="Content Placeholder 2"/>
-          <p:cNvSpPr txBox="1">
-            <a:spLocks/>
-          </p:cNvSpPr>
-          <p:nvPr/>
-        </p:nvSpPr>
-        <p:spPr>
-          <a:xfrm>
-            <a:off x="198157" y="838200"/>
-            <a:ext cx="8802967" cy="3394472"/>
-          </a:xfrm>
-          <a:prstGeom prst="rect">
-            <a:avLst/>
-          </a:prstGeom>
-        </p:spPr>
-        <p:txBody>
-          <a:bodyPr/>
-          <a:lstStyle>
-            <a:lvl1pPr marL="228600" indent="-228600" algn="l" defTabSz="457200" rtl="0" eaLnBrk="1" latinLnBrk="0" hangingPunct="1">
-              <a:spcBef>
-                <a:spcPts val="0"/>
-              </a:spcBef>
-              <a:buClr>
-                <a:schemeClr val="accent1"/>
-              </a:buClr>
-              <a:buFont typeface="Wingdings" charset="2"/>
-              <a:buChar char="§"/>
-              <a:defRPr sz="2400" kern="1200">
-                <a:solidFill>
-                  <a:schemeClr val="tx1"/>
-                </a:solidFill>
-                <a:latin typeface="+mn-lt"/>
-                <a:ea typeface="+mn-ea"/>
-                <a:cs typeface="+mn-cs"/>
-              </a:defRPr>
-            </a:lvl1pPr>
-            <a:lvl2pPr marL="455613" indent="-227013" algn="l" defTabSz="457200" rtl="0" eaLnBrk="1" latinLnBrk="0" hangingPunct="1">
-              <a:spcBef>
-                <a:spcPts val="0"/>
-              </a:spcBef>
-              <a:buClr>
-                <a:srgbClr val="262626"/>
-              </a:buClr>
-              <a:buFont typeface="Wingdings" charset="2"/>
-              <a:buChar char="§"/>
-              <a:defRPr sz="2000" kern="1200">
-                <a:solidFill>
-                  <a:schemeClr val="tx1"/>
-                </a:solidFill>
-                <a:latin typeface="+mn-lt"/>
-                <a:ea typeface="+mn-ea"/>
-                <a:cs typeface="+mn-cs"/>
-              </a:defRPr>
-            </a:lvl2pPr>
-            <a:lvl3pPr marL="455613" indent="-228600" algn="l" defTabSz="457200" rtl="0" eaLnBrk="1" latinLnBrk="0" hangingPunct="1">
-              <a:spcBef>
-                <a:spcPts val="0"/>
-              </a:spcBef>
-              <a:buClr>
-                <a:srgbClr val="262626"/>
-              </a:buClr>
-              <a:buFont typeface="Wingdings" charset="2"/>
-              <a:buChar char="§"/>
-              <a:defRPr sz="2000" kern="1200">
-                <a:solidFill>
-                  <a:schemeClr val="tx1"/>
-                </a:solidFill>
-                <a:latin typeface="+mn-lt"/>
-                <a:ea typeface="+mn-ea"/>
-                <a:cs typeface="+mn-cs"/>
-              </a:defRPr>
-            </a:lvl3pPr>
-            <a:lvl4pPr marL="455613" indent="-228600" algn="l" defTabSz="457200" rtl="0" eaLnBrk="1" latinLnBrk="0" hangingPunct="1">
-              <a:spcBef>
-                <a:spcPts val="0"/>
-              </a:spcBef>
-              <a:buClr>
-                <a:srgbClr val="262626"/>
-              </a:buClr>
-              <a:buFont typeface="Wingdings" charset="2"/>
-              <a:buChar char="§"/>
-              <a:defRPr sz="2000" kern="1200">
-                <a:solidFill>
-                  <a:schemeClr val="tx1"/>
-                </a:solidFill>
-                <a:latin typeface="+mn-lt"/>
-                <a:ea typeface="+mn-ea"/>
-                <a:cs typeface="+mn-cs"/>
-              </a:defRPr>
-            </a:lvl4pPr>
-            <a:lvl5pPr marL="455613" indent="-228600" algn="l" defTabSz="457200" rtl="0" eaLnBrk="1" latinLnBrk="0" hangingPunct="1">
-              <a:spcBef>
-                <a:spcPts val="200"/>
-              </a:spcBef>
-              <a:buClr>
-                <a:srgbClr val="262626"/>
-              </a:buClr>
-              <a:buFont typeface="Wingdings" charset="2"/>
-              <a:buChar char="§"/>
-              <a:defRPr sz="2000" kern="1200">
-                <a:solidFill>
-                  <a:schemeClr val="tx1"/>
-                </a:solidFill>
-                <a:latin typeface="+mn-lt"/>
-                <a:ea typeface="+mn-ea"/>
-                <a:cs typeface="+mn-cs"/>
-              </a:defRPr>
-            </a:lvl5pPr>
-            <a:lvl6pPr marL="2514600" indent="-228600" algn="l" defTabSz="457200" rtl="0" eaLnBrk="1" latinLnBrk="0" hangingPunct="1">
-              <a:spcBef>
-                <a:spcPct val="20000"/>
-              </a:spcBef>
-              <a:buFont typeface="Arial"/>
-              <a:buChar char="•"/>
-              <a:defRPr sz="2000" kern="1200">
-                <a:solidFill>
-                  <a:schemeClr val="tx1"/>
-                </a:solidFill>
-                <a:latin typeface="+mn-lt"/>
-                <a:ea typeface="+mn-ea"/>
-                <a:cs typeface="+mn-cs"/>
-              </a:defRPr>
-            </a:lvl6pPr>
-            <a:lvl7pPr marL="2971800" indent="-228600" algn="l" defTabSz="457200" rtl="0" eaLnBrk="1" latinLnBrk="0" hangingPunct="1">
-              <a:spcBef>
-                <a:spcPct val="20000"/>
-              </a:spcBef>
-              <a:buFont typeface="Arial"/>
-              <a:buChar char="•"/>
-              <a:defRPr sz="2000" kern="1200">
-                <a:solidFill>
-                  <a:schemeClr val="tx1"/>
-                </a:solidFill>
-                <a:latin typeface="+mn-lt"/>
-                <a:ea typeface="+mn-ea"/>
-                <a:cs typeface="+mn-cs"/>
-              </a:defRPr>
-            </a:lvl7pPr>
-            <a:lvl8pPr marL="3429000" indent="-228600" algn="l" defTabSz="457200" rtl="0" eaLnBrk="1" latinLnBrk="0" hangingPunct="1">
-              <a:spcBef>
-                <a:spcPct val="20000"/>
-              </a:spcBef>
-              <a:buFont typeface="Arial"/>
-              <a:buChar char="•"/>
-              <a:defRPr sz="2000" kern="1200">
-                <a:solidFill>
-                  <a:schemeClr val="tx1"/>
-                </a:solidFill>
-                <a:latin typeface="+mn-lt"/>
-                <a:ea typeface="+mn-ea"/>
-                <a:cs typeface="+mn-cs"/>
-              </a:defRPr>
-            </a:lvl8pPr>
-            <a:lvl9pPr marL="3886200" indent="-228600" algn="l" defTabSz="457200" rtl="0" eaLnBrk="1" latinLnBrk="0" hangingPunct="1">
-              <a:spcBef>
-                <a:spcPct val="20000"/>
-              </a:spcBef>
-              <a:buFont typeface="Arial"/>
-              <a:buChar char="•"/>
-              <a:defRPr sz="2000" kern="1200">
-                <a:solidFill>
-                  <a:schemeClr val="tx1"/>
-                </a:solidFill>
-                <a:latin typeface="+mn-lt"/>
-                <a:ea typeface="+mn-ea"/>
-                <a:cs typeface="+mn-cs"/>
-              </a:defRPr>
-            </a:lvl9pPr>
-          </a:lstStyle>
-          <a:p>
-            <a:pPr marL="342900" indent="-342900">
-              <a:buFont typeface="Arial" charset="0"/>
-              <a:buChar char="•"/>
-            </a:pPr>
-            <a:r>
-              <a:rPr lang="en-US" dirty="0"/>
-              <a:t>Fill in the blanks to make the application work</a:t>
-            </a:r>
-          </a:p>
-          <a:p>
-            <a:pPr marL="569913" lvl="1" indent="-342900">
-              <a:buFont typeface="Arial" charset="0"/>
-              <a:buChar char="•"/>
-            </a:pPr>
-            <a:r>
-              <a:rPr lang="en-US" dirty="0" err="1"/>
-              <a:t>angular_workshop</a:t>
-            </a:r>
-            <a:endParaRPr lang="en-US" dirty="0"/>
-          </a:p>
-          <a:p>
-            <a:pPr marL="569913" lvl="1" indent="-342900">
-              <a:buFont typeface="Arial" charset="0"/>
-              <a:buChar char="•"/>
-            </a:pPr>
-            <a:r>
-              <a:rPr lang="en-US" dirty="0"/>
-              <a:t>Completed versions are in the angular folder</a:t>
-            </a:r>
-          </a:p>
-          <a:p>
-            <a:pPr marL="342900" indent="-342900">
-              <a:buFont typeface="Arial" charset="0"/>
-              <a:buChar char="•"/>
-            </a:pPr>
-            <a:endParaRPr lang="en-US" dirty="0"/>
-          </a:p>
-          <a:p>
-            <a:pPr marL="342900" indent="-342900">
-              <a:buFont typeface="Arial" charset="0"/>
-              <a:buChar char="•"/>
-            </a:pPr>
-            <a:r>
-              <a:rPr lang="en-US" dirty="0"/>
-              <a:t>Checkout the code from </a:t>
-            </a:r>
-            <a:r>
-              <a:rPr lang="en-US" dirty="0" err="1"/>
-              <a:t>Github</a:t>
-            </a:r>
-            <a:endParaRPr lang="en-US" dirty="0"/>
-          </a:p>
-          <a:p>
-            <a:pPr marL="569913" lvl="1" indent="-342900">
-              <a:buFont typeface="Arial" charset="0"/>
-              <a:buChar char="•"/>
-            </a:pPr>
-            <a:r>
-              <a:rPr lang="en-US" sz="1800" dirty="0">
-                <a:hlinkClick r:id="rId2"/>
-              </a:rPr>
-              <a:t>https://github.com/couchbaselabs/aspnet-nosql-workshop/tree/master/0</a:t>
-            </a:r>
-            <a:r>
-              <a:rPr lang="en-US" sz="1800" dirty="0"/>
-              <a:t>4</a:t>
-            </a:r>
-          </a:p>
-          <a:p>
-            <a:pPr marL="569913" lvl="1" indent="-342900">
-              <a:buFont typeface="Arial" charset="0"/>
-              <a:buChar char="•"/>
-            </a:pPr>
-            <a:endParaRPr lang="en-US" dirty="0"/>
-          </a:p>
-          <a:p>
-            <a:pPr marL="342900" indent="-342900">
-              <a:buFont typeface="Arial" charset="0"/>
-              <a:buChar char="•"/>
-            </a:pPr>
-            <a:r>
-              <a:rPr lang="en-US" dirty="0"/>
-              <a:t>The source code is also available on USB sticks</a:t>
-            </a:r>
-          </a:p>
-          <a:p>
-            <a:pPr marL="342900" indent="-342900">
-              <a:buFont typeface="Arial" charset="0"/>
-              <a:buChar char="•"/>
-            </a:pPr>
-            <a:endParaRPr lang="en-US" b="1" dirty="0"/>
-          </a:p>
-          <a:p>
-            <a:endParaRPr lang="en-US" dirty="0"/>
-          </a:p>
-        </p:txBody>
-      </p:sp>
-    </p:spTree>
-    <p:extLst>
-      <p:ext uri="{BB962C8B-B14F-4D97-AF65-F5344CB8AC3E}">
-        <p14:creationId xmlns:p14="http://schemas.microsoft.com/office/powerpoint/2010/main" val="2933329572"/>
-      </p:ext>
-    </p:extLst>
-  </p:cSld>
-  <p:clrMapOvr>
-    <a:masterClrMapping/>
-  </p:clrMapOvr>
-</p:sld>
-</file>
-
-<file path=ppt/slides/slide17.xml><?xml version="1.0" encoding="utf-8"?>
-<p:sld xmlns:a="http://schemas.openxmlformats.org/drawingml/2006/main" xmlns:r="http://schemas.openxmlformats.org/officeDocument/2006/relationships" xmlns:p="http://schemas.openxmlformats.org/presentationml/2006/main">
-  <p:cSld>
-    <p:spTree>
-      <p:nvGrpSpPr>
-        <p:cNvPr id="1" name=""/>
-        <p:cNvGrpSpPr/>
-        <p:nvPr/>
-      </p:nvGrpSpPr>
-      <p:grpSpPr>
-        <a:xfrm>
-          <a:off x="0" y="0"/>
-          <a:ext cx="0" cy="0"/>
-          <a:chOff x="0" y="0"/>
-          <a:chExt cx="0" cy="0"/>
-        </a:xfrm>
-      </p:grpSpPr>
-      <p:sp>
-        <p:nvSpPr>
-          <p:cNvPr id="2" name="Title 1"/>
-          <p:cNvSpPr>
-            <a:spLocks noGrp="1"/>
-          </p:cNvSpPr>
-          <p:nvPr>
-            <p:ph type="title"/>
-          </p:nvPr>
-        </p:nvSpPr>
-        <p:spPr/>
-        <p:txBody>
-          <a:bodyPr/>
-          <a:lstStyle/>
-          <a:p>
-            <a:r>
-              <a:rPr lang="en-US" dirty="0"/>
               <a:t>Exercise: Getting Started</a:t>
             </a:r>
           </a:p>
@@ -9917,24 +9792,6 @@
           <a:lstStyle/>
           <a:p>
             <a:r>
-              <a:rPr lang="en-US" dirty="0"/>
-              <a:t>We’re going to fill in one of the blanks together, one for each language/platform.</a:t>
-            </a:r>
-          </a:p>
-          <a:p>
-            <a:endParaRPr lang="en-US" dirty="0"/>
-          </a:p>
-          <a:p>
-            <a:r>
-              <a:rPr lang="en-US" dirty="0"/>
-              <a:t>The rest of the them are up to you.</a:t>
-            </a:r>
-          </a:p>
-          <a:p>
-            <a:endParaRPr lang="en-US" dirty="0"/>
-          </a:p>
-          <a:p>
-            <a:r>
               <a:rPr lang="en-US" b="1" dirty="0"/>
               <a:t>At the end of the lab, your app should be able to </a:t>
             </a:r>
@@ -9949,7 +9806,15 @@
           <a:p>
             <a:r>
               <a:rPr lang="en-US" dirty="0"/>
-              <a:t>If you have questions or are running into a problem, we’ll be walking around helping you individually.</a:t>
+              <a:t>If you have questions or are running into a problem</a:t>
+            </a:r>
+            <a:r>
+              <a:rPr lang="en-US"/>
+              <a:t>, I’ll </a:t>
+            </a:r>
+            <a:r>
+              <a:rPr lang="en-US" dirty="0"/>
+              <a:t>be walking around helping you individually.</a:t>
             </a:r>
           </a:p>
         </p:txBody>
@@ -10154,7 +10019,7 @@
             </a:pPr>
             <a:r>
               <a:rPr lang="en-US" dirty="0"/>
-              <a:t>Angular 2 (UI)</a:t>
+              <a:t>Angular 4 (UI)</a:t>
             </a:r>
           </a:p>
           <a:p>
@@ -12645,7 +12510,7 @@
           <a:p>
             <a:r>
               <a:rPr lang="en-US" dirty="0"/>
-              <a:t>GET using Http</a:t>
+              <a:t>GET using HTTP</a:t>
             </a:r>
           </a:p>
         </p:txBody>
